--- a/Final_presentation.pptx
+++ b/Final_presentation.pptx
@@ -1,53 +1,46 @@
 
 <file path=ppt/presentation.xml><?xml version="1.0" encoding="utf-8"?>
-<p:presentation xmlns:a="http://schemas.openxmlformats.org/drawingml/2006/main" xmlns:r="http://schemas.openxmlformats.org/officeDocument/2006/relationships" xmlns:p="http://schemas.openxmlformats.org/presentationml/2006/main" strictFirstAndLastChars="0" embedTrueTypeFonts="1" saveSubsetFonts="1" autoCompressPictures="0">
+<p:presentation xmlns:a="http://schemas.openxmlformats.org/drawingml/2006/main" xmlns:r="http://schemas.openxmlformats.org/officeDocument/2006/relationships" xmlns:mc="http://schemas.openxmlformats.org/markup-compatibility/2006" xmlns:mv="urn:schemas-microsoft-com:mac:vml" xmlns:p="http://schemas.openxmlformats.org/presentationml/2006/main" xmlns:c="http://schemas.openxmlformats.org/drawingml/2006/chart" xmlns:dgm="http://schemas.openxmlformats.org/drawingml/2006/diagram" xmlns:o="urn:schemas-microsoft-com:office:office" xmlns:v="urn:schemas-microsoft-com:vml" xmlns:pvml="urn:schemas-microsoft-com:office:powerpoint" xmlns:com="http://schemas.openxmlformats.org/drawingml/2006/compatibility" xmlns:p14="http://schemas.microsoft.com/office/powerpoint/2010/main" xmlns:p15="http://schemas.microsoft.com/office/powerpoint/2012/main" xmlns:ahyp="http://schemas.microsoft.com/office/drawing/2018/hyperlinkcolor" autoCompressPictures="0" embedTrueTypeFonts="1" strictFirstAndLastChars="0" saveSubsetFonts="1">
   <p:sldMasterIdLst>
-    <p:sldMasterId id="2147483648" r:id="rId1"/>
+    <p:sldMasterId id="2147483648" r:id="rId3"/>
   </p:sldMasterIdLst>
   <p:notesMasterIdLst>
-    <p:notesMasterId r:id="rId19"/>
+    <p:notesMasterId r:id="rId4"/>
   </p:notesMasterIdLst>
   <p:sldIdLst>
-    <p:sldId id="256" r:id="rId2"/>
-    <p:sldId id="257" r:id="rId3"/>
-    <p:sldId id="258" r:id="rId4"/>
-    <p:sldId id="259" r:id="rId5"/>
-    <p:sldId id="260" r:id="rId6"/>
-    <p:sldId id="261" r:id="rId7"/>
-    <p:sldId id="262" r:id="rId8"/>
-    <p:sldId id="263" r:id="rId9"/>
-    <p:sldId id="264" r:id="rId10"/>
-    <p:sldId id="265" r:id="rId11"/>
-    <p:sldId id="266" r:id="rId12"/>
-    <p:sldId id="268" r:id="rId13"/>
-    <p:sldId id="269" r:id="rId14"/>
-    <p:sldId id="270" r:id="rId15"/>
-    <p:sldId id="271" r:id="rId16"/>
-    <p:sldId id="272" r:id="rId17"/>
-    <p:sldId id="273" r:id="rId18"/>
+    <p:sldId id="256" r:id="rId5"/>
+    <p:sldId id="257" r:id="rId6"/>
+    <p:sldId id="258" r:id="rId7"/>
+    <p:sldId id="259" r:id="rId8"/>
+    <p:sldId id="260" r:id="rId9"/>
+    <p:sldId id="261" r:id="rId10"/>
+    <p:sldId id="262" r:id="rId11"/>
+    <p:sldId id="263" r:id="rId12"/>
+    <p:sldId id="264" r:id="rId13"/>
+    <p:sldId id="265" r:id="rId14"/>
+    <p:sldId id="266" r:id="rId15"/>
+    <p:sldId id="267" r:id="rId16"/>
+    <p:sldId id="268" r:id="rId17"/>
+    <p:sldId id="269" r:id="rId18"/>
+    <p:sldId id="270" r:id="rId19"/>
+    <p:sldId id="271" r:id="rId20"/>
+    <p:sldId id="272" r:id="rId21"/>
   </p:sldIdLst>
-  <p:sldSz cx="12192000" cy="6858000"/>
+  <p:sldSz cy="6858000" cx="12192000"/>
   <p:notesSz cx="6858000" cy="9144000"/>
   <p:embeddedFontLst>
     <p:embeddedFont>
-      <p:font typeface="Average" pitchFamily="2" charset="77"/>
-      <p:regular r:id="rId20"/>
+      <p:font typeface="Average"/>
+      <p:regular r:id="rId22"/>
     </p:embeddedFont>
     <p:embeddedFont>
-      <p:font typeface="Century Gothic" panose="020B0502020202020204" pitchFamily="34" charset="0"/>
-      <p:regular r:id="rId21"/>
-      <p:bold r:id="rId22"/>
-      <p:italic r:id="rId23"/>
-      <p:boldItalic r:id="rId24"/>
-    </p:embeddedFont>
-    <p:embeddedFont>
-      <p:font typeface="Oswald" pitchFamily="2" charset="77"/>
-      <p:regular r:id="rId25"/>
-      <p:bold r:id="rId26"/>
+      <p:font typeface="Oswald"/>
+      <p:regular r:id="rId23"/>
+      <p:bold r:id="rId24"/>
     </p:embeddedFont>
   </p:embeddedFontLst>
   <p:defaultTextStyle>
-    <a:defPPr marR="0" lvl="0" algn="l" rtl="0">
+    <a:defPPr lvl="0" marR="0" rtl="0" algn="l">
       <a:lnSpc>
         <a:spcPct val="100000"/>
       </a:lnSpc>
@@ -58,7 +51,7 @@
         <a:spcPts val="0"/>
       </a:spcAft>
     </a:defPPr>
-    <a:lvl1pPr marR="0" lvl="0" algn="l" rtl="0">
+    <a:lvl1pPr lvl="0" marR="0" rtl="0" algn="l">
       <a:lnSpc>
         <a:spcPct val="100000"/>
       </a:lnSpc>
@@ -72,7 +65,7 @@
         <a:srgbClr val="000000"/>
       </a:buClr>
       <a:buFont typeface="Arial"/>
-      <a:defRPr sz="1400" b="0" i="0" u="none" strike="noStrike" cap="none">
+      <a:defRPr b="0" i="0" sz="1400" u="none" cap="none" strike="noStrike">
         <a:solidFill>
           <a:srgbClr val="000000"/>
         </a:solidFill>
@@ -82,7 +75,7 @@
         <a:sym typeface="Arial"/>
       </a:defRPr>
     </a:lvl1pPr>
-    <a:lvl2pPr marR="0" lvl="1" algn="l" rtl="0">
+    <a:lvl2pPr lvl="1" marR="0" rtl="0" algn="l">
       <a:lnSpc>
         <a:spcPct val="100000"/>
       </a:lnSpc>
@@ -96,7 +89,7 @@
         <a:srgbClr val="000000"/>
       </a:buClr>
       <a:buFont typeface="Arial"/>
-      <a:defRPr sz="1400" b="0" i="0" u="none" strike="noStrike" cap="none">
+      <a:defRPr b="0" i="0" sz="1400" u="none" cap="none" strike="noStrike">
         <a:solidFill>
           <a:srgbClr val="000000"/>
         </a:solidFill>
@@ -106,7 +99,7 @@
         <a:sym typeface="Arial"/>
       </a:defRPr>
     </a:lvl2pPr>
-    <a:lvl3pPr marR="0" lvl="2" algn="l" rtl="0">
+    <a:lvl3pPr lvl="2" marR="0" rtl="0" algn="l">
       <a:lnSpc>
         <a:spcPct val="100000"/>
       </a:lnSpc>
@@ -120,7 +113,7 @@
         <a:srgbClr val="000000"/>
       </a:buClr>
       <a:buFont typeface="Arial"/>
-      <a:defRPr sz="1400" b="0" i="0" u="none" strike="noStrike" cap="none">
+      <a:defRPr b="0" i="0" sz="1400" u="none" cap="none" strike="noStrike">
         <a:solidFill>
           <a:srgbClr val="000000"/>
         </a:solidFill>
@@ -130,7 +123,7 @@
         <a:sym typeface="Arial"/>
       </a:defRPr>
     </a:lvl3pPr>
-    <a:lvl4pPr marR="0" lvl="3" algn="l" rtl="0">
+    <a:lvl4pPr lvl="3" marR="0" rtl="0" algn="l">
       <a:lnSpc>
         <a:spcPct val="100000"/>
       </a:lnSpc>
@@ -144,7 +137,7 @@
         <a:srgbClr val="000000"/>
       </a:buClr>
       <a:buFont typeface="Arial"/>
-      <a:defRPr sz="1400" b="0" i="0" u="none" strike="noStrike" cap="none">
+      <a:defRPr b="0" i="0" sz="1400" u="none" cap="none" strike="noStrike">
         <a:solidFill>
           <a:srgbClr val="000000"/>
         </a:solidFill>
@@ -154,7 +147,7 @@
         <a:sym typeface="Arial"/>
       </a:defRPr>
     </a:lvl4pPr>
-    <a:lvl5pPr marR="0" lvl="4" algn="l" rtl="0">
+    <a:lvl5pPr lvl="4" marR="0" rtl="0" algn="l">
       <a:lnSpc>
         <a:spcPct val="100000"/>
       </a:lnSpc>
@@ -168,7 +161,7 @@
         <a:srgbClr val="000000"/>
       </a:buClr>
       <a:buFont typeface="Arial"/>
-      <a:defRPr sz="1400" b="0" i="0" u="none" strike="noStrike" cap="none">
+      <a:defRPr b="0" i="0" sz="1400" u="none" cap="none" strike="noStrike">
         <a:solidFill>
           <a:srgbClr val="000000"/>
         </a:solidFill>
@@ -178,7 +171,7 @@
         <a:sym typeface="Arial"/>
       </a:defRPr>
     </a:lvl5pPr>
-    <a:lvl6pPr marR="0" lvl="5" algn="l" rtl="0">
+    <a:lvl6pPr lvl="5" marR="0" rtl="0" algn="l">
       <a:lnSpc>
         <a:spcPct val="100000"/>
       </a:lnSpc>
@@ -192,7 +185,7 @@
         <a:srgbClr val="000000"/>
       </a:buClr>
       <a:buFont typeface="Arial"/>
-      <a:defRPr sz="1400" b="0" i="0" u="none" strike="noStrike" cap="none">
+      <a:defRPr b="0" i="0" sz="1400" u="none" cap="none" strike="noStrike">
         <a:solidFill>
           <a:srgbClr val="000000"/>
         </a:solidFill>
@@ -202,7 +195,7 @@
         <a:sym typeface="Arial"/>
       </a:defRPr>
     </a:lvl6pPr>
-    <a:lvl7pPr marR="0" lvl="6" algn="l" rtl="0">
+    <a:lvl7pPr lvl="6" marR="0" rtl="0" algn="l">
       <a:lnSpc>
         <a:spcPct val="100000"/>
       </a:lnSpc>
@@ -216,7 +209,7 @@
         <a:srgbClr val="000000"/>
       </a:buClr>
       <a:buFont typeface="Arial"/>
-      <a:defRPr sz="1400" b="0" i="0" u="none" strike="noStrike" cap="none">
+      <a:defRPr b="0" i="0" sz="1400" u="none" cap="none" strike="noStrike">
         <a:solidFill>
           <a:srgbClr val="000000"/>
         </a:solidFill>
@@ -226,7 +219,7 @@
         <a:sym typeface="Arial"/>
       </a:defRPr>
     </a:lvl7pPr>
-    <a:lvl8pPr marR="0" lvl="7" algn="l" rtl="0">
+    <a:lvl8pPr lvl="7" marR="0" rtl="0" algn="l">
       <a:lnSpc>
         <a:spcPct val="100000"/>
       </a:lnSpc>
@@ -240,7 +233,7 @@
         <a:srgbClr val="000000"/>
       </a:buClr>
       <a:buFont typeface="Arial"/>
-      <a:defRPr sz="1400" b="0" i="0" u="none" strike="noStrike" cap="none">
+      <a:defRPr b="0" i="0" sz="1400" u="none" cap="none" strike="noStrike">
         <a:solidFill>
           <a:srgbClr val="000000"/>
         </a:solidFill>
@@ -250,7 +243,7 @@
         <a:sym typeface="Arial"/>
       </a:defRPr>
     </a:lvl8pPr>
-    <a:lvl9pPr marR="0" lvl="8" algn="l" rtl="0">
+    <a:lvl9pPr lvl="8" marR="0" rtl="0" algn="l">
       <a:lnSpc>
         <a:spcPct val="100000"/>
       </a:lnSpc>
@@ -264,7 +257,7 @@
         <a:srgbClr val="000000"/>
       </a:buClr>
       <a:buFont typeface="Arial"/>
-      <a:defRPr sz="1400" b="0" i="0" u="none" strike="noStrike" cap="none">
+      <a:defRPr b="0" i="0" sz="1400" u="none" cap="none" strike="noStrike">
         <a:solidFill>
           <a:srgbClr val="000000"/>
         </a:solidFill>
@@ -277,23 +270,18 @@
   </p:defaultTextStyle>
   <p:extLst>
     <p:ext uri="GoogleSlidesCustomDataVersion2">
-      <go:slidesCustomData xmlns:go="http://customooxmlschemas.google.com/" xmlns:ahyp="http://schemas.microsoft.com/office/drawing/2018/hyperlinkcolor" xmlns:p15="http://schemas.microsoft.com/office/powerpoint/2012/main" xmlns:p14="http://schemas.microsoft.com/office/powerpoint/2010/main" xmlns:com="http://schemas.openxmlformats.org/drawingml/2006/compatibility" xmlns:pvml="urn:schemas-microsoft-com:office:powerpoint" xmlns:v="urn:schemas-microsoft-com:vml" xmlns:o="urn:schemas-microsoft-com:office:office" xmlns:dgm="http://schemas.openxmlformats.org/drawingml/2006/diagram" xmlns:c="http://schemas.openxmlformats.org/drawingml/2006/chart" xmlns:mv="urn:schemas-microsoft-com:mac:vml" xmlns:mc="http://schemas.openxmlformats.org/markup-compatibility/2006" xmlns="" r:id="rId27" roundtripDataSignature="AMtx7mguODK8vAtLK1goVYGj0Yg0ccVv7Q=="/>
+      <go:slidesCustomData xmlns:go="http://customooxmlschemas.google.com/" r:id="rId25" roundtripDataSignature="AMtx7mg7phfvladNbl9iDbXfwE+PmDzSxg=="/>
     </p:ext>
   </p:extLst>
 </p:presentation>
 </file>
 
 <file path=ppt/notesMasters/notesMaster1.xml><?xml version="1.0" encoding="utf-8"?>
-<p:notesMaster xmlns:a="http://schemas.openxmlformats.org/drawingml/2006/main" xmlns:r="http://schemas.openxmlformats.org/officeDocument/2006/relationships" xmlns:p="http://schemas.openxmlformats.org/presentationml/2006/main">
+<p:notesMaster xmlns:a="http://schemas.openxmlformats.org/drawingml/2006/main" xmlns:r="http://schemas.openxmlformats.org/officeDocument/2006/relationships" xmlns:mc="http://schemas.openxmlformats.org/markup-compatibility/2006" xmlns:mv="urn:schemas-microsoft-com:mac:vml" xmlns:p="http://schemas.openxmlformats.org/presentationml/2006/main" xmlns:c="http://schemas.openxmlformats.org/drawingml/2006/chart" xmlns:dgm="http://schemas.openxmlformats.org/drawingml/2006/diagram" xmlns:o="urn:schemas-microsoft-com:office:office" xmlns:v="urn:schemas-microsoft-com:vml" xmlns:pvml="urn:schemas-microsoft-com:office:powerpoint" xmlns:com="http://schemas.openxmlformats.org/drawingml/2006/compatibility" xmlns:p14="http://schemas.microsoft.com/office/powerpoint/2010/main" xmlns:p15="http://schemas.microsoft.com/office/powerpoint/2012/main" xmlns:ahyp="http://schemas.microsoft.com/office/drawing/2018/hyperlinkcolor">
   <p:cSld>
-    <p:bg>
-      <p:bgRef idx="1001">
-        <a:schemeClr val="bg1"/>
-      </p:bgRef>
-    </p:bg>
     <p:spTree>
       <p:nvGrpSpPr>
-        <p:cNvPr id="1" name="Shape 2"/>
+        <p:cNvPr id="2" name="Shape 2"/>
         <p:cNvGrpSpPr/>
         <p:nvPr/>
       </p:nvGrpSpPr>
@@ -308,11 +296,9 @@
       <p:sp>
         <p:nvSpPr>
           <p:cNvPr id="3" name="Google Shape;3;n"/>
-          <p:cNvSpPr>
-            <a:spLocks noGrp="1" noRot="1" noChangeAspect="1"/>
-          </p:cNvSpPr>
+          <p:cNvSpPr/>
           <p:nvPr>
-            <p:ph type="sldImg" idx="2"/>
+            <p:ph idx="2" type="sldImg"/>
           </p:nvPr>
         </p:nvSpPr>
         <p:spPr>
@@ -321,13 +307,9 @@
             <a:ext cx="4572225" cy="3429000"/>
           </a:xfrm>
           <a:custGeom>
-            <a:avLst/>
-            <a:gdLst/>
-            <a:ahLst/>
-            <a:cxnLst/>
-            <a:rect l="l" t="t" r="r" b="b"/>
+            <a:rect b="b" l="l" r="r" t="t"/>
             <a:pathLst>
-              <a:path w="120000" h="120000" extrusionOk="0">
+              <a:path extrusionOk="0" h="120000" w="120000">
                 <a:moveTo>
                   <a:pt x="0" y="0"/>
                 </a:moveTo>
@@ -345,25 +327,23 @@
             </a:pathLst>
           </a:custGeom>
           <a:noFill/>
-          <a:ln w="9525" cap="flat" cmpd="sng">
+          <a:ln cap="flat" cmpd="sng" w="9525">
             <a:solidFill>
               <a:srgbClr val="000000"/>
             </a:solidFill>
             <a:prstDash val="solid"/>
             <a:round/>
-            <a:headEnd type="none" w="sm" len="sm"/>
-            <a:tailEnd type="none" w="sm" len="sm"/>
+            <a:headEnd len="sm" w="sm" type="none"/>
+            <a:tailEnd len="sm" w="sm" type="none"/>
           </a:ln>
         </p:spPr>
       </p:sp>
       <p:sp>
         <p:nvSpPr>
           <p:cNvPr id="4" name="Google Shape;4;n"/>
-          <p:cNvSpPr txBox="1">
-            <a:spLocks noGrp="1"/>
-          </p:cNvSpPr>
+          <p:cNvSpPr txBox="1"/>
           <p:nvPr>
-            <p:ph type="body" idx="1"/>
+            <p:ph idx="1" type="body"/>
           </p:nvPr>
         </p:nvSpPr>
         <p:spPr>
@@ -380,11 +360,11 @@
           </a:ln>
         </p:spPr>
         <p:txBody>
-          <a:bodyPr spcFirstLastPara="1" wrap="square" lIns="91425" tIns="91425" rIns="91425" bIns="91425" anchor="t" anchorCtr="0">
+          <a:bodyPr anchorCtr="0" anchor="t" bIns="91425" lIns="91425" spcFirstLastPara="1" rIns="91425" wrap="square" tIns="91425">
             <a:noAutofit/>
           </a:bodyPr>
           <a:lstStyle>
-            <a:lvl1pPr marL="457200" lvl="0" indent="-298450">
+            <a:lvl1pPr indent="-298450" lvl="0" marL="457200">
               <a:spcBef>
                 <a:spcPts val="0"/>
               </a:spcBef>
@@ -395,7 +375,7 @@
               <a:buChar char="●"/>
               <a:defRPr sz="1100"/>
             </a:lvl1pPr>
-            <a:lvl2pPr marL="914400" lvl="1" indent="-298450">
+            <a:lvl2pPr indent="-298450" lvl="1" marL="914400">
               <a:spcBef>
                 <a:spcPts val="0"/>
               </a:spcBef>
@@ -406,7 +386,7 @@
               <a:buChar char="○"/>
               <a:defRPr sz="1100"/>
             </a:lvl2pPr>
-            <a:lvl3pPr marL="1371600" lvl="2" indent="-298450">
+            <a:lvl3pPr indent="-298450" lvl="2" marL="1371600">
               <a:spcBef>
                 <a:spcPts val="0"/>
               </a:spcBef>
@@ -417,7 +397,7 @@
               <a:buChar char="■"/>
               <a:defRPr sz="1100"/>
             </a:lvl3pPr>
-            <a:lvl4pPr marL="1828800" lvl="3" indent="-298450">
+            <a:lvl4pPr indent="-298450" lvl="3" marL="1828800">
               <a:spcBef>
                 <a:spcPts val="0"/>
               </a:spcBef>
@@ -428,7 +408,7 @@
               <a:buChar char="●"/>
               <a:defRPr sz="1100"/>
             </a:lvl4pPr>
-            <a:lvl5pPr marL="2286000" lvl="4" indent="-298450">
+            <a:lvl5pPr indent="-298450" lvl="4" marL="2286000">
               <a:spcBef>
                 <a:spcPts val="0"/>
               </a:spcBef>
@@ -439,7 +419,7 @@
               <a:buChar char="○"/>
               <a:defRPr sz="1100"/>
             </a:lvl5pPr>
-            <a:lvl6pPr marL="2743200" lvl="5" indent="-298450">
+            <a:lvl6pPr indent="-298450" lvl="5" marL="2743200">
               <a:spcBef>
                 <a:spcPts val="0"/>
               </a:spcBef>
@@ -450,7 +430,7 @@
               <a:buChar char="■"/>
               <a:defRPr sz="1100"/>
             </a:lvl6pPr>
-            <a:lvl7pPr marL="3200400" lvl="6" indent="-298450">
+            <a:lvl7pPr indent="-298450" lvl="6" marL="3200400">
               <a:spcBef>
                 <a:spcPts val="0"/>
               </a:spcBef>
@@ -461,7 +441,7 @@
               <a:buChar char="●"/>
               <a:defRPr sz="1100"/>
             </a:lvl7pPr>
-            <a:lvl8pPr marL="3657600" lvl="7" indent="-298450">
+            <a:lvl8pPr indent="-298450" lvl="7" marL="3657600">
               <a:spcBef>
                 <a:spcPts val="0"/>
               </a:spcBef>
@@ -472,7 +452,7 @@
               <a:buChar char="○"/>
               <a:defRPr sz="1100"/>
             </a:lvl8pPr>
-            <a:lvl9pPr marL="4114800" lvl="8" indent="-298450">
+            <a:lvl9pPr indent="-298450" lvl="8" marL="4114800">
               <a:spcBef>
                 <a:spcPts val="0"/>
               </a:spcBef>
@@ -484,16 +464,14 @@
               <a:defRPr sz="1100"/>
             </a:lvl9pPr>
           </a:lstStyle>
-          <a:p>
-            <a:endParaRPr/>
-          </a:p>
+          <a:p/>
         </p:txBody>
       </p:sp>
     </p:spTree>
   </p:cSld>
-  <p:clrMap bg1="lt1" tx1="dk1" bg2="dk2" tx2="lt2" accent1="accent1" accent2="accent2" accent3="accent3" accent4="accent4" accent5="accent5" accent6="accent6" hlink="hlink" folHlink="folHlink"/>
+  <p:clrMap accent1="accent1" accent2="accent2" accent3="accent3" accent4="accent4" accent5="accent5" accent6="accent6" bg1="lt1" bg2="dk2" tx1="dk1" tx2="lt2" folHlink="folHlink" hlink="hlink"/>
   <p:notesStyle>
-    <a:defPPr marR="0" lvl="0" algn="l" rtl="0">
+    <a:defPPr lvl="0" marR="0" rtl="0" algn="l">
       <a:lnSpc>
         <a:spcPct val="100000"/>
       </a:lnSpc>
@@ -504,7 +482,7 @@
         <a:spcPts val="0"/>
       </a:spcAft>
     </a:defPPr>
-    <a:lvl1pPr marR="0" lvl="0" algn="l" rtl="0">
+    <a:lvl1pPr lvl="0" marR="0" rtl="0" algn="l">
       <a:lnSpc>
         <a:spcPct val="100000"/>
       </a:lnSpc>
@@ -518,7 +496,7 @@
         <a:srgbClr val="000000"/>
       </a:buClr>
       <a:buFont typeface="Arial"/>
-      <a:defRPr sz="1400" b="0" i="0" u="none" strike="noStrike" cap="none">
+      <a:defRPr b="0" i="0" sz="1400" u="none" cap="none" strike="noStrike">
         <a:solidFill>
           <a:srgbClr val="000000"/>
         </a:solidFill>
@@ -528,7 +506,7 @@
         <a:sym typeface="Arial"/>
       </a:defRPr>
     </a:lvl1pPr>
-    <a:lvl2pPr marR="0" lvl="1" algn="l" rtl="0">
+    <a:lvl2pPr lvl="1" marR="0" rtl="0" algn="l">
       <a:lnSpc>
         <a:spcPct val="100000"/>
       </a:lnSpc>
@@ -542,7 +520,7 @@
         <a:srgbClr val="000000"/>
       </a:buClr>
       <a:buFont typeface="Arial"/>
-      <a:defRPr sz="1400" b="0" i="0" u="none" strike="noStrike" cap="none">
+      <a:defRPr b="0" i="0" sz="1400" u="none" cap="none" strike="noStrike">
         <a:solidFill>
           <a:srgbClr val="000000"/>
         </a:solidFill>
@@ -552,7 +530,7 @@
         <a:sym typeface="Arial"/>
       </a:defRPr>
     </a:lvl2pPr>
-    <a:lvl3pPr marR="0" lvl="2" algn="l" rtl="0">
+    <a:lvl3pPr lvl="2" marR="0" rtl="0" algn="l">
       <a:lnSpc>
         <a:spcPct val="100000"/>
       </a:lnSpc>
@@ -566,7 +544,7 @@
         <a:srgbClr val="000000"/>
       </a:buClr>
       <a:buFont typeface="Arial"/>
-      <a:defRPr sz="1400" b="0" i="0" u="none" strike="noStrike" cap="none">
+      <a:defRPr b="0" i="0" sz="1400" u="none" cap="none" strike="noStrike">
         <a:solidFill>
           <a:srgbClr val="000000"/>
         </a:solidFill>
@@ -576,7 +554,7 @@
         <a:sym typeface="Arial"/>
       </a:defRPr>
     </a:lvl3pPr>
-    <a:lvl4pPr marR="0" lvl="3" algn="l" rtl="0">
+    <a:lvl4pPr lvl="3" marR="0" rtl="0" algn="l">
       <a:lnSpc>
         <a:spcPct val="100000"/>
       </a:lnSpc>
@@ -590,7 +568,7 @@
         <a:srgbClr val="000000"/>
       </a:buClr>
       <a:buFont typeface="Arial"/>
-      <a:defRPr sz="1400" b="0" i="0" u="none" strike="noStrike" cap="none">
+      <a:defRPr b="0" i="0" sz="1400" u="none" cap="none" strike="noStrike">
         <a:solidFill>
           <a:srgbClr val="000000"/>
         </a:solidFill>
@@ -600,7 +578,7 @@
         <a:sym typeface="Arial"/>
       </a:defRPr>
     </a:lvl4pPr>
-    <a:lvl5pPr marR="0" lvl="4" algn="l" rtl="0">
+    <a:lvl5pPr lvl="4" marR="0" rtl="0" algn="l">
       <a:lnSpc>
         <a:spcPct val="100000"/>
       </a:lnSpc>
@@ -614,7 +592,7 @@
         <a:srgbClr val="000000"/>
       </a:buClr>
       <a:buFont typeface="Arial"/>
-      <a:defRPr sz="1400" b="0" i="0" u="none" strike="noStrike" cap="none">
+      <a:defRPr b="0" i="0" sz="1400" u="none" cap="none" strike="noStrike">
         <a:solidFill>
           <a:srgbClr val="000000"/>
         </a:solidFill>
@@ -624,7 +602,7 @@
         <a:sym typeface="Arial"/>
       </a:defRPr>
     </a:lvl5pPr>
-    <a:lvl6pPr marR="0" lvl="5" algn="l" rtl="0">
+    <a:lvl6pPr lvl="5" marR="0" rtl="0" algn="l">
       <a:lnSpc>
         <a:spcPct val="100000"/>
       </a:lnSpc>
@@ -638,7 +616,7 @@
         <a:srgbClr val="000000"/>
       </a:buClr>
       <a:buFont typeface="Arial"/>
-      <a:defRPr sz="1400" b="0" i="0" u="none" strike="noStrike" cap="none">
+      <a:defRPr b="0" i="0" sz="1400" u="none" cap="none" strike="noStrike">
         <a:solidFill>
           <a:srgbClr val="000000"/>
         </a:solidFill>
@@ -648,7 +626,7 @@
         <a:sym typeface="Arial"/>
       </a:defRPr>
     </a:lvl6pPr>
-    <a:lvl7pPr marR="0" lvl="6" algn="l" rtl="0">
+    <a:lvl7pPr lvl="6" marR="0" rtl="0" algn="l">
       <a:lnSpc>
         <a:spcPct val="100000"/>
       </a:lnSpc>
@@ -662,7 +640,7 @@
         <a:srgbClr val="000000"/>
       </a:buClr>
       <a:buFont typeface="Arial"/>
-      <a:defRPr sz="1400" b="0" i="0" u="none" strike="noStrike" cap="none">
+      <a:defRPr b="0" i="0" sz="1400" u="none" cap="none" strike="noStrike">
         <a:solidFill>
           <a:srgbClr val="000000"/>
         </a:solidFill>
@@ -672,7 +650,7 @@
         <a:sym typeface="Arial"/>
       </a:defRPr>
     </a:lvl7pPr>
-    <a:lvl8pPr marR="0" lvl="7" algn="l" rtl="0">
+    <a:lvl8pPr lvl="7" marR="0" rtl="0" algn="l">
       <a:lnSpc>
         <a:spcPct val="100000"/>
       </a:lnSpc>
@@ -686,7 +664,7 @@
         <a:srgbClr val="000000"/>
       </a:buClr>
       <a:buFont typeface="Arial"/>
-      <a:defRPr sz="1400" b="0" i="0" u="none" strike="noStrike" cap="none">
+      <a:defRPr b="0" i="0" sz="1400" u="none" cap="none" strike="noStrike">
         <a:solidFill>
           <a:srgbClr val="000000"/>
         </a:solidFill>
@@ -696,7 +674,7 @@
         <a:sym typeface="Arial"/>
       </a:defRPr>
     </a:lvl8pPr>
-    <a:lvl9pPr marR="0" lvl="8" algn="l" rtl="0">
+    <a:lvl9pPr lvl="8" marR="0" rtl="0" algn="l">
       <a:lnSpc>
         <a:spcPct val="100000"/>
       </a:lnSpc>
@@ -710,7 +688,7 @@
         <a:srgbClr val="000000"/>
       </a:buClr>
       <a:buFont typeface="Arial"/>
-      <a:defRPr sz="1400" b="0" i="0" u="none" strike="noStrike" cap="none">
+      <a:defRPr b="0" i="0" sz="1400" u="none" cap="none" strike="noStrike">
         <a:solidFill>
           <a:srgbClr val="000000"/>
         </a:solidFill>
@@ -725,11 +703,11 @@
 </file>
 
 <file path=ppt/notesSlides/notesSlide1.xml><?xml version="1.0" encoding="utf-8"?>
-<p:notes xmlns:a="http://schemas.openxmlformats.org/drawingml/2006/main" xmlns:r="http://schemas.openxmlformats.org/officeDocument/2006/relationships" xmlns:p="http://schemas.openxmlformats.org/presentationml/2006/main" showMasterSp="0" showMasterPhAnim="0">
+<p:notes xmlns:a="http://schemas.openxmlformats.org/drawingml/2006/main" xmlns:r="http://schemas.openxmlformats.org/officeDocument/2006/relationships" xmlns:mc="http://schemas.openxmlformats.org/markup-compatibility/2006" xmlns:mv="urn:schemas-microsoft-com:mac:vml" xmlns:p="http://schemas.openxmlformats.org/presentationml/2006/main" xmlns:c="http://schemas.openxmlformats.org/drawingml/2006/chart" xmlns:dgm="http://schemas.openxmlformats.org/drawingml/2006/diagram" xmlns:o="urn:schemas-microsoft-com:office:office" xmlns:v="urn:schemas-microsoft-com:vml" xmlns:pvml="urn:schemas-microsoft-com:office:powerpoint" xmlns:com="http://schemas.openxmlformats.org/drawingml/2006/compatibility" xmlns:p14="http://schemas.microsoft.com/office/powerpoint/2010/main" xmlns:p15="http://schemas.microsoft.com/office/powerpoint/2012/main" xmlns:ahyp="http://schemas.microsoft.com/office/drawing/2018/hyperlinkcolor" showMasterPhAnim="0" showMasterSp="0">
   <p:cSld>
     <p:spTree>
       <p:nvGrpSpPr>
-        <p:cNvPr id="1" name="Shape 55"/>
+        <p:cNvPr id="55" name="Shape 55"/>
         <p:cNvGrpSpPr/>
         <p:nvPr/>
       </p:nvGrpSpPr>
@@ -744,11 +722,9 @@
       <p:sp>
         <p:nvSpPr>
           <p:cNvPr id="56" name="Google Shape;56;g313f73036cb_0_155:notes"/>
-          <p:cNvSpPr>
-            <a:spLocks noGrp="1" noRot="1" noChangeAspect="1"/>
-          </p:cNvSpPr>
+          <p:cNvSpPr/>
           <p:nvPr>
-            <p:ph type="sldImg" idx="2"/>
+            <p:ph idx="2" type="sldImg"/>
           </p:nvPr>
         </p:nvSpPr>
         <p:spPr>
@@ -757,13 +733,9 @@
             <a:ext cx="4572300" cy="3429000"/>
           </a:xfrm>
           <a:custGeom>
-            <a:avLst/>
-            <a:gdLst/>
-            <a:ahLst/>
-            <a:cxnLst/>
-            <a:rect l="l" t="t" r="r" b="b"/>
+            <a:rect b="b" l="l" r="r" t="t"/>
             <a:pathLst>
-              <a:path w="120000" h="120000" extrusionOk="0">
+              <a:path extrusionOk="0" h="120000" w="120000">
                 <a:moveTo>
                   <a:pt x="0" y="0"/>
                 </a:moveTo>
@@ -785,11 +757,9 @@
       <p:sp>
         <p:nvSpPr>
           <p:cNvPr id="57" name="Google Shape;57;g313f73036cb_0_155:notes"/>
-          <p:cNvSpPr txBox="1">
-            <a:spLocks noGrp="1"/>
-          </p:cNvSpPr>
+          <p:cNvSpPr txBox="1"/>
           <p:nvPr>
-            <p:ph type="body" idx="1"/>
+            <p:ph idx="1" type="body"/>
           </p:nvPr>
         </p:nvSpPr>
         <p:spPr>
@@ -802,20 +772,23 @@
           </a:prstGeom>
         </p:spPr>
         <p:txBody>
-          <a:bodyPr spcFirstLastPara="1" wrap="square" lIns="91425" tIns="91425" rIns="91425" bIns="91425" anchor="t" anchorCtr="0">
+          <a:bodyPr anchorCtr="0" anchor="t" bIns="91425" lIns="91425" spcFirstLastPara="1" rIns="91425" wrap="square" tIns="91425">
             <a:noAutofit/>
           </a:bodyPr>
           <a:lstStyle/>
           <a:p>
-            <a:pPr marL="0" lvl="0" indent="0" algn="l" rtl="0">
-              <a:spcBef>
-                <a:spcPts val="0"/>
-              </a:spcBef>
-              <a:spcAft>
-                <a:spcPts val="0"/>
-              </a:spcAft>
-              <a:buNone/>
-            </a:pPr>
+            <a:pPr indent="0" lvl="0" marL="0" rtl="0" algn="l">
+              <a:spcBef>
+                <a:spcPts val="0"/>
+              </a:spcBef>
+              <a:spcAft>
+                <a:spcPts val="0"/>
+              </a:spcAft>
+              <a:buNone/>
+            </a:pPr>
+            <a:r>
+              <a:t/>
+            </a:r>
             <a:endParaRPr/>
           </a:p>
         </p:txBody>
@@ -829,11 +802,11 @@
 </file>
 
 <file path=ppt/notesSlides/notesSlide10.xml><?xml version="1.0" encoding="utf-8"?>
-<p:notes xmlns:a="http://schemas.openxmlformats.org/drawingml/2006/main" xmlns:r="http://schemas.openxmlformats.org/officeDocument/2006/relationships" xmlns:p="http://schemas.openxmlformats.org/presentationml/2006/main" showMasterSp="0" showMasterPhAnim="0">
+<p:notes xmlns:a="http://schemas.openxmlformats.org/drawingml/2006/main" xmlns:r="http://schemas.openxmlformats.org/officeDocument/2006/relationships" xmlns:mc="http://schemas.openxmlformats.org/markup-compatibility/2006" xmlns:mv="urn:schemas-microsoft-com:mac:vml" xmlns:p="http://schemas.openxmlformats.org/presentationml/2006/main" xmlns:c="http://schemas.openxmlformats.org/drawingml/2006/chart" xmlns:dgm="http://schemas.openxmlformats.org/drawingml/2006/diagram" xmlns:o="urn:schemas-microsoft-com:office:office" xmlns:v="urn:schemas-microsoft-com:vml" xmlns:pvml="urn:schemas-microsoft-com:office:powerpoint" xmlns:com="http://schemas.openxmlformats.org/drawingml/2006/compatibility" xmlns:p14="http://schemas.microsoft.com/office/powerpoint/2010/main" xmlns:p15="http://schemas.microsoft.com/office/powerpoint/2012/main" xmlns:ahyp="http://schemas.microsoft.com/office/drawing/2018/hyperlinkcolor" showMasterPhAnim="0" showMasterSp="0">
   <p:cSld>
     <p:spTree>
       <p:nvGrpSpPr>
-        <p:cNvPr id="1" name="Shape 111"/>
+        <p:cNvPr id="111" name="Shape 111"/>
         <p:cNvGrpSpPr/>
         <p:nvPr/>
       </p:nvGrpSpPr>
@@ -848,26 +821,20 @@
       <p:sp>
         <p:nvSpPr>
           <p:cNvPr id="112" name="Google Shape;112;g313f73036cb_0_201:notes"/>
-          <p:cNvSpPr>
-            <a:spLocks noGrp="1" noRot="1" noChangeAspect="1"/>
-          </p:cNvSpPr>
+          <p:cNvSpPr/>
           <p:nvPr>
-            <p:ph type="sldImg" idx="2"/>
+            <p:ph idx="2" type="sldImg"/>
           </p:nvPr>
         </p:nvSpPr>
         <p:spPr>
           <a:xfrm>
-            <a:off x="381000" y="685800"/>
-            <a:ext cx="6096000" cy="3429000"/>
+            <a:off x="1143225" y="685800"/>
+            <a:ext cx="4572300" cy="3429000"/>
           </a:xfrm>
           <a:custGeom>
-            <a:avLst/>
-            <a:gdLst/>
-            <a:ahLst/>
-            <a:cxnLst/>
-            <a:rect l="l" t="t" r="r" b="b"/>
+            <a:rect b="b" l="l" r="r" t="t"/>
             <a:pathLst>
-              <a:path w="120000" h="120000" extrusionOk="0">
+              <a:path extrusionOk="0" h="120000" w="120000">
                 <a:moveTo>
                   <a:pt x="0" y="0"/>
                 </a:moveTo>
@@ -889,11 +856,9 @@
       <p:sp>
         <p:nvSpPr>
           <p:cNvPr id="113" name="Google Shape;113;g313f73036cb_0_201:notes"/>
-          <p:cNvSpPr txBox="1">
-            <a:spLocks noGrp="1"/>
-          </p:cNvSpPr>
+          <p:cNvSpPr txBox="1"/>
           <p:nvPr>
-            <p:ph type="body" idx="1"/>
+            <p:ph idx="1" type="body"/>
           </p:nvPr>
         </p:nvSpPr>
         <p:spPr>
@@ -906,20 +871,23 @@
           </a:prstGeom>
         </p:spPr>
         <p:txBody>
-          <a:bodyPr spcFirstLastPara="1" wrap="square" lIns="91425" tIns="91425" rIns="91425" bIns="91425" anchor="t" anchorCtr="0">
+          <a:bodyPr anchorCtr="0" anchor="t" bIns="91425" lIns="91425" spcFirstLastPara="1" rIns="91425" wrap="square" tIns="91425">
             <a:noAutofit/>
           </a:bodyPr>
           <a:lstStyle/>
           <a:p>
-            <a:pPr marL="0" lvl="0" indent="0" algn="l" rtl="0">
-              <a:spcBef>
-                <a:spcPts val="0"/>
-              </a:spcBef>
-              <a:spcAft>
-                <a:spcPts val="0"/>
-              </a:spcAft>
-              <a:buNone/>
-            </a:pPr>
+            <a:pPr indent="0" lvl="0" marL="0" rtl="0" algn="l">
+              <a:spcBef>
+                <a:spcPts val="0"/>
+              </a:spcBef>
+              <a:spcAft>
+                <a:spcPts val="0"/>
+              </a:spcAft>
+              <a:buNone/>
+            </a:pPr>
+            <a:r>
+              <a:t/>
+            </a:r>
             <a:endParaRPr/>
           </a:p>
         </p:txBody>
@@ -933,11 +901,11 @@
 </file>
 
 <file path=ppt/notesSlides/notesSlide11.xml><?xml version="1.0" encoding="utf-8"?>
-<p:notes xmlns:a="http://schemas.openxmlformats.org/drawingml/2006/main" xmlns:r="http://schemas.openxmlformats.org/officeDocument/2006/relationships" xmlns:p="http://schemas.openxmlformats.org/presentationml/2006/main" showMasterSp="0" showMasterPhAnim="0">
+<p:notes xmlns:a="http://schemas.openxmlformats.org/drawingml/2006/main" xmlns:r="http://schemas.openxmlformats.org/officeDocument/2006/relationships" xmlns:mc="http://schemas.openxmlformats.org/markup-compatibility/2006" xmlns:mv="urn:schemas-microsoft-com:mac:vml" xmlns:p="http://schemas.openxmlformats.org/presentationml/2006/main" xmlns:c="http://schemas.openxmlformats.org/drawingml/2006/chart" xmlns:dgm="http://schemas.openxmlformats.org/drawingml/2006/diagram" xmlns:o="urn:schemas-microsoft-com:office:office" xmlns:v="urn:schemas-microsoft-com:vml" xmlns:pvml="urn:schemas-microsoft-com:office:powerpoint" xmlns:com="http://schemas.openxmlformats.org/drawingml/2006/compatibility" xmlns:p14="http://schemas.microsoft.com/office/powerpoint/2010/main" xmlns:p15="http://schemas.microsoft.com/office/powerpoint/2012/main" xmlns:ahyp="http://schemas.microsoft.com/office/drawing/2018/hyperlinkcolor" showMasterPhAnim="0" showMasterSp="0">
   <p:cSld>
     <p:spTree>
       <p:nvGrpSpPr>
-        <p:cNvPr id="1" name="Shape 117"/>
+        <p:cNvPr id="117" name="Shape 117"/>
         <p:cNvGrpSpPr/>
         <p:nvPr/>
       </p:nvGrpSpPr>
@@ -952,11 +920,9 @@
       <p:sp>
         <p:nvSpPr>
           <p:cNvPr id="118" name="Google Shape;118;p9:notes"/>
-          <p:cNvSpPr txBox="1">
-            <a:spLocks noGrp="1"/>
-          </p:cNvSpPr>
+          <p:cNvSpPr txBox="1"/>
           <p:nvPr>
-            <p:ph type="body" idx="1"/>
+            <p:ph idx="1" type="body"/>
           </p:nvPr>
         </p:nvSpPr>
         <p:spPr>
@@ -969,20 +935,23 @@
           </a:prstGeom>
         </p:spPr>
         <p:txBody>
-          <a:bodyPr spcFirstLastPara="1" wrap="square" lIns="91425" tIns="91425" rIns="91425" bIns="91425" anchor="t" anchorCtr="0">
+          <a:bodyPr anchorCtr="0" anchor="t" bIns="91425" lIns="91425" spcFirstLastPara="1" rIns="91425" wrap="square" tIns="91425">
             <a:noAutofit/>
           </a:bodyPr>
           <a:lstStyle/>
           <a:p>
-            <a:pPr marL="0" lvl="0" indent="0" algn="l" rtl="0">
-              <a:spcBef>
-                <a:spcPts val="0"/>
-              </a:spcBef>
-              <a:spcAft>
-                <a:spcPts val="0"/>
-              </a:spcAft>
-              <a:buNone/>
-            </a:pPr>
+            <a:pPr indent="0" lvl="0" marL="0" rtl="0" algn="l">
+              <a:spcBef>
+                <a:spcPts val="0"/>
+              </a:spcBef>
+              <a:spcAft>
+                <a:spcPts val="0"/>
+              </a:spcAft>
+              <a:buNone/>
+            </a:pPr>
+            <a:r>
+              <a:t/>
+            </a:r>
             <a:endParaRPr/>
           </a:p>
         </p:txBody>
@@ -990,11 +959,9 @@
       <p:sp>
         <p:nvSpPr>
           <p:cNvPr id="119" name="Google Shape;119;p9:notes"/>
-          <p:cNvSpPr>
-            <a:spLocks noGrp="1" noRot="1" noChangeAspect="1"/>
-          </p:cNvSpPr>
+          <p:cNvSpPr/>
           <p:nvPr>
-            <p:ph type="sldImg" idx="2"/>
+            <p:ph idx="2" type="sldImg"/>
           </p:nvPr>
         </p:nvSpPr>
         <p:spPr>
@@ -1003,13 +970,9 @@
             <a:ext cx="4572225" cy="3429000"/>
           </a:xfrm>
           <a:custGeom>
-            <a:avLst/>
-            <a:gdLst/>
-            <a:ahLst/>
-            <a:cxnLst/>
-            <a:rect l="l" t="t" r="r" b="b"/>
+            <a:rect b="b" l="l" r="r" t="t"/>
             <a:pathLst>
-              <a:path w="120000" h="120000" extrusionOk="0">
+              <a:path extrusionOk="0" h="120000" w="120000">
                 <a:moveTo>
                   <a:pt x="0" y="0"/>
                 </a:moveTo>
@@ -1037,11 +1000,11 @@
 </file>
 
 <file path=ppt/notesSlides/notesSlide12.xml><?xml version="1.0" encoding="utf-8"?>
-<p:notes xmlns:a="http://schemas.openxmlformats.org/drawingml/2006/main" xmlns:r="http://schemas.openxmlformats.org/officeDocument/2006/relationships" xmlns:p="http://schemas.openxmlformats.org/presentationml/2006/main" showMasterSp="0" showMasterPhAnim="0">
+<p:notes xmlns:a="http://schemas.openxmlformats.org/drawingml/2006/main" xmlns:r="http://schemas.openxmlformats.org/officeDocument/2006/relationships" xmlns:mc="http://schemas.openxmlformats.org/markup-compatibility/2006" xmlns:mv="urn:schemas-microsoft-com:mac:vml" xmlns:p="http://schemas.openxmlformats.org/presentationml/2006/main" xmlns:c="http://schemas.openxmlformats.org/drawingml/2006/chart" xmlns:dgm="http://schemas.openxmlformats.org/drawingml/2006/diagram" xmlns:o="urn:schemas-microsoft-com:office:office" xmlns:v="urn:schemas-microsoft-com:vml" xmlns:pvml="urn:schemas-microsoft-com:office:powerpoint" xmlns:com="http://schemas.openxmlformats.org/drawingml/2006/compatibility" xmlns:p14="http://schemas.microsoft.com/office/powerpoint/2010/main" xmlns:p15="http://schemas.microsoft.com/office/powerpoint/2012/main" xmlns:ahyp="http://schemas.microsoft.com/office/drawing/2018/hyperlinkcolor" showMasterPhAnim="0" showMasterSp="0">
   <p:cSld>
     <p:spTree>
       <p:nvGrpSpPr>
-        <p:cNvPr id="1" name="Shape 129"/>
+        <p:cNvPr id="123" name="Shape 123"/>
         <p:cNvGrpSpPr/>
         <p:nvPr/>
       </p:nvGrpSpPr>
@@ -1055,27 +1018,21 @@
       </p:grpSpPr>
       <p:sp>
         <p:nvSpPr>
-          <p:cNvPr id="130" name="Google Shape;130;g313f73036cb_0_208:notes"/>
-          <p:cNvSpPr>
-            <a:spLocks noGrp="1" noRot="1" noChangeAspect="1"/>
-          </p:cNvSpPr>
+          <p:cNvPr id="124" name="Google Shape;124;g313f73036cb_0_208:notes"/>
+          <p:cNvSpPr/>
           <p:nvPr>
-            <p:ph type="sldImg" idx="2"/>
+            <p:ph idx="2" type="sldImg"/>
           </p:nvPr>
         </p:nvSpPr>
         <p:spPr>
           <a:xfrm>
-            <a:off x="381000" y="685800"/>
-            <a:ext cx="6096000" cy="3429000"/>
+            <a:off x="1143225" y="685800"/>
+            <a:ext cx="4572300" cy="3429000"/>
           </a:xfrm>
           <a:custGeom>
-            <a:avLst/>
-            <a:gdLst/>
-            <a:ahLst/>
-            <a:cxnLst/>
-            <a:rect l="l" t="t" r="r" b="b"/>
+            <a:rect b="b" l="l" r="r" t="t"/>
             <a:pathLst>
-              <a:path w="120000" h="120000" extrusionOk="0">
+              <a:path extrusionOk="0" h="120000" w="120000">
                 <a:moveTo>
                   <a:pt x="0" y="0"/>
                 </a:moveTo>
@@ -1096,12 +1053,10 @@
       </p:sp>
       <p:sp>
         <p:nvSpPr>
-          <p:cNvPr id="131" name="Google Shape;131;g313f73036cb_0_208:notes"/>
-          <p:cNvSpPr txBox="1">
-            <a:spLocks noGrp="1"/>
-          </p:cNvSpPr>
+          <p:cNvPr id="125" name="Google Shape;125;g313f73036cb_0_208:notes"/>
+          <p:cNvSpPr txBox="1"/>
           <p:nvPr>
-            <p:ph type="body" idx="1"/>
+            <p:ph idx="1" type="body"/>
           </p:nvPr>
         </p:nvSpPr>
         <p:spPr>
@@ -1114,20 +1069,23 @@
           </a:prstGeom>
         </p:spPr>
         <p:txBody>
-          <a:bodyPr spcFirstLastPara="1" wrap="square" lIns="91425" tIns="91425" rIns="91425" bIns="91425" anchor="t" anchorCtr="0">
+          <a:bodyPr anchorCtr="0" anchor="t" bIns="91425" lIns="91425" spcFirstLastPara="1" rIns="91425" wrap="square" tIns="91425">
             <a:noAutofit/>
           </a:bodyPr>
           <a:lstStyle/>
           <a:p>
-            <a:pPr marL="0" lvl="0" indent="0" algn="l" rtl="0">
-              <a:spcBef>
-                <a:spcPts val="0"/>
-              </a:spcBef>
-              <a:spcAft>
-                <a:spcPts val="0"/>
-              </a:spcAft>
-              <a:buNone/>
-            </a:pPr>
+            <a:pPr indent="0" lvl="0" marL="0" rtl="0" algn="l">
+              <a:spcBef>
+                <a:spcPts val="0"/>
+              </a:spcBef>
+              <a:spcAft>
+                <a:spcPts val="0"/>
+              </a:spcAft>
+              <a:buNone/>
+            </a:pPr>
+            <a:r>
+              <a:t/>
+            </a:r>
             <a:endParaRPr/>
           </a:p>
         </p:txBody>
@@ -1141,11 +1099,11 @@
 </file>
 
 <file path=ppt/notesSlides/notesSlide13.xml><?xml version="1.0" encoding="utf-8"?>
-<p:notes xmlns:a="http://schemas.openxmlformats.org/drawingml/2006/main" xmlns:r="http://schemas.openxmlformats.org/officeDocument/2006/relationships" xmlns:p="http://schemas.openxmlformats.org/presentationml/2006/main" showMasterSp="0" showMasterPhAnim="0">
+<p:notes xmlns:a="http://schemas.openxmlformats.org/drawingml/2006/main" xmlns:r="http://schemas.openxmlformats.org/officeDocument/2006/relationships" xmlns:mc="http://schemas.openxmlformats.org/markup-compatibility/2006" xmlns:mv="urn:schemas-microsoft-com:mac:vml" xmlns:p="http://schemas.openxmlformats.org/presentationml/2006/main" xmlns:c="http://schemas.openxmlformats.org/drawingml/2006/chart" xmlns:dgm="http://schemas.openxmlformats.org/drawingml/2006/diagram" xmlns:o="urn:schemas-microsoft-com:office:office" xmlns:v="urn:schemas-microsoft-com:vml" xmlns:pvml="urn:schemas-microsoft-com:office:powerpoint" xmlns:com="http://schemas.openxmlformats.org/drawingml/2006/compatibility" xmlns:p14="http://schemas.microsoft.com/office/powerpoint/2010/main" xmlns:p15="http://schemas.microsoft.com/office/powerpoint/2012/main" xmlns:ahyp="http://schemas.microsoft.com/office/drawing/2018/hyperlinkcolor" showMasterPhAnim="0" showMasterSp="0">
   <p:cSld>
     <p:spTree>
       <p:nvGrpSpPr>
-        <p:cNvPr id="1" name="Shape 137"/>
+        <p:cNvPr id="131" name="Shape 131"/>
         <p:cNvGrpSpPr/>
         <p:nvPr/>
       </p:nvGrpSpPr>
@@ -1159,12 +1117,10 @@
       </p:grpSpPr>
       <p:sp>
         <p:nvSpPr>
-          <p:cNvPr id="138" name="Google Shape;138;p11:notes"/>
-          <p:cNvSpPr txBox="1">
-            <a:spLocks noGrp="1"/>
-          </p:cNvSpPr>
+          <p:cNvPr id="132" name="Google Shape;132;p11:notes"/>
+          <p:cNvSpPr txBox="1"/>
           <p:nvPr>
-            <p:ph type="body" idx="1"/>
+            <p:ph idx="1" type="body"/>
           </p:nvPr>
         </p:nvSpPr>
         <p:spPr>
@@ -1177,32 +1133,33 @@
           </a:prstGeom>
         </p:spPr>
         <p:txBody>
-          <a:bodyPr spcFirstLastPara="1" wrap="square" lIns="91425" tIns="91425" rIns="91425" bIns="91425" anchor="t" anchorCtr="0">
+          <a:bodyPr anchorCtr="0" anchor="t" bIns="91425" lIns="91425" spcFirstLastPara="1" rIns="91425" wrap="square" tIns="91425">
             <a:noAutofit/>
           </a:bodyPr>
           <a:lstStyle/>
           <a:p>
-            <a:pPr marL="0" lvl="0" indent="0" algn="l" rtl="0">
-              <a:spcBef>
-                <a:spcPts val="0"/>
-              </a:spcBef>
-              <a:spcAft>
-                <a:spcPts val="0"/>
-              </a:spcAft>
-              <a:buNone/>
-            </a:pPr>
+            <a:pPr indent="0" lvl="0" marL="0" rtl="0" algn="l">
+              <a:spcBef>
+                <a:spcPts val="0"/>
+              </a:spcBef>
+              <a:spcAft>
+                <a:spcPts val="0"/>
+              </a:spcAft>
+              <a:buNone/>
+            </a:pPr>
+            <a:r>
+              <a:t/>
+            </a:r>
             <a:endParaRPr/>
           </a:p>
         </p:txBody>
       </p:sp>
       <p:sp>
         <p:nvSpPr>
-          <p:cNvPr id="139" name="Google Shape;139;p11:notes"/>
-          <p:cNvSpPr>
-            <a:spLocks noGrp="1" noRot="1" noChangeAspect="1"/>
-          </p:cNvSpPr>
+          <p:cNvPr id="133" name="Google Shape;133;p11:notes"/>
+          <p:cNvSpPr/>
           <p:nvPr>
-            <p:ph type="sldImg" idx="2"/>
+            <p:ph idx="2" type="sldImg"/>
           </p:nvPr>
         </p:nvSpPr>
         <p:spPr>
@@ -1211,13 +1168,9 @@
             <a:ext cx="4572225" cy="3429000"/>
           </a:xfrm>
           <a:custGeom>
-            <a:avLst/>
-            <a:gdLst/>
-            <a:ahLst/>
-            <a:cxnLst/>
-            <a:rect l="l" t="t" r="r" b="b"/>
+            <a:rect b="b" l="l" r="r" t="t"/>
             <a:pathLst>
-              <a:path w="120000" h="120000" extrusionOk="0">
+              <a:path extrusionOk="0" h="120000" w="120000">
                 <a:moveTo>
                   <a:pt x="0" y="0"/>
                 </a:moveTo>
@@ -1245,11 +1198,11 @@
 </file>
 
 <file path=ppt/notesSlides/notesSlide14.xml><?xml version="1.0" encoding="utf-8"?>
-<p:notes xmlns:a="http://schemas.openxmlformats.org/drawingml/2006/main" xmlns:r="http://schemas.openxmlformats.org/officeDocument/2006/relationships" xmlns:p="http://schemas.openxmlformats.org/presentationml/2006/main" showMasterSp="0" showMasterPhAnim="0">
+<p:notes xmlns:a="http://schemas.openxmlformats.org/drawingml/2006/main" xmlns:r="http://schemas.openxmlformats.org/officeDocument/2006/relationships" xmlns:mc="http://schemas.openxmlformats.org/markup-compatibility/2006" xmlns:mv="urn:schemas-microsoft-com:mac:vml" xmlns:p="http://schemas.openxmlformats.org/presentationml/2006/main" xmlns:c="http://schemas.openxmlformats.org/drawingml/2006/chart" xmlns:dgm="http://schemas.openxmlformats.org/drawingml/2006/diagram" xmlns:o="urn:schemas-microsoft-com:office:office" xmlns:v="urn:schemas-microsoft-com:vml" xmlns:pvml="urn:schemas-microsoft-com:office:powerpoint" xmlns:com="http://schemas.openxmlformats.org/drawingml/2006/compatibility" xmlns:p14="http://schemas.microsoft.com/office/powerpoint/2010/main" xmlns:p15="http://schemas.microsoft.com/office/powerpoint/2012/main" xmlns:ahyp="http://schemas.microsoft.com/office/drawing/2018/hyperlinkcolor" showMasterPhAnim="0" showMasterSp="0">
   <p:cSld>
     <p:spTree>
       <p:nvGrpSpPr>
-        <p:cNvPr id="1" name="Shape 143"/>
+        <p:cNvPr id="137" name="Shape 137"/>
         <p:cNvGrpSpPr/>
         <p:nvPr/>
       </p:nvGrpSpPr>
@@ -1263,12 +1216,10 @@
       </p:grpSpPr>
       <p:sp>
         <p:nvSpPr>
-          <p:cNvPr id="144" name="Google Shape;144;p12:notes"/>
-          <p:cNvSpPr txBox="1">
-            <a:spLocks noGrp="1"/>
-          </p:cNvSpPr>
+          <p:cNvPr id="138" name="Google Shape;138;p12:notes"/>
+          <p:cNvSpPr txBox="1"/>
           <p:nvPr>
-            <p:ph type="body" idx="1"/>
+            <p:ph idx="1" type="body"/>
           </p:nvPr>
         </p:nvSpPr>
         <p:spPr>
@@ -1281,32 +1232,33 @@
           </a:prstGeom>
         </p:spPr>
         <p:txBody>
-          <a:bodyPr spcFirstLastPara="1" wrap="square" lIns="91425" tIns="91425" rIns="91425" bIns="91425" anchor="t" anchorCtr="0">
+          <a:bodyPr anchorCtr="0" anchor="t" bIns="91425" lIns="91425" spcFirstLastPara="1" rIns="91425" wrap="square" tIns="91425">
             <a:noAutofit/>
           </a:bodyPr>
           <a:lstStyle/>
           <a:p>
-            <a:pPr marL="0" lvl="0" indent="0" algn="l" rtl="0">
-              <a:spcBef>
-                <a:spcPts val="0"/>
-              </a:spcBef>
-              <a:spcAft>
-                <a:spcPts val="0"/>
-              </a:spcAft>
-              <a:buNone/>
-            </a:pPr>
+            <a:pPr indent="0" lvl="0" marL="0" rtl="0" algn="l">
+              <a:spcBef>
+                <a:spcPts val="0"/>
+              </a:spcBef>
+              <a:spcAft>
+                <a:spcPts val="0"/>
+              </a:spcAft>
+              <a:buNone/>
+            </a:pPr>
+            <a:r>
+              <a:t/>
+            </a:r>
             <a:endParaRPr/>
           </a:p>
         </p:txBody>
       </p:sp>
       <p:sp>
         <p:nvSpPr>
-          <p:cNvPr id="145" name="Google Shape;145;p12:notes"/>
-          <p:cNvSpPr>
-            <a:spLocks noGrp="1" noRot="1" noChangeAspect="1"/>
-          </p:cNvSpPr>
+          <p:cNvPr id="139" name="Google Shape;139;p12:notes"/>
+          <p:cNvSpPr/>
           <p:nvPr>
-            <p:ph type="sldImg" idx="2"/>
+            <p:ph idx="2" type="sldImg"/>
           </p:nvPr>
         </p:nvSpPr>
         <p:spPr>
@@ -1315,13 +1267,9 @@
             <a:ext cx="4572225" cy="3429000"/>
           </a:xfrm>
           <a:custGeom>
-            <a:avLst/>
-            <a:gdLst/>
-            <a:ahLst/>
-            <a:cxnLst/>
-            <a:rect l="l" t="t" r="r" b="b"/>
+            <a:rect b="b" l="l" r="r" t="t"/>
             <a:pathLst>
-              <a:path w="120000" h="120000" extrusionOk="0">
+              <a:path extrusionOk="0" h="120000" w="120000">
                 <a:moveTo>
                   <a:pt x="0" y="0"/>
                 </a:moveTo>
@@ -1349,11 +1297,11 @@
 </file>
 
 <file path=ppt/notesSlides/notesSlide15.xml><?xml version="1.0" encoding="utf-8"?>
-<p:notes xmlns:a="http://schemas.openxmlformats.org/drawingml/2006/main" xmlns:r="http://schemas.openxmlformats.org/officeDocument/2006/relationships" xmlns:p="http://schemas.openxmlformats.org/presentationml/2006/main" showMasterSp="0" showMasterPhAnim="0">
+<p:notes xmlns:a="http://schemas.openxmlformats.org/drawingml/2006/main" xmlns:r="http://schemas.openxmlformats.org/officeDocument/2006/relationships" xmlns:mc="http://schemas.openxmlformats.org/markup-compatibility/2006" xmlns:mv="urn:schemas-microsoft-com:mac:vml" xmlns:p="http://schemas.openxmlformats.org/presentationml/2006/main" xmlns:c="http://schemas.openxmlformats.org/drawingml/2006/chart" xmlns:dgm="http://schemas.openxmlformats.org/drawingml/2006/diagram" xmlns:o="urn:schemas-microsoft-com:office:office" xmlns:v="urn:schemas-microsoft-com:vml" xmlns:pvml="urn:schemas-microsoft-com:office:powerpoint" xmlns:com="http://schemas.openxmlformats.org/drawingml/2006/compatibility" xmlns:p14="http://schemas.microsoft.com/office/powerpoint/2010/main" xmlns:p15="http://schemas.microsoft.com/office/powerpoint/2012/main" xmlns:ahyp="http://schemas.microsoft.com/office/drawing/2018/hyperlinkcolor" showMasterPhAnim="0" showMasterSp="0">
   <p:cSld>
     <p:spTree>
       <p:nvGrpSpPr>
-        <p:cNvPr id="1" name="Shape 149"/>
+        <p:cNvPr id="143" name="Shape 143"/>
         <p:cNvGrpSpPr/>
         <p:nvPr/>
       </p:nvGrpSpPr>
@@ -1367,12 +1315,10 @@
       </p:grpSpPr>
       <p:sp>
         <p:nvSpPr>
-          <p:cNvPr id="150" name="Google Shape;150;p13:notes"/>
-          <p:cNvSpPr txBox="1">
-            <a:spLocks noGrp="1"/>
-          </p:cNvSpPr>
+          <p:cNvPr id="144" name="Google Shape;144;p13:notes"/>
+          <p:cNvSpPr txBox="1"/>
           <p:nvPr>
-            <p:ph type="body" idx="1"/>
+            <p:ph idx="1" type="body"/>
           </p:nvPr>
         </p:nvSpPr>
         <p:spPr>
@@ -1385,32 +1331,33 @@
           </a:prstGeom>
         </p:spPr>
         <p:txBody>
-          <a:bodyPr spcFirstLastPara="1" wrap="square" lIns="91425" tIns="91425" rIns="91425" bIns="91425" anchor="t" anchorCtr="0">
+          <a:bodyPr anchorCtr="0" anchor="t" bIns="91425" lIns="91425" spcFirstLastPara="1" rIns="91425" wrap="square" tIns="91425">
             <a:noAutofit/>
           </a:bodyPr>
           <a:lstStyle/>
           <a:p>
-            <a:pPr marL="0" lvl="0" indent="0" algn="l" rtl="0">
-              <a:spcBef>
-                <a:spcPts val="0"/>
-              </a:spcBef>
-              <a:spcAft>
-                <a:spcPts val="0"/>
-              </a:spcAft>
-              <a:buNone/>
-            </a:pPr>
+            <a:pPr indent="0" lvl="0" marL="0" rtl="0" algn="l">
+              <a:spcBef>
+                <a:spcPts val="0"/>
+              </a:spcBef>
+              <a:spcAft>
+                <a:spcPts val="0"/>
+              </a:spcAft>
+              <a:buNone/>
+            </a:pPr>
+            <a:r>
+              <a:t/>
+            </a:r>
             <a:endParaRPr/>
           </a:p>
         </p:txBody>
       </p:sp>
       <p:sp>
         <p:nvSpPr>
-          <p:cNvPr id="151" name="Google Shape;151;p13:notes"/>
-          <p:cNvSpPr>
-            <a:spLocks noGrp="1" noRot="1" noChangeAspect="1"/>
-          </p:cNvSpPr>
+          <p:cNvPr id="145" name="Google Shape;145;p13:notes"/>
+          <p:cNvSpPr/>
           <p:nvPr>
-            <p:ph type="sldImg" idx="2"/>
+            <p:ph idx="2" type="sldImg"/>
           </p:nvPr>
         </p:nvSpPr>
         <p:spPr>
@@ -1419,13 +1366,9 @@
             <a:ext cx="4572225" cy="3429000"/>
           </a:xfrm>
           <a:custGeom>
-            <a:avLst/>
-            <a:gdLst/>
-            <a:ahLst/>
-            <a:cxnLst/>
-            <a:rect l="l" t="t" r="r" b="b"/>
+            <a:rect b="b" l="l" r="r" t="t"/>
             <a:pathLst>
-              <a:path w="120000" h="120000" extrusionOk="0">
+              <a:path extrusionOk="0" h="120000" w="120000">
                 <a:moveTo>
                   <a:pt x="0" y="0"/>
                 </a:moveTo>
@@ -1453,11 +1396,11 @@
 </file>
 
 <file path=ppt/notesSlides/notesSlide16.xml><?xml version="1.0" encoding="utf-8"?>
-<p:notes xmlns:a="http://schemas.openxmlformats.org/drawingml/2006/main" xmlns:r="http://schemas.openxmlformats.org/officeDocument/2006/relationships" xmlns:p="http://schemas.openxmlformats.org/presentationml/2006/main" showMasterSp="0" showMasterPhAnim="0">
+<p:notes xmlns:a="http://schemas.openxmlformats.org/drawingml/2006/main" xmlns:r="http://schemas.openxmlformats.org/officeDocument/2006/relationships" xmlns:mc="http://schemas.openxmlformats.org/markup-compatibility/2006" xmlns:mv="urn:schemas-microsoft-com:mac:vml" xmlns:p="http://schemas.openxmlformats.org/presentationml/2006/main" xmlns:c="http://schemas.openxmlformats.org/drawingml/2006/chart" xmlns:dgm="http://schemas.openxmlformats.org/drawingml/2006/diagram" xmlns:o="urn:schemas-microsoft-com:office:office" xmlns:v="urn:schemas-microsoft-com:vml" xmlns:pvml="urn:schemas-microsoft-com:office:powerpoint" xmlns:com="http://schemas.openxmlformats.org/drawingml/2006/compatibility" xmlns:p14="http://schemas.microsoft.com/office/powerpoint/2010/main" xmlns:p15="http://schemas.microsoft.com/office/powerpoint/2012/main" xmlns:ahyp="http://schemas.microsoft.com/office/drawing/2018/hyperlinkcolor" showMasterPhAnim="0" showMasterSp="0">
   <p:cSld>
     <p:spTree>
       <p:nvGrpSpPr>
-        <p:cNvPr id="1" name="Shape 155"/>
+        <p:cNvPr id="149" name="Shape 149"/>
         <p:cNvGrpSpPr/>
         <p:nvPr/>
       </p:nvGrpSpPr>
@@ -1471,12 +1414,10 @@
       </p:grpSpPr>
       <p:sp>
         <p:nvSpPr>
-          <p:cNvPr id="156" name="Google Shape;156;p14:notes"/>
-          <p:cNvSpPr txBox="1">
-            <a:spLocks noGrp="1"/>
-          </p:cNvSpPr>
+          <p:cNvPr id="150" name="Google Shape;150;p14:notes"/>
+          <p:cNvSpPr txBox="1"/>
           <p:nvPr>
-            <p:ph type="body" idx="1"/>
+            <p:ph idx="1" type="body"/>
           </p:nvPr>
         </p:nvSpPr>
         <p:spPr>
@@ -1489,47 +1430,44 @@
           </a:prstGeom>
         </p:spPr>
         <p:txBody>
-          <a:bodyPr spcFirstLastPara="1" wrap="square" lIns="91425" tIns="91425" rIns="91425" bIns="91425" anchor="t" anchorCtr="0">
+          <a:bodyPr anchorCtr="0" anchor="t" bIns="91425" lIns="91425" spcFirstLastPara="1" rIns="91425" wrap="square" tIns="91425">
             <a:noAutofit/>
           </a:bodyPr>
           <a:lstStyle/>
           <a:p>
-            <a:pPr marL="0" lvl="0" indent="0" algn="l" rtl="0">
-              <a:spcBef>
-                <a:spcPts val="0"/>
-              </a:spcBef>
-              <a:spcAft>
-                <a:spcPts val="0"/>
-              </a:spcAft>
-              <a:buNone/>
-            </a:pPr>
+            <a:pPr indent="0" lvl="0" marL="0" rtl="0" algn="l">
+              <a:spcBef>
+                <a:spcPts val="0"/>
+              </a:spcBef>
+              <a:spcAft>
+                <a:spcPts val="0"/>
+              </a:spcAft>
+              <a:buNone/>
+            </a:pPr>
+            <a:r>
+              <a:t/>
+            </a:r>
             <a:endParaRPr/>
           </a:p>
         </p:txBody>
       </p:sp>
       <p:sp>
         <p:nvSpPr>
-          <p:cNvPr id="157" name="Google Shape;157;p14:notes"/>
-          <p:cNvSpPr>
-            <a:spLocks noGrp="1" noRot="1" noChangeAspect="1"/>
-          </p:cNvSpPr>
+          <p:cNvPr id="151" name="Google Shape;151;p14:notes"/>
+          <p:cNvSpPr/>
           <p:nvPr>
-            <p:ph type="sldImg" idx="2"/>
+            <p:ph idx="2" type="sldImg"/>
           </p:nvPr>
         </p:nvSpPr>
         <p:spPr>
           <a:xfrm>
-            <a:off x="381000" y="685800"/>
-            <a:ext cx="6096000" cy="3429000"/>
+            <a:off x="1143225" y="685800"/>
+            <a:ext cx="4572225" cy="3429000"/>
           </a:xfrm>
           <a:custGeom>
-            <a:avLst/>
-            <a:gdLst/>
-            <a:ahLst/>
-            <a:cxnLst/>
-            <a:rect l="l" t="t" r="r" b="b"/>
+            <a:rect b="b" l="l" r="r" t="t"/>
             <a:pathLst>
-              <a:path w="120000" h="120000" extrusionOk="0">
+              <a:path extrusionOk="0" h="120000" w="120000">
                 <a:moveTo>
                   <a:pt x="0" y="0"/>
                 </a:moveTo>
@@ -1557,11 +1495,11 @@
 </file>
 
 <file path=ppt/notesSlides/notesSlide17.xml><?xml version="1.0" encoding="utf-8"?>
-<p:notes xmlns:a="http://schemas.openxmlformats.org/drawingml/2006/main" xmlns:r="http://schemas.openxmlformats.org/officeDocument/2006/relationships" xmlns:p="http://schemas.openxmlformats.org/presentationml/2006/main" showMasterSp="0" showMasterPhAnim="0">
+<p:notes xmlns:a="http://schemas.openxmlformats.org/drawingml/2006/main" xmlns:r="http://schemas.openxmlformats.org/officeDocument/2006/relationships" xmlns:mc="http://schemas.openxmlformats.org/markup-compatibility/2006" xmlns:mv="urn:schemas-microsoft-com:mac:vml" xmlns:p="http://schemas.openxmlformats.org/presentationml/2006/main" xmlns:c="http://schemas.openxmlformats.org/drawingml/2006/chart" xmlns:dgm="http://schemas.openxmlformats.org/drawingml/2006/diagram" xmlns:o="urn:schemas-microsoft-com:office:office" xmlns:v="urn:schemas-microsoft-com:vml" xmlns:pvml="urn:schemas-microsoft-com:office:powerpoint" xmlns:com="http://schemas.openxmlformats.org/drawingml/2006/compatibility" xmlns:p14="http://schemas.microsoft.com/office/powerpoint/2010/main" xmlns:p15="http://schemas.microsoft.com/office/powerpoint/2012/main" xmlns:ahyp="http://schemas.microsoft.com/office/drawing/2018/hyperlinkcolor" showMasterPhAnim="0" showMasterSp="0">
   <p:cSld>
     <p:spTree>
       <p:nvGrpSpPr>
-        <p:cNvPr id="1" name="Shape 161"/>
+        <p:cNvPr id="155" name="Shape 155"/>
         <p:cNvGrpSpPr/>
         <p:nvPr/>
       </p:nvGrpSpPr>
@@ -1575,12 +1513,10 @@
       </p:grpSpPr>
       <p:sp>
         <p:nvSpPr>
-          <p:cNvPr id="162" name="Google Shape;162;p15:notes"/>
-          <p:cNvSpPr txBox="1">
-            <a:spLocks noGrp="1"/>
-          </p:cNvSpPr>
+          <p:cNvPr id="156" name="Google Shape;156;p15:notes"/>
+          <p:cNvSpPr txBox="1"/>
           <p:nvPr>
-            <p:ph type="body" idx="1"/>
+            <p:ph idx="1" type="body"/>
           </p:nvPr>
         </p:nvSpPr>
         <p:spPr>
@@ -1593,32 +1529,33 @@
           </a:prstGeom>
         </p:spPr>
         <p:txBody>
-          <a:bodyPr spcFirstLastPara="1" wrap="square" lIns="91425" tIns="91425" rIns="91425" bIns="91425" anchor="t" anchorCtr="0">
+          <a:bodyPr anchorCtr="0" anchor="t" bIns="91425" lIns="91425" spcFirstLastPara="1" rIns="91425" wrap="square" tIns="91425">
             <a:noAutofit/>
           </a:bodyPr>
           <a:lstStyle/>
           <a:p>
-            <a:pPr marL="0" lvl="0" indent="0" algn="l" rtl="0">
-              <a:spcBef>
-                <a:spcPts val="0"/>
-              </a:spcBef>
-              <a:spcAft>
-                <a:spcPts val="0"/>
-              </a:spcAft>
-              <a:buNone/>
-            </a:pPr>
+            <a:pPr indent="0" lvl="0" marL="0" rtl="0" algn="l">
+              <a:spcBef>
+                <a:spcPts val="0"/>
+              </a:spcBef>
+              <a:spcAft>
+                <a:spcPts val="0"/>
+              </a:spcAft>
+              <a:buNone/>
+            </a:pPr>
+            <a:r>
+              <a:t/>
+            </a:r>
             <a:endParaRPr/>
           </a:p>
         </p:txBody>
       </p:sp>
       <p:sp>
         <p:nvSpPr>
-          <p:cNvPr id="163" name="Google Shape;163;p15:notes"/>
-          <p:cNvSpPr>
-            <a:spLocks noGrp="1" noRot="1" noChangeAspect="1"/>
-          </p:cNvSpPr>
+          <p:cNvPr id="157" name="Google Shape;157;p15:notes"/>
+          <p:cNvSpPr/>
           <p:nvPr>
-            <p:ph type="sldImg" idx="2"/>
+            <p:ph idx="2" type="sldImg"/>
           </p:nvPr>
         </p:nvSpPr>
         <p:spPr>
@@ -1627,13 +1564,9 @@
             <a:ext cx="4572225" cy="3429000"/>
           </a:xfrm>
           <a:custGeom>
-            <a:avLst/>
-            <a:gdLst/>
-            <a:ahLst/>
-            <a:cxnLst/>
-            <a:rect l="l" t="t" r="r" b="b"/>
+            <a:rect b="b" l="l" r="r" t="t"/>
             <a:pathLst>
-              <a:path w="120000" h="120000" extrusionOk="0">
+              <a:path extrusionOk="0" h="120000" w="120000">
                 <a:moveTo>
                   <a:pt x="0" y="0"/>
                 </a:moveTo>
@@ -1661,11 +1594,11 @@
 </file>
 
 <file path=ppt/notesSlides/notesSlide2.xml><?xml version="1.0" encoding="utf-8"?>
-<p:notes xmlns:a="http://schemas.openxmlformats.org/drawingml/2006/main" xmlns:r="http://schemas.openxmlformats.org/officeDocument/2006/relationships" xmlns:p="http://schemas.openxmlformats.org/presentationml/2006/main" showMasterSp="0" showMasterPhAnim="0">
+<p:notes xmlns:a="http://schemas.openxmlformats.org/drawingml/2006/main" xmlns:r="http://schemas.openxmlformats.org/officeDocument/2006/relationships" xmlns:mc="http://schemas.openxmlformats.org/markup-compatibility/2006" xmlns:mv="urn:schemas-microsoft-com:mac:vml" xmlns:p="http://schemas.openxmlformats.org/presentationml/2006/main" xmlns:c="http://schemas.openxmlformats.org/drawingml/2006/chart" xmlns:dgm="http://schemas.openxmlformats.org/drawingml/2006/diagram" xmlns:o="urn:schemas-microsoft-com:office:office" xmlns:v="urn:schemas-microsoft-com:vml" xmlns:pvml="urn:schemas-microsoft-com:office:powerpoint" xmlns:com="http://schemas.openxmlformats.org/drawingml/2006/compatibility" xmlns:p14="http://schemas.microsoft.com/office/powerpoint/2010/main" xmlns:p15="http://schemas.microsoft.com/office/powerpoint/2012/main" xmlns:ahyp="http://schemas.microsoft.com/office/drawing/2018/hyperlinkcolor" showMasterPhAnim="0" showMasterSp="0">
   <p:cSld>
     <p:spTree>
       <p:nvGrpSpPr>
-        <p:cNvPr id="1" name="Shape 62"/>
+        <p:cNvPr id="62" name="Shape 62"/>
         <p:cNvGrpSpPr/>
         <p:nvPr/>
       </p:nvGrpSpPr>
@@ -1680,11 +1613,9 @@
       <p:sp>
         <p:nvSpPr>
           <p:cNvPr id="63" name="Google Shape;63;p2:notes"/>
-          <p:cNvSpPr txBox="1">
-            <a:spLocks noGrp="1"/>
-          </p:cNvSpPr>
+          <p:cNvSpPr txBox="1"/>
           <p:nvPr>
-            <p:ph type="body" idx="1"/>
+            <p:ph idx="1" type="body"/>
           </p:nvPr>
         </p:nvSpPr>
         <p:spPr>
@@ -1697,20 +1628,23 @@
           </a:prstGeom>
         </p:spPr>
         <p:txBody>
-          <a:bodyPr spcFirstLastPara="1" wrap="square" lIns="91425" tIns="91425" rIns="91425" bIns="91425" anchor="t" anchorCtr="0">
+          <a:bodyPr anchorCtr="0" anchor="t" bIns="91425" lIns="91425" spcFirstLastPara="1" rIns="91425" wrap="square" tIns="91425">
             <a:noAutofit/>
           </a:bodyPr>
           <a:lstStyle/>
           <a:p>
-            <a:pPr marL="0" lvl="0" indent="0" algn="l" rtl="0">
-              <a:spcBef>
-                <a:spcPts val="0"/>
-              </a:spcBef>
-              <a:spcAft>
-                <a:spcPts val="0"/>
-              </a:spcAft>
-              <a:buNone/>
-            </a:pPr>
+            <a:pPr indent="0" lvl="0" marL="0" rtl="0" algn="l">
+              <a:spcBef>
+                <a:spcPts val="0"/>
+              </a:spcBef>
+              <a:spcAft>
+                <a:spcPts val="0"/>
+              </a:spcAft>
+              <a:buNone/>
+            </a:pPr>
+            <a:r>
+              <a:t/>
+            </a:r>
             <a:endParaRPr/>
           </a:p>
         </p:txBody>
@@ -1718,11 +1652,9 @@
       <p:sp>
         <p:nvSpPr>
           <p:cNvPr id="64" name="Google Shape;64;p2:notes"/>
-          <p:cNvSpPr>
-            <a:spLocks noGrp="1" noRot="1" noChangeAspect="1"/>
-          </p:cNvSpPr>
+          <p:cNvSpPr/>
           <p:nvPr>
-            <p:ph type="sldImg" idx="2"/>
+            <p:ph idx="2" type="sldImg"/>
           </p:nvPr>
         </p:nvSpPr>
         <p:spPr>
@@ -1731,13 +1663,9 @@
             <a:ext cx="4572225" cy="3429000"/>
           </a:xfrm>
           <a:custGeom>
-            <a:avLst/>
-            <a:gdLst/>
-            <a:ahLst/>
-            <a:cxnLst/>
-            <a:rect l="l" t="t" r="r" b="b"/>
+            <a:rect b="b" l="l" r="r" t="t"/>
             <a:pathLst>
-              <a:path w="120000" h="120000" extrusionOk="0">
+              <a:path extrusionOk="0" h="120000" w="120000">
                 <a:moveTo>
                   <a:pt x="0" y="0"/>
                 </a:moveTo>
@@ -1765,11 +1693,11 @@
 </file>
 
 <file path=ppt/notesSlides/notesSlide3.xml><?xml version="1.0" encoding="utf-8"?>
-<p:notes xmlns:a="http://schemas.openxmlformats.org/drawingml/2006/main" xmlns:r="http://schemas.openxmlformats.org/officeDocument/2006/relationships" xmlns:p="http://schemas.openxmlformats.org/presentationml/2006/main" showMasterSp="0" showMasterPhAnim="0">
+<p:notes xmlns:a="http://schemas.openxmlformats.org/drawingml/2006/main" xmlns:r="http://schemas.openxmlformats.org/officeDocument/2006/relationships" xmlns:mc="http://schemas.openxmlformats.org/markup-compatibility/2006" xmlns:mv="urn:schemas-microsoft-com:mac:vml" xmlns:p="http://schemas.openxmlformats.org/presentationml/2006/main" xmlns:c="http://schemas.openxmlformats.org/drawingml/2006/chart" xmlns:dgm="http://schemas.openxmlformats.org/drawingml/2006/diagram" xmlns:o="urn:schemas-microsoft-com:office:office" xmlns:v="urn:schemas-microsoft-com:vml" xmlns:pvml="urn:schemas-microsoft-com:office:powerpoint" xmlns:com="http://schemas.openxmlformats.org/drawingml/2006/compatibility" xmlns:p14="http://schemas.microsoft.com/office/powerpoint/2010/main" xmlns:p15="http://schemas.microsoft.com/office/powerpoint/2012/main" xmlns:ahyp="http://schemas.microsoft.com/office/drawing/2018/hyperlinkcolor" showMasterPhAnim="0" showMasterSp="0">
   <p:cSld>
     <p:spTree>
       <p:nvGrpSpPr>
-        <p:cNvPr id="1" name="Shape 68"/>
+        <p:cNvPr id="68" name="Shape 68"/>
         <p:cNvGrpSpPr/>
         <p:nvPr/>
       </p:nvGrpSpPr>
@@ -1784,11 +1712,9 @@
       <p:sp>
         <p:nvSpPr>
           <p:cNvPr id="69" name="Google Shape;69;p5:notes"/>
-          <p:cNvSpPr txBox="1">
-            <a:spLocks noGrp="1"/>
-          </p:cNvSpPr>
+          <p:cNvSpPr txBox="1"/>
           <p:nvPr>
-            <p:ph type="body" idx="1"/>
+            <p:ph idx="1" type="body"/>
           </p:nvPr>
         </p:nvSpPr>
         <p:spPr>
@@ -1801,20 +1727,23 @@
           </a:prstGeom>
         </p:spPr>
         <p:txBody>
-          <a:bodyPr spcFirstLastPara="1" wrap="square" lIns="91425" tIns="91425" rIns="91425" bIns="91425" anchor="t" anchorCtr="0">
+          <a:bodyPr anchorCtr="0" anchor="t" bIns="91425" lIns="91425" spcFirstLastPara="1" rIns="91425" wrap="square" tIns="91425">
             <a:noAutofit/>
           </a:bodyPr>
           <a:lstStyle/>
           <a:p>
-            <a:pPr marL="0" lvl="0" indent="0" algn="l" rtl="0">
-              <a:spcBef>
-                <a:spcPts val="0"/>
-              </a:spcBef>
-              <a:spcAft>
-                <a:spcPts val="0"/>
-              </a:spcAft>
-              <a:buNone/>
-            </a:pPr>
+            <a:pPr indent="0" lvl="0" marL="0" rtl="0" algn="l">
+              <a:spcBef>
+                <a:spcPts val="0"/>
+              </a:spcBef>
+              <a:spcAft>
+                <a:spcPts val="0"/>
+              </a:spcAft>
+              <a:buNone/>
+            </a:pPr>
+            <a:r>
+              <a:t/>
+            </a:r>
             <a:endParaRPr/>
           </a:p>
         </p:txBody>
@@ -1822,11 +1751,9 @@
       <p:sp>
         <p:nvSpPr>
           <p:cNvPr id="70" name="Google Shape;70;p5:notes"/>
-          <p:cNvSpPr>
-            <a:spLocks noGrp="1" noRot="1" noChangeAspect="1"/>
-          </p:cNvSpPr>
+          <p:cNvSpPr/>
           <p:nvPr>
-            <p:ph type="sldImg" idx="2"/>
+            <p:ph idx="2" type="sldImg"/>
           </p:nvPr>
         </p:nvSpPr>
         <p:spPr>
@@ -1835,13 +1762,9 @@
             <a:ext cx="4572225" cy="3429000"/>
           </a:xfrm>
           <a:custGeom>
-            <a:avLst/>
-            <a:gdLst/>
-            <a:ahLst/>
-            <a:cxnLst/>
-            <a:rect l="l" t="t" r="r" b="b"/>
+            <a:rect b="b" l="l" r="r" t="t"/>
             <a:pathLst>
-              <a:path w="120000" h="120000" extrusionOk="0">
+              <a:path extrusionOk="0" h="120000" w="120000">
                 <a:moveTo>
                   <a:pt x="0" y="0"/>
                 </a:moveTo>
@@ -1869,11 +1792,11 @@
 </file>
 
 <file path=ppt/notesSlides/notesSlide4.xml><?xml version="1.0" encoding="utf-8"?>
-<p:notes xmlns:a="http://schemas.openxmlformats.org/drawingml/2006/main" xmlns:r="http://schemas.openxmlformats.org/officeDocument/2006/relationships" xmlns:p="http://schemas.openxmlformats.org/presentationml/2006/main" showMasterSp="0" showMasterPhAnim="0">
+<p:notes xmlns:a="http://schemas.openxmlformats.org/drawingml/2006/main" xmlns:r="http://schemas.openxmlformats.org/officeDocument/2006/relationships" xmlns:mc="http://schemas.openxmlformats.org/markup-compatibility/2006" xmlns:mv="urn:schemas-microsoft-com:mac:vml" xmlns:p="http://schemas.openxmlformats.org/presentationml/2006/main" xmlns:c="http://schemas.openxmlformats.org/drawingml/2006/chart" xmlns:dgm="http://schemas.openxmlformats.org/drawingml/2006/diagram" xmlns:o="urn:schemas-microsoft-com:office:office" xmlns:v="urn:schemas-microsoft-com:vml" xmlns:pvml="urn:schemas-microsoft-com:office:powerpoint" xmlns:com="http://schemas.openxmlformats.org/drawingml/2006/compatibility" xmlns:p14="http://schemas.microsoft.com/office/powerpoint/2010/main" xmlns:p15="http://schemas.microsoft.com/office/powerpoint/2012/main" xmlns:ahyp="http://schemas.microsoft.com/office/drawing/2018/hyperlinkcolor" showMasterPhAnim="0" showMasterSp="0">
   <p:cSld>
     <p:spTree>
       <p:nvGrpSpPr>
-        <p:cNvPr id="1" name="Shape 74"/>
+        <p:cNvPr id="74" name="Shape 74"/>
         <p:cNvGrpSpPr/>
         <p:nvPr/>
       </p:nvGrpSpPr>
@@ -1888,11 +1811,9 @@
       <p:sp>
         <p:nvSpPr>
           <p:cNvPr id="75" name="Google Shape;75;p3:notes"/>
-          <p:cNvSpPr txBox="1">
-            <a:spLocks noGrp="1"/>
-          </p:cNvSpPr>
+          <p:cNvSpPr txBox="1"/>
           <p:nvPr>
-            <p:ph type="body" idx="1"/>
+            <p:ph idx="1" type="body"/>
           </p:nvPr>
         </p:nvSpPr>
         <p:spPr>
@@ -1905,20 +1826,23 @@
           </a:prstGeom>
         </p:spPr>
         <p:txBody>
-          <a:bodyPr spcFirstLastPara="1" wrap="square" lIns="91425" tIns="91425" rIns="91425" bIns="91425" anchor="t" anchorCtr="0">
+          <a:bodyPr anchorCtr="0" anchor="t" bIns="91425" lIns="91425" spcFirstLastPara="1" rIns="91425" wrap="square" tIns="91425">
             <a:noAutofit/>
           </a:bodyPr>
           <a:lstStyle/>
           <a:p>
-            <a:pPr marL="0" lvl="0" indent="0" algn="l" rtl="0">
-              <a:spcBef>
-                <a:spcPts val="0"/>
-              </a:spcBef>
-              <a:spcAft>
-                <a:spcPts val="0"/>
-              </a:spcAft>
-              <a:buNone/>
-            </a:pPr>
+            <a:pPr indent="0" lvl="0" marL="0" rtl="0" algn="l">
+              <a:spcBef>
+                <a:spcPts val="0"/>
+              </a:spcBef>
+              <a:spcAft>
+                <a:spcPts val="0"/>
+              </a:spcAft>
+              <a:buNone/>
+            </a:pPr>
+            <a:r>
+              <a:t/>
+            </a:r>
             <a:endParaRPr/>
           </a:p>
         </p:txBody>
@@ -1926,11 +1850,9 @@
       <p:sp>
         <p:nvSpPr>
           <p:cNvPr id="76" name="Google Shape;76;p3:notes"/>
-          <p:cNvSpPr>
-            <a:spLocks noGrp="1" noRot="1" noChangeAspect="1"/>
-          </p:cNvSpPr>
+          <p:cNvSpPr/>
           <p:nvPr>
-            <p:ph type="sldImg" idx="2"/>
+            <p:ph idx="2" type="sldImg"/>
           </p:nvPr>
         </p:nvSpPr>
         <p:spPr>
@@ -1939,13 +1861,9 @@
             <a:ext cx="4572225" cy="3429000"/>
           </a:xfrm>
           <a:custGeom>
-            <a:avLst/>
-            <a:gdLst/>
-            <a:ahLst/>
-            <a:cxnLst/>
-            <a:rect l="l" t="t" r="r" b="b"/>
+            <a:rect b="b" l="l" r="r" t="t"/>
             <a:pathLst>
-              <a:path w="120000" h="120000" extrusionOk="0">
+              <a:path extrusionOk="0" h="120000" w="120000">
                 <a:moveTo>
                   <a:pt x="0" y="0"/>
                 </a:moveTo>
@@ -1973,11 +1891,11 @@
 </file>
 
 <file path=ppt/notesSlides/notesSlide5.xml><?xml version="1.0" encoding="utf-8"?>
-<p:notes xmlns:a="http://schemas.openxmlformats.org/drawingml/2006/main" xmlns:r="http://schemas.openxmlformats.org/officeDocument/2006/relationships" xmlns:p="http://schemas.openxmlformats.org/presentationml/2006/main" showMasterSp="0" showMasterPhAnim="0">
+<p:notes xmlns:a="http://schemas.openxmlformats.org/drawingml/2006/main" xmlns:r="http://schemas.openxmlformats.org/officeDocument/2006/relationships" xmlns:mc="http://schemas.openxmlformats.org/markup-compatibility/2006" xmlns:mv="urn:schemas-microsoft-com:mac:vml" xmlns:p="http://schemas.openxmlformats.org/presentationml/2006/main" xmlns:c="http://schemas.openxmlformats.org/drawingml/2006/chart" xmlns:dgm="http://schemas.openxmlformats.org/drawingml/2006/diagram" xmlns:o="urn:schemas-microsoft-com:office:office" xmlns:v="urn:schemas-microsoft-com:vml" xmlns:pvml="urn:schemas-microsoft-com:office:powerpoint" xmlns:com="http://schemas.openxmlformats.org/drawingml/2006/compatibility" xmlns:p14="http://schemas.microsoft.com/office/powerpoint/2010/main" xmlns:p15="http://schemas.microsoft.com/office/powerpoint/2012/main" xmlns:ahyp="http://schemas.microsoft.com/office/drawing/2018/hyperlinkcolor" showMasterPhAnim="0" showMasterSp="0">
   <p:cSld>
     <p:spTree>
       <p:nvGrpSpPr>
-        <p:cNvPr id="1" name="Shape 80"/>
+        <p:cNvPr id="80" name="Shape 80"/>
         <p:cNvGrpSpPr/>
         <p:nvPr/>
       </p:nvGrpSpPr>
@@ -1992,11 +1910,9 @@
       <p:sp>
         <p:nvSpPr>
           <p:cNvPr id="81" name="Google Shape;81;p4:notes"/>
-          <p:cNvSpPr txBox="1">
-            <a:spLocks noGrp="1"/>
-          </p:cNvSpPr>
+          <p:cNvSpPr txBox="1"/>
           <p:nvPr>
-            <p:ph type="body" idx="1"/>
+            <p:ph idx="1" type="body"/>
           </p:nvPr>
         </p:nvSpPr>
         <p:spPr>
@@ -2009,20 +1925,23 @@
           </a:prstGeom>
         </p:spPr>
         <p:txBody>
-          <a:bodyPr spcFirstLastPara="1" wrap="square" lIns="91425" tIns="91425" rIns="91425" bIns="91425" anchor="t" anchorCtr="0">
+          <a:bodyPr anchorCtr="0" anchor="t" bIns="91425" lIns="91425" spcFirstLastPara="1" rIns="91425" wrap="square" tIns="91425">
             <a:noAutofit/>
           </a:bodyPr>
           <a:lstStyle/>
           <a:p>
-            <a:pPr marL="0" lvl="0" indent="0" algn="l" rtl="0">
-              <a:spcBef>
-                <a:spcPts val="0"/>
-              </a:spcBef>
-              <a:spcAft>
-                <a:spcPts val="0"/>
-              </a:spcAft>
-              <a:buNone/>
-            </a:pPr>
+            <a:pPr indent="0" lvl="0" marL="0" rtl="0" algn="l">
+              <a:spcBef>
+                <a:spcPts val="0"/>
+              </a:spcBef>
+              <a:spcAft>
+                <a:spcPts val="0"/>
+              </a:spcAft>
+              <a:buNone/>
+            </a:pPr>
+            <a:r>
+              <a:t/>
+            </a:r>
             <a:endParaRPr/>
           </a:p>
         </p:txBody>
@@ -2030,11 +1949,9 @@
       <p:sp>
         <p:nvSpPr>
           <p:cNvPr id="82" name="Google Shape;82;p4:notes"/>
-          <p:cNvSpPr>
-            <a:spLocks noGrp="1" noRot="1" noChangeAspect="1"/>
-          </p:cNvSpPr>
+          <p:cNvSpPr/>
           <p:nvPr>
-            <p:ph type="sldImg" idx="2"/>
+            <p:ph idx="2" type="sldImg"/>
           </p:nvPr>
         </p:nvSpPr>
         <p:spPr>
@@ -2043,13 +1960,9 @@
             <a:ext cx="4572225" cy="3429000"/>
           </a:xfrm>
           <a:custGeom>
-            <a:avLst/>
-            <a:gdLst/>
-            <a:ahLst/>
-            <a:cxnLst/>
-            <a:rect l="l" t="t" r="r" b="b"/>
+            <a:rect b="b" l="l" r="r" t="t"/>
             <a:pathLst>
-              <a:path w="120000" h="120000" extrusionOk="0">
+              <a:path extrusionOk="0" h="120000" w="120000">
                 <a:moveTo>
                   <a:pt x="0" y="0"/>
                 </a:moveTo>
@@ -2077,11 +1990,11 @@
 </file>
 
 <file path=ppt/notesSlides/notesSlide6.xml><?xml version="1.0" encoding="utf-8"?>
-<p:notes xmlns:a="http://schemas.openxmlformats.org/drawingml/2006/main" xmlns:r="http://schemas.openxmlformats.org/officeDocument/2006/relationships" xmlns:p="http://schemas.openxmlformats.org/presentationml/2006/main" showMasterSp="0" showMasterPhAnim="0">
+<p:notes xmlns:a="http://schemas.openxmlformats.org/drawingml/2006/main" xmlns:r="http://schemas.openxmlformats.org/officeDocument/2006/relationships" xmlns:mc="http://schemas.openxmlformats.org/markup-compatibility/2006" xmlns:mv="urn:schemas-microsoft-com:mac:vml" xmlns:p="http://schemas.openxmlformats.org/presentationml/2006/main" xmlns:c="http://schemas.openxmlformats.org/drawingml/2006/chart" xmlns:dgm="http://schemas.openxmlformats.org/drawingml/2006/diagram" xmlns:o="urn:schemas-microsoft-com:office:office" xmlns:v="urn:schemas-microsoft-com:vml" xmlns:pvml="urn:schemas-microsoft-com:office:powerpoint" xmlns:com="http://schemas.openxmlformats.org/drawingml/2006/compatibility" xmlns:p14="http://schemas.microsoft.com/office/powerpoint/2010/main" xmlns:p15="http://schemas.microsoft.com/office/powerpoint/2012/main" xmlns:ahyp="http://schemas.microsoft.com/office/drawing/2018/hyperlinkcolor" showMasterPhAnim="0" showMasterSp="0">
   <p:cSld>
     <p:spTree>
       <p:nvGrpSpPr>
-        <p:cNvPr id="1" name="Shape 87"/>
+        <p:cNvPr id="87" name="Shape 87"/>
         <p:cNvGrpSpPr/>
         <p:nvPr/>
       </p:nvGrpSpPr>
@@ -2096,11 +2009,9 @@
       <p:sp>
         <p:nvSpPr>
           <p:cNvPr id="88" name="Google Shape;88;p8:notes"/>
-          <p:cNvSpPr txBox="1">
-            <a:spLocks noGrp="1"/>
-          </p:cNvSpPr>
+          <p:cNvSpPr txBox="1"/>
           <p:nvPr>
-            <p:ph type="body" idx="1"/>
+            <p:ph idx="1" type="body"/>
           </p:nvPr>
         </p:nvSpPr>
         <p:spPr>
@@ -2113,20 +2024,23 @@
           </a:prstGeom>
         </p:spPr>
         <p:txBody>
-          <a:bodyPr spcFirstLastPara="1" wrap="square" lIns="91425" tIns="91425" rIns="91425" bIns="91425" anchor="t" anchorCtr="0">
+          <a:bodyPr anchorCtr="0" anchor="t" bIns="91425" lIns="91425" spcFirstLastPara="1" rIns="91425" wrap="square" tIns="91425">
             <a:noAutofit/>
           </a:bodyPr>
           <a:lstStyle/>
           <a:p>
-            <a:pPr marL="0" lvl="0" indent="0" algn="l" rtl="0">
-              <a:spcBef>
-                <a:spcPts val="0"/>
-              </a:spcBef>
-              <a:spcAft>
-                <a:spcPts val="0"/>
-              </a:spcAft>
-              <a:buNone/>
-            </a:pPr>
+            <a:pPr indent="0" lvl="0" marL="0" rtl="0" algn="l">
+              <a:spcBef>
+                <a:spcPts val="0"/>
+              </a:spcBef>
+              <a:spcAft>
+                <a:spcPts val="0"/>
+              </a:spcAft>
+              <a:buNone/>
+            </a:pPr>
+            <a:r>
+              <a:t/>
+            </a:r>
             <a:endParaRPr/>
           </a:p>
         </p:txBody>
@@ -2134,11 +2048,9 @@
       <p:sp>
         <p:nvSpPr>
           <p:cNvPr id="89" name="Google Shape;89;p8:notes"/>
-          <p:cNvSpPr>
-            <a:spLocks noGrp="1" noRot="1" noChangeAspect="1"/>
-          </p:cNvSpPr>
+          <p:cNvSpPr/>
           <p:nvPr>
-            <p:ph type="sldImg" idx="2"/>
+            <p:ph idx="2" type="sldImg"/>
           </p:nvPr>
         </p:nvSpPr>
         <p:spPr>
@@ -2147,13 +2059,9 @@
             <a:ext cx="4572225" cy="3429000"/>
           </a:xfrm>
           <a:custGeom>
-            <a:avLst/>
-            <a:gdLst/>
-            <a:ahLst/>
-            <a:cxnLst/>
-            <a:rect l="l" t="t" r="r" b="b"/>
+            <a:rect b="b" l="l" r="r" t="t"/>
             <a:pathLst>
-              <a:path w="120000" h="120000" extrusionOk="0">
+              <a:path extrusionOk="0" h="120000" w="120000">
                 <a:moveTo>
                   <a:pt x="0" y="0"/>
                 </a:moveTo>
@@ -2181,11 +2089,11 @@
 </file>
 
 <file path=ppt/notesSlides/notesSlide7.xml><?xml version="1.0" encoding="utf-8"?>
-<p:notes xmlns:a="http://schemas.openxmlformats.org/drawingml/2006/main" xmlns:r="http://schemas.openxmlformats.org/officeDocument/2006/relationships" xmlns:p="http://schemas.openxmlformats.org/presentationml/2006/main" showMasterSp="0" showMasterPhAnim="0">
+<p:notes xmlns:a="http://schemas.openxmlformats.org/drawingml/2006/main" xmlns:r="http://schemas.openxmlformats.org/officeDocument/2006/relationships" xmlns:mc="http://schemas.openxmlformats.org/markup-compatibility/2006" xmlns:mv="urn:schemas-microsoft-com:mac:vml" xmlns:p="http://schemas.openxmlformats.org/presentationml/2006/main" xmlns:c="http://schemas.openxmlformats.org/drawingml/2006/chart" xmlns:dgm="http://schemas.openxmlformats.org/drawingml/2006/diagram" xmlns:o="urn:schemas-microsoft-com:office:office" xmlns:v="urn:schemas-microsoft-com:vml" xmlns:pvml="urn:schemas-microsoft-com:office:powerpoint" xmlns:com="http://schemas.openxmlformats.org/drawingml/2006/compatibility" xmlns:p14="http://schemas.microsoft.com/office/powerpoint/2010/main" xmlns:p15="http://schemas.microsoft.com/office/powerpoint/2012/main" xmlns:ahyp="http://schemas.microsoft.com/office/drawing/2018/hyperlinkcolor" showMasterPhAnim="0" showMasterSp="0">
   <p:cSld>
     <p:spTree>
       <p:nvGrpSpPr>
-        <p:cNvPr id="1" name="Shape 93"/>
+        <p:cNvPr id="93" name="Shape 93"/>
         <p:cNvGrpSpPr/>
         <p:nvPr/>
       </p:nvGrpSpPr>
@@ -2200,11 +2108,9 @@
       <p:sp>
         <p:nvSpPr>
           <p:cNvPr id="94" name="Google Shape;94;p6:notes"/>
-          <p:cNvSpPr txBox="1">
-            <a:spLocks noGrp="1"/>
-          </p:cNvSpPr>
+          <p:cNvSpPr txBox="1"/>
           <p:nvPr>
-            <p:ph type="body" idx="1"/>
+            <p:ph idx="1" type="body"/>
           </p:nvPr>
         </p:nvSpPr>
         <p:spPr>
@@ -2217,20 +2123,23 @@
           </a:prstGeom>
         </p:spPr>
         <p:txBody>
-          <a:bodyPr spcFirstLastPara="1" wrap="square" lIns="91425" tIns="91425" rIns="91425" bIns="91425" anchor="t" anchorCtr="0">
+          <a:bodyPr anchorCtr="0" anchor="t" bIns="91425" lIns="91425" spcFirstLastPara="1" rIns="91425" wrap="square" tIns="91425">
             <a:noAutofit/>
           </a:bodyPr>
           <a:lstStyle/>
           <a:p>
-            <a:pPr marL="0" lvl="0" indent="0" algn="l" rtl="0">
-              <a:spcBef>
-                <a:spcPts val="0"/>
-              </a:spcBef>
-              <a:spcAft>
-                <a:spcPts val="0"/>
-              </a:spcAft>
-              <a:buNone/>
-            </a:pPr>
+            <a:pPr indent="0" lvl="0" marL="0" rtl="0" algn="l">
+              <a:spcBef>
+                <a:spcPts val="0"/>
+              </a:spcBef>
+              <a:spcAft>
+                <a:spcPts val="0"/>
+              </a:spcAft>
+              <a:buNone/>
+            </a:pPr>
+            <a:r>
+              <a:t/>
+            </a:r>
             <a:endParaRPr/>
           </a:p>
         </p:txBody>
@@ -2238,11 +2147,9 @@
       <p:sp>
         <p:nvSpPr>
           <p:cNvPr id="95" name="Google Shape;95;p6:notes"/>
-          <p:cNvSpPr>
-            <a:spLocks noGrp="1" noRot="1" noChangeAspect="1"/>
-          </p:cNvSpPr>
+          <p:cNvSpPr/>
           <p:nvPr>
-            <p:ph type="sldImg" idx="2"/>
+            <p:ph idx="2" type="sldImg"/>
           </p:nvPr>
         </p:nvSpPr>
         <p:spPr>
@@ -2251,13 +2158,9 @@
             <a:ext cx="4572225" cy="3429000"/>
           </a:xfrm>
           <a:custGeom>
-            <a:avLst/>
-            <a:gdLst/>
-            <a:ahLst/>
-            <a:cxnLst/>
-            <a:rect l="l" t="t" r="r" b="b"/>
+            <a:rect b="b" l="l" r="r" t="t"/>
             <a:pathLst>
-              <a:path w="120000" h="120000" extrusionOk="0">
+              <a:path extrusionOk="0" h="120000" w="120000">
                 <a:moveTo>
                   <a:pt x="0" y="0"/>
                 </a:moveTo>
@@ -2285,11 +2188,11 @@
 </file>
 
 <file path=ppt/notesSlides/notesSlide8.xml><?xml version="1.0" encoding="utf-8"?>
-<p:notes xmlns:a="http://schemas.openxmlformats.org/drawingml/2006/main" xmlns:r="http://schemas.openxmlformats.org/officeDocument/2006/relationships" xmlns:p="http://schemas.openxmlformats.org/presentationml/2006/main" showMasterSp="0" showMasterPhAnim="0">
+<p:notes xmlns:a="http://schemas.openxmlformats.org/drawingml/2006/main" xmlns:r="http://schemas.openxmlformats.org/officeDocument/2006/relationships" xmlns:mc="http://schemas.openxmlformats.org/markup-compatibility/2006" xmlns:mv="urn:schemas-microsoft-com:mac:vml" xmlns:p="http://schemas.openxmlformats.org/presentationml/2006/main" xmlns:c="http://schemas.openxmlformats.org/drawingml/2006/chart" xmlns:dgm="http://schemas.openxmlformats.org/drawingml/2006/diagram" xmlns:o="urn:schemas-microsoft-com:office:office" xmlns:v="urn:schemas-microsoft-com:vml" xmlns:pvml="urn:schemas-microsoft-com:office:powerpoint" xmlns:com="http://schemas.openxmlformats.org/drawingml/2006/compatibility" xmlns:p14="http://schemas.microsoft.com/office/powerpoint/2010/main" xmlns:p15="http://schemas.microsoft.com/office/powerpoint/2012/main" xmlns:ahyp="http://schemas.microsoft.com/office/drawing/2018/hyperlinkcolor" showMasterPhAnim="0" showMasterSp="0">
   <p:cSld>
     <p:spTree>
       <p:nvGrpSpPr>
-        <p:cNvPr id="1" name="Shape 99"/>
+        <p:cNvPr id="99" name="Shape 99"/>
         <p:cNvGrpSpPr/>
         <p:nvPr/>
       </p:nvGrpSpPr>
@@ -2304,11 +2207,9 @@
       <p:sp>
         <p:nvSpPr>
           <p:cNvPr id="100" name="Google Shape;100;g313f73036cb_0_166:notes"/>
-          <p:cNvSpPr>
-            <a:spLocks noGrp="1" noRot="1" noChangeAspect="1"/>
-          </p:cNvSpPr>
+          <p:cNvSpPr/>
           <p:nvPr>
-            <p:ph type="sldImg" idx="2"/>
+            <p:ph idx="2" type="sldImg"/>
           </p:nvPr>
         </p:nvSpPr>
         <p:spPr>
@@ -2317,13 +2218,9 @@
             <a:ext cx="4572300" cy="3429000"/>
           </a:xfrm>
           <a:custGeom>
-            <a:avLst/>
-            <a:gdLst/>
-            <a:ahLst/>
-            <a:cxnLst/>
-            <a:rect l="l" t="t" r="r" b="b"/>
+            <a:rect b="b" l="l" r="r" t="t"/>
             <a:pathLst>
-              <a:path w="120000" h="120000" extrusionOk="0">
+              <a:path extrusionOk="0" h="120000" w="120000">
                 <a:moveTo>
                   <a:pt x="0" y="0"/>
                 </a:moveTo>
@@ -2345,11 +2242,9 @@
       <p:sp>
         <p:nvSpPr>
           <p:cNvPr id="101" name="Google Shape;101;g313f73036cb_0_166:notes"/>
-          <p:cNvSpPr txBox="1">
-            <a:spLocks noGrp="1"/>
-          </p:cNvSpPr>
+          <p:cNvSpPr txBox="1"/>
           <p:nvPr>
-            <p:ph type="body" idx="1"/>
+            <p:ph idx="1" type="body"/>
           </p:nvPr>
         </p:nvSpPr>
         <p:spPr>
@@ -2362,20 +2257,23 @@
           </a:prstGeom>
         </p:spPr>
         <p:txBody>
-          <a:bodyPr spcFirstLastPara="1" wrap="square" lIns="91425" tIns="91425" rIns="91425" bIns="91425" anchor="t" anchorCtr="0">
+          <a:bodyPr anchorCtr="0" anchor="t" bIns="91425" lIns="91425" spcFirstLastPara="1" rIns="91425" wrap="square" tIns="91425">
             <a:noAutofit/>
           </a:bodyPr>
           <a:lstStyle/>
           <a:p>
-            <a:pPr marL="0" lvl="0" indent="0" algn="l" rtl="0">
-              <a:spcBef>
-                <a:spcPts val="0"/>
-              </a:spcBef>
-              <a:spcAft>
-                <a:spcPts val="0"/>
-              </a:spcAft>
-              <a:buNone/>
-            </a:pPr>
+            <a:pPr indent="0" lvl="0" marL="0" rtl="0" algn="l">
+              <a:spcBef>
+                <a:spcPts val="0"/>
+              </a:spcBef>
+              <a:spcAft>
+                <a:spcPts val="0"/>
+              </a:spcAft>
+              <a:buNone/>
+            </a:pPr>
+            <a:r>
+              <a:t/>
+            </a:r>
             <a:endParaRPr/>
           </a:p>
         </p:txBody>
@@ -2389,11 +2287,11 @@
 </file>
 
 <file path=ppt/notesSlides/notesSlide9.xml><?xml version="1.0" encoding="utf-8"?>
-<p:notes xmlns:a="http://schemas.openxmlformats.org/drawingml/2006/main" xmlns:r="http://schemas.openxmlformats.org/officeDocument/2006/relationships" xmlns:p="http://schemas.openxmlformats.org/presentationml/2006/main" showMasterSp="0" showMasterPhAnim="0">
+<p:notes xmlns:a="http://schemas.openxmlformats.org/drawingml/2006/main" xmlns:r="http://schemas.openxmlformats.org/officeDocument/2006/relationships" xmlns:mc="http://schemas.openxmlformats.org/markup-compatibility/2006" xmlns:mv="urn:schemas-microsoft-com:mac:vml" xmlns:p="http://schemas.openxmlformats.org/presentationml/2006/main" xmlns:c="http://schemas.openxmlformats.org/drawingml/2006/chart" xmlns:dgm="http://schemas.openxmlformats.org/drawingml/2006/diagram" xmlns:o="urn:schemas-microsoft-com:office:office" xmlns:v="urn:schemas-microsoft-com:vml" xmlns:pvml="urn:schemas-microsoft-com:office:powerpoint" xmlns:com="http://schemas.openxmlformats.org/drawingml/2006/compatibility" xmlns:p14="http://schemas.microsoft.com/office/powerpoint/2010/main" xmlns:p15="http://schemas.microsoft.com/office/powerpoint/2012/main" xmlns:ahyp="http://schemas.microsoft.com/office/drawing/2018/hyperlinkcolor" showMasterPhAnim="0" showMasterSp="0">
   <p:cSld>
     <p:spTree>
       <p:nvGrpSpPr>
-        <p:cNvPr id="1" name="Shape 105"/>
+        <p:cNvPr id="105" name="Shape 105"/>
         <p:cNvGrpSpPr/>
         <p:nvPr/>
       </p:nvGrpSpPr>
@@ -2408,11 +2306,9 @@
       <p:sp>
         <p:nvSpPr>
           <p:cNvPr id="106" name="Google Shape;106;g313f73036cb_0_183:notes"/>
-          <p:cNvSpPr>
-            <a:spLocks noGrp="1" noRot="1" noChangeAspect="1"/>
-          </p:cNvSpPr>
+          <p:cNvSpPr/>
           <p:nvPr>
-            <p:ph type="sldImg" idx="2"/>
+            <p:ph idx="2" type="sldImg"/>
           </p:nvPr>
         </p:nvSpPr>
         <p:spPr>
@@ -2421,13 +2317,9 @@
             <a:ext cx="4572300" cy="3429000"/>
           </a:xfrm>
           <a:custGeom>
-            <a:avLst/>
-            <a:gdLst/>
-            <a:ahLst/>
-            <a:cxnLst/>
-            <a:rect l="l" t="t" r="r" b="b"/>
+            <a:rect b="b" l="l" r="r" t="t"/>
             <a:pathLst>
-              <a:path w="120000" h="120000" extrusionOk="0">
+              <a:path extrusionOk="0" h="120000" w="120000">
                 <a:moveTo>
                   <a:pt x="0" y="0"/>
                 </a:moveTo>
@@ -2449,11 +2341,9 @@
       <p:sp>
         <p:nvSpPr>
           <p:cNvPr id="107" name="Google Shape;107;g313f73036cb_0_183:notes"/>
-          <p:cNvSpPr txBox="1">
-            <a:spLocks noGrp="1"/>
-          </p:cNvSpPr>
+          <p:cNvSpPr txBox="1"/>
           <p:nvPr>
-            <p:ph type="body" idx="1"/>
+            <p:ph idx="1" type="body"/>
           </p:nvPr>
         </p:nvSpPr>
         <p:spPr>
@@ -2466,20 +2356,23 @@
           </a:prstGeom>
         </p:spPr>
         <p:txBody>
-          <a:bodyPr spcFirstLastPara="1" wrap="square" lIns="91425" tIns="91425" rIns="91425" bIns="91425" anchor="t" anchorCtr="0">
+          <a:bodyPr anchorCtr="0" anchor="t" bIns="91425" lIns="91425" spcFirstLastPara="1" rIns="91425" wrap="square" tIns="91425">
             <a:noAutofit/>
           </a:bodyPr>
           <a:lstStyle/>
           <a:p>
-            <a:pPr marL="0" lvl="0" indent="0" algn="l" rtl="0">
-              <a:spcBef>
-                <a:spcPts val="0"/>
-              </a:spcBef>
-              <a:spcAft>
-                <a:spcPts val="0"/>
-              </a:spcAft>
-              <a:buNone/>
-            </a:pPr>
+            <a:pPr indent="0" lvl="0" marL="0" rtl="0" algn="l">
+              <a:spcBef>
+                <a:spcPts val="0"/>
+              </a:spcBef>
+              <a:spcAft>
+                <a:spcPts val="0"/>
+              </a:spcAft>
+              <a:buNone/>
+            </a:pPr>
+            <a:r>
+              <a:t/>
+            </a:r>
             <a:endParaRPr/>
           </a:p>
         </p:txBody>
@@ -2493,11 +2386,11 @@
 </file>
 
 <file path=ppt/slideLayouts/slideLayout1.xml><?xml version="1.0" encoding="utf-8"?>
-<p:sldLayout xmlns:a="http://schemas.openxmlformats.org/drawingml/2006/main" xmlns:r="http://schemas.openxmlformats.org/officeDocument/2006/relationships" xmlns:p="http://schemas.openxmlformats.org/presentationml/2006/main" matchingName="Title slide" type="title">
+<p:sldLayout xmlns:a="http://schemas.openxmlformats.org/drawingml/2006/main" xmlns:r="http://schemas.openxmlformats.org/officeDocument/2006/relationships" xmlns:mc="http://schemas.openxmlformats.org/markup-compatibility/2006" xmlns:mv="urn:schemas-microsoft-com:mac:vml" xmlns:p="http://schemas.openxmlformats.org/presentationml/2006/main" xmlns:c="http://schemas.openxmlformats.org/drawingml/2006/chart" xmlns:dgm="http://schemas.openxmlformats.org/drawingml/2006/diagram" xmlns:o="urn:schemas-microsoft-com:office:office" xmlns:v="urn:schemas-microsoft-com:vml" xmlns:pvml="urn:schemas-microsoft-com:office:powerpoint" xmlns:com="http://schemas.openxmlformats.org/drawingml/2006/compatibility" xmlns:p14="http://schemas.microsoft.com/office/powerpoint/2010/main" xmlns:p15="http://schemas.microsoft.com/office/powerpoint/2012/main" xmlns:ahyp="http://schemas.microsoft.com/office/drawing/2018/hyperlinkcolor" matchingName="Title slide" type="title">
   <p:cSld name="TITLE">
     <p:spTree>
       <p:nvGrpSpPr>
-        <p:cNvPr id="1" name="Shape 9"/>
+        <p:cNvPr id="9" name="Shape 9"/>
         <p:cNvGrpSpPr/>
         <p:nvPr/>
       </p:nvGrpSpPr>
@@ -2545,12 +2438,12 @@
             </a:ln>
           </p:spPr>
           <p:txBody>
-            <a:bodyPr spcFirstLastPara="1" wrap="square" lIns="121900" tIns="121900" rIns="121900" bIns="121900" anchor="ctr" anchorCtr="0">
+            <a:bodyPr anchorCtr="0" anchor="ctr" bIns="121900" lIns="121900" spcFirstLastPara="1" rIns="121900" wrap="square" tIns="121900">
               <a:noAutofit/>
             </a:bodyPr>
             <a:lstStyle/>
             <a:p>
-              <a:pPr marL="0" lvl="0" indent="0" algn="l" rtl="0">
+              <a:pPr indent="0" lvl="0" marL="0" rtl="0" algn="l">
                 <a:spcBef>
                   <a:spcPts val="0"/>
                 </a:spcBef>
@@ -2559,6 +2452,9 @@
                 </a:spcAft>
                 <a:buNone/>
               </a:pPr>
+              <a:r>
+                <a:t/>
+              </a:r>
               <a:endParaRPr/>
             </a:p>
           </p:txBody>
@@ -2585,12 +2481,12 @@
             </a:ln>
           </p:spPr>
           <p:txBody>
-            <a:bodyPr spcFirstLastPara="1" wrap="square" lIns="121900" tIns="121900" rIns="121900" bIns="121900" anchor="ctr" anchorCtr="0">
+            <a:bodyPr anchorCtr="0" anchor="ctr" bIns="121900" lIns="121900" spcFirstLastPara="1" rIns="121900" wrap="square" tIns="121900">
               <a:noAutofit/>
             </a:bodyPr>
             <a:lstStyle/>
             <a:p>
-              <a:pPr marL="0" lvl="0" indent="0" algn="l" rtl="0">
+              <a:pPr indent="0" lvl="0" marL="0" rtl="0" algn="l">
                 <a:spcBef>
                   <a:spcPts val="0"/>
                 </a:spcBef>
@@ -2599,6 +2495,9 @@
                 </a:spcAft>
                 <a:buNone/>
               </a:pPr>
+              <a:r>
+                <a:t/>
+              </a:r>
               <a:endParaRPr/>
             </a:p>
           </p:txBody>
@@ -2625,12 +2524,12 @@
             </a:ln>
           </p:spPr>
           <p:txBody>
-            <a:bodyPr spcFirstLastPara="1" wrap="square" lIns="121900" tIns="121900" rIns="121900" bIns="121900" anchor="ctr" anchorCtr="0">
+            <a:bodyPr anchorCtr="0" anchor="ctr" bIns="121900" lIns="121900" spcFirstLastPara="1" rIns="121900" wrap="square" tIns="121900">
               <a:noAutofit/>
             </a:bodyPr>
             <a:lstStyle/>
             <a:p>
-              <a:pPr marL="0" lvl="0" indent="0" algn="l" rtl="0">
+              <a:pPr indent="0" lvl="0" marL="0" rtl="0" algn="l">
                 <a:spcBef>
                   <a:spcPts val="0"/>
                 </a:spcBef>
@@ -2639,6 +2538,9 @@
                 </a:spcAft>
                 <a:buNone/>
               </a:pPr>
+              <a:r>
+                <a:t/>
+              </a:r>
               <a:endParaRPr/>
             </a:p>
           </p:txBody>
@@ -2647,9 +2549,7 @@
       <p:sp>
         <p:nvSpPr>
           <p:cNvPr id="14" name="Google Shape;14;g313f73036cb_0_104"/>
-          <p:cNvSpPr txBox="1">
-            <a:spLocks noGrp="1"/>
-          </p:cNvSpPr>
+          <p:cNvSpPr txBox="1"/>
           <p:nvPr>
             <p:ph type="ctrTitle"/>
           </p:nvPr>
@@ -2664,7 +2564,7 @@
           </a:prstGeom>
         </p:spPr>
         <p:txBody>
-          <a:bodyPr spcFirstLastPara="1" wrap="square" lIns="121900" tIns="121900" rIns="121900" bIns="121900" anchor="b" anchorCtr="0">
+          <a:bodyPr anchorCtr="0" anchor="b" bIns="121900" lIns="121900" spcFirstLastPara="1" rIns="121900" wrap="square" tIns="121900">
             <a:normAutofit/>
           </a:bodyPr>
           <a:lstStyle>
@@ -2768,19 +2668,15 @@
               <a:defRPr sz="6400"/>
             </a:lvl9pPr>
           </a:lstStyle>
-          <a:p>
-            <a:endParaRPr/>
-          </a:p>
+          <a:p/>
         </p:txBody>
       </p:sp>
       <p:sp>
         <p:nvSpPr>
           <p:cNvPr id="15" name="Google Shape;15;g313f73036cb_0_104"/>
-          <p:cNvSpPr txBox="1">
-            <a:spLocks noGrp="1"/>
-          </p:cNvSpPr>
+          <p:cNvSpPr txBox="1"/>
           <p:nvPr>
-            <p:ph type="subTitle" idx="1"/>
+            <p:ph idx="1" type="subTitle"/>
           </p:nvPr>
         </p:nvSpPr>
         <p:spPr>
@@ -2793,7 +2689,7 @@
           </a:prstGeom>
         </p:spPr>
         <p:txBody>
-          <a:bodyPr spcFirstLastPara="1" wrap="square" lIns="121900" tIns="121900" rIns="121900" bIns="121900" anchor="t" anchorCtr="0">
+          <a:bodyPr anchorCtr="0" anchor="t" bIns="121900" lIns="121900" spcFirstLastPara="1" rIns="121900" wrap="square" tIns="121900">
             <a:normAutofit/>
           </a:bodyPr>
           <a:lstStyle>
@@ -2924,19 +2820,15 @@
               <a:defRPr sz="2800"/>
             </a:lvl9pPr>
           </a:lstStyle>
-          <a:p>
-            <a:endParaRPr/>
-          </a:p>
+          <a:p/>
         </p:txBody>
       </p:sp>
       <p:sp>
         <p:nvSpPr>
           <p:cNvPr id="16" name="Google Shape;16;g313f73036cb_0_104"/>
-          <p:cNvSpPr txBox="1">
-            <a:spLocks noGrp="1"/>
-          </p:cNvSpPr>
+          <p:cNvSpPr txBox="1"/>
           <p:nvPr>
-            <p:ph type="sldNum" idx="12"/>
+            <p:ph idx="12" type="sldNum"/>
           </p:nvPr>
         </p:nvSpPr>
         <p:spPr>
@@ -2949,7 +2841,7 @@
           </a:prstGeom>
         </p:spPr>
         <p:txBody>
-          <a:bodyPr spcFirstLastPara="1" wrap="square" lIns="121900" tIns="121900" rIns="121900" bIns="121900" anchor="ctr" anchorCtr="0">
+          <a:bodyPr anchorCtr="0" anchor="ctr" bIns="121900" lIns="121900" spcFirstLastPara="1" rIns="121900" wrap="square" tIns="121900">
             <a:normAutofit/>
           </a:bodyPr>
           <a:lstStyle>
@@ -2991,7 +2883,7 @@
             </a:lvl9pPr>
           </a:lstStyle>
           <a:p>
-            <a:pPr marL="0" lvl="0" indent="0" algn="r" rtl="0">
+            <a:pPr indent="0" lvl="0" marL="0" rtl="0" algn="r">
               <a:spcBef>
                 <a:spcPts val="0"/>
               </a:spcBef>
@@ -3017,11 +2909,11 @@
 </file>
 
 <file path=ppt/slideLayouts/slideLayout10.xml><?xml version="1.0" encoding="utf-8"?>
-<p:sldLayout xmlns:a="http://schemas.openxmlformats.org/drawingml/2006/main" xmlns:r="http://schemas.openxmlformats.org/officeDocument/2006/relationships" xmlns:p="http://schemas.openxmlformats.org/presentationml/2006/main" matchingName="Big number">
+<p:sldLayout xmlns:a="http://schemas.openxmlformats.org/drawingml/2006/main" xmlns:r="http://schemas.openxmlformats.org/officeDocument/2006/relationships" xmlns:mc="http://schemas.openxmlformats.org/markup-compatibility/2006" xmlns:mv="urn:schemas-microsoft-com:mac:vml" xmlns:p="http://schemas.openxmlformats.org/presentationml/2006/main" xmlns:c="http://schemas.openxmlformats.org/drawingml/2006/chart" xmlns:dgm="http://schemas.openxmlformats.org/drawingml/2006/diagram" xmlns:o="urn:schemas-microsoft-com:office:office" xmlns:v="urn:schemas-microsoft-com:vml" xmlns:pvml="urn:schemas-microsoft-com:office:powerpoint" xmlns:com="http://schemas.openxmlformats.org/drawingml/2006/compatibility" xmlns:p14="http://schemas.microsoft.com/office/powerpoint/2010/main" xmlns:p15="http://schemas.microsoft.com/office/powerpoint/2012/main" xmlns:ahyp="http://schemas.microsoft.com/office/drawing/2018/hyperlinkcolor" matchingName="Big number">
   <p:cSld name="BIG_NUMBER">
     <p:spTree>
       <p:nvGrpSpPr>
-        <p:cNvPr id="1" name="Shape 49"/>
+        <p:cNvPr id="49" name="Shape 49"/>
         <p:cNvGrpSpPr/>
         <p:nvPr/>
       </p:nvGrpSpPr>
@@ -3036,11 +2928,9 @@
       <p:sp>
         <p:nvSpPr>
           <p:cNvPr id="50" name="Google Shape;50;g313f73036cb_0_144"/>
-          <p:cNvSpPr txBox="1">
-            <a:spLocks noGrp="1"/>
-          </p:cNvSpPr>
+          <p:cNvSpPr txBox="1"/>
           <p:nvPr>
-            <p:ph type="title" hasCustomPrompt="1"/>
+            <p:ph hasCustomPrompt="1" type="title"/>
           </p:nvPr>
         </p:nvSpPr>
         <p:spPr>
@@ -3053,7 +2943,7 @@
           </a:prstGeom>
         </p:spPr>
         <p:txBody>
-          <a:bodyPr spcFirstLastPara="1" wrap="square" lIns="121900" tIns="121900" rIns="121900" bIns="121900" anchor="b" anchorCtr="0">
+          <a:bodyPr anchorCtr="0" anchor="b" bIns="121900" lIns="121900" spcFirstLastPara="1" rIns="121900" wrap="square" tIns="121900">
             <a:normAutofit/>
           </a:bodyPr>
           <a:lstStyle>
@@ -3167,11 +3057,9 @@
       <p:sp>
         <p:nvSpPr>
           <p:cNvPr id="51" name="Google Shape;51;g313f73036cb_0_144"/>
-          <p:cNvSpPr txBox="1">
-            <a:spLocks noGrp="1"/>
-          </p:cNvSpPr>
+          <p:cNvSpPr txBox="1"/>
           <p:nvPr>
-            <p:ph type="body" idx="1"/>
+            <p:ph idx="1" type="body"/>
           </p:nvPr>
         </p:nvSpPr>
         <p:spPr>
@@ -3184,11 +3072,11 @@
           </a:prstGeom>
         </p:spPr>
         <p:txBody>
-          <a:bodyPr spcFirstLastPara="1" wrap="square" lIns="121900" tIns="121900" rIns="121900" bIns="121900" anchor="t" anchorCtr="0">
+          <a:bodyPr anchorCtr="0" anchor="t" bIns="121900" lIns="121900" spcFirstLastPara="1" rIns="121900" wrap="square" tIns="121900">
             <a:normAutofit/>
           </a:bodyPr>
           <a:lstStyle>
-            <a:lvl1pPr marL="457200" lvl="0" indent="-381000" algn="ctr">
+            <a:lvl1pPr indent="-381000" lvl="0" marL="457200" algn="ctr">
               <a:spcBef>
                 <a:spcPts val="0"/>
               </a:spcBef>
@@ -3199,7 +3087,7 @@
               <a:buChar char="●"/>
               <a:defRPr/>
             </a:lvl1pPr>
-            <a:lvl2pPr marL="914400" lvl="1" indent="-349250" algn="ctr">
+            <a:lvl2pPr indent="-349250" lvl="1" marL="914400" algn="ctr">
               <a:spcBef>
                 <a:spcPts val="0"/>
               </a:spcBef>
@@ -3210,7 +3098,7 @@
               <a:buChar char="○"/>
               <a:defRPr/>
             </a:lvl2pPr>
-            <a:lvl3pPr marL="1371600" lvl="2" indent="-349250" algn="ctr">
+            <a:lvl3pPr indent="-349250" lvl="2" marL="1371600" algn="ctr">
               <a:spcBef>
                 <a:spcPts val="0"/>
               </a:spcBef>
@@ -3221,7 +3109,7 @@
               <a:buChar char="■"/>
               <a:defRPr/>
             </a:lvl3pPr>
-            <a:lvl4pPr marL="1828800" lvl="3" indent="-349250" algn="ctr">
+            <a:lvl4pPr indent="-349250" lvl="3" marL="1828800" algn="ctr">
               <a:spcBef>
                 <a:spcPts val="0"/>
               </a:spcBef>
@@ -3232,7 +3120,7 @@
               <a:buChar char="●"/>
               <a:defRPr/>
             </a:lvl4pPr>
-            <a:lvl5pPr marL="2286000" lvl="4" indent="-349250" algn="ctr">
+            <a:lvl5pPr indent="-349250" lvl="4" marL="2286000" algn="ctr">
               <a:spcBef>
                 <a:spcPts val="0"/>
               </a:spcBef>
@@ -3243,7 +3131,7 @@
               <a:buChar char="○"/>
               <a:defRPr/>
             </a:lvl5pPr>
-            <a:lvl6pPr marL="2743200" lvl="5" indent="-349250" algn="ctr">
+            <a:lvl6pPr indent="-349250" lvl="5" marL="2743200" algn="ctr">
               <a:spcBef>
                 <a:spcPts val="0"/>
               </a:spcBef>
@@ -3254,7 +3142,7 @@
               <a:buChar char="■"/>
               <a:defRPr/>
             </a:lvl6pPr>
-            <a:lvl7pPr marL="3200400" lvl="6" indent="-349250" algn="ctr">
+            <a:lvl7pPr indent="-349250" lvl="6" marL="3200400" algn="ctr">
               <a:spcBef>
                 <a:spcPts val="0"/>
               </a:spcBef>
@@ -3265,7 +3153,7 @@
               <a:buChar char="●"/>
               <a:defRPr/>
             </a:lvl7pPr>
-            <a:lvl8pPr marL="3657600" lvl="7" indent="-349250" algn="ctr">
+            <a:lvl8pPr indent="-349250" lvl="7" marL="3657600" algn="ctr">
               <a:spcBef>
                 <a:spcPts val="0"/>
               </a:spcBef>
@@ -3276,7 +3164,7 @@
               <a:buChar char="○"/>
               <a:defRPr/>
             </a:lvl8pPr>
-            <a:lvl9pPr marL="4114800" lvl="8" indent="-349250" algn="ctr">
+            <a:lvl9pPr indent="-349250" lvl="8" marL="4114800" algn="ctr">
               <a:spcBef>
                 <a:spcPts val="0"/>
               </a:spcBef>
@@ -3288,19 +3176,15 @@
               <a:defRPr/>
             </a:lvl9pPr>
           </a:lstStyle>
-          <a:p>
-            <a:endParaRPr/>
-          </a:p>
+          <a:p/>
         </p:txBody>
       </p:sp>
       <p:sp>
         <p:nvSpPr>
           <p:cNvPr id="52" name="Google Shape;52;g313f73036cb_0_144"/>
-          <p:cNvSpPr txBox="1">
-            <a:spLocks noGrp="1"/>
-          </p:cNvSpPr>
+          <p:cNvSpPr txBox="1"/>
           <p:nvPr>
-            <p:ph type="sldNum" idx="12"/>
+            <p:ph idx="12" type="sldNum"/>
           </p:nvPr>
         </p:nvSpPr>
         <p:spPr>
@@ -3313,7 +3197,7 @@
           </a:prstGeom>
         </p:spPr>
         <p:txBody>
-          <a:bodyPr spcFirstLastPara="1" wrap="square" lIns="121900" tIns="121900" rIns="121900" bIns="121900" anchor="ctr" anchorCtr="0">
+          <a:bodyPr anchorCtr="0" anchor="ctr" bIns="121900" lIns="121900" spcFirstLastPara="1" rIns="121900" wrap="square" tIns="121900">
             <a:normAutofit/>
           </a:bodyPr>
           <a:lstStyle>
@@ -3355,7 +3239,7 @@
             </a:lvl9pPr>
           </a:lstStyle>
           <a:p>
-            <a:pPr marL="0" lvl="0" indent="0" algn="r" rtl="0">
+            <a:pPr indent="0" lvl="0" marL="0" rtl="0" algn="r">
               <a:spcBef>
                 <a:spcPts val="0"/>
               </a:spcBef>
@@ -3381,11 +3265,11 @@
 </file>
 
 <file path=ppt/slideLayouts/slideLayout11.xml><?xml version="1.0" encoding="utf-8"?>
-<p:sldLayout xmlns:a="http://schemas.openxmlformats.org/drawingml/2006/main" xmlns:r="http://schemas.openxmlformats.org/officeDocument/2006/relationships" xmlns:p="http://schemas.openxmlformats.org/presentationml/2006/main" matchingName="Blank" type="blank">
+<p:sldLayout xmlns:a="http://schemas.openxmlformats.org/drawingml/2006/main" xmlns:r="http://schemas.openxmlformats.org/officeDocument/2006/relationships" xmlns:mc="http://schemas.openxmlformats.org/markup-compatibility/2006" xmlns:mv="urn:schemas-microsoft-com:mac:vml" xmlns:p="http://schemas.openxmlformats.org/presentationml/2006/main" xmlns:c="http://schemas.openxmlformats.org/drawingml/2006/chart" xmlns:dgm="http://schemas.openxmlformats.org/drawingml/2006/diagram" xmlns:o="urn:schemas-microsoft-com:office:office" xmlns:v="urn:schemas-microsoft-com:vml" xmlns:pvml="urn:schemas-microsoft-com:office:powerpoint" xmlns:com="http://schemas.openxmlformats.org/drawingml/2006/compatibility" xmlns:p14="http://schemas.microsoft.com/office/powerpoint/2010/main" xmlns:p15="http://schemas.microsoft.com/office/powerpoint/2012/main" xmlns:ahyp="http://schemas.microsoft.com/office/drawing/2018/hyperlinkcolor" matchingName="Blank" type="blank">
   <p:cSld name="BLANK">
     <p:spTree>
       <p:nvGrpSpPr>
-        <p:cNvPr id="1" name="Shape 53"/>
+        <p:cNvPr id="53" name="Shape 53"/>
         <p:cNvGrpSpPr/>
         <p:nvPr/>
       </p:nvGrpSpPr>
@@ -3400,11 +3284,9 @@
       <p:sp>
         <p:nvSpPr>
           <p:cNvPr id="54" name="Google Shape;54;g313f73036cb_0_148"/>
-          <p:cNvSpPr txBox="1">
-            <a:spLocks noGrp="1"/>
-          </p:cNvSpPr>
+          <p:cNvSpPr txBox="1"/>
           <p:nvPr>
-            <p:ph type="sldNum" idx="12"/>
+            <p:ph idx="12" type="sldNum"/>
           </p:nvPr>
         </p:nvSpPr>
         <p:spPr>
@@ -3417,7 +3299,7 @@
           </a:prstGeom>
         </p:spPr>
         <p:txBody>
-          <a:bodyPr spcFirstLastPara="1" wrap="square" lIns="121900" tIns="121900" rIns="121900" bIns="121900" anchor="ctr" anchorCtr="0">
+          <a:bodyPr anchorCtr="0" anchor="ctr" bIns="121900" lIns="121900" spcFirstLastPara="1" rIns="121900" wrap="square" tIns="121900">
             <a:normAutofit/>
           </a:bodyPr>
           <a:lstStyle>
@@ -3459,7 +3341,7 @@
             </a:lvl9pPr>
           </a:lstStyle>
           <a:p>
-            <a:pPr marL="0" lvl="0" indent="0" algn="r" rtl="0">
+            <a:pPr indent="0" lvl="0" marL="0" rtl="0" algn="r">
               <a:spcBef>
                 <a:spcPts val="0"/>
               </a:spcBef>
@@ -3485,11 +3367,11 @@
 </file>
 
 <file path=ppt/slideLayouts/slideLayout2.xml><?xml version="1.0" encoding="utf-8"?>
-<p:sldLayout xmlns:a="http://schemas.openxmlformats.org/drawingml/2006/main" xmlns:r="http://schemas.openxmlformats.org/officeDocument/2006/relationships" xmlns:p="http://schemas.openxmlformats.org/presentationml/2006/main" matchingName="Section header" type="secHead">
+<p:sldLayout xmlns:a="http://schemas.openxmlformats.org/drawingml/2006/main" xmlns:r="http://schemas.openxmlformats.org/officeDocument/2006/relationships" xmlns:mc="http://schemas.openxmlformats.org/markup-compatibility/2006" xmlns:mv="urn:schemas-microsoft-com:mac:vml" xmlns:p="http://schemas.openxmlformats.org/presentationml/2006/main" xmlns:c="http://schemas.openxmlformats.org/drawingml/2006/chart" xmlns:dgm="http://schemas.openxmlformats.org/drawingml/2006/diagram" xmlns:o="urn:schemas-microsoft-com:office:office" xmlns:v="urn:schemas-microsoft-com:vml" xmlns:pvml="urn:schemas-microsoft-com:office:powerpoint" xmlns:com="http://schemas.openxmlformats.org/drawingml/2006/compatibility" xmlns:p14="http://schemas.microsoft.com/office/powerpoint/2010/main" xmlns:p15="http://schemas.microsoft.com/office/powerpoint/2012/main" xmlns:ahyp="http://schemas.microsoft.com/office/drawing/2018/hyperlinkcolor" matchingName="Section header" type="secHead">
   <p:cSld name="SECTION_HEADER">
     <p:spTree>
       <p:nvGrpSpPr>
-        <p:cNvPr id="1" name="Shape 17"/>
+        <p:cNvPr id="17" name="Shape 17"/>
         <p:cNvGrpSpPr/>
         <p:nvPr/>
       </p:nvGrpSpPr>
@@ -3504,9 +3386,7 @@
       <p:sp>
         <p:nvSpPr>
           <p:cNvPr id="18" name="Google Shape;18;g313f73036cb_0_112"/>
-          <p:cNvSpPr txBox="1">
-            <a:spLocks noGrp="1"/>
-          </p:cNvSpPr>
+          <p:cNvSpPr txBox="1"/>
           <p:nvPr>
             <p:ph type="title"/>
           </p:nvPr>
@@ -3521,7 +3401,7 @@
           </a:prstGeom>
         </p:spPr>
         <p:txBody>
-          <a:bodyPr spcFirstLastPara="1" wrap="square" lIns="121900" tIns="121900" rIns="121900" bIns="121900" anchor="ctr" anchorCtr="0">
+          <a:bodyPr anchorCtr="0" anchor="ctr" bIns="121900" lIns="121900" spcFirstLastPara="1" rIns="121900" wrap="square" tIns="121900">
             <a:normAutofit/>
           </a:bodyPr>
           <a:lstStyle>
@@ -3625,19 +3505,15 @@
               <a:defRPr sz="4800"/>
             </a:lvl9pPr>
           </a:lstStyle>
-          <a:p>
-            <a:endParaRPr/>
-          </a:p>
+          <a:p/>
         </p:txBody>
       </p:sp>
       <p:sp>
         <p:nvSpPr>
           <p:cNvPr id="19" name="Google Shape;19;g313f73036cb_0_112"/>
-          <p:cNvSpPr txBox="1">
-            <a:spLocks noGrp="1"/>
-          </p:cNvSpPr>
+          <p:cNvSpPr txBox="1"/>
           <p:nvPr>
-            <p:ph type="sldNum" idx="12"/>
+            <p:ph idx="12" type="sldNum"/>
           </p:nvPr>
         </p:nvSpPr>
         <p:spPr>
@@ -3650,7 +3526,7 @@
           </a:prstGeom>
         </p:spPr>
         <p:txBody>
-          <a:bodyPr spcFirstLastPara="1" wrap="square" lIns="121900" tIns="121900" rIns="121900" bIns="121900" anchor="ctr" anchorCtr="0">
+          <a:bodyPr anchorCtr="0" anchor="ctr" bIns="121900" lIns="121900" spcFirstLastPara="1" rIns="121900" wrap="square" tIns="121900">
             <a:normAutofit/>
           </a:bodyPr>
           <a:lstStyle>
@@ -3692,7 +3568,7 @@
             </a:lvl9pPr>
           </a:lstStyle>
           <a:p>
-            <a:pPr marL="0" lvl="0" indent="0" algn="r" rtl="0">
+            <a:pPr indent="0" lvl="0" marL="0" rtl="0" algn="r">
               <a:spcBef>
                 <a:spcPts val="0"/>
               </a:spcBef>
@@ -3718,11 +3594,11 @@
 </file>
 
 <file path=ppt/slideLayouts/slideLayout3.xml><?xml version="1.0" encoding="utf-8"?>
-<p:sldLayout xmlns:a="http://schemas.openxmlformats.org/drawingml/2006/main" xmlns:r="http://schemas.openxmlformats.org/officeDocument/2006/relationships" xmlns:p="http://schemas.openxmlformats.org/presentationml/2006/main" matchingName="Title and body" type="tx">
+<p:sldLayout xmlns:a="http://schemas.openxmlformats.org/drawingml/2006/main" xmlns:r="http://schemas.openxmlformats.org/officeDocument/2006/relationships" xmlns:mc="http://schemas.openxmlformats.org/markup-compatibility/2006" xmlns:mv="urn:schemas-microsoft-com:mac:vml" xmlns:p="http://schemas.openxmlformats.org/presentationml/2006/main" xmlns:c="http://schemas.openxmlformats.org/drawingml/2006/chart" xmlns:dgm="http://schemas.openxmlformats.org/drawingml/2006/diagram" xmlns:o="urn:schemas-microsoft-com:office:office" xmlns:v="urn:schemas-microsoft-com:vml" xmlns:pvml="urn:schemas-microsoft-com:office:powerpoint" xmlns:com="http://schemas.openxmlformats.org/drawingml/2006/compatibility" xmlns:p14="http://schemas.microsoft.com/office/powerpoint/2010/main" xmlns:p15="http://schemas.microsoft.com/office/powerpoint/2012/main" xmlns:ahyp="http://schemas.microsoft.com/office/drawing/2018/hyperlinkcolor" matchingName="Title and body" type="tx">
   <p:cSld name="TITLE_AND_BODY">
     <p:spTree>
       <p:nvGrpSpPr>
-        <p:cNvPr id="1" name="Shape 20"/>
+        <p:cNvPr id="20" name="Shape 20"/>
         <p:cNvGrpSpPr/>
         <p:nvPr/>
       </p:nvGrpSpPr>
@@ -3737,9 +3613,7 @@
       <p:sp>
         <p:nvSpPr>
           <p:cNvPr id="21" name="Google Shape;21;g313f73036cb_0_115"/>
-          <p:cNvSpPr txBox="1">
-            <a:spLocks noGrp="1"/>
-          </p:cNvSpPr>
+          <p:cNvSpPr txBox="1"/>
           <p:nvPr>
             <p:ph type="title"/>
           </p:nvPr>
@@ -3754,7 +3628,7 @@
           </a:prstGeom>
         </p:spPr>
         <p:txBody>
-          <a:bodyPr spcFirstLastPara="1" wrap="square" lIns="121900" tIns="121900" rIns="121900" bIns="121900" anchor="t" anchorCtr="0">
+          <a:bodyPr anchorCtr="0" anchor="t" bIns="121900" lIns="121900" spcFirstLastPara="1" rIns="121900" wrap="square" tIns="121900">
             <a:normAutofit/>
           </a:bodyPr>
           <a:lstStyle>
@@ -3858,19 +3732,15 @@
               <a:defRPr/>
             </a:lvl9pPr>
           </a:lstStyle>
-          <a:p>
-            <a:endParaRPr/>
-          </a:p>
+          <a:p/>
         </p:txBody>
       </p:sp>
       <p:sp>
         <p:nvSpPr>
           <p:cNvPr id="22" name="Google Shape;22;g313f73036cb_0_115"/>
-          <p:cNvSpPr txBox="1">
-            <a:spLocks noGrp="1"/>
-          </p:cNvSpPr>
+          <p:cNvSpPr txBox="1"/>
           <p:nvPr>
-            <p:ph type="body" idx="1"/>
+            <p:ph idx="1" type="body"/>
           </p:nvPr>
         </p:nvSpPr>
         <p:spPr>
@@ -3883,11 +3753,11 @@
           </a:prstGeom>
         </p:spPr>
         <p:txBody>
-          <a:bodyPr spcFirstLastPara="1" wrap="square" lIns="121900" tIns="121900" rIns="121900" bIns="121900" anchor="t" anchorCtr="0">
+          <a:bodyPr anchorCtr="0" anchor="t" bIns="121900" lIns="121900" spcFirstLastPara="1" rIns="121900" wrap="square" tIns="121900">
             <a:normAutofit/>
           </a:bodyPr>
           <a:lstStyle>
-            <a:lvl1pPr marL="457200" lvl="0" indent="-381000">
+            <a:lvl1pPr indent="-381000" lvl="0" marL="457200">
               <a:spcBef>
                 <a:spcPts val="0"/>
               </a:spcBef>
@@ -3898,7 +3768,7 @@
               <a:buChar char="●"/>
               <a:defRPr/>
             </a:lvl1pPr>
-            <a:lvl2pPr marL="914400" lvl="1" indent="-349250">
+            <a:lvl2pPr indent="-349250" lvl="1" marL="914400">
               <a:spcBef>
                 <a:spcPts val="0"/>
               </a:spcBef>
@@ -3909,7 +3779,7 @@
               <a:buChar char="○"/>
               <a:defRPr/>
             </a:lvl2pPr>
-            <a:lvl3pPr marL="1371600" lvl="2" indent="-349250">
+            <a:lvl3pPr indent="-349250" lvl="2" marL="1371600">
               <a:spcBef>
                 <a:spcPts val="0"/>
               </a:spcBef>
@@ -3920,7 +3790,7 @@
               <a:buChar char="■"/>
               <a:defRPr/>
             </a:lvl3pPr>
-            <a:lvl4pPr marL="1828800" lvl="3" indent="-349250">
+            <a:lvl4pPr indent="-349250" lvl="3" marL="1828800">
               <a:spcBef>
                 <a:spcPts val="0"/>
               </a:spcBef>
@@ -3931,7 +3801,7 @@
               <a:buChar char="●"/>
               <a:defRPr/>
             </a:lvl4pPr>
-            <a:lvl5pPr marL="2286000" lvl="4" indent="-349250">
+            <a:lvl5pPr indent="-349250" lvl="4" marL="2286000">
               <a:spcBef>
                 <a:spcPts val="0"/>
               </a:spcBef>
@@ -3942,7 +3812,7 @@
               <a:buChar char="○"/>
               <a:defRPr/>
             </a:lvl5pPr>
-            <a:lvl6pPr marL="2743200" lvl="5" indent="-349250">
+            <a:lvl6pPr indent="-349250" lvl="5" marL="2743200">
               <a:spcBef>
                 <a:spcPts val="0"/>
               </a:spcBef>
@@ -3953,7 +3823,7 @@
               <a:buChar char="■"/>
               <a:defRPr/>
             </a:lvl6pPr>
-            <a:lvl7pPr marL="3200400" lvl="6" indent="-349250">
+            <a:lvl7pPr indent="-349250" lvl="6" marL="3200400">
               <a:spcBef>
                 <a:spcPts val="0"/>
               </a:spcBef>
@@ -3964,7 +3834,7 @@
               <a:buChar char="●"/>
               <a:defRPr/>
             </a:lvl7pPr>
-            <a:lvl8pPr marL="3657600" lvl="7" indent="-349250">
+            <a:lvl8pPr indent="-349250" lvl="7" marL="3657600">
               <a:spcBef>
                 <a:spcPts val="0"/>
               </a:spcBef>
@@ -3975,7 +3845,7 @@
               <a:buChar char="○"/>
               <a:defRPr/>
             </a:lvl8pPr>
-            <a:lvl9pPr marL="4114800" lvl="8" indent="-349250">
+            <a:lvl9pPr indent="-349250" lvl="8" marL="4114800">
               <a:spcBef>
                 <a:spcPts val="0"/>
               </a:spcBef>
@@ -3987,19 +3857,15 @@
               <a:defRPr/>
             </a:lvl9pPr>
           </a:lstStyle>
-          <a:p>
-            <a:endParaRPr/>
-          </a:p>
+          <a:p/>
         </p:txBody>
       </p:sp>
       <p:sp>
         <p:nvSpPr>
           <p:cNvPr id="23" name="Google Shape;23;g313f73036cb_0_115"/>
-          <p:cNvSpPr txBox="1">
-            <a:spLocks noGrp="1"/>
-          </p:cNvSpPr>
+          <p:cNvSpPr txBox="1"/>
           <p:nvPr>
-            <p:ph type="sldNum" idx="12"/>
+            <p:ph idx="12" type="sldNum"/>
           </p:nvPr>
         </p:nvSpPr>
         <p:spPr>
@@ -4012,7 +3878,7 @@
           </a:prstGeom>
         </p:spPr>
         <p:txBody>
-          <a:bodyPr spcFirstLastPara="1" wrap="square" lIns="121900" tIns="121900" rIns="121900" bIns="121900" anchor="ctr" anchorCtr="0">
+          <a:bodyPr anchorCtr="0" anchor="ctr" bIns="121900" lIns="121900" spcFirstLastPara="1" rIns="121900" wrap="square" tIns="121900">
             <a:normAutofit/>
           </a:bodyPr>
           <a:lstStyle>
@@ -4054,7 +3920,7 @@
             </a:lvl9pPr>
           </a:lstStyle>
           <a:p>
-            <a:pPr marL="0" lvl="0" indent="0" algn="r" rtl="0">
+            <a:pPr indent="0" lvl="0" marL="0" rtl="0" algn="r">
               <a:spcBef>
                 <a:spcPts val="0"/>
               </a:spcBef>
@@ -4080,11 +3946,11 @@
 </file>
 
 <file path=ppt/slideLayouts/slideLayout4.xml><?xml version="1.0" encoding="utf-8"?>
-<p:sldLayout xmlns:a="http://schemas.openxmlformats.org/drawingml/2006/main" xmlns:r="http://schemas.openxmlformats.org/officeDocument/2006/relationships" xmlns:p="http://schemas.openxmlformats.org/presentationml/2006/main" matchingName="Title and two columns" type="twoColTx">
+<p:sldLayout xmlns:a="http://schemas.openxmlformats.org/drawingml/2006/main" xmlns:r="http://schemas.openxmlformats.org/officeDocument/2006/relationships" xmlns:mc="http://schemas.openxmlformats.org/markup-compatibility/2006" xmlns:mv="urn:schemas-microsoft-com:mac:vml" xmlns:p="http://schemas.openxmlformats.org/presentationml/2006/main" xmlns:c="http://schemas.openxmlformats.org/drawingml/2006/chart" xmlns:dgm="http://schemas.openxmlformats.org/drawingml/2006/diagram" xmlns:o="urn:schemas-microsoft-com:office:office" xmlns:v="urn:schemas-microsoft-com:vml" xmlns:pvml="urn:schemas-microsoft-com:office:powerpoint" xmlns:com="http://schemas.openxmlformats.org/drawingml/2006/compatibility" xmlns:p14="http://schemas.microsoft.com/office/powerpoint/2010/main" xmlns:p15="http://schemas.microsoft.com/office/powerpoint/2012/main" xmlns:ahyp="http://schemas.microsoft.com/office/drawing/2018/hyperlinkcolor" matchingName="Title and two columns" type="twoColTx">
   <p:cSld name="TITLE_AND_TWO_COLUMNS">
     <p:spTree>
       <p:nvGrpSpPr>
-        <p:cNvPr id="1" name="Shape 24"/>
+        <p:cNvPr id="24" name="Shape 24"/>
         <p:cNvGrpSpPr/>
         <p:nvPr/>
       </p:nvGrpSpPr>
@@ -4099,9 +3965,7 @@
       <p:sp>
         <p:nvSpPr>
           <p:cNvPr id="25" name="Google Shape;25;g313f73036cb_0_119"/>
-          <p:cNvSpPr txBox="1">
-            <a:spLocks noGrp="1"/>
-          </p:cNvSpPr>
+          <p:cNvSpPr txBox="1"/>
           <p:nvPr>
             <p:ph type="title"/>
           </p:nvPr>
@@ -4116,7 +3980,7 @@
           </a:prstGeom>
         </p:spPr>
         <p:txBody>
-          <a:bodyPr spcFirstLastPara="1" wrap="square" lIns="121900" tIns="121900" rIns="121900" bIns="121900" anchor="t" anchorCtr="0">
+          <a:bodyPr anchorCtr="0" anchor="t" bIns="121900" lIns="121900" spcFirstLastPara="1" rIns="121900" wrap="square" tIns="121900">
             <a:normAutofit/>
           </a:bodyPr>
           <a:lstStyle>
@@ -4220,19 +4084,15 @@
               <a:defRPr/>
             </a:lvl9pPr>
           </a:lstStyle>
-          <a:p>
-            <a:endParaRPr/>
-          </a:p>
+          <a:p/>
         </p:txBody>
       </p:sp>
       <p:sp>
         <p:nvSpPr>
           <p:cNvPr id="26" name="Google Shape;26;g313f73036cb_0_119"/>
-          <p:cNvSpPr txBox="1">
-            <a:spLocks noGrp="1"/>
-          </p:cNvSpPr>
+          <p:cNvSpPr txBox="1"/>
           <p:nvPr>
-            <p:ph type="body" idx="1"/>
+            <p:ph idx="1" type="body"/>
           </p:nvPr>
         </p:nvSpPr>
         <p:spPr>
@@ -4245,11 +4105,11 @@
           </a:prstGeom>
         </p:spPr>
         <p:txBody>
-          <a:bodyPr spcFirstLastPara="1" wrap="square" lIns="121900" tIns="121900" rIns="121900" bIns="121900" anchor="t" anchorCtr="0">
+          <a:bodyPr anchorCtr="0" anchor="t" bIns="121900" lIns="121900" spcFirstLastPara="1" rIns="121900" wrap="square" tIns="121900">
             <a:normAutofit/>
           </a:bodyPr>
           <a:lstStyle>
-            <a:lvl1pPr marL="457200" lvl="0" indent="-349250">
+            <a:lvl1pPr indent="-349250" lvl="0" marL="457200">
               <a:spcBef>
                 <a:spcPts val="0"/>
               </a:spcBef>
@@ -4260,7 +4120,7 @@
               <a:buChar char="●"/>
               <a:defRPr sz="1900"/>
             </a:lvl1pPr>
-            <a:lvl2pPr marL="914400" lvl="1" indent="-330200">
+            <a:lvl2pPr indent="-330200" lvl="1" marL="914400">
               <a:spcBef>
                 <a:spcPts val="0"/>
               </a:spcBef>
@@ -4271,7 +4131,7 @@
               <a:buChar char="○"/>
               <a:defRPr sz="1600"/>
             </a:lvl2pPr>
-            <a:lvl3pPr marL="1371600" lvl="2" indent="-330200">
+            <a:lvl3pPr indent="-330200" lvl="2" marL="1371600">
               <a:spcBef>
                 <a:spcPts val="0"/>
               </a:spcBef>
@@ -4282,7 +4142,7 @@
               <a:buChar char="■"/>
               <a:defRPr sz="1600"/>
             </a:lvl3pPr>
-            <a:lvl4pPr marL="1828800" lvl="3" indent="-330200">
+            <a:lvl4pPr indent="-330200" lvl="3" marL="1828800">
               <a:spcBef>
                 <a:spcPts val="0"/>
               </a:spcBef>
@@ -4293,7 +4153,7 @@
               <a:buChar char="●"/>
               <a:defRPr sz="1600"/>
             </a:lvl4pPr>
-            <a:lvl5pPr marL="2286000" lvl="4" indent="-330200">
+            <a:lvl5pPr indent="-330200" lvl="4" marL="2286000">
               <a:spcBef>
                 <a:spcPts val="0"/>
               </a:spcBef>
@@ -4304,7 +4164,7 @@
               <a:buChar char="○"/>
               <a:defRPr sz="1600"/>
             </a:lvl5pPr>
-            <a:lvl6pPr marL="2743200" lvl="5" indent="-330200">
+            <a:lvl6pPr indent="-330200" lvl="5" marL="2743200">
               <a:spcBef>
                 <a:spcPts val="0"/>
               </a:spcBef>
@@ -4315,7 +4175,7 @@
               <a:buChar char="■"/>
               <a:defRPr sz="1600"/>
             </a:lvl6pPr>
-            <a:lvl7pPr marL="3200400" lvl="6" indent="-330200">
+            <a:lvl7pPr indent="-330200" lvl="6" marL="3200400">
               <a:spcBef>
                 <a:spcPts val="0"/>
               </a:spcBef>
@@ -4326,7 +4186,7 @@
               <a:buChar char="●"/>
               <a:defRPr sz="1600"/>
             </a:lvl7pPr>
-            <a:lvl8pPr marL="3657600" lvl="7" indent="-330200">
+            <a:lvl8pPr indent="-330200" lvl="7" marL="3657600">
               <a:spcBef>
                 <a:spcPts val="0"/>
               </a:spcBef>
@@ -4337,7 +4197,7 @@
               <a:buChar char="○"/>
               <a:defRPr sz="1600"/>
             </a:lvl8pPr>
-            <a:lvl9pPr marL="4114800" lvl="8" indent="-330200">
+            <a:lvl9pPr indent="-330200" lvl="8" marL="4114800">
               <a:spcBef>
                 <a:spcPts val="0"/>
               </a:spcBef>
@@ -4349,19 +4209,15 @@
               <a:defRPr sz="1600"/>
             </a:lvl9pPr>
           </a:lstStyle>
-          <a:p>
-            <a:endParaRPr/>
-          </a:p>
+          <a:p/>
         </p:txBody>
       </p:sp>
       <p:sp>
         <p:nvSpPr>
           <p:cNvPr id="27" name="Google Shape;27;g313f73036cb_0_119"/>
-          <p:cNvSpPr txBox="1">
-            <a:spLocks noGrp="1"/>
-          </p:cNvSpPr>
+          <p:cNvSpPr txBox="1"/>
           <p:nvPr>
-            <p:ph type="body" idx="2"/>
+            <p:ph idx="2" type="body"/>
           </p:nvPr>
         </p:nvSpPr>
         <p:spPr>
@@ -4374,11 +4230,11 @@
           </a:prstGeom>
         </p:spPr>
         <p:txBody>
-          <a:bodyPr spcFirstLastPara="1" wrap="square" lIns="121900" tIns="121900" rIns="121900" bIns="121900" anchor="t" anchorCtr="0">
+          <a:bodyPr anchorCtr="0" anchor="t" bIns="121900" lIns="121900" spcFirstLastPara="1" rIns="121900" wrap="square" tIns="121900">
             <a:normAutofit/>
           </a:bodyPr>
           <a:lstStyle>
-            <a:lvl1pPr marL="457200" lvl="0" indent="-349250">
+            <a:lvl1pPr indent="-349250" lvl="0" marL="457200">
               <a:spcBef>
                 <a:spcPts val="0"/>
               </a:spcBef>
@@ -4389,7 +4245,7 @@
               <a:buChar char="●"/>
               <a:defRPr sz="1900"/>
             </a:lvl1pPr>
-            <a:lvl2pPr marL="914400" lvl="1" indent="-330200">
+            <a:lvl2pPr indent="-330200" lvl="1" marL="914400">
               <a:spcBef>
                 <a:spcPts val="0"/>
               </a:spcBef>
@@ -4400,7 +4256,7 @@
               <a:buChar char="○"/>
               <a:defRPr sz="1600"/>
             </a:lvl2pPr>
-            <a:lvl3pPr marL="1371600" lvl="2" indent="-330200">
+            <a:lvl3pPr indent="-330200" lvl="2" marL="1371600">
               <a:spcBef>
                 <a:spcPts val="0"/>
               </a:spcBef>
@@ -4411,7 +4267,7 @@
               <a:buChar char="■"/>
               <a:defRPr sz="1600"/>
             </a:lvl3pPr>
-            <a:lvl4pPr marL="1828800" lvl="3" indent="-330200">
+            <a:lvl4pPr indent="-330200" lvl="3" marL="1828800">
               <a:spcBef>
                 <a:spcPts val="0"/>
               </a:spcBef>
@@ -4422,7 +4278,7 @@
               <a:buChar char="●"/>
               <a:defRPr sz="1600"/>
             </a:lvl4pPr>
-            <a:lvl5pPr marL="2286000" lvl="4" indent="-330200">
+            <a:lvl5pPr indent="-330200" lvl="4" marL="2286000">
               <a:spcBef>
                 <a:spcPts val="0"/>
               </a:spcBef>
@@ -4433,7 +4289,7 @@
               <a:buChar char="○"/>
               <a:defRPr sz="1600"/>
             </a:lvl5pPr>
-            <a:lvl6pPr marL="2743200" lvl="5" indent="-330200">
+            <a:lvl6pPr indent="-330200" lvl="5" marL="2743200">
               <a:spcBef>
                 <a:spcPts val="0"/>
               </a:spcBef>
@@ -4444,7 +4300,7 @@
               <a:buChar char="■"/>
               <a:defRPr sz="1600"/>
             </a:lvl6pPr>
-            <a:lvl7pPr marL="3200400" lvl="6" indent="-330200">
+            <a:lvl7pPr indent="-330200" lvl="6" marL="3200400">
               <a:spcBef>
                 <a:spcPts val="0"/>
               </a:spcBef>
@@ -4455,7 +4311,7 @@
               <a:buChar char="●"/>
               <a:defRPr sz="1600"/>
             </a:lvl7pPr>
-            <a:lvl8pPr marL="3657600" lvl="7" indent="-330200">
+            <a:lvl8pPr indent="-330200" lvl="7" marL="3657600">
               <a:spcBef>
                 <a:spcPts val="0"/>
               </a:spcBef>
@@ -4466,7 +4322,7 @@
               <a:buChar char="○"/>
               <a:defRPr sz="1600"/>
             </a:lvl8pPr>
-            <a:lvl9pPr marL="4114800" lvl="8" indent="-330200">
+            <a:lvl9pPr indent="-330200" lvl="8" marL="4114800">
               <a:spcBef>
                 <a:spcPts val="0"/>
               </a:spcBef>
@@ -4478,19 +4334,15 @@
               <a:defRPr sz="1600"/>
             </a:lvl9pPr>
           </a:lstStyle>
-          <a:p>
-            <a:endParaRPr/>
-          </a:p>
+          <a:p/>
         </p:txBody>
       </p:sp>
       <p:sp>
         <p:nvSpPr>
           <p:cNvPr id="28" name="Google Shape;28;g313f73036cb_0_119"/>
-          <p:cNvSpPr txBox="1">
-            <a:spLocks noGrp="1"/>
-          </p:cNvSpPr>
+          <p:cNvSpPr txBox="1"/>
           <p:nvPr>
-            <p:ph type="sldNum" idx="12"/>
+            <p:ph idx="12" type="sldNum"/>
           </p:nvPr>
         </p:nvSpPr>
         <p:spPr>
@@ -4503,7 +4355,7 @@
           </a:prstGeom>
         </p:spPr>
         <p:txBody>
-          <a:bodyPr spcFirstLastPara="1" wrap="square" lIns="121900" tIns="121900" rIns="121900" bIns="121900" anchor="ctr" anchorCtr="0">
+          <a:bodyPr anchorCtr="0" anchor="ctr" bIns="121900" lIns="121900" spcFirstLastPara="1" rIns="121900" wrap="square" tIns="121900">
             <a:normAutofit/>
           </a:bodyPr>
           <a:lstStyle>
@@ -4545,7 +4397,7 @@
             </a:lvl9pPr>
           </a:lstStyle>
           <a:p>
-            <a:pPr marL="0" lvl="0" indent="0" algn="r" rtl="0">
+            <a:pPr indent="0" lvl="0" marL="0" rtl="0" algn="r">
               <a:spcBef>
                 <a:spcPts val="0"/>
               </a:spcBef>
@@ -4571,11 +4423,11 @@
 </file>
 
 <file path=ppt/slideLayouts/slideLayout5.xml><?xml version="1.0" encoding="utf-8"?>
-<p:sldLayout xmlns:a="http://schemas.openxmlformats.org/drawingml/2006/main" xmlns:r="http://schemas.openxmlformats.org/officeDocument/2006/relationships" xmlns:p="http://schemas.openxmlformats.org/presentationml/2006/main" matchingName="Title only" type="titleOnly">
+<p:sldLayout xmlns:a="http://schemas.openxmlformats.org/drawingml/2006/main" xmlns:r="http://schemas.openxmlformats.org/officeDocument/2006/relationships" xmlns:mc="http://schemas.openxmlformats.org/markup-compatibility/2006" xmlns:mv="urn:schemas-microsoft-com:mac:vml" xmlns:p="http://schemas.openxmlformats.org/presentationml/2006/main" xmlns:c="http://schemas.openxmlformats.org/drawingml/2006/chart" xmlns:dgm="http://schemas.openxmlformats.org/drawingml/2006/diagram" xmlns:o="urn:schemas-microsoft-com:office:office" xmlns:v="urn:schemas-microsoft-com:vml" xmlns:pvml="urn:schemas-microsoft-com:office:powerpoint" xmlns:com="http://schemas.openxmlformats.org/drawingml/2006/compatibility" xmlns:p14="http://schemas.microsoft.com/office/powerpoint/2010/main" xmlns:p15="http://schemas.microsoft.com/office/powerpoint/2012/main" xmlns:ahyp="http://schemas.microsoft.com/office/drawing/2018/hyperlinkcolor" matchingName="Title only" type="titleOnly">
   <p:cSld name="TITLE_ONLY">
     <p:spTree>
       <p:nvGrpSpPr>
-        <p:cNvPr id="1" name="Shape 29"/>
+        <p:cNvPr id="29" name="Shape 29"/>
         <p:cNvGrpSpPr/>
         <p:nvPr/>
       </p:nvGrpSpPr>
@@ -4590,9 +4442,7 @@
       <p:sp>
         <p:nvSpPr>
           <p:cNvPr id="30" name="Google Shape;30;g313f73036cb_0_124"/>
-          <p:cNvSpPr txBox="1">
-            <a:spLocks noGrp="1"/>
-          </p:cNvSpPr>
+          <p:cNvSpPr txBox="1"/>
           <p:nvPr>
             <p:ph type="title"/>
           </p:nvPr>
@@ -4607,7 +4457,7 @@
           </a:prstGeom>
         </p:spPr>
         <p:txBody>
-          <a:bodyPr spcFirstLastPara="1" wrap="square" lIns="121900" tIns="121900" rIns="121900" bIns="121900" anchor="t" anchorCtr="0">
+          <a:bodyPr anchorCtr="0" anchor="t" bIns="121900" lIns="121900" spcFirstLastPara="1" rIns="121900" wrap="square" tIns="121900">
             <a:normAutofit/>
           </a:bodyPr>
           <a:lstStyle>
@@ -4711,19 +4561,15 @@
               <a:defRPr/>
             </a:lvl9pPr>
           </a:lstStyle>
-          <a:p>
-            <a:endParaRPr/>
-          </a:p>
+          <a:p/>
         </p:txBody>
       </p:sp>
       <p:sp>
         <p:nvSpPr>
           <p:cNvPr id="31" name="Google Shape;31;g313f73036cb_0_124"/>
-          <p:cNvSpPr txBox="1">
-            <a:spLocks noGrp="1"/>
-          </p:cNvSpPr>
+          <p:cNvSpPr txBox="1"/>
           <p:nvPr>
-            <p:ph type="sldNum" idx="12"/>
+            <p:ph idx="12" type="sldNum"/>
           </p:nvPr>
         </p:nvSpPr>
         <p:spPr>
@@ -4736,7 +4582,7 @@
           </a:prstGeom>
         </p:spPr>
         <p:txBody>
-          <a:bodyPr spcFirstLastPara="1" wrap="square" lIns="121900" tIns="121900" rIns="121900" bIns="121900" anchor="ctr" anchorCtr="0">
+          <a:bodyPr anchorCtr="0" anchor="ctr" bIns="121900" lIns="121900" spcFirstLastPara="1" rIns="121900" wrap="square" tIns="121900">
             <a:normAutofit/>
           </a:bodyPr>
           <a:lstStyle>
@@ -4778,7 +4624,7 @@
             </a:lvl9pPr>
           </a:lstStyle>
           <a:p>
-            <a:pPr marL="0" lvl="0" indent="0" algn="r" rtl="0">
+            <a:pPr indent="0" lvl="0" marL="0" rtl="0" algn="r">
               <a:spcBef>
                 <a:spcPts val="0"/>
               </a:spcBef>
@@ -4804,11 +4650,11 @@
 </file>
 
 <file path=ppt/slideLayouts/slideLayout6.xml><?xml version="1.0" encoding="utf-8"?>
-<p:sldLayout xmlns:a="http://schemas.openxmlformats.org/drawingml/2006/main" xmlns:r="http://schemas.openxmlformats.org/officeDocument/2006/relationships" xmlns:p="http://schemas.openxmlformats.org/presentationml/2006/main" matchingName="One column text">
+<p:sldLayout xmlns:a="http://schemas.openxmlformats.org/drawingml/2006/main" xmlns:r="http://schemas.openxmlformats.org/officeDocument/2006/relationships" xmlns:mc="http://schemas.openxmlformats.org/markup-compatibility/2006" xmlns:mv="urn:schemas-microsoft-com:mac:vml" xmlns:p="http://schemas.openxmlformats.org/presentationml/2006/main" xmlns:c="http://schemas.openxmlformats.org/drawingml/2006/chart" xmlns:dgm="http://schemas.openxmlformats.org/drawingml/2006/diagram" xmlns:o="urn:schemas-microsoft-com:office:office" xmlns:v="urn:schemas-microsoft-com:vml" xmlns:pvml="urn:schemas-microsoft-com:office:powerpoint" xmlns:com="http://schemas.openxmlformats.org/drawingml/2006/compatibility" xmlns:p14="http://schemas.microsoft.com/office/powerpoint/2010/main" xmlns:p15="http://schemas.microsoft.com/office/powerpoint/2012/main" xmlns:ahyp="http://schemas.microsoft.com/office/drawing/2018/hyperlinkcolor" matchingName="One column text">
   <p:cSld name="ONE_COLUMN_TEXT">
     <p:spTree>
       <p:nvGrpSpPr>
-        <p:cNvPr id="1" name="Shape 32"/>
+        <p:cNvPr id="32" name="Shape 32"/>
         <p:cNvGrpSpPr/>
         <p:nvPr/>
       </p:nvGrpSpPr>
@@ -4823,9 +4669,7 @@
       <p:sp>
         <p:nvSpPr>
           <p:cNvPr id="33" name="Google Shape;33;g313f73036cb_0_127"/>
-          <p:cNvSpPr txBox="1">
-            <a:spLocks noGrp="1"/>
-          </p:cNvSpPr>
+          <p:cNvSpPr txBox="1"/>
           <p:nvPr>
             <p:ph type="title"/>
           </p:nvPr>
@@ -4840,7 +4684,7 @@
           </a:prstGeom>
         </p:spPr>
         <p:txBody>
-          <a:bodyPr spcFirstLastPara="1" wrap="square" lIns="121900" tIns="121900" rIns="121900" bIns="121900" anchor="b" anchorCtr="0">
+          <a:bodyPr anchorCtr="0" anchor="b" bIns="121900" lIns="121900" spcFirstLastPara="1" rIns="121900" wrap="square" tIns="121900">
             <a:normAutofit/>
           </a:bodyPr>
           <a:lstStyle>
@@ -4944,19 +4788,15 @@
               <a:defRPr sz="3200"/>
             </a:lvl9pPr>
           </a:lstStyle>
-          <a:p>
-            <a:endParaRPr/>
-          </a:p>
+          <a:p/>
         </p:txBody>
       </p:sp>
       <p:sp>
         <p:nvSpPr>
           <p:cNvPr id="34" name="Google Shape;34;g313f73036cb_0_127"/>
-          <p:cNvSpPr txBox="1">
-            <a:spLocks noGrp="1"/>
-          </p:cNvSpPr>
+          <p:cNvSpPr txBox="1"/>
           <p:nvPr>
-            <p:ph type="body" idx="1"/>
+            <p:ph idx="1" type="body"/>
           </p:nvPr>
         </p:nvSpPr>
         <p:spPr>
@@ -4969,11 +4809,11 @@
           </a:prstGeom>
         </p:spPr>
         <p:txBody>
-          <a:bodyPr spcFirstLastPara="1" wrap="square" lIns="121900" tIns="121900" rIns="121900" bIns="121900" anchor="t" anchorCtr="0">
+          <a:bodyPr anchorCtr="0" anchor="t" bIns="121900" lIns="121900" spcFirstLastPara="1" rIns="121900" wrap="square" tIns="121900">
             <a:normAutofit/>
           </a:bodyPr>
           <a:lstStyle>
-            <a:lvl1pPr marL="457200" lvl="0" indent="-330200">
+            <a:lvl1pPr indent="-330200" lvl="0" marL="457200">
               <a:spcBef>
                 <a:spcPts val="0"/>
               </a:spcBef>
@@ -4984,7 +4824,7 @@
               <a:buChar char="●"/>
               <a:defRPr sz="1600"/>
             </a:lvl1pPr>
-            <a:lvl2pPr marL="914400" lvl="1" indent="-330200">
+            <a:lvl2pPr indent="-330200" lvl="1" marL="914400">
               <a:spcBef>
                 <a:spcPts val="0"/>
               </a:spcBef>
@@ -4995,7 +4835,7 @@
               <a:buChar char="○"/>
               <a:defRPr sz="1600"/>
             </a:lvl2pPr>
-            <a:lvl3pPr marL="1371600" lvl="2" indent="-330200">
+            <a:lvl3pPr indent="-330200" lvl="2" marL="1371600">
               <a:spcBef>
                 <a:spcPts val="0"/>
               </a:spcBef>
@@ -5006,7 +4846,7 @@
               <a:buChar char="■"/>
               <a:defRPr sz="1600"/>
             </a:lvl3pPr>
-            <a:lvl4pPr marL="1828800" lvl="3" indent="-330200">
+            <a:lvl4pPr indent="-330200" lvl="3" marL="1828800">
               <a:spcBef>
                 <a:spcPts val="0"/>
               </a:spcBef>
@@ -5017,7 +4857,7 @@
               <a:buChar char="●"/>
               <a:defRPr sz="1600"/>
             </a:lvl4pPr>
-            <a:lvl5pPr marL="2286000" lvl="4" indent="-330200">
+            <a:lvl5pPr indent="-330200" lvl="4" marL="2286000">
               <a:spcBef>
                 <a:spcPts val="0"/>
               </a:spcBef>
@@ -5028,7 +4868,7 @@
               <a:buChar char="○"/>
               <a:defRPr sz="1600"/>
             </a:lvl5pPr>
-            <a:lvl6pPr marL="2743200" lvl="5" indent="-330200">
+            <a:lvl6pPr indent="-330200" lvl="5" marL="2743200">
               <a:spcBef>
                 <a:spcPts val="0"/>
               </a:spcBef>
@@ -5039,7 +4879,7 @@
               <a:buChar char="■"/>
               <a:defRPr sz="1600"/>
             </a:lvl6pPr>
-            <a:lvl7pPr marL="3200400" lvl="6" indent="-330200">
+            <a:lvl7pPr indent="-330200" lvl="6" marL="3200400">
               <a:spcBef>
                 <a:spcPts val="0"/>
               </a:spcBef>
@@ -5050,7 +4890,7 @@
               <a:buChar char="●"/>
               <a:defRPr sz="1600"/>
             </a:lvl7pPr>
-            <a:lvl8pPr marL="3657600" lvl="7" indent="-330200">
+            <a:lvl8pPr indent="-330200" lvl="7" marL="3657600">
               <a:spcBef>
                 <a:spcPts val="0"/>
               </a:spcBef>
@@ -5061,7 +4901,7 @@
               <a:buChar char="○"/>
               <a:defRPr sz="1600"/>
             </a:lvl8pPr>
-            <a:lvl9pPr marL="4114800" lvl="8" indent="-330200">
+            <a:lvl9pPr indent="-330200" lvl="8" marL="4114800">
               <a:spcBef>
                 <a:spcPts val="0"/>
               </a:spcBef>
@@ -5073,19 +4913,15 @@
               <a:defRPr sz="1600"/>
             </a:lvl9pPr>
           </a:lstStyle>
-          <a:p>
-            <a:endParaRPr/>
-          </a:p>
+          <a:p/>
         </p:txBody>
       </p:sp>
       <p:sp>
         <p:nvSpPr>
           <p:cNvPr id="35" name="Google Shape;35;g313f73036cb_0_127"/>
-          <p:cNvSpPr txBox="1">
-            <a:spLocks noGrp="1"/>
-          </p:cNvSpPr>
+          <p:cNvSpPr txBox="1"/>
           <p:nvPr>
-            <p:ph type="sldNum" idx="12"/>
+            <p:ph idx="12" type="sldNum"/>
           </p:nvPr>
         </p:nvSpPr>
         <p:spPr>
@@ -5098,7 +4934,7 @@
           </a:prstGeom>
         </p:spPr>
         <p:txBody>
-          <a:bodyPr spcFirstLastPara="1" wrap="square" lIns="121900" tIns="121900" rIns="121900" bIns="121900" anchor="ctr" anchorCtr="0">
+          <a:bodyPr anchorCtr="0" anchor="ctr" bIns="121900" lIns="121900" spcFirstLastPara="1" rIns="121900" wrap="square" tIns="121900">
             <a:normAutofit/>
           </a:bodyPr>
           <a:lstStyle>
@@ -5140,7 +4976,7 @@
             </a:lvl9pPr>
           </a:lstStyle>
           <a:p>
-            <a:pPr marL="0" lvl="0" indent="0" algn="r" rtl="0">
+            <a:pPr indent="0" lvl="0" marL="0" rtl="0" algn="r">
               <a:spcBef>
                 <a:spcPts val="0"/>
               </a:spcBef>
@@ -5166,11 +5002,11 @@
 </file>
 
 <file path=ppt/slideLayouts/slideLayout7.xml><?xml version="1.0" encoding="utf-8"?>
-<p:sldLayout xmlns:a="http://schemas.openxmlformats.org/drawingml/2006/main" xmlns:r="http://schemas.openxmlformats.org/officeDocument/2006/relationships" xmlns:p="http://schemas.openxmlformats.org/presentationml/2006/main" matchingName="Main point">
+<p:sldLayout xmlns:a="http://schemas.openxmlformats.org/drawingml/2006/main" xmlns:r="http://schemas.openxmlformats.org/officeDocument/2006/relationships" xmlns:mc="http://schemas.openxmlformats.org/markup-compatibility/2006" xmlns:mv="urn:schemas-microsoft-com:mac:vml" xmlns:p="http://schemas.openxmlformats.org/presentationml/2006/main" xmlns:c="http://schemas.openxmlformats.org/drawingml/2006/chart" xmlns:dgm="http://schemas.openxmlformats.org/drawingml/2006/diagram" xmlns:o="urn:schemas-microsoft-com:office:office" xmlns:v="urn:schemas-microsoft-com:vml" xmlns:pvml="urn:schemas-microsoft-com:office:powerpoint" xmlns:com="http://schemas.openxmlformats.org/drawingml/2006/compatibility" xmlns:p14="http://schemas.microsoft.com/office/powerpoint/2010/main" xmlns:p15="http://schemas.microsoft.com/office/powerpoint/2012/main" xmlns:ahyp="http://schemas.microsoft.com/office/drawing/2018/hyperlinkcolor" matchingName="Main point">
   <p:cSld name="MAIN_POINT">
     <p:spTree>
       <p:nvGrpSpPr>
-        <p:cNvPr id="1" name="Shape 36"/>
+        <p:cNvPr id="36" name="Shape 36"/>
         <p:cNvGrpSpPr/>
         <p:nvPr/>
       </p:nvGrpSpPr>
@@ -5185,9 +5021,7 @@
       <p:sp>
         <p:nvSpPr>
           <p:cNvPr id="37" name="Google Shape;37;g313f73036cb_0_131"/>
-          <p:cNvSpPr txBox="1">
-            <a:spLocks noGrp="1"/>
-          </p:cNvSpPr>
+          <p:cNvSpPr txBox="1"/>
           <p:nvPr>
             <p:ph type="title"/>
           </p:nvPr>
@@ -5202,7 +5036,7 @@
           </a:prstGeom>
         </p:spPr>
         <p:txBody>
-          <a:bodyPr spcFirstLastPara="1" wrap="square" lIns="121900" tIns="121900" rIns="121900" bIns="121900" anchor="ctr" anchorCtr="0">
+          <a:bodyPr anchorCtr="0" anchor="ctr" bIns="121900" lIns="121900" spcFirstLastPara="1" rIns="121900" wrap="square" tIns="121900">
             <a:normAutofit/>
           </a:bodyPr>
           <a:lstStyle>
@@ -5369,19 +5203,15 @@
               </a:defRPr>
             </a:lvl9pPr>
           </a:lstStyle>
-          <a:p>
-            <a:endParaRPr/>
-          </a:p>
+          <a:p/>
         </p:txBody>
       </p:sp>
       <p:sp>
         <p:nvSpPr>
           <p:cNvPr id="38" name="Google Shape;38;g313f73036cb_0_131"/>
-          <p:cNvSpPr txBox="1">
-            <a:spLocks noGrp="1"/>
-          </p:cNvSpPr>
+          <p:cNvSpPr txBox="1"/>
           <p:nvPr>
-            <p:ph type="sldNum" idx="12"/>
+            <p:ph idx="12" type="sldNum"/>
           </p:nvPr>
         </p:nvSpPr>
         <p:spPr>
@@ -5394,7 +5224,7 @@
           </a:prstGeom>
         </p:spPr>
         <p:txBody>
-          <a:bodyPr spcFirstLastPara="1" wrap="square" lIns="121900" tIns="121900" rIns="121900" bIns="121900" anchor="ctr" anchorCtr="0">
+          <a:bodyPr anchorCtr="0" anchor="ctr" bIns="121900" lIns="121900" spcFirstLastPara="1" rIns="121900" wrap="square" tIns="121900">
             <a:normAutofit/>
           </a:bodyPr>
           <a:lstStyle>
@@ -5472,7 +5302,7 @@
             </a:lvl9pPr>
           </a:lstStyle>
           <a:p>
-            <a:pPr marL="0" lvl="0" indent="0" algn="r" rtl="0">
+            <a:pPr indent="0" lvl="0" marL="0" rtl="0" algn="r">
               <a:spcBef>
                 <a:spcPts val="0"/>
               </a:spcBef>
@@ -5498,11 +5328,11 @@
 </file>
 
 <file path=ppt/slideLayouts/slideLayout8.xml><?xml version="1.0" encoding="utf-8"?>
-<p:sldLayout xmlns:a="http://schemas.openxmlformats.org/drawingml/2006/main" xmlns:r="http://schemas.openxmlformats.org/officeDocument/2006/relationships" xmlns:p="http://schemas.openxmlformats.org/presentationml/2006/main" matchingName="Section title and description">
+<p:sldLayout xmlns:a="http://schemas.openxmlformats.org/drawingml/2006/main" xmlns:r="http://schemas.openxmlformats.org/officeDocument/2006/relationships" xmlns:mc="http://schemas.openxmlformats.org/markup-compatibility/2006" xmlns:mv="urn:schemas-microsoft-com:mac:vml" xmlns:p="http://schemas.openxmlformats.org/presentationml/2006/main" xmlns:c="http://schemas.openxmlformats.org/drawingml/2006/chart" xmlns:dgm="http://schemas.openxmlformats.org/drawingml/2006/diagram" xmlns:o="urn:schemas-microsoft-com:office:office" xmlns:v="urn:schemas-microsoft-com:vml" xmlns:pvml="urn:schemas-microsoft-com:office:powerpoint" xmlns:com="http://schemas.openxmlformats.org/drawingml/2006/compatibility" xmlns:p14="http://schemas.microsoft.com/office/powerpoint/2010/main" xmlns:p15="http://schemas.microsoft.com/office/powerpoint/2012/main" xmlns:ahyp="http://schemas.microsoft.com/office/drawing/2018/hyperlinkcolor" matchingName="Section title and description">
   <p:cSld name="SECTION_TITLE_AND_DESCRIPTION">
     <p:spTree>
       <p:nvGrpSpPr>
-        <p:cNvPr id="1" name="Shape 39"/>
+        <p:cNvPr id="39" name="Shape 39"/>
         <p:cNvGrpSpPr/>
         <p:nvPr/>
       </p:nvGrpSpPr>
@@ -5536,20 +5366,23 @@
           </a:ln>
         </p:spPr>
         <p:txBody>
-          <a:bodyPr spcFirstLastPara="1" wrap="square" lIns="121900" tIns="121900" rIns="121900" bIns="121900" anchor="ctr" anchorCtr="0">
+          <a:bodyPr anchorCtr="0" anchor="ctr" bIns="121900" lIns="121900" spcFirstLastPara="1" rIns="121900" wrap="square" tIns="121900">
             <a:noAutofit/>
           </a:bodyPr>
           <a:lstStyle/>
           <a:p>
-            <a:pPr marL="0" lvl="0" indent="0" algn="l" rtl="0">
-              <a:spcBef>
-                <a:spcPts val="0"/>
-              </a:spcBef>
-              <a:spcAft>
-                <a:spcPts val="0"/>
-              </a:spcAft>
-              <a:buNone/>
-            </a:pPr>
+            <a:pPr indent="0" lvl="0" marL="0" rtl="0" algn="l">
+              <a:spcBef>
+                <a:spcPts val="0"/>
+              </a:spcBef>
+              <a:spcAft>
+                <a:spcPts val="0"/>
+              </a:spcAft>
+              <a:buNone/>
+            </a:pPr>
+            <a:r>
+              <a:t/>
+            </a:r>
             <a:endParaRPr/>
           </a:p>
         </p:txBody>
@@ -5569,23 +5402,21 @@
             <a:avLst/>
           </a:prstGeom>
           <a:noFill/>
-          <a:ln w="19050" cap="flat" cmpd="sng">
+          <a:ln cap="flat" cmpd="sng" w="19050">
             <a:solidFill>
               <a:schemeClr val="lt1"/>
             </a:solidFill>
             <a:prstDash val="solid"/>
             <a:round/>
-            <a:headEnd type="none" w="sm" len="sm"/>
-            <a:tailEnd type="none" w="sm" len="sm"/>
+            <a:headEnd len="sm" w="sm" type="none"/>
+            <a:tailEnd len="sm" w="sm" type="none"/>
           </a:ln>
         </p:spPr>
       </p:cxnSp>
       <p:sp>
         <p:nvSpPr>
           <p:cNvPr id="42" name="Google Shape;42;g313f73036cb_0_134"/>
-          <p:cNvSpPr txBox="1">
-            <a:spLocks noGrp="1"/>
-          </p:cNvSpPr>
+          <p:cNvSpPr txBox="1"/>
           <p:nvPr>
             <p:ph type="title"/>
           </p:nvPr>
@@ -5600,7 +5431,7 @@
           </a:prstGeom>
         </p:spPr>
         <p:txBody>
-          <a:bodyPr spcFirstLastPara="1" wrap="square" lIns="121900" tIns="121900" rIns="121900" bIns="121900" anchor="b" anchorCtr="0">
+          <a:bodyPr anchorCtr="0" anchor="b" bIns="121900" lIns="121900" spcFirstLastPara="1" rIns="121900" wrap="square" tIns="121900">
             <a:normAutofit/>
           </a:bodyPr>
           <a:lstStyle>
@@ -5704,19 +5535,15 @@
               <a:defRPr sz="5600"/>
             </a:lvl9pPr>
           </a:lstStyle>
-          <a:p>
-            <a:endParaRPr/>
-          </a:p>
+          <a:p/>
         </p:txBody>
       </p:sp>
       <p:sp>
         <p:nvSpPr>
           <p:cNvPr id="43" name="Google Shape;43;g313f73036cb_0_134"/>
-          <p:cNvSpPr txBox="1">
-            <a:spLocks noGrp="1"/>
-          </p:cNvSpPr>
+          <p:cNvSpPr txBox="1"/>
           <p:nvPr>
-            <p:ph type="subTitle" idx="1"/>
+            <p:ph idx="1" type="subTitle"/>
           </p:nvPr>
         </p:nvSpPr>
         <p:spPr>
@@ -5729,7 +5556,7 @@
           </a:prstGeom>
         </p:spPr>
         <p:txBody>
-          <a:bodyPr spcFirstLastPara="1" wrap="square" lIns="121900" tIns="121900" rIns="121900" bIns="121900" anchor="t" anchorCtr="0">
+          <a:bodyPr anchorCtr="0" anchor="t" bIns="121900" lIns="121900" spcFirstLastPara="1" rIns="121900" wrap="square" tIns="121900">
             <a:normAutofit/>
           </a:bodyPr>
           <a:lstStyle>
@@ -5923,19 +5750,15 @@
               </a:defRPr>
             </a:lvl9pPr>
           </a:lstStyle>
-          <a:p>
-            <a:endParaRPr/>
-          </a:p>
+          <a:p/>
         </p:txBody>
       </p:sp>
       <p:sp>
         <p:nvSpPr>
           <p:cNvPr id="44" name="Google Shape;44;g313f73036cb_0_134"/>
-          <p:cNvSpPr txBox="1">
-            <a:spLocks noGrp="1"/>
-          </p:cNvSpPr>
+          <p:cNvSpPr txBox="1"/>
           <p:nvPr>
-            <p:ph type="body" idx="2"/>
+            <p:ph idx="2" type="body"/>
           </p:nvPr>
         </p:nvSpPr>
         <p:spPr>
@@ -5948,11 +5771,11 @@
           </a:prstGeom>
         </p:spPr>
         <p:txBody>
-          <a:bodyPr spcFirstLastPara="1" wrap="square" lIns="121900" tIns="121900" rIns="121900" bIns="121900" anchor="ctr" anchorCtr="0">
+          <a:bodyPr anchorCtr="0" anchor="ctr" bIns="121900" lIns="121900" spcFirstLastPara="1" rIns="121900" wrap="square" tIns="121900">
             <a:normAutofit/>
           </a:bodyPr>
           <a:lstStyle>
-            <a:lvl1pPr marL="457200" lvl="0" indent="-381000">
+            <a:lvl1pPr indent="-381000" lvl="0" marL="457200">
               <a:spcBef>
                 <a:spcPts val="0"/>
               </a:spcBef>
@@ -5970,7 +5793,7 @@
                 </a:solidFill>
               </a:defRPr>
             </a:lvl1pPr>
-            <a:lvl2pPr marL="914400" lvl="1" indent="-349250">
+            <a:lvl2pPr indent="-349250" lvl="1" marL="914400">
               <a:spcBef>
                 <a:spcPts val="0"/>
               </a:spcBef>
@@ -5988,7 +5811,7 @@
                 </a:solidFill>
               </a:defRPr>
             </a:lvl2pPr>
-            <a:lvl3pPr marL="1371600" lvl="2" indent="-349250">
+            <a:lvl3pPr indent="-349250" lvl="2" marL="1371600">
               <a:spcBef>
                 <a:spcPts val="0"/>
               </a:spcBef>
@@ -6006,7 +5829,7 @@
                 </a:solidFill>
               </a:defRPr>
             </a:lvl3pPr>
-            <a:lvl4pPr marL="1828800" lvl="3" indent="-349250">
+            <a:lvl4pPr indent="-349250" lvl="3" marL="1828800">
               <a:spcBef>
                 <a:spcPts val="0"/>
               </a:spcBef>
@@ -6024,7 +5847,7 @@
                 </a:solidFill>
               </a:defRPr>
             </a:lvl4pPr>
-            <a:lvl5pPr marL="2286000" lvl="4" indent="-349250">
+            <a:lvl5pPr indent="-349250" lvl="4" marL="2286000">
               <a:spcBef>
                 <a:spcPts val="0"/>
               </a:spcBef>
@@ -6042,7 +5865,7 @@
                 </a:solidFill>
               </a:defRPr>
             </a:lvl5pPr>
-            <a:lvl6pPr marL="2743200" lvl="5" indent="-349250">
+            <a:lvl6pPr indent="-349250" lvl="5" marL="2743200">
               <a:spcBef>
                 <a:spcPts val="0"/>
               </a:spcBef>
@@ -6060,7 +5883,7 @@
                 </a:solidFill>
               </a:defRPr>
             </a:lvl6pPr>
-            <a:lvl7pPr marL="3200400" lvl="6" indent="-349250">
+            <a:lvl7pPr indent="-349250" lvl="6" marL="3200400">
               <a:spcBef>
                 <a:spcPts val="0"/>
               </a:spcBef>
@@ -6078,7 +5901,7 @@
                 </a:solidFill>
               </a:defRPr>
             </a:lvl7pPr>
-            <a:lvl8pPr marL="3657600" lvl="7" indent="-349250">
+            <a:lvl8pPr indent="-349250" lvl="7" marL="3657600">
               <a:spcBef>
                 <a:spcPts val="0"/>
               </a:spcBef>
@@ -6096,7 +5919,7 @@
                 </a:solidFill>
               </a:defRPr>
             </a:lvl8pPr>
-            <a:lvl9pPr marL="4114800" lvl="8" indent="-349250">
+            <a:lvl9pPr indent="-349250" lvl="8" marL="4114800">
               <a:spcBef>
                 <a:spcPts val="0"/>
               </a:spcBef>
@@ -6115,19 +5938,15 @@
               </a:defRPr>
             </a:lvl9pPr>
           </a:lstStyle>
-          <a:p>
-            <a:endParaRPr/>
-          </a:p>
+          <a:p/>
         </p:txBody>
       </p:sp>
       <p:sp>
         <p:nvSpPr>
           <p:cNvPr id="45" name="Google Shape;45;g313f73036cb_0_134"/>
-          <p:cNvSpPr txBox="1">
-            <a:spLocks noGrp="1"/>
-          </p:cNvSpPr>
+          <p:cNvSpPr txBox="1"/>
           <p:nvPr>
-            <p:ph type="sldNum" idx="12"/>
+            <p:ph idx="12" type="sldNum"/>
           </p:nvPr>
         </p:nvSpPr>
         <p:spPr>
@@ -6140,7 +5959,7 @@
           </a:prstGeom>
         </p:spPr>
         <p:txBody>
-          <a:bodyPr spcFirstLastPara="1" wrap="square" lIns="121900" tIns="121900" rIns="121900" bIns="121900" anchor="ctr" anchorCtr="0">
+          <a:bodyPr anchorCtr="0" anchor="ctr" bIns="121900" lIns="121900" spcFirstLastPara="1" rIns="121900" wrap="square" tIns="121900">
             <a:normAutofit/>
           </a:bodyPr>
           <a:lstStyle>
@@ -6218,7 +6037,7 @@
             </a:lvl9pPr>
           </a:lstStyle>
           <a:p>
-            <a:pPr marL="0" lvl="0" indent="0" algn="r" rtl="0">
+            <a:pPr indent="0" lvl="0" marL="0" rtl="0" algn="r">
               <a:spcBef>
                 <a:spcPts val="0"/>
               </a:spcBef>
@@ -6244,11 +6063,11 @@
 </file>
 
 <file path=ppt/slideLayouts/slideLayout9.xml><?xml version="1.0" encoding="utf-8"?>
-<p:sldLayout xmlns:a="http://schemas.openxmlformats.org/drawingml/2006/main" xmlns:r="http://schemas.openxmlformats.org/officeDocument/2006/relationships" xmlns:p="http://schemas.openxmlformats.org/presentationml/2006/main" matchingName="Caption">
+<p:sldLayout xmlns:a="http://schemas.openxmlformats.org/drawingml/2006/main" xmlns:r="http://schemas.openxmlformats.org/officeDocument/2006/relationships" xmlns:mc="http://schemas.openxmlformats.org/markup-compatibility/2006" xmlns:mv="urn:schemas-microsoft-com:mac:vml" xmlns:p="http://schemas.openxmlformats.org/presentationml/2006/main" xmlns:c="http://schemas.openxmlformats.org/drawingml/2006/chart" xmlns:dgm="http://schemas.openxmlformats.org/drawingml/2006/diagram" xmlns:o="urn:schemas-microsoft-com:office:office" xmlns:v="urn:schemas-microsoft-com:vml" xmlns:pvml="urn:schemas-microsoft-com:office:powerpoint" xmlns:com="http://schemas.openxmlformats.org/drawingml/2006/compatibility" xmlns:p14="http://schemas.microsoft.com/office/powerpoint/2010/main" xmlns:p15="http://schemas.microsoft.com/office/powerpoint/2012/main" xmlns:ahyp="http://schemas.microsoft.com/office/drawing/2018/hyperlinkcolor" matchingName="Caption">
   <p:cSld name="CAPTION_ONLY">
     <p:spTree>
       <p:nvGrpSpPr>
-        <p:cNvPr id="1" name="Shape 46"/>
+        <p:cNvPr id="46" name="Shape 46"/>
         <p:cNvGrpSpPr/>
         <p:nvPr/>
       </p:nvGrpSpPr>
@@ -6263,11 +6082,9 @@
       <p:sp>
         <p:nvSpPr>
           <p:cNvPr id="47" name="Google Shape;47;g313f73036cb_0_141"/>
-          <p:cNvSpPr txBox="1">
-            <a:spLocks noGrp="1"/>
-          </p:cNvSpPr>
+          <p:cNvSpPr txBox="1"/>
           <p:nvPr>
-            <p:ph type="body" idx="1"/>
+            <p:ph idx="1" type="body"/>
           </p:nvPr>
         </p:nvSpPr>
         <p:spPr>
@@ -6280,11 +6097,11 @@
           </a:prstGeom>
         </p:spPr>
         <p:txBody>
-          <a:bodyPr spcFirstLastPara="1" wrap="square" lIns="121900" tIns="121900" rIns="121900" bIns="121900" anchor="ctr" anchorCtr="0">
+          <a:bodyPr anchorCtr="0" anchor="ctr" bIns="121900" lIns="121900" spcFirstLastPara="1" rIns="121900" wrap="square" tIns="121900">
             <a:normAutofit/>
           </a:bodyPr>
           <a:lstStyle>
-            <a:lvl1pPr marL="457200" lvl="0" indent="-228600">
+            <a:lvl1pPr indent="-228600" lvl="0" marL="457200">
               <a:lnSpc>
                 <a:spcPct val="100000"/>
               </a:lnSpc>
@@ -6311,19 +6128,15 @@
               </a:defRPr>
             </a:lvl1pPr>
           </a:lstStyle>
-          <a:p>
-            <a:endParaRPr/>
-          </a:p>
+          <a:p/>
         </p:txBody>
       </p:sp>
       <p:sp>
         <p:nvSpPr>
           <p:cNvPr id="48" name="Google Shape;48;g313f73036cb_0_141"/>
-          <p:cNvSpPr txBox="1">
-            <a:spLocks noGrp="1"/>
-          </p:cNvSpPr>
+          <p:cNvSpPr txBox="1"/>
           <p:nvPr>
-            <p:ph type="sldNum" idx="12"/>
+            <p:ph idx="12" type="sldNum"/>
           </p:nvPr>
         </p:nvSpPr>
         <p:spPr>
@@ -6336,7 +6149,7 @@
           </a:prstGeom>
         </p:spPr>
         <p:txBody>
-          <a:bodyPr spcFirstLastPara="1" wrap="square" lIns="121900" tIns="121900" rIns="121900" bIns="121900" anchor="ctr" anchorCtr="0">
+          <a:bodyPr anchorCtr="0" anchor="ctr" bIns="121900" lIns="121900" spcFirstLastPara="1" rIns="121900" wrap="square" tIns="121900">
             <a:normAutofit/>
           </a:bodyPr>
           <a:lstStyle>
@@ -6378,7 +6191,7 @@
             </a:lvl9pPr>
           </a:lstStyle>
           <a:p>
-            <a:pPr marL="0" lvl="0" indent="0" algn="r" rtl="0">
+            <a:pPr indent="0" lvl="0" marL="0" rtl="0" algn="r">
               <a:spcBef>
                 <a:spcPts val="0"/>
               </a:spcBef>
@@ -6404,19 +6217,18 @@
 </file>
 
 <file path=ppt/slideMasters/slideMaster1.xml><?xml version="1.0" encoding="utf-8"?>
-<p:sldMaster xmlns:a="http://schemas.openxmlformats.org/drawingml/2006/main" xmlns:r="http://schemas.openxmlformats.org/officeDocument/2006/relationships" xmlns:p="http://schemas.openxmlformats.org/presentationml/2006/main">
+<p:sldMaster xmlns:a="http://schemas.openxmlformats.org/drawingml/2006/main" xmlns:r="http://schemas.openxmlformats.org/officeDocument/2006/relationships" xmlns:mc="http://schemas.openxmlformats.org/markup-compatibility/2006" xmlns:mv="urn:schemas-microsoft-com:mac:vml" xmlns:p="http://schemas.openxmlformats.org/presentationml/2006/main" xmlns:c="http://schemas.openxmlformats.org/drawingml/2006/chart" xmlns:dgm="http://schemas.openxmlformats.org/drawingml/2006/diagram" xmlns:o="urn:schemas-microsoft-com:office:office" xmlns:v="urn:schemas-microsoft-com:vml" xmlns:pvml="urn:schemas-microsoft-com:office:powerpoint" xmlns:com="http://schemas.openxmlformats.org/drawingml/2006/compatibility" xmlns:p14="http://schemas.microsoft.com/office/powerpoint/2010/main" xmlns:p15="http://schemas.microsoft.com/office/powerpoint/2012/main" xmlns:ahyp="http://schemas.microsoft.com/office/drawing/2018/hyperlinkcolor">
   <p:cSld name="slate">
     <p:bg>
       <p:bgPr>
         <a:solidFill>
           <a:srgbClr val="073763"/>
         </a:solidFill>
-        <a:effectLst/>
       </p:bgPr>
     </p:bg>
     <p:spTree>
       <p:nvGrpSpPr>
-        <p:cNvPr id="1" name="Shape 5"/>
+        <p:cNvPr id="5" name="Shape 5"/>
         <p:cNvGrpSpPr/>
         <p:nvPr/>
       </p:nvGrpSpPr>
@@ -6431,9 +6243,7 @@
       <p:sp>
         <p:nvSpPr>
           <p:cNvPr id="6" name="Google Shape;6;g313f73036cb_0_100"/>
-          <p:cNvSpPr txBox="1">
-            <a:spLocks noGrp="1"/>
-          </p:cNvSpPr>
+          <p:cNvSpPr txBox="1"/>
           <p:nvPr>
             <p:ph type="title"/>
           </p:nvPr>
@@ -6452,7 +6262,7 @@
           </a:ln>
         </p:spPr>
         <p:txBody>
-          <a:bodyPr spcFirstLastPara="1" wrap="square" lIns="121900" tIns="121900" rIns="121900" bIns="121900" anchor="t" anchorCtr="0">
+          <a:bodyPr anchorCtr="0" anchor="t" bIns="121900" lIns="121900" spcFirstLastPara="1" rIns="121900" wrap="square" tIns="121900">
             <a:normAutofit/>
           </a:bodyPr>
           <a:lstStyle>
@@ -6664,19 +6474,15 @@
               </a:defRPr>
             </a:lvl9pPr>
           </a:lstStyle>
-          <a:p>
-            <a:endParaRPr/>
-          </a:p>
+          <a:p/>
         </p:txBody>
       </p:sp>
       <p:sp>
         <p:nvSpPr>
           <p:cNvPr id="7" name="Google Shape;7;g313f73036cb_0_100"/>
-          <p:cNvSpPr txBox="1">
-            <a:spLocks noGrp="1"/>
-          </p:cNvSpPr>
+          <p:cNvSpPr txBox="1"/>
           <p:nvPr>
-            <p:ph type="body" idx="1"/>
+            <p:ph idx="1" type="body"/>
           </p:nvPr>
         </p:nvSpPr>
         <p:spPr>
@@ -6693,11 +6499,11 @@
           </a:ln>
         </p:spPr>
         <p:txBody>
-          <a:bodyPr spcFirstLastPara="1" wrap="square" lIns="121900" tIns="121900" rIns="121900" bIns="121900" anchor="t" anchorCtr="0">
+          <a:bodyPr anchorCtr="0" anchor="t" bIns="121900" lIns="121900" spcFirstLastPara="1" rIns="121900" wrap="square" tIns="121900">
             <a:normAutofit/>
           </a:bodyPr>
           <a:lstStyle>
-            <a:lvl1pPr marL="457200" lvl="0" indent="-381000">
+            <a:lvl1pPr indent="-381000" lvl="0" marL="457200">
               <a:lnSpc>
                 <a:spcPct val="115000"/>
               </a:lnSpc>
@@ -6723,7 +6529,7 @@
                 <a:sym typeface="Average"/>
               </a:defRPr>
             </a:lvl1pPr>
-            <a:lvl2pPr marL="914400" lvl="1" indent="-349250">
+            <a:lvl2pPr indent="-349250" lvl="1" marL="914400">
               <a:lnSpc>
                 <a:spcPct val="115000"/>
               </a:lnSpc>
@@ -6749,7 +6555,7 @@
                 <a:sym typeface="Average"/>
               </a:defRPr>
             </a:lvl2pPr>
-            <a:lvl3pPr marL="1371600" lvl="2" indent="-349250">
+            <a:lvl3pPr indent="-349250" lvl="2" marL="1371600">
               <a:lnSpc>
                 <a:spcPct val="115000"/>
               </a:lnSpc>
@@ -6775,7 +6581,7 @@
                 <a:sym typeface="Average"/>
               </a:defRPr>
             </a:lvl3pPr>
-            <a:lvl4pPr marL="1828800" lvl="3" indent="-349250">
+            <a:lvl4pPr indent="-349250" lvl="3" marL="1828800">
               <a:lnSpc>
                 <a:spcPct val="115000"/>
               </a:lnSpc>
@@ -6801,7 +6607,7 @@
                 <a:sym typeface="Average"/>
               </a:defRPr>
             </a:lvl4pPr>
-            <a:lvl5pPr marL="2286000" lvl="4" indent="-349250">
+            <a:lvl5pPr indent="-349250" lvl="4" marL="2286000">
               <a:lnSpc>
                 <a:spcPct val="115000"/>
               </a:lnSpc>
@@ -6827,7 +6633,7 @@
                 <a:sym typeface="Average"/>
               </a:defRPr>
             </a:lvl5pPr>
-            <a:lvl6pPr marL="2743200" lvl="5" indent="-349250">
+            <a:lvl6pPr indent="-349250" lvl="5" marL="2743200">
               <a:lnSpc>
                 <a:spcPct val="115000"/>
               </a:lnSpc>
@@ -6853,7 +6659,7 @@
                 <a:sym typeface="Average"/>
               </a:defRPr>
             </a:lvl6pPr>
-            <a:lvl7pPr marL="3200400" lvl="6" indent="-349250">
+            <a:lvl7pPr indent="-349250" lvl="6" marL="3200400">
               <a:lnSpc>
                 <a:spcPct val="115000"/>
               </a:lnSpc>
@@ -6879,7 +6685,7 @@
                 <a:sym typeface="Average"/>
               </a:defRPr>
             </a:lvl7pPr>
-            <a:lvl8pPr marL="3657600" lvl="7" indent="-349250">
+            <a:lvl8pPr indent="-349250" lvl="7" marL="3657600">
               <a:lnSpc>
                 <a:spcPct val="115000"/>
               </a:lnSpc>
@@ -6905,7 +6711,7 @@
                 <a:sym typeface="Average"/>
               </a:defRPr>
             </a:lvl8pPr>
-            <a:lvl9pPr marL="4114800" lvl="8" indent="-349250">
+            <a:lvl9pPr indent="-349250" lvl="8" marL="4114800">
               <a:lnSpc>
                 <a:spcPct val="115000"/>
               </a:lnSpc>
@@ -6932,19 +6738,15 @@
               </a:defRPr>
             </a:lvl9pPr>
           </a:lstStyle>
-          <a:p>
-            <a:endParaRPr/>
-          </a:p>
+          <a:p/>
         </p:txBody>
       </p:sp>
       <p:sp>
         <p:nvSpPr>
           <p:cNvPr id="8" name="Google Shape;8;g313f73036cb_0_100"/>
-          <p:cNvSpPr txBox="1">
-            <a:spLocks noGrp="1"/>
-          </p:cNvSpPr>
+          <p:cNvSpPr txBox="1"/>
           <p:nvPr>
-            <p:ph type="sldNum" idx="12"/>
+            <p:ph idx="12" type="sldNum"/>
           </p:nvPr>
         </p:nvSpPr>
         <p:spPr>
@@ -6961,7 +6763,7 @@
           </a:ln>
         </p:spPr>
         <p:txBody>
-          <a:bodyPr spcFirstLastPara="1" wrap="square" lIns="121900" tIns="121900" rIns="121900" bIns="121900" anchor="ctr" anchorCtr="0">
+          <a:bodyPr anchorCtr="0" anchor="ctr" bIns="121900" lIns="121900" spcFirstLastPara="1" rIns="121900" wrap="square" tIns="121900">
             <a:normAutofit/>
           </a:bodyPr>
           <a:lstStyle>
@@ -7075,7 +6877,7 @@
             </a:lvl9pPr>
           </a:lstStyle>
           <a:p>
-            <a:pPr marL="0" lvl="0" indent="0" algn="r" rtl="0">
+            <a:pPr indent="0" lvl="0" marL="0" rtl="0" algn="r">
               <a:spcBef>
                 <a:spcPts val="0"/>
               </a:spcBef>
@@ -7094,7 +6896,7 @@
       </p:sp>
     </p:spTree>
   </p:cSld>
-  <p:clrMap bg1="lt1" tx1="dk1" bg2="dk2" tx2="lt2" accent1="accent1" accent2="accent2" accent3="accent3" accent4="accent4" accent5="accent5" accent6="accent6" hlink="hlink" folHlink="folHlink"/>
+  <p:clrMap accent1="accent1" accent2="accent2" accent3="accent3" accent4="accent4" accent5="accent5" accent6="accent6" bg1="lt1" bg2="dk2" tx1="dk1" tx2="lt2" folHlink="folHlink" hlink="hlink"/>
   <p:sldLayoutIdLst>
     <p:sldLayoutId id="2147483649" r:id="rId1"/>
     <p:sldLayoutId id="2147483650" r:id="rId2"/>
@@ -7108,10 +6910,10 @@
     <p:sldLayoutId id="2147483658" r:id="rId10"/>
     <p:sldLayoutId id="2147483659" r:id="rId11"/>
   </p:sldLayoutIdLst>
-  <p:hf sldNum="0" hdr="0" ftr="0" dt="0"/>
+  <p:hf dt="0" ftr="0" hdr="0" sldNum="0"/>
   <p:txStyles>
     <p:titleStyle>
-      <a:defPPr marR="0" lvl="0" algn="l" rtl="0">
+      <a:defPPr lvl="0" marR="0" rtl="0" algn="l">
         <a:lnSpc>
           <a:spcPct val="100000"/>
         </a:lnSpc>
@@ -7122,7 +6924,7 @@
           <a:spcPts val="0"/>
         </a:spcAft>
       </a:defPPr>
-      <a:lvl1pPr marR="0" lvl="0" algn="l" rtl="0">
+      <a:lvl1pPr lvl="0" marR="0" rtl="0" algn="l">
         <a:lnSpc>
           <a:spcPct val="100000"/>
         </a:lnSpc>
@@ -7136,7 +6938,7 @@
           <a:srgbClr val="000000"/>
         </a:buClr>
         <a:buFont typeface="Arial"/>
-        <a:defRPr sz="1400" b="0" i="0" u="none" strike="noStrike" cap="none">
+        <a:defRPr b="0" i="0" sz="1400" u="none" cap="none" strike="noStrike">
           <a:solidFill>
             <a:srgbClr val="000000"/>
           </a:solidFill>
@@ -7146,7 +6948,7 @@
           <a:sym typeface="Arial"/>
         </a:defRPr>
       </a:lvl1pPr>
-      <a:lvl2pPr marR="0" lvl="1" algn="l" rtl="0">
+      <a:lvl2pPr lvl="1" marR="0" rtl="0" algn="l">
         <a:lnSpc>
           <a:spcPct val="100000"/>
         </a:lnSpc>
@@ -7160,7 +6962,7 @@
           <a:srgbClr val="000000"/>
         </a:buClr>
         <a:buFont typeface="Arial"/>
-        <a:defRPr sz="1400" b="0" i="0" u="none" strike="noStrike" cap="none">
+        <a:defRPr b="0" i="0" sz="1400" u="none" cap="none" strike="noStrike">
           <a:solidFill>
             <a:srgbClr val="000000"/>
           </a:solidFill>
@@ -7170,7 +6972,7 @@
           <a:sym typeface="Arial"/>
         </a:defRPr>
       </a:lvl2pPr>
-      <a:lvl3pPr marR="0" lvl="2" algn="l" rtl="0">
+      <a:lvl3pPr lvl="2" marR="0" rtl="0" algn="l">
         <a:lnSpc>
           <a:spcPct val="100000"/>
         </a:lnSpc>
@@ -7184,7 +6986,7 @@
           <a:srgbClr val="000000"/>
         </a:buClr>
         <a:buFont typeface="Arial"/>
-        <a:defRPr sz="1400" b="0" i="0" u="none" strike="noStrike" cap="none">
+        <a:defRPr b="0" i="0" sz="1400" u="none" cap="none" strike="noStrike">
           <a:solidFill>
             <a:srgbClr val="000000"/>
           </a:solidFill>
@@ -7194,7 +6996,7 @@
           <a:sym typeface="Arial"/>
         </a:defRPr>
       </a:lvl3pPr>
-      <a:lvl4pPr marR="0" lvl="3" algn="l" rtl="0">
+      <a:lvl4pPr lvl="3" marR="0" rtl="0" algn="l">
         <a:lnSpc>
           <a:spcPct val="100000"/>
         </a:lnSpc>
@@ -7208,7 +7010,7 @@
           <a:srgbClr val="000000"/>
         </a:buClr>
         <a:buFont typeface="Arial"/>
-        <a:defRPr sz="1400" b="0" i="0" u="none" strike="noStrike" cap="none">
+        <a:defRPr b="0" i="0" sz="1400" u="none" cap="none" strike="noStrike">
           <a:solidFill>
             <a:srgbClr val="000000"/>
           </a:solidFill>
@@ -7218,7 +7020,7 @@
           <a:sym typeface="Arial"/>
         </a:defRPr>
       </a:lvl4pPr>
-      <a:lvl5pPr marR="0" lvl="4" algn="l" rtl="0">
+      <a:lvl5pPr lvl="4" marR="0" rtl="0" algn="l">
         <a:lnSpc>
           <a:spcPct val="100000"/>
         </a:lnSpc>
@@ -7232,7 +7034,7 @@
           <a:srgbClr val="000000"/>
         </a:buClr>
         <a:buFont typeface="Arial"/>
-        <a:defRPr sz="1400" b="0" i="0" u="none" strike="noStrike" cap="none">
+        <a:defRPr b="0" i="0" sz="1400" u="none" cap="none" strike="noStrike">
           <a:solidFill>
             <a:srgbClr val="000000"/>
           </a:solidFill>
@@ -7242,7 +7044,7 @@
           <a:sym typeface="Arial"/>
         </a:defRPr>
       </a:lvl5pPr>
-      <a:lvl6pPr marR="0" lvl="5" algn="l" rtl="0">
+      <a:lvl6pPr lvl="5" marR="0" rtl="0" algn="l">
         <a:lnSpc>
           <a:spcPct val="100000"/>
         </a:lnSpc>
@@ -7256,7 +7058,7 @@
           <a:srgbClr val="000000"/>
         </a:buClr>
         <a:buFont typeface="Arial"/>
-        <a:defRPr sz="1400" b="0" i="0" u="none" strike="noStrike" cap="none">
+        <a:defRPr b="0" i="0" sz="1400" u="none" cap="none" strike="noStrike">
           <a:solidFill>
             <a:srgbClr val="000000"/>
           </a:solidFill>
@@ -7266,7 +7068,7 @@
           <a:sym typeface="Arial"/>
         </a:defRPr>
       </a:lvl6pPr>
-      <a:lvl7pPr marR="0" lvl="6" algn="l" rtl="0">
+      <a:lvl7pPr lvl="6" marR="0" rtl="0" algn="l">
         <a:lnSpc>
           <a:spcPct val="100000"/>
         </a:lnSpc>
@@ -7280,7 +7082,7 @@
           <a:srgbClr val="000000"/>
         </a:buClr>
         <a:buFont typeface="Arial"/>
-        <a:defRPr sz="1400" b="0" i="0" u="none" strike="noStrike" cap="none">
+        <a:defRPr b="0" i="0" sz="1400" u="none" cap="none" strike="noStrike">
           <a:solidFill>
             <a:srgbClr val="000000"/>
           </a:solidFill>
@@ -7290,7 +7092,7 @@
           <a:sym typeface="Arial"/>
         </a:defRPr>
       </a:lvl7pPr>
-      <a:lvl8pPr marR="0" lvl="7" algn="l" rtl="0">
+      <a:lvl8pPr lvl="7" marR="0" rtl="0" algn="l">
         <a:lnSpc>
           <a:spcPct val="100000"/>
         </a:lnSpc>
@@ -7304,7 +7106,7 @@
           <a:srgbClr val="000000"/>
         </a:buClr>
         <a:buFont typeface="Arial"/>
-        <a:defRPr sz="1400" b="0" i="0" u="none" strike="noStrike" cap="none">
+        <a:defRPr b="0" i="0" sz="1400" u="none" cap="none" strike="noStrike">
           <a:solidFill>
             <a:srgbClr val="000000"/>
           </a:solidFill>
@@ -7314,7 +7116,7 @@
           <a:sym typeface="Arial"/>
         </a:defRPr>
       </a:lvl8pPr>
-      <a:lvl9pPr marR="0" lvl="8" algn="l" rtl="0">
+      <a:lvl9pPr lvl="8" marR="0" rtl="0" algn="l">
         <a:lnSpc>
           <a:spcPct val="100000"/>
         </a:lnSpc>
@@ -7328,7 +7130,7 @@
           <a:srgbClr val="000000"/>
         </a:buClr>
         <a:buFont typeface="Arial"/>
-        <a:defRPr sz="1400" b="0" i="0" u="none" strike="noStrike" cap="none">
+        <a:defRPr b="0" i="0" sz="1400" u="none" cap="none" strike="noStrike">
           <a:solidFill>
             <a:srgbClr val="000000"/>
           </a:solidFill>
@@ -7340,7 +7142,7 @@
       </a:lvl9pPr>
     </p:titleStyle>
     <p:bodyStyle>
-      <a:defPPr marR="0" lvl="0" algn="l" rtl="0">
+      <a:defPPr lvl="0" marR="0" rtl="0" algn="l">
         <a:lnSpc>
           <a:spcPct val="100000"/>
         </a:lnSpc>
@@ -7351,7 +7153,7 @@
           <a:spcPts val="0"/>
         </a:spcAft>
       </a:defPPr>
-      <a:lvl1pPr marR="0" lvl="0" algn="l" rtl="0">
+      <a:lvl1pPr lvl="0" marR="0" rtl="0" algn="l">
         <a:lnSpc>
           <a:spcPct val="100000"/>
         </a:lnSpc>
@@ -7365,7 +7167,7 @@
           <a:srgbClr val="000000"/>
         </a:buClr>
         <a:buFont typeface="Arial"/>
-        <a:defRPr sz="1400" b="0" i="0" u="none" strike="noStrike" cap="none">
+        <a:defRPr b="0" i="0" sz="1400" u="none" cap="none" strike="noStrike">
           <a:solidFill>
             <a:srgbClr val="000000"/>
           </a:solidFill>
@@ -7375,7 +7177,7 @@
           <a:sym typeface="Arial"/>
         </a:defRPr>
       </a:lvl1pPr>
-      <a:lvl2pPr marR="0" lvl="1" algn="l" rtl="0">
+      <a:lvl2pPr lvl="1" marR="0" rtl="0" algn="l">
         <a:lnSpc>
           <a:spcPct val="100000"/>
         </a:lnSpc>
@@ -7389,7 +7191,7 @@
           <a:srgbClr val="000000"/>
         </a:buClr>
         <a:buFont typeface="Arial"/>
-        <a:defRPr sz="1400" b="0" i="0" u="none" strike="noStrike" cap="none">
+        <a:defRPr b="0" i="0" sz="1400" u="none" cap="none" strike="noStrike">
           <a:solidFill>
             <a:srgbClr val="000000"/>
           </a:solidFill>
@@ -7399,7 +7201,7 @@
           <a:sym typeface="Arial"/>
         </a:defRPr>
       </a:lvl2pPr>
-      <a:lvl3pPr marR="0" lvl="2" algn="l" rtl="0">
+      <a:lvl3pPr lvl="2" marR="0" rtl="0" algn="l">
         <a:lnSpc>
           <a:spcPct val="100000"/>
         </a:lnSpc>
@@ -7413,7 +7215,7 @@
           <a:srgbClr val="000000"/>
         </a:buClr>
         <a:buFont typeface="Arial"/>
-        <a:defRPr sz="1400" b="0" i="0" u="none" strike="noStrike" cap="none">
+        <a:defRPr b="0" i="0" sz="1400" u="none" cap="none" strike="noStrike">
           <a:solidFill>
             <a:srgbClr val="000000"/>
           </a:solidFill>
@@ -7423,7 +7225,7 @@
           <a:sym typeface="Arial"/>
         </a:defRPr>
       </a:lvl3pPr>
-      <a:lvl4pPr marR="0" lvl="3" algn="l" rtl="0">
+      <a:lvl4pPr lvl="3" marR="0" rtl="0" algn="l">
         <a:lnSpc>
           <a:spcPct val="100000"/>
         </a:lnSpc>
@@ -7437,7 +7239,7 @@
           <a:srgbClr val="000000"/>
         </a:buClr>
         <a:buFont typeface="Arial"/>
-        <a:defRPr sz="1400" b="0" i="0" u="none" strike="noStrike" cap="none">
+        <a:defRPr b="0" i="0" sz="1400" u="none" cap="none" strike="noStrike">
           <a:solidFill>
             <a:srgbClr val="000000"/>
           </a:solidFill>
@@ -7447,7 +7249,7 @@
           <a:sym typeface="Arial"/>
         </a:defRPr>
       </a:lvl4pPr>
-      <a:lvl5pPr marR="0" lvl="4" algn="l" rtl="0">
+      <a:lvl5pPr lvl="4" marR="0" rtl="0" algn="l">
         <a:lnSpc>
           <a:spcPct val="100000"/>
         </a:lnSpc>
@@ -7461,7 +7263,7 @@
           <a:srgbClr val="000000"/>
         </a:buClr>
         <a:buFont typeface="Arial"/>
-        <a:defRPr sz="1400" b="0" i="0" u="none" strike="noStrike" cap="none">
+        <a:defRPr b="0" i="0" sz="1400" u="none" cap="none" strike="noStrike">
           <a:solidFill>
             <a:srgbClr val="000000"/>
           </a:solidFill>
@@ -7471,7 +7273,7 @@
           <a:sym typeface="Arial"/>
         </a:defRPr>
       </a:lvl5pPr>
-      <a:lvl6pPr marR="0" lvl="5" algn="l" rtl="0">
+      <a:lvl6pPr lvl="5" marR="0" rtl="0" algn="l">
         <a:lnSpc>
           <a:spcPct val="100000"/>
         </a:lnSpc>
@@ -7485,7 +7287,7 @@
           <a:srgbClr val="000000"/>
         </a:buClr>
         <a:buFont typeface="Arial"/>
-        <a:defRPr sz="1400" b="0" i="0" u="none" strike="noStrike" cap="none">
+        <a:defRPr b="0" i="0" sz="1400" u="none" cap="none" strike="noStrike">
           <a:solidFill>
             <a:srgbClr val="000000"/>
           </a:solidFill>
@@ -7495,7 +7297,7 @@
           <a:sym typeface="Arial"/>
         </a:defRPr>
       </a:lvl6pPr>
-      <a:lvl7pPr marR="0" lvl="6" algn="l" rtl="0">
+      <a:lvl7pPr lvl="6" marR="0" rtl="0" algn="l">
         <a:lnSpc>
           <a:spcPct val="100000"/>
         </a:lnSpc>
@@ -7509,7 +7311,7 @@
           <a:srgbClr val="000000"/>
         </a:buClr>
         <a:buFont typeface="Arial"/>
-        <a:defRPr sz="1400" b="0" i="0" u="none" strike="noStrike" cap="none">
+        <a:defRPr b="0" i="0" sz="1400" u="none" cap="none" strike="noStrike">
           <a:solidFill>
             <a:srgbClr val="000000"/>
           </a:solidFill>
@@ -7519,7 +7321,7 @@
           <a:sym typeface="Arial"/>
         </a:defRPr>
       </a:lvl7pPr>
-      <a:lvl8pPr marR="0" lvl="7" algn="l" rtl="0">
+      <a:lvl8pPr lvl="7" marR="0" rtl="0" algn="l">
         <a:lnSpc>
           <a:spcPct val="100000"/>
         </a:lnSpc>
@@ -7533,7 +7335,7 @@
           <a:srgbClr val="000000"/>
         </a:buClr>
         <a:buFont typeface="Arial"/>
-        <a:defRPr sz="1400" b="0" i="0" u="none" strike="noStrike" cap="none">
+        <a:defRPr b="0" i="0" sz="1400" u="none" cap="none" strike="noStrike">
           <a:solidFill>
             <a:srgbClr val="000000"/>
           </a:solidFill>
@@ -7543,7 +7345,7 @@
           <a:sym typeface="Arial"/>
         </a:defRPr>
       </a:lvl8pPr>
-      <a:lvl9pPr marR="0" lvl="8" algn="l" rtl="0">
+      <a:lvl9pPr lvl="8" marR="0" rtl="0" algn="l">
         <a:lnSpc>
           <a:spcPct val="100000"/>
         </a:lnSpc>
@@ -7557,7 +7359,7 @@
           <a:srgbClr val="000000"/>
         </a:buClr>
         <a:buFont typeface="Arial"/>
-        <a:defRPr sz="1400" b="0" i="0" u="none" strike="noStrike" cap="none">
+        <a:defRPr b="0" i="0" sz="1400" u="none" cap="none" strike="noStrike">
           <a:solidFill>
             <a:srgbClr val="000000"/>
           </a:solidFill>
@@ -7569,7 +7371,7 @@
       </a:lvl9pPr>
     </p:bodyStyle>
     <p:otherStyle>
-      <a:defPPr marR="0" lvl="0" algn="l" rtl="0">
+      <a:defPPr lvl="0" marR="0" rtl="0" algn="l">
         <a:lnSpc>
           <a:spcPct val="100000"/>
         </a:lnSpc>
@@ -7580,7 +7382,7 @@
           <a:spcPts val="0"/>
         </a:spcAft>
       </a:defPPr>
-      <a:lvl1pPr marR="0" lvl="0" algn="l" rtl="0">
+      <a:lvl1pPr lvl="0" marR="0" rtl="0" algn="l">
         <a:lnSpc>
           <a:spcPct val="100000"/>
         </a:lnSpc>
@@ -7594,7 +7396,7 @@
           <a:srgbClr val="000000"/>
         </a:buClr>
         <a:buFont typeface="Arial"/>
-        <a:defRPr sz="1400" b="0" i="0" u="none" strike="noStrike" cap="none">
+        <a:defRPr b="0" i="0" sz="1400" u="none" cap="none" strike="noStrike">
           <a:solidFill>
             <a:srgbClr val="000000"/>
           </a:solidFill>
@@ -7604,7 +7406,7 @@
           <a:sym typeface="Arial"/>
         </a:defRPr>
       </a:lvl1pPr>
-      <a:lvl2pPr marR="0" lvl="1" algn="l" rtl="0">
+      <a:lvl2pPr lvl="1" marR="0" rtl="0" algn="l">
         <a:lnSpc>
           <a:spcPct val="100000"/>
         </a:lnSpc>
@@ -7618,7 +7420,7 @@
           <a:srgbClr val="000000"/>
         </a:buClr>
         <a:buFont typeface="Arial"/>
-        <a:defRPr sz="1400" b="0" i="0" u="none" strike="noStrike" cap="none">
+        <a:defRPr b="0" i="0" sz="1400" u="none" cap="none" strike="noStrike">
           <a:solidFill>
             <a:srgbClr val="000000"/>
           </a:solidFill>
@@ -7628,7 +7430,7 @@
           <a:sym typeface="Arial"/>
         </a:defRPr>
       </a:lvl2pPr>
-      <a:lvl3pPr marR="0" lvl="2" algn="l" rtl="0">
+      <a:lvl3pPr lvl="2" marR="0" rtl="0" algn="l">
         <a:lnSpc>
           <a:spcPct val="100000"/>
         </a:lnSpc>
@@ -7642,7 +7444,7 @@
           <a:srgbClr val="000000"/>
         </a:buClr>
         <a:buFont typeface="Arial"/>
-        <a:defRPr sz="1400" b="0" i="0" u="none" strike="noStrike" cap="none">
+        <a:defRPr b="0" i="0" sz="1400" u="none" cap="none" strike="noStrike">
           <a:solidFill>
             <a:srgbClr val="000000"/>
           </a:solidFill>
@@ -7652,7 +7454,7 @@
           <a:sym typeface="Arial"/>
         </a:defRPr>
       </a:lvl3pPr>
-      <a:lvl4pPr marR="0" lvl="3" algn="l" rtl="0">
+      <a:lvl4pPr lvl="3" marR="0" rtl="0" algn="l">
         <a:lnSpc>
           <a:spcPct val="100000"/>
         </a:lnSpc>
@@ -7666,7 +7468,7 @@
           <a:srgbClr val="000000"/>
         </a:buClr>
         <a:buFont typeface="Arial"/>
-        <a:defRPr sz="1400" b="0" i="0" u="none" strike="noStrike" cap="none">
+        <a:defRPr b="0" i="0" sz="1400" u="none" cap="none" strike="noStrike">
           <a:solidFill>
             <a:srgbClr val="000000"/>
           </a:solidFill>
@@ -7676,7 +7478,7 @@
           <a:sym typeface="Arial"/>
         </a:defRPr>
       </a:lvl4pPr>
-      <a:lvl5pPr marR="0" lvl="4" algn="l" rtl="0">
+      <a:lvl5pPr lvl="4" marR="0" rtl="0" algn="l">
         <a:lnSpc>
           <a:spcPct val="100000"/>
         </a:lnSpc>
@@ -7690,7 +7492,7 @@
           <a:srgbClr val="000000"/>
         </a:buClr>
         <a:buFont typeface="Arial"/>
-        <a:defRPr sz="1400" b="0" i="0" u="none" strike="noStrike" cap="none">
+        <a:defRPr b="0" i="0" sz="1400" u="none" cap="none" strike="noStrike">
           <a:solidFill>
             <a:srgbClr val="000000"/>
           </a:solidFill>
@@ -7700,7 +7502,7 @@
           <a:sym typeface="Arial"/>
         </a:defRPr>
       </a:lvl5pPr>
-      <a:lvl6pPr marR="0" lvl="5" algn="l" rtl="0">
+      <a:lvl6pPr lvl="5" marR="0" rtl="0" algn="l">
         <a:lnSpc>
           <a:spcPct val="100000"/>
         </a:lnSpc>
@@ -7714,7 +7516,7 @@
           <a:srgbClr val="000000"/>
         </a:buClr>
         <a:buFont typeface="Arial"/>
-        <a:defRPr sz="1400" b="0" i="0" u="none" strike="noStrike" cap="none">
+        <a:defRPr b="0" i="0" sz="1400" u="none" cap="none" strike="noStrike">
           <a:solidFill>
             <a:srgbClr val="000000"/>
           </a:solidFill>
@@ -7724,7 +7526,7 @@
           <a:sym typeface="Arial"/>
         </a:defRPr>
       </a:lvl6pPr>
-      <a:lvl7pPr marR="0" lvl="6" algn="l" rtl="0">
+      <a:lvl7pPr lvl="6" marR="0" rtl="0" algn="l">
         <a:lnSpc>
           <a:spcPct val="100000"/>
         </a:lnSpc>
@@ -7738,7 +7540,7 @@
           <a:srgbClr val="000000"/>
         </a:buClr>
         <a:buFont typeface="Arial"/>
-        <a:defRPr sz="1400" b="0" i="0" u="none" strike="noStrike" cap="none">
+        <a:defRPr b="0" i="0" sz="1400" u="none" cap="none" strike="noStrike">
           <a:solidFill>
             <a:srgbClr val="000000"/>
           </a:solidFill>
@@ -7748,7 +7550,7 @@
           <a:sym typeface="Arial"/>
         </a:defRPr>
       </a:lvl7pPr>
-      <a:lvl8pPr marR="0" lvl="7" algn="l" rtl="0">
+      <a:lvl8pPr lvl="7" marR="0" rtl="0" algn="l">
         <a:lnSpc>
           <a:spcPct val="100000"/>
         </a:lnSpc>
@@ -7762,7 +7564,7 @@
           <a:srgbClr val="000000"/>
         </a:buClr>
         <a:buFont typeface="Arial"/>
-        <a:defRPr sz="1400" b="0" i="0" u="none" strike="noStrike" cap="none">
+        <a:defRPr b="0" i="0" sz="1400" u="none" cap="none" strike="noStrike">
           <a:solidFill>
             <a:srgbClr val="000000"/>
           </a:solidFill>
@@ -7772,7 +7574,7 @@
           <a:sym typeface="Arial"/>
         </a:defRPr>
       </a:lvl8pPr>
-      <a:lvl9pPr marR="0" lvl="8" algn="l" rtl="0">
+      <a:lvl9pPr lvl="8" marR="0" rtl="0" algn="l">
         <a:lnSpc>
           <a:spcPct val="100000"/>
         </a:lnSpc>
@@ -7786,7 +7588,7 @@
           <a:srgbClr val="000000"/>
         </a:buClr>
         <a:buFont typeface="Arial"/>
-        <a:defRPr sz="1400" b="0" i="0" u="none" strike="noStrike" cap="none">
+        <a:defRPr b="0" i="0" sz="1400" u="none" cap="none" strike="noStrike">
           <a:solidFill>
             <a:srgbClr val="000000"/>
           </a:solidFill>
@@ -7802,11 +7604,11 @@
 </file>
 
 <file path=ppt/slides/slide1.xml><?xml version="1.0" encoding="utf-8"?>
-<p:sld xmlns:a="http://schemas.openxmlformats.org/drawingml/2006/main" xmlns:r="http://schemas.openxmlformats.org/officeDocument/2006/relationships" xmlns:p="http://schemas.openxmlformats.org/presentationml/2006/main">
+<p:sld xmlns:a="http://schemas.openxmlformats.org/drawingml/2006/main" xmlns:r="http://schemas.openxmlformats.org/officeDocument/2006/relationships" xmlns:mc="http://schemas.openxmlformats.org/markup-compatibility/2006" xmlns:mv="urn:schemas-microsoft-com:mac:vml" xmlns:p="http://schemas.openxmlformats.org/presentationml/2006/main" xmlns:c="http://schemas.openxmlformats.org/drawingml/2006/chart" xmlns:dgm="http://schemas.openxmlformats.org/drawingml/2006/diagram" xmlns:o="urn:schemas-microsoft-com:office:office" xmlns:v="urn:schemas-microsoft-com:vml" xmlns:pvml="urn:schemas-microsoft-com:office:powerpoint" xmlns:com="http://schemas.openxmlformats.org/drawingml/2006/compatibility" xmlns:p14="http://schemas.microsoft.com/office/powerpoint/2010/main" xmlns:p15="http://schemas.microsoft.com/office/powerpoint/2012/main" xmlns:ahyp="http://schemas.microsoft.com/office/drawing/2018/hyperlinkcolor">
   <p:cSld>
     <p:spTree>
       <p:nvGrpSpPr>
-        <p:cNvPr id="1" name="Shape 58"/>
+        <p:cNvPr id="58" name="Shape 58"/>
         <p:cNvGrpSpPr/>
         <p:nvPr/>
       </p:nvGrpSpPr>
@@ -7821,9 +7623,7 @@
       <p:sp>
         <p:nvSpPr>
           <p:cNvPr id="59" name="Google Shape;59;g313f73036cb_0_155"/>
-          <p:cNvSpPr txBox="1">
-            <a:spLocks noGrp="1"/>
-          </p:cNvSpPr>
+          <p:cNvSpPr txBox="1"/>
           <p:nvPr>
             <p:ph type="ctrTitle"/>
           </p:nvPr>
@@ -7838,12 +7638,12 @@
           </a:prstGeom>
         </p:spPr>
         <p:txBody>
-          <a:bodyPr spcFirstLastPara="1" wrap="square" lIns="121900" tIns="121900" rIns="121900" bIns="121900" anchor="b" anchorCtr="0">
+          <a:bodyPr anchorCtr="0" anchor="b" bIns="121900" lIns="121900" spcFirstLastPara="1" rIns="121900" wrap="square" tIns="121900">
             <a:noAutofit/>
           </a:bodyPr>
           <a:lstStyle/>
           <a:p>
-            <a:pPr marL="0" lvl="0" indent="0" algn="ctr" rtl="0">
+            <a:pPr indent="0" lvl="0" marL="0" rtl="0" algn="ctr">
               <a:spcBef>
                 <a:spcPts val="0"/>
               </a:spcBef>
@@ -7855,12 +7655,20 @@
             </a:pPr>
             <a:r>
               <a:rPr lang="en-US" sz="5000"/>
-              <a:t>Flight Prices Classification: </a:t>
+              <a:t>Flight Prices </a:t>
+            </a:r>
+            <a:r>
+              <a:rPr lang="en-US" sz="5000"/>
+              <a:t>Classification</a:t>
+            </a:r>
+            <a:r>
+              <a:rPr lang="en-US" sz="5000"/>
+              <a:t>: </a:t>
             </a:r>
             <a:endParaRPr sz="5000"/>
           </a:p>
           <a:p>
-            <a:pPr marL="0" lvl="0" indent="0" algn="ctr" rtl="0">
+            <a:pPr indent="0" lvl="0" marL="0" rtl="0" algn="ctr">
               <a:spcBef>
                 <a:spcPts val="0"/>
               </a:spcBef>
@@ -7881,11 +7689,9 @@
       <p:sp>
         <p:nvSpPr>
           <p:cNvPr id="60" name="Google Shape;60;g313f73036cb_0_155"/>
-          <p:cNvSpPr txBox="1">
-            <a:spLocks noGrp="1"/>
-          </p:cNvSpPr>
+          <p:cNvSpPr txBox="1"/>
           <p:nvPr>
-            <p:ph type="subTitle" idx="1"/>
+            <p:ph idx="1" type="subTitle"/>
           </p:nvPr>
         </p:nvSpPr>
         <p:spPr>
@@ -7898,12 +7704,12 @@
           </a:prstGeom>
         </p:spPr>
         <p:txBody>
-          <a:bodyPr spcFirstLastPara="1" wrap="square" lIns="121900" tIns="121900" rIns="121900" bIns="121900" anchor="t" anchorCtr="0">
+          <a:bodyPr anchorCtr="0" anchor="t" bIns="121900" lIns="121900" spcFirstLastPara="1" rIns="121900" wrap="square" tIns="121900">
             <a:normAutofit/>
           </a:bodyPr>
           <a:lstStyle/>
           <a:p>
-            <a:pPr marL="0" lvl="0" indent="0" algn="l" rtl="0">
+            <a:pPr indent="0" lvl="0" marL="0" rtl="0" algn="l">
               <a:spcBef>
                 <a:spcPts val="0"/>
               </a:spcBef>
@@ -7919,7 +7725,7 @@
             <a:endParaRPr/>
           </a:p>
           <a:p>
-            <a:pPr marL="0" lvl="0" indent="0" algn="l" rtl="0">
+            <a:pPr indent="0" lvl="0" marL="0" rtl="0" algn="l">
               <a:spcBef>
                 <a:spcPts val="0"/>
               </a:spcBef>
@@ -7935,7 +7741,7 @@
             <a:endParaRPr/>
           </a:p>
           <a:p>
-            <a:pPr marL="0" lvl="0" indent="0" algn="l" rtl="0">
+            <a:pPr indent="0" lvl="0" marL="0" rtl="0" algn="l">
               <a:spcBef>
                 <a:spcPts val="0"/>
               </a:spcBef>
@@ -7989,11 +7795,11 @@
 </file>
 
 <file path=ppt/slides/slide10.xml><?xml version="1.0" encoding="utf-8"?>
-<p:sld xmlns:a="http://schemas.openxmlformats.org/drawingml/2006/main" xmlns:r="http://schemas.openxmlformats.org/officeDocument/2006/relationships" xmlns:p="http://schemas.openxmlformats.org/presentationml/2006/main">
+<p:sld xmlns:a="http://schemas.openxmlformats.org/drawingml/2006/main" xmlns:r="http://schemas.openxmlformats.org/officeDocument/2006/relationships" xmlns:mc="http://schemas.openxmlformats.org/markup-compatibility/2006" xmlns:mv="urn:schemas-microsoft-com:mac:vml" xmlns:p="http://schemas.openxmlformats.org/presentationml/2006/main" xmlns:c="http://schemas.openxmlformats.org/drawingml/2006/chart" xmlns:dgm="http://schemas.openxmlformats.org/drawingml/2006/diagram" xmlns:o="urn:schemas-microsoft-com:office:office" xmlns:v="urn:schemas-microsoft-com:vml" xmlns:pvml="urn:schemas-microsoft-com:office:powerpoint" xmlns:com="http://schemas.openxmlformats.org/drawingml/2006/compatibility" xmlns:p14="http://schemas.microsoft.com/office/powerpoint/2010/main" xmlns:p15="http://schemas.microsoft.com/office/powerpoint/2012/main" xmlns:ahyp="http://schemas.microsoft.com/office/drawing/2018/hyperlinkcolor">
   <p:cSld>
     <p:spTree>
       <p:nvGrpSpPr>
-        <p:cNvPr id="1" name="Shape 114"/>
+        <p:cNvPr id="114" name="Shape 114"/>
         <p:cNvGrpSpPr/>
         <p:nvPr/>
       </p:nvGrpSpPr>
@@ -8008,9 +7814,7 @@
       <p:sp>
         <p:nvSpPr>
           <p:cNvPr id="115" name="Google Shape;115;g313f73036cb_0_201"/>
-          <p:cNvSpPr txBox="1">
-            <a:spLocks noGrp="1"/>
-          </p:cNvSpPr>
+          <p:cNvSpPr txBox="1"/>
           <p:nvPr>
             <p:ph type="title"/>
           </p:nvPr>
@@ -8025,36 +7829,42 @@
           </a:prstGeom>
         </p:spPr>
         <p:txBody>
-          <a:bodyPr spcFirstLastPara="1" wrap="square" lIns="121900" tIns="121900" rIns="121900" bIns="121900" anchor="t" anchorCtr="0">
+          <a:bodyPr anchorCtr="0" anchor="t" bIns="121900" lIns="121900" spcFirstLastPara="1" rIns="121900" wrap="square" tIns="121900">
             <a:normAutofit fontScale="90000"/>
           </a:bodyPr>
           <a:lstStyle/>
           <a:p>
-            <a:pPr marL="0" lvl="0" indent="0" algn="l" rtl="0">
-              <a:spcBef>
-                <a:spcPts val="0"/>
-              </a:spcBef>
-              <a:spcAft>
-                <a:spcPts val="0"/>
-              </a:spcAft>
-              <a:buNone/>
-            </a:pPr>
-            <a:r>
-              <a:rPr lang="en-US" dirty="0"/>
-              <a:t>Model Selection: K-Nearest Neighbors</a:t>
-            </a:r>
-            <a:endParaRPr dirty="0"/>
+            <a:pPr indent="0" lvl="0" marL="0" rtl="0" algn="l">
+              <a:spcBef>
+                <a:spcPts val="0"/>
+              </a:spcBef>
+              <a:spcAft>
+                <a:spcPts val="0"/>
+              </a:spcAft>
+              <a:buNone/>
+            </a:pPr>
+            <a:r>
+              <a:rPr lang="en-US"/>
+              <a:t>Model Selection: </a:t>
+            </a:r>
+            <a:r>
+              <a:rPr lang="en-US" sz="3600">
+                <a:solidFill>
+                  <a:srgbClr val="FFFFFF"/>
+                </a:solidFill>
+              </a:rPr>
+              <a:t>K-Nearest Neighbors</a:t>
+            </a:r>
+            <a:endParaRPr/>
           </a:p>
         </p:txBody>
       </p:sp>
       <p:sp>
         <p:nvSpPr>
           <p:cNvPr id="116" name="Google Shape;116;g313f73036cb_0_201"/>
-          <p:cNvSpPr txBox="1">
-            <a:spLocks noGrp="1"/>
-          </p:cNvSpPr>
+          <p:cNvSpPr txBox="1"/>
           <p:nvPr>
-            <p:ph type="body" idx="1"/>
+            <p:ph idx="1" type="body"/>
           </p:nvPr>
         </p:nvSpPr>
         <p:spPr>
@@ -8067,85 +7877,245 @@
           </a:prstGeom>
         </p:spPr>
         <p:txBody>
-          <a:bodyPr spcFirstLastPara="1" wrap="square" lIns="121900" tIns="121900" rIns="121900" bIns="121900" anchor="t" anchorCtr="0">
+          <a:bodyPr anchorCtr="0" anchor="t" bIns="121900" lIns="121900" spcFirstLastPara="1" rIns="121900" wrap="square" tIns="121900">
             <a:normAutofit/>
           </a:bodyPr>
           <a:lstStyle/>
           <a:p>
-            <a:pPr>
-              <a:buFont typeface="Arial" panose="020B0604020202020204" pitchFamily="34" charset="0"/>
-              <a:buChar char="•"/>
-            </a:pPr>
-            <a:r>
-              <a:rPr lang="en-US" dirty="0"/>
+            <a:pPr indent="-381000" lvl="0" marL="457200" rtl="0" algn="l">
+              <a:lnSpc>
+                <a:spcPct val="115000"/>
+              </a:lnSpc>
+              <a:spcBef>
+                <a:spcPts val="0"/>
+              </a:spcBef>
+              <a:spcAft>
+                <a:spcPts val="0"/>
+              </a:spcAft>
+              <a:buSzPts val="2400"/>
+              <a:buChar char="●"/>
+            </a:pPr>
+            <a:r>
+              <a:rPr lang="en-US">
+                <a:solidFill>
+                  <a:srgbClr val="CACACA"/>
+                </a:solidFill>
+              </a:rPr>
               <a:t>Interpretable and simple to understand, based on data point similarity</a:t>
             </a:r>
-          </a:p>
-          <a:p>
-            <a:pPr>
-              <a:buFont typeface="Arial" panose="020B0604020202020204" pitchFamily="34" charset="0"/>
-              <a:buChar char="•"/>
-            </a:pPr>
-            <a:r>
-              <a:rPr lang="en-US" dirty="0"/>
+            <a:endParaRPr>
+              <a:solidFill>
+                <a:srgbClr val="CACACA"/>
+              </a:solidFill>
+            </a:endParaRPr>
+          </a:p>
+          <a:p>
+            <a:pPr indent="-381000" lvl="0" marL="457200" rtl="0" algn="l">
+              <a:lnSpc>
+                <a:spcPct val="115000"/>
+              </a:lnSpc>
+              <a:spcBef>
+                <a:spcPts val="0"/>
+              </a:spcBef>
+              <a:spcAft>
+                <a:spcPts val="0"/>
+              </a:spcAft>
+              <a:buSzPts val="2400"/>
+              <a:buChar char="●"/>
+            </a:pPr>
+            <a:r>
+              <a:rPr lang="en-US">
+                <a:solidFill>
+                  <a:srgbClr val="CACACA"/>
+                </a:solidFill>
+              </a:rPr>
               <a:t>Works without assumptions about data distribution</a:t>
             </a:r>
-          </a:p>
-          <a:p>
-            <a:pPr>
-              <a:buFont typeface="Arial" panose="020B0604020202020204" pitchFamily="34" charset="0"/>
-              <a:buChar char="•"/>
-            </a:pPr>
-            <a:r>
-              <a:rPr lang="en-US" dirty="0"/>
+            <a:endParaRPr>
+              <a:solidFill>
+                <a:srgbClr val="CACACA"/>
+              </a:solidFill>
+            </a:endParaRPr>
+          </a:p>
+          <a:p>
+            <a:pPr indent="-381000" lvl="0" marL="457200" rtl="0" algn="l">
+              <a:lnSpc>
+                <a:spcPct val="115000"/>
+              </a:lnSpc>
+              <a:spcBef>
+                <a:spcPts val="0"/>
+              </a:spcBef>
+              <a:spcAft>
+                <a:spcPts val="0"/>
+              </a:spcAft>
+              <a:buSzPts val="2400"/>
+              <a:buChar char="●"/>
+            </a:pPr>
+            <a:r>
+              <a:rPr lang="en-US">
+                <a:solidFill>
+                  <a:srgbClr val="CACACA"/>
+                </a:solidFill>
+              </a:rPr>
               <a:t>Effective at capturing local patterns in data</a:t>
             </a:r>
-          </a:p>
-          <a:p>
-            <a:pPr>
-              <a:buFont typeface="Arial" panose="020B0604020202020204" pitchFamily="34" charset="0"/>
-              <a:buChar char="•"/>
-            </a:pPr>
-            <a:r>
-              <a:rPr lang="en-US" dirty="0"/>
+            <a:endParaRPr>
+              <a:solidFill>
+                <a:srgbClr val="CACACA"/>
+              </a:solidFill>
+            </a:endParaRPr>
+          </a:p>
+          <a:p>
+            <a:pPr indent="-381000" lvl="0" marL="457200" rtl="0" algn="l">
+              <a:lnSpc>
+                <a:spcPct val="115000"/>
+              </a:lnSpc>
+              <a:spcBef>
+                <a:spcPts val="0"/>
+              </a:spcBef>
+              <a:spcAft>
+                <a:spcPts val="0"/>
+              </a:spcAft>
+              <a:buSzPts val="2400"/>
+              <a:buChar char="●"/>
+            </a:pPr>
+            <a:r>
+              <a:rPr lang="en-US">
+                <a:solidFill>
+                  <a:srgbClr val="CACACA"/>
+                </a:solidFill>
+              </a:rPr>
               <a:t>Requires feature scaling due to sensitivity to distance</a:t>
             </a:r>
-          </a:p>
-          <a:p>
-            <a:pPr>
-              <a:buFont typeface="Arial" panose="020B0604020202020204" pitchFamily="34" charset="0"/>
-              <a:buChar char="•"/>
-            </a:pPr>
-            <a:r>
-              <a:rPr lang="en-US" dirty="0"/>
+            <a:endParaRPr>
+              <a:solidFill>
+                <a:srgbClr val="CACACA"/>
+              </a:solidFill>
+            </a:endParaRPr>
+          </a:p>
+          <a:p>
+            <a:pPr indent="-381000" lvl="0" marL="457200" rtl="0" algn="l">
+              <a:lnSpc>
+                <a:spcPct val="115000"/>
+              </a:lnSpc>
+              <a:spcBef>
+                <a:spcPts val="0"/>
+              </a:spcBef>
+              <a:spcAft>
+                <a:spcPts val="0"/>
+              </a:spcAft>
+              <a:buSzPts val="2400"/>
+              <a:buChar char="●"/>
+            </a:pPr>
+            <a:r>
+              <a:rPr lang="en-US">
+                <a:solidFill>
+                  <a:srgbClr val="CACACA"/>
+                </a:solidFill>
+              </a:rPr>
               <a:t>Depends heavily on the choice of K, often optimized through cross-validation</a:t>
             </a:r>
-          </a:p>
-          <a:p>
-            <a:pPr>
-              <a:buFont typeface="Arial" panose="020B0604020202020204" pitchFamily="34" charset="0"/>
-              <a:buChar char="•"/>
-            </a:pPr>
-            <a:r>
-              <a:rPr lang="en-US" dirty="0"/>
+            <a:endParaRPr>
+              <a:solidFill>
+                <a:srgbClr val="CACACA"/>
+              </a:solidFill>
+            </a:endParaRPr>
+          </a:p>
+          <a:p>
+            <a:pPr indent="-381000" lvl="0" marL="457200" rtl="0" algn="l">
+              <a:lnSpc>
+                <a:spcPct val="115000"/>
+              </a:lnSpc>
+              <a:spcBef>
+                <a:spcPts val="0"/>
+              </a:spcBef>
+              <a:spcAft>
+                <a:spcPts val="0"/>
+              </a:spcAft>
+              <a:buSzPts val="2400"/>
+              <a:buChar char="●"/>
+            </a:pPr>
+            <a:r>
+              <a:rPr lang="en-US">
+                <a:solidFill>
+                  <a:srgbClr val="CACACA"/>
+                </a:solidFill>
+              </a:rPr>
               <a:t>Computationally intensive for larger datasets</a:t>
             </a:r>
-          </a:p>
-          <a:p>
-            <a:pPr>
-              <a:buFont typeface="Arial" panose="020B0604020202020204" pitchFamily="34" charset="0"/>
-              <a:buChar char="•"/>
-            </a:pPr>
-            <a:endParaRPr lang="en-US" dirty="0"/>
-          </a:p>
-          <a:p>
-            <a:pPr marL="76200" indent="0">
-              <a:buNone/>
-            </a:pPr>
-            <a:r>
-              <a:rPr lang="en-US" dirty="0"/>
+            <a:endParaRPr>
+              <a:solidFill>
+                <a:srgbClr val="CACACA"/>
+              </a:solidFill>
+            </a:endParaRPr>
+          </a:p>
+          <a:p>
+            <a:pPr indent="0" lvl="0" marL="0" rtl="0" algn="l">
+              <a:lnSpc>
+                <a:spcPct val="115000"/>
+              </a:lnSpc>
+              <a:spcBef>
+                <a:spcPts val="0"/>
+              </a:spcBef>
+              <a:spcAft>
+                <a:spcPts val="0"/>
+              </a:spcAft>
+              <a:buNone/>
+            </a:pPr>
+            <a:r>
+              <a:t/>
+            </a:r>
+            <a:endParaRPr>
+              <a:solidFill>
+                <a:srgbClr val="CACACA"/>
+              </a:solidFill>
+              <a:latin typeface="Arial"/>
+              <a:ea typeface="Arial"/>
+              <a:cs typeface="Arial"/>
+              <a:sym typeface="Arial"/>
+            </a:endParaRPr>
+          </a:p>
+          <a:p>
+            <a:pPr indent="0" lvl="0" marL="0" rtl="0" algn="l">
+              <a:lnSpc>
+                <a:spcPct val="115000"/>
+              </a:lnSpc>
+              <a:spcBef>
+                <a:spcPts val="0"/>
+              </a:spcBef>
+              <a:spcAft>
+                <a:spcPts val="0"/>
+              </a:spcAft>
+              <a:buNone/>
+            </a:pPr>
+            <a:r>
+              <a:rPr lang="en-US">
+                <a:solidFill>
+                  <a:srgbClr val="CACACA"/>
+                </a:solidFill>
+              </a:rPr>
               <a:t>But computationally expensive for calculating distances and fine-tuning the optimal K</a:t>
             </a:r>
+            <a:endParaRPr>
+              <a:solidFill>
+                <a:srgbClr val="CACACA"/>
+              </a:solidFill>
+            </a:endParaRPr>
+          </a:p>
+          <a:p>
+            <a:pPr indent="0" lvl="0" marL="0" rtl="0" algn="l">
+              <a:spcBef>
+                <a:spcPts val="0"/>
+              </a:spcBef>
+              <a:spcAft>
+                <a:spcPts val="1000"/>
+              </a:spcAft>
+              <a:buNone/>
+            </a:pPr>
+            <a:r>
+              <a:t/>
+            </a:r>
+            <a:endParaRPr/>
           </a:p>
         </p:txBody>
       </p:sp>
@@ -8158,11 +8128,11 @@
 </file>
 
 <file path=ppt/slides/slide11.xml><?xml version="1.0" encoding="utf-8"?>
-<p:sld xmlns:a="http://schemas.openxmlformats.org/drawingml/2006/main" xmlns:r="http://schemas.openxmlformats.org/officeDocument/2006/relationships" xmlns:p="http://schemas.openxmlformats.org/presentationml/2006/main">
+<p:sld xmlns:a="http://schemas.openxmlformats.org/drawingml/2006/main" xmlns:r="http://schemas.openxmlformats.org/officeDocument/2006/relationships" xmlns:mc="http://schemas.openxmlformats.org/markup-compatibility/2006" xmlns:mv="urn:schemas-microsoft-com:mac:vml" xmlns:p="http://schemas.openxmlformats.org/presentationml/2006/main" xmlns:c="http://schemas.openxmlformats.org/drawingml/2006/chart" xmlns:dgm="http://schemas.openxmlformats.org/drawingml/2006/diagram" xmlns:o="urn:schemas-microsoft-com:office:office" xmlns:v="urn:schemas-microsoft-com:vml" xmlns:pvml="urn:schemas-microsoft-com:office:powerpoint" xmlns:com="http://schemas.openxmlformats.org/drawingml/2006/compatibility" xmlns:p14="http://schemas.microsoft.com/office/powerpoint/2010/main" xmlns:p15="http://schemas.microsoft.com/office/powerpoint/2012/main" xmlns:ahyp="http://schemas.microsoft.com/office/drawing/2018/hyperlinkcolor">
   <p:cSld>
     <p:spTree>
       <p:nvGrpSpPr>
-        <p:cNvPr id="1" name="Shape 120"/>
+        <p:cNvPr id="120" name="Shape 120"/>
         <p:cNvGrpSpPr/>
         <p:nvPr/>
       </p:nvGrpSpPr>
@@ -8177,9 +8147,7 @@
       <p:sp>
         <p:nvSpPr>
           <p:cNvPr id="121" name="Google Shape;121;p9"/>
-          <p:cNvSpPr txBox="1">
-            <a:spLocks noGrp="1"/>
-          </p:cNvSpPr>
+          <p:cNvSpPr txBox="1"/>
           <p:nvPr>
             <p:ph type="title"/>
           </p:nvPr>
@@ -8198,12 +8166,12 @@
           </a:ln>
         </p:spPr>
         <p:txBody>
-          <a:bodyPr spcFirstLastPara="1" wrap="square" lIns="91425" tIns="45700" rIns="91425" bIns="45700" anchor="t" anchorCtr="0">
+          <a:bodyPr anchorCtr="0" anchor="t" bIns="45700" lIns="91425" spcFirstLastPara="1" rIns="91425" wrap="square" tIns="45700">
             <a:noAutofit/>
           </a:bodyPr>
           <a:lstStyle/>
           <a:p>
-            <a:pPr marL="0" lvl="0" indent="0" algn="l" rtl="0">
+            <a:pPr indent="0" lvl="0" marL="0" rtl="0" algn="l">
               <a:spcBef>
                 <a:spcPts val="0"/>
               </a:spcBef>
@@ -8228,11 +8196,9 @@
       <p:sp>
         <p:nvSpPr>
           <p:cNvPr id="122" name="Google Shape;122;p9"/>
-          <p:cNvSpPr txBox="1">
-            <a:spLocks noGrp="1"/>
-          </p:cNvSpPr>
+          <p:cNvSpPr txBox="1"/>
           <p:nvPr>
-            <p:ph type="body" idx="1"/>
+            <p:ph idx="1" type="body"/>
           </p:nvPr>
         </p:nvSpPr>
         <p:spPr>
@@ -8249,12 +8215,12 @@
           </a:ln>
         </p:spPr>
         <p:txBody>
-          <a:bodyPr spcFirstLastPara="1" wrap="square" lIns="91425" tIns="45700" rIns="91425" bIns="45700" anchor="t" anchorCtr="0">
+          <a:bodyPr anchorCtr="0" anchor="t" bIns="45700" lIns="91425" spcFirstLastPara="1" rIns="91425" wrap="square" tIns="45700">
             <a:normAutofit/>
           </a:bodyPr>
           <a:lstStyle/>
           <a:p>
-            <a:pPr marL="342900" lvl="0" indent="-342900" algn="l" rtl="0">
+            <a:pPr indent="-342900" lvl="0" marL="342900" rtl="0" algn="l">
               <a:spcBef>
                 <a:spcPts val="0"/>
               </a:spcBef>
@@ -8265,13 +8231,13 @@
               <a:buChar char="●"/>
             </a:pPr>
             <a:r>
-              <a:rPr lang="en-US" dirty="0"/>
+              <a:rPr lang="en-US"/>
               <a:t>Training-Testing Split: 80% training, 20% testing.</a:t>
             </a:r>
-            <a:endParaRPr dirty="0"/>
-          </a:p>
-          <a:p>
-            <a:pPr marL="342900" lvl="0" indent="-342900" algn="l" rtl="0">
+            <a:endParaRPr/>
+          </a:p>
+          <a:p>
+            <a:pPr indent="-342900" lvl="0" marL="342900" rtl="0" algn="l">
               <a:spcBef>
                 <a:spcPts val="1000"/>
               </a:spcBef>
@@ -8282,13 +8248,13 @@
               <a:buChar char="●"/>
             </a:pPr>
             <a:r>
-              <a:rPr lang="en-US" dirty="0"/>
+              <a:rPr lang="en-US"/>
               <a:t>Hyperparameters: Optimized through cross-validation.</a:t>
             </a:r>
-            <a:endParaRPr dirty="0"/>
-          </a:p>
-          <a:p>
-            <a:pPr marL="342900" lvl="0" indent="-342900" algn="l" rtl="0">
+            <a:endParaRPr/>
+          </a:p>
+          <a:p>
+            <a:pPr indent="-342900" lvl="0" marL="342900" rtl="0" algn="l">
               <a:spcBef>
                 <a:spcPts val="1000"/>
               </a:spcBef>
@@ -8299,10 +8265,10 @@
               <a:buChar char="●"/>
             </a:pPr>
             <a:r>
-              <a:rPr lang="en-US" dirty="0"/>
+              <a:rPr lang="en-US"/>
               <a:t>Libraries: pandas, NumPy, scikit-learn.</a:t>
             </a:r>
-            <a:endParaRPr dirty="0"/>
+            <a:endParaRPr/>
           </a:p>
         </p:txBody>
       </p:sp>
@@ -8315,11 +8281,11 @@
 </file>
 
 <file path=ppt/slides/slide12.xml><?xml version="1.0" encoding="utf-8"?>
-<p:sld xmlns:a="http://schemas.openxmlformats.org/drawingml/2006/main" xmlns:r="http://schemas.openxmlformats.org/officeDocument/2006/relationships" xmlns:p="http://schemas.openxmlformats.org/presentationml/2006/main">
+<p:sld xmlns:a="http://schemas.openxmlformats.org/drawingml/2006/main" xmlns:r="http://schemas.openxmlformats.org/officeDocument/2006/relationships" xmlns:mc="http://schemas.openxmlformats.org/markup-compatibility/2006" xmlns:mv="urn:schemas-microsoft-com:mac:vml" xmlns:p="http://schemas.openxmlformats.org/presentationml/2006/main" xmlns:c="http://schemas.openxmlformats.org/drawingml/2006/chart" xmlns:dgm="http://schemas.openxmlformats.org/drawingml/2006/diagram" xmlns:o="urn:schemas-microsoft-com:office:office" xmlns:v="urn:schemas-microsoft-com:vml" xmlns:pvml="urn:schemas-microsoft-com:office:powerpoint" xmlns:com="http://schemas.openxmlformats.org/drawingml/2006/compatibility" xmlns:p14="http://schemas.microsoft.com/office/powerpoint/2010/main" xmlns:p15="http://schemas.microsoft.com/office/powerpoint/2012/main" xmlns:ahyp="http://schemas.microsoft.com/office/drawing/2018/hyperlinkcolor">
   <p:cSld>
     <p:spTree>
       <p:nvGrpSpPr>
-        <p:cNvPr id="1" name="Shape 132"/>
+        <p:cNvPr id="126" name="Shape 126"/>
         <p:cNvGrpSpPr/>
         <p:nvPr/>
       </p:nvGrpSpPr>
@@ -8333,10 +8299,8 @@
       </p:grpSpPr>
       <p:sp>
         <p:nvSpPr>
-          <p:cNvPr id="133" name="Google Shape;133;g313f73036cb_0_208"/>
-          <p:cNvSpPr txBox="1">
-            <a:spLocks noGrp="1"/>
-          </p:cNvSpPr>
+          <p:cNvPr id="127" name="Google Shape;127;g313f73036cb_0_208"/>
+          <p:cNvSpPr txBox="1"/>
           <p:nvPr>
             <p:ph type="title"/>
           </p:nvPr>
@@ -8351,12 +8315,12 @@
           </a:prstGeom>
         </p:spPr>
         <p:txBody>
-          <a:bodyPr spcFirstLastPara="1" wrap="square" lIns="121900" tIns="121900" rIns="121900" bIns="121900" anchor="b" anchorCtr="0">
+          <a:bodyPr anchorCtr="0" anchor="b" bIns="121900" lIns="121900" spcFirstLastPara="1" rIns="121900" wrap="square" tIns="121900">
             <a:normAutofit/>
           </a:bodyPr>
           <a:lstStyle/>
           <a:p>
-            <a:pPr marL="0" lvl="0" indent="0" algn="l" rtl="0">
+            <a:pPr indent="0" lvl="0" marL="0" rtl="0" algn="l">
               <a:spcBef>
                 <a:spcPts val="0"/>
               </a:spcBef>
@@ -8380,12 +8344,10 @@
       </p:sp>
       <p:sp>
         <p:nvSpPr>
-          <p:cNvPr id="134" name="Google Shape;134;g313f73036cb_0_208"/>
-          <p:cNvSpPr txBox="1">
-            <a:spLocks noGrp="1"/>
-          </p:cNvSpPr>
+          <p:cNvPr id="128" name="Google Shape;128;g313f73036cb_0_208"/>
+          <p:cNvSpPr txBox="1"/>
           <p:nvPr>
-            <p:ph type="body" idx="1"/>
+            <p:ph idx="1" type="body"/>
           </p:nvPr>
         </p:nvSpPr>
         <p:spPr>
@@ -8398,12 +8360,12 @@
           </a:prstGeom>
         </p:spPr>
         <p:txBody>
-          <a:bodyPr spcFirstLastPara="1" wrap="square" lIns="121900" tIns="121900" rIns="121900" bIns="121900" anchor="t" anchorCtr="0">
+          <a:bodyPr anchorCtr="0" anchor="t" bIns="121900" lIns="121900" spcFirstLastPara="1" rIns="121900" wrap="square" tIns="121900">
             <a:normAutofit/>
           </a:bodyPr>
           <a:lstStyle/>
           <a:p>
-            <a:pPr marL="0" lvl="0" indent="0" algn="l" rtl="0">
+            <a:pPr indent="0" lvl="0" marL="0" rtl="0" algn="l">
               <a:spcBef>
                 <a:spcPts val="0"/>
               </a:spcBef>
@@ -8423,7 +8385,7 @@
             <a:endParaRPr sz="1900"/>
           </a:p>
           <a:p>
-            <a:pPr marL="342900" lvl="0" indent="-342900" algn="l" rtl="0">
+            <a:pPr indent="-342900" lvl="0" marL="342900" rtl="0" algn="l">
               <a:spcBef>
                 <a:spcPts val="1600"/>
               </a:spcBef>
@@ -8440,7 +8402,7 @@
             <a:endParaRPr sz="2400"/>
           </a:p>
           <a:p>
-            <a:pPr marL="342900" lvl="0" indent="-342900" algn="l" rtl="0">
+            <a:pPr indent="-342900" lvl="0" marL="342900" rtl="0" algn="l">
               <a:spcBef>
                 <a:spcPts val="0"/>
               </a:spcBef>
@@ -8457,7 +8419,7 @@
             <a:endParaRPr sz="2400"/>
           </a:p>
           <a:p>
-            <a:pPr marL="342900" lvl="0" indent="-342900" algn="l" rtl="0">
+            <a:pPr indent="-342900" lvl="0" marL="342900" rtl="0" algn="l">
               <a:spcBef>
                 <a:spcPts val="0"/>
               </a:spcBef>
@@ -8474,7 +8436,7 @@
             <a:endParaRPr sz="2400"/>
           </a:p>
           <a:p>
-            <a:pPr marL="342900" lvl="0" indent="-342900" algn="l" rtl="0">
+            <a:pPr indent="-342900" lvl="0" marL="342900" rtl="0" algn="l">
               <a:spcBef>
                 <a:spcPts val="0"/>
               </a:spcBef>
@@ -8491,19 +8453,22 @@
             <a:endParaRPr sz="2400"/>
           </a:p>
           <a:p>
-            <a:pPr marL="0" lvl="0" indent="0" algn="l" rtl="0">
-              <a:spcBef>
-                <a:spcPts val="0"/>
-              </a:spcBef>
-              <a:spcAft>
-                <a:spcPts val="0"/>
-              </a:spcAft>
-              <a:buNone/>
-            </a:pPr>
+            <a:pPr indent="0" lvl="0" marL="0" rtl="0" algn="l">
+              <a:spcBef>
+                <a:spcPts val="0"/>
+              </a:spcBef>
+              <a:spcAft>
+                <a:spcPts val="0"/>
+              </a:spcAft>
+              <a:buNone/>
+            </a:pPr>
+            <a:r>
+              <a:t/>
+            </a:r>
             <a:endParaRPr sz="1900"/>
           </a:p>
           <a:p>
-            <a:pPr marL="457200" lvl="0" indent="0" algn="l" rtl="0">
+            <a:pPr indent="0" lvl="0" marL="457200" rtl="0" algn="l">
               <a:spcBef>
                 <a:spcPts val="1600"/>
               </a:spcBef>
@@ -8512,18 +8477,19 @@
               </a:spcAft>
               <a:buNone/>
             </a:pPr>
+            <a:r>
+              <a:t/>
+            </a:r>
             <a:endParaRPr sz="1900"/>
           </a:p>
         </p:txBody>
       </p:sp>
       <p:sp>
         <p:nvSpPr>
-          <p:cNvPr id="135" name="Google Shape;135;g313f73036cb_0_208"/>
-          <p:cNvSpPr txBox="1">
-            <a:spLocks noGrp="1"/>
-          </p:cNvSpPr>
+          <p:cNvPr id="129" name="Google Shape;129;g313f73036cb_0_208"/>
+          <p:cNvSpPr txBox="1"/>
           <p:nvPr>
-            <p:ph type="body" idx="1"/>
+            <p:ph idx="1" type="body"/>
           </p:nvPr>
         </p:nvSpPr>
         <p:spPr>
@@ -8536,32 +8502,32 @@
           </a:prstGeom>
         </p:spPr>
         <p:txBody>
-          <a:bodyPr spcFirstLastPara="1" wrap="square" lIns="121900" tIns="121900" rIns="121900" bIns="121900" anchor="t" anchorCtr="0">
+          <a:bodyPr anchorCtr="0" anchor="t" bIns="121900" lIns="121900" spcFirstLastPara="1" rIns="121900" wrap="square" tIns="121900">
             <a:normAutofit/>
           </a:bodyPr>
           <a:lstStyle/>
           <a:p>
-            <a:pPr marL="0" lvl="0" indent="0" algn="l" rtl="0">
-              <a:spcBef>
-                <a:spcPts val="0"/>
-              </a:spcBef>
-              <a:spcAft>
-                <a:spcPts val="0"/>
-              </a:spcAft>
-              <a:buNone/>
-            </a:pPr>
-            <a:r>
-              <a:rPr lang="en-US" sz="1900" dirty="0"/>
+            <a:pPr indent="0" lvl="0" marL="0" rtl="0" algn="l">
+              <a:spcBef>
+                <a:spcPts val="0"/>
+              </a:spcBef>
+              <a:spcAft>
+                <a:spcPts val="0"/>
+              </a:spcAft>
+              <a:buNone/>
+            </a:pPr>
+            <a:r>
+              <a:rPr lang="en-US" sz="1900"/>
               <a:t> </a:t>
             </a:r>
             <a:r>
-              <a:rPr lang="en-US" sz="2400" dirty="0"/>
+              <a:rPr lang="en-US" sz="2400"/>
               <a:t> Random Forest</a:t>
             </a:r>
-            <a:endParaRPr sz="1900" dirty="0"/>
-          </a:p>
-          <a:p>
-            <a:pPr marL="342900" lvl="0" indent="-342900" algn="l" rtl="0">
+            <a:endParaRPr sz="1900"/>
+          </a:p>
+          <a:p>
+            <a:pPr indent="-342900" lvl="0" marL="342900" rtl="0" algn="l">
               <a:spcBef>
                 <a:spcPts val="1600"/>
               </a:spcBef>
@@ -8572,13 +8538,13 @@
               <a:buChar char="●"/>
             </a:pPr>
             <a:r>
-              <a:rPr lang="en-US" sz="2400" dirty="0"/>
-              <a:t>Accuracy (60.23%)</a:t>
-            </a:r>
-            <a:endParaRPr sz="2400" dirty="0"/>
-          </a:p>
-          <a:p>
-            <a:pPr marL="342900" lvl="0" indent="-342900" algn="l" rtl="0">
+              <a:rPr lang="en-US" sz="2400"/>
+              <a:t>Accuracy (63%)</a:t>
+            </a:r>
+            <a:endParaRPr sz="2400"/>
+          </a:p>
+          <a:p>
+            <a:pPr indent="-342900" lvl="0" marL="342900" rtl="0" algn="l">
               <a:spcBef>
                 <a:spcPts val="0"/>
               </a:spcBef>
@@ -8589,13 +8555,13 @@
               <a:buChar char="●"/>
             </a:pPr>
             <a:r>
-              <a:rPr lang="en-US" sz="2400" dirty="0"/>
-              <a:t>Precision (64.47%)</a:t>
-            </a:r>
-            <a:endParaRPr sz="2400" dirty="0"/>
-          </a:p>
-          <a:p>
-            <a:pPr marL="342900" lvl="0" indent="-342900" algn="l" rtl="0">
+              <a:rPr lang="en-US" sz="2400"/>
+              <a:t>Precision (62%)</a:t>
+            </a:r>
+            <a:endParaRPr sz="2400"/>
+          </a:p>
+          <a:p>
+            <a:pPr indent="-342900" lvl="0" marL="342900" rtl="0" algn="l">
               <a:spcBef>
                 <a:spcPts val="0"/>
               </a:spcBef>
@@ -8606,13 +8572,13 @@
               <a:buChar char="●"/>
             </a:pPr>
             <a:r>
-              <a:rPr lang="en-US" sz="2400" dirty="0"/>
-              <a:t>Recall (60.23%)</a:t>
-            </a:r>
-            <a:endParaRPr sz="2400" dirty="0"/>
-          </a:p>
-          <a:p>
-            <a:pPr marL="342900" lvl="0" indent="-342900" algn="l" rtl="0">
+              <a:rPr lang="en-US" sz="2400"/>
+              <a:t>Recall (63%)</a:t>
+            </a:r>
+            <a:endParaRPr sz="2400"/>
+          </a:p>
+          <a:p>
+            <a:pPr indent="-342900" lvl="0" marL="342900" rtl="0" algn="l">
               <a:spcBef>
                 <a:spcPts val="0"/>
               </a:spcBef>
@@ -8623,13 +8589,13 @@
               <a:buChar char="●"/>
             </a:pPr>
             <a:r>
-              <a:rPr lang="en-US" sz="2400" dirty="0"/>
-              <a:t>F1 Score (60.93%).</a:t>
-            </a:r>
-            <a:endParaRPr sz="2400" dirty="0"/>
-          </a:p>
-          <a:p>
-            <a:pPr marL="0" lvl="0" indent="0" algn="l" rtl="0">
+              <a:rPr lang="en-US" sz="2400"/>
+              <a:t>F1 Score (63%).</a:t>
+            </a:r>
+            <a:endParaRPr sz="2400"/>
+          </a:p>
+          <a:p>
+            <a:pPr indent="0" lvl="0" marL="0" rtl="0" algn="l">
               <a:spcBef>
                 <a:spcPts val="0"/>
               </a:spcBef>
@@ -8638,18 +8604,19 @@
               </a:spcAft>
               <a:buNone/>
             </a:pPr>
-            <a:endParaRPr sz="1900" dirty="0"/>
+            <a:r>
+              <a:t/>
+            </a:r>
+            <a:endParaRPr sz="1900"/>
           </a:p>
         </p:txBody>
       </p:sp>
       <p:sp>
         <p:nvSpPr>
-          <p:cNvPr id="136" name="Google Shape;136;g313f73036cb_0_208"/>
-          <p:cNvSpPr txBox="1">
-            <a:spLocks noGrp="1"/>
-          </p:cNvSpPr>
+          <p:cNvPr id="130" name="Google Shape;130;g313f73036cb_0_208"/>
+          <p:cNvSpPr txBox="1"/>
           <p:nvPr>
-            <p:ph type="body" idx="1"/>
+            <p:ph idx="1" type="body"/>
           </p:nvPr>
         </p:nvSpPr>
         <p:spPr>
@@ -8662,105 +8629,203 @@
           </a:prstGeom>
         </p:spPr>
         <p:txBody>
-          <a:bodyPr spcFirstLastPara="1" wrap="square" lIns="121900" tIns="121900" rIns="121900" bIns="121900" anchor="t" anchorCtr="0">
+          <a:bodyPr anchorCtr="0" anchor="t" bIns="121900" lIns="121900" spcFirstLastPara="1" rIns="121900" wrap="square" tIns="121900">
             <a:normAutofit/>
           </a:bodyPr>
           <a:lstStyle/>
           <a:p>
-            <a:pPr marL="0" lvl="0" indent="0" algn="l" rtl="0">
-              <a:spcBef>
-                <a:spcPts val="0"/>
-              </a:spcBef>
-              <a:spcAft>
-                <a:spcPts val="0"/>
-              </a:spcAft>
-              <a:buNone/>
-            </a:pPr>
-            <a:r>
-              <a:rPr lang="en-US" sz="1900" dirty="0"/>
-              <a:t> </a:t>
-            </a:r>
-            <a:r>
-              <a:rPr lang="en-US" sz="2400" dirty="0"/>
-              <a:t> K-Nearest Neighbors </a:t>
-            </a:r>
-            <a:endParaRPr sz="1900" dirty="0"/>
-          </a:p>
-          <a:p>
-            <a:pPr marL="342900" lvl="0" indent="-342900" algn="l" rtl="0">
+            <a:pPr indent="0" lvl="0" marL="0" rtl="0" algn="l">
+              <a:spcBef>
+                <a:spcPts val="0"/>
+              </a:spcBef>
+              <a:spcAft>
+                <a:spcPts val="0"/>
+              </a:spcAft>
+              <a:buNone/>
+            </a:pPr>
+            <a:r>
+              <a:rPr lang="en-US" sz="2400">
+                <a:solidFill>
+                  <a:srgbClr val="CACACA"/>
+                </a:solidFill>
+              </a:rPr>
+              <a:t>K-Nearest Neighbors</a:t>
+            </a:r>
+            <a:endParaRPr sz="2400">
+              <a:solidFill>
+                <a:srgbClr val="CACACA"/>
+              </a:solidFill>
+            </a:endParaRPr>
+          </a:p>
+          <a:p>
+            <a:pPr indent="0" lvl="0" marL="0" rtl="0" algn="l">
+              <a:lnSpc>
+                <a:spcPct val="115000"/>
+              </a:lnSpc>
               <a:spcBef>
                 <a:spcPts val="1600"/>
               </a:spcBef>
               <a:spcAft>
                 <a:spcPts val="0"/>
               </a:spcAft>
-              <a:buSzPts val="1600"/>
-              <a:buChar char="●"/>
-            </a:pPr>
-            <a:r>
-              <a:rPr lang="en-US" sz="2400" dirty="0"/>
+              <a:buNone/>
+            </a:pPr>
+            <a:r>
+              <a:rPr lang="en-US">
+                <a:solidFill>
+                  <a:srgbClr val="CACACA"/>
+                </a:solidFill>
+              </a:rPr>
+              <a:t>●</a:t>
+            </a:r>
+            <a:r>
+              <a:rPr lang="en-US" sz="2400">
+                <a:solidFill>
+                  <a:srgbClr val="CACACA"/>
+                </a:solidFill>
+              </a:rPr>
               <a:t>Accuracy (62%)</a:t>
             </a:r>
-          </a:p>
-          <a:p>
-            <a:pPr marL="342900" lvl="0" indent="-342900" algn="l" rtl="0">
-              <a:spcBef>
-                <a:spcPts val="0"/>
-              </a:spcBef>
-              <a:spcAft>
-                <a:spcPts val="0"/>
-              </a:spcAft>
-              <a:buSzPts val="1600"/>
-              <a:buChar char="●"/>
-            </a:pPr>
-            <a:r>
-              <a:rPr lang="en-US" sz="2400" dirty="0"/>
+            <a:endParaRPr sz="2400">
+              <a:solidFill>
+                <a:srgbClr val="CACACA"/>
+              </a:solidFill>
+            </a:endParaRPr>
+          </a:p>
+          <a:p>
+            <a:pPr indent="0" lvl="0" marL="0" rtl="0" algn="l">
+              <a:lnSpc>
+                <a:spcPct val="115000"/>
+              </a:lnSpc>
+              <a:spcBef>
+                <a:spcPts val="0"/>
+              </a:spcBef>
+              <a:spcAft>
+                <a:spcPts val="0"/>
+              </a:spcAft>
+              <a:buNone/>
+            </a:pPr>
+            <a:r>
+              <a:rPr lang="en-US">
+                <a:solidFill>
+                  <a:srgbClr val="CACACA"/>
+                </a:solidFill>
+              </a:rPr>
+              <a:t>●</a:t>
+            </a:r>
+            <a:r>
+              <a:rPr lang="en-US" sz="2400">
+                <a:solidFill>
+                  <a:srgbClr val="CACACA"/>
+                </a:solidFill>
+              </a:rPr>
               <a:t>Precision (61%)</a:t>
             </a:r>
-          </a:p>
-          <a:p>
-            <a:pPr marL="342900" lvl="0" indent="-342900" algn="l" rtl="0">
-              <a:spcBef>
-                <a:spcPts val="0"/>
-              </a:spcBef>
-              <a:spcAft>
-                <a:spcPts val="0"/>
-              </a:spcAft>
-              <a:buSzPts val="1600"/>
-              <a:buChar char="●"/>
-            </a:pPr>
-            <a:r>
-              <a:rPr lang="en-US" sz="2400" dirty="0"/>
+            <a:endParaRPr sz="2400">
+              <a:solidFill>
+                <a:srgbClr val="CACACA"/>
+              </a:solidFill>
+            </a:endParaRPr>
+          </a:p>
+          <a:p>
+            <a:pPr indent="0" lvl="0" marL="0" rtl="0" algn="l">
+              <a:lnSpc>
+                <a:spcPct val="115000"/>
+              </a:lnSpc>
+              <a:spcBef>
+                <a:spcPts val="0"/>
+              </a:spcBef>
+              <a:spcAft>
+                <a:spcPts val="0"/>
+              </a:spcAft>
+              <a:buNone/>
+            </a:pPr>
+            <a:r>
+              <a:rPr lang="en-US">
+                <a:solidFill>
+                  <a:srgbClr val="CACACA"/>
+                </a:solidFill>
+              </a:rPr>
+              <a:t>●</a:t>
+            </a:r>
+            <a:r>
+              <a:rPr lang="en-US" sz="2400">
+                <a:solidFill>
+                  <a:srgbClr val="CACACA"/>
+                </a:solidFill>
+              </a:rPr>
               <a:t>Recall (62%)</a:t>
             </a:r>
-          </a:p>
-          <a:p>
-            <a:pPr marL="342900" lvl="0" indent="-342900" algn="l" rtl="0">
-              <a:spcBef>
-                <a:spcPts val="0"/>
-              </a:spcBef>
-              <a:spcAft>
-                <a:spcPts val="0"/>
-              </a:spcAft>
-              <a:buSzPts val="1600"/>
-              <a:buChar char="●"/>
-            </a:pPr>
-            <a:r>
-              <a:rPr lang="en-US" sz="2400" dirty="0"/>
+            <a:endParaRPr sz="2400">
+              <a:solidFill>
+                <a:srgbClr val="CACACA"/>
+              </a:solidFill>
+            </a:endParaRPr>
+          </a:p>
+          <a:p>
+            <a:pPr indent="0" lvl="0" marL="0" rtl="0" algn="l">
+              <a:lnSpc>
+                <a:spcPct val="115000"/>
+              </a:lnSpc>
+              <a:spcBef>
+                <a:spcPts val="0"/>
+              </a:spcBef>
+              <a:spcAft>
+                <a:spcPts val="0"/>
+              </a:spcAft>
+              <a:buNone/>
+            </a:pPr>
+            <a:r>
+              <a:rPr lang="en-US">
+                <a:solidFill>
+                  <a:srgbClr val="CACACA"/>
+                </a:solidFill>
+              </a:rPr>
+              <a:t>●</a:t>
+            </a:r>
+            <a:r>
+              <a:rPr lang="en-US" sz="2400">
+                <a:solidFill>
+                  <a:srgbClr val="CACACA"/>
+                </a:solidFill>
+              </a:rPr>
               <a:t>F1 Score (61%).</a:t>
             </a:r>
-          </a:p>
-          <a:p>
-            <a:pPr marL="0" lvl="0" indent="0" algn="l" rtl="0">
-              <a:spcBef>
-                <a:spcPts val="0"/>
-              </a:spcBef>
-              <a:spcAft>
+            <a:endParaRPr sz="2400">
+              <a:solidFill>
+                <a:srgbClr val="CACACA"/>
+              </a:solidFill>
+            </a:endParaRPr>
+          </a:p>
+          <a:p>
+            <a:pPr indent="0" lvl="0" marL="0" rtl="0" algn="l">
+              <a:spcBef>
+                <a:spcPts val="0"/>
+              </a:spcBef>
+              <a:spcAft>
+                <a:spcPts val="0"/>
+              </a:spcAft>
+              <a:buNone/>
+            </a:pPr>
+            <a:r>
+              <a:t/>
+            </a:r>
+            <a:endParaRPr sz="1900"/>
+          </a:p>
+          <a:p>
+            <a:pPr indent="0" lvl="0" marL="0" rtl="0" algn="l">
+              <a:spcBef>
                 <a:spcPts val="1600"/>
-              </a:spcAft>
-              <a:buNone/>
-            </a:pPr>
-            <a:endParaRPr sz="1900" dirty="0"/>
+              </a:spcBef>
+              <a:spcAft>
+                <a:spcPts val="1600"/>
+              </a:spcAft>
+              <a:buNone/>
+            </a:pPr>
+            <a:r>
+              <a:t/>
+            </a:r>
+            <a:endParaRPr sz="1900"/>
           </a:p>
         </p:txBody>
       </p:sp>
@@ -8773,11 +8838,11 @@
 </file>
 
 <file path=ppt/slides/slide13.xml><?xml version="1.0" encoding="utf-8"?>
-<p:sld xmlns:a="http://schemas.openxmlformats.org/drawingml/2006/main" xmlns:r="http://schemas.openxmlformats.org/officeDocument/2006/relationships" xmlns:p="http://schemas.openxmlformats.org/presentationml/2006/main">
+<p:sld xmlns:a="http://schemas.openxmlformats.org/drawingml/2006/main" xmlns:r="http://schemas.openxmlformats.org/officeDocument/2006/relationships" xmlns:mc="http://schemas.openxmlformats.org/markup-compatibility/2006" xmlns:mv="urn:schemas-microsoft-com:mac:vml" xmlns:p="http://schemas.openxmlformats.org/presentationml/2006/main" xmlns:c="http://schemas.openxmlformats.org/drawingml/2006/chart" xmlns:dgm="http://schemas.openxmlformats.org/drawingml/2006/diagram" xmlns:o="urn:schemas-microsoft-com:office:office" xmlns:v="urn:schemas-microsoft-com:vml" xmlns:pvml="urn:schemas-microsoft-com:office:powerpoint" xmlns:com="http://schemas.openxmlformats.org/drawingml/2006/compatibility" xmlns:p14="http://schemas.microsoft.com/office/powerpoint/2010/main" xmlns:p15="http://schemas.microsoft.com/office/powerpoint/2012/main" xmlns:ahyp="http://schemas.microsoft.com/office/drawing/2018/hyperlinkcolor">
   <p:cSld>
     <p:spTree>
       <p:nvGrpSpPr>
-        <p:cNvPr id="1" name="Shape 140"/>
+        <p:cNvPr id="134" name="Shape 134"/>
         <p:cNvGrpSpPr/>
         <p:nvPr/>
       </p:nvGrpSpPr>
@@ -8791,10 +8856,8 @@
       </p:grpSpPr>
       <p:sp>
         <p:nvSpPr>
-          <p:cNvPr id="141" name="Google Shape;141;p11"/>
-          <p:cNvSpPr txBox="1">
-            <a:spLocks noGrp="1"/>
-          </p:cNvSpPr>
+          <p:cNvPr id="135" name="Google Shape;135;p11"/>
+          <p:cNvSpPr txBox="1"/>
           <p:nvPr>
             <p:ph type="title"/>
           </p:nvPr>
@@ -8813,12 +8876,12 @@
           </a:ln>
         </p:spPr>
         <p:txBody>
-          <a:bodyPr spcFirstLastPara="1" wrap="square" lIns="91425" tIns="45700" rIns="91425" bIns="45700" anchor="t" anchorCtr="0">
+          <a:bodyPr anchorCtr="0" anchor="t" bIns="45700" lIns="91425" spcFirstLastPara="1" rIns="91425" wrap="square" tIns="45700">
             <a:noAutofit/>
           </a:bodyPr>
           <a:lstStyle/>
           <a:p>
-            <a:pPr marL="0" lvl="0" indent="0" algn="l" rtl="0">
+            <a:pPr indent="0" lvl="0" marL="0" rtl="0" algn="l">
               <a:spcBef>
                 <a:spcPts val="0"/>
               </a:spcBef>
@@ -8842,12 +8905,10 @@
       </p:sp>
       <p:sp>
         <p:nvSpPr>
-          <p:cNvPr id="142" name="Google Shape;142;p11"/>
-          <p:cNvSpPr txBox="1">
-            <a:spLocks noGrp="1"/>
-          </p:cNvSpPr>
+          <p:cNvPr id="136" name="Google Shape;136;p11"/>
+          <p:cNvSpPr txBox="1"/>
           <p:nvPr>
-            <p:ph type="body" idx="1"/>
+            <p:ph idx="1" type="body"/>
           </p:nvPr>
         </p:nvSpPr>
         <p:spPr>
@@ -8864,12 +8925,12 @@
           </a:ln>
         </p:spPr>
         <p:txBody>
-          <a:bodyPr spcFirstLastPara="1" wrap="square" lIns="91425" tIns="45700" rIns="91425" bIns="45700" anchor="t" anchorCtr="0">
+          <a:bodyPr anchorCtr="0" anchor="t" bIns="45700" lIns="91425" spcFirstLastPara="1" rIns="91425" wrap="square" tIns="45700">
             <a:normAutofit/>
           </a:bodyPr>
           <a:lstStyle/>
           <a:p>
-            <a:pPr marL="342900" lvl="0" indent="-342900" algn="l" rtl="0">
+            <a:pPr indent="-342900" lvl="0" marL="342900" rtl="0" algn="l">
               <a:spcBef>
                 <a:spcPts val="0"/>
               </a:spcBef>
@@ -8886,7 +8947,7 @@
             <a:endParaRPr/>
           </a:p>
           <a:p>
-            <a:pPr marL="342900" lvl="0" indent="-342900" algn="l" rtl="0">
+            <a:pPr indent="-342900" lvl="0" marL="342900" rtl="0" algn="l">
               <a:spcBef>
                 <a:spcPts val="1000"/>
               </a:spcBef>
@@ -8903,7 +8964,7 @@
             <a:endParaRPr/>
           </a:p>
           <a:p>
-            <a:pPr marL="342900" lvl="0" indent="-393700" algn="l" rtl="0">
+            <a:pPr indent="-393700" lvl="0" marL="342900" rtl="0" algn="l">
               <a:spcBef>
                 <a:spcPts val="1000"/>
               </a:spcBef>
@@ -8915,7 +8976,7 @@
             </a:pPr>
             <a:r>
               <a:rPr lang="en-US"/>
-              <a:t>Comparing the results of three models, THIS MODEL provides the best results</a:t>
+              <a:t>Comparing the results of three models, Decision Tree provides the best results</a:t>
             </a:r>
             <a:endParaRPr/>
           </a:p>
@@ -8930,11 +8991,11 @@
 </file>
 
 <file path=ppt/slides/slide14.xml><?xml version="1.0" encoding="utf-8"?>
-<p:sld xmlns:a="http://schemas.openxmlformats.org/drawingml/2006/main" xmlns:r="http://schemas.openxmlformats.org/officeDocument/2006/relationships" xmlns:p="http://schemas.openxmlformats.org/presentationml/2006/main">
+<p:sld xmlns:a="http://schemas.openxmlformats.org/drawingml/2006/main" xmlns:r="http://schemas.openxmlformats.org/officeDocument/2006/relationships" xmlns:mc="http://schemas.openxmlformats.org/markup-compatibility/2006" xmlns:mv="urn:schemas-microsoft-com:mac:vml" xmlns:p="http://schemas.openxmlformats.org/presentationml/2006/main" xmlns:c="http://schemas.openxmlformats.org/drawingml/2006/chart" xmlns:dgm="http://schemas.openxmlformats.org/drawingml/2006/diagram" xmlns:o="urn:schemas-microsoft-com:office:office" xmlns:v="urn:schemas-microsoft-com:vml" xmlns:pvml="urn:schemas-microsoft-com:office:powerpoint" xmlns:com="http://schemas.openxmlformats.org/drawingml/2006/compatibility" xmlns:p14="http://schemas.microsoft.com/office/powerpoint/2010/main" xmlns:p15="http://schemas.microsoft.com/office/powerpoint/2012/main" xmlns:ahyp="http://schemas.microsoft.com/office/drawing/2018/hyperlinkcolor">
   <p:cSld>
     <p:spTree>
       <p:nvGrpSpPr>
-        <p:cNvPr id="1" name="Shape 146"/>
+        <p:cNvPr id="140" name="Shape 140"/>
         <p:cNvGrpSpPr/>
         <p:nvPr/>
       </p:nvGrpSpPr>
@@ -8948,10 +9009,8 @@
       </p:grpSpPr>
       <p:sp>
         <p:nvSpPr>
-          <p:cNvPr id="147" name="Google Shape;147;p12"/>
-          <p:cNvSpPr txBox="1">
-            <a:spLocks noGrp="1"/>
-          </p:cNvSpPr>
+          <p:cNvPr id="141" name="Google Shape;141;p12"/>
+          <p:cNvSpPr txBox="1"/>
           <p:nvPr>
             <p:ph type="title"/>
           </p:nvPr>
@@ -8970,12 +9029,12 @@
           </a:ln>
         </p:spPr>
         <p:txBody>
-          <a:bodyPr spcFirstLastPara="1" wrap="square" lIns="91425" tIns="45700" rIns="91425" bIns="45700" anchor="t" anchorCtr="0">
+          <a:bodyPr anchorCtr="0" anchor="t" bIns="45700" lIns="91425" spcFirstLastPara="1" rIns="91425" wrap="square" tIns="45700">
             <a:noAutofit/>
           </a:bodyPr>
           <a:lstStyle/>
           <a:p>
-            <a:pPr marL="0" lvl="0" indent="0" algn="l" rtl="0">
+            <a:pPr indent="0" lvl="0" marL="0" rtl="0" algn="l">
               <a:spcBef>
                 <a:spcPts val="0"/>
               </a:spcBef>
@@ -8999,12 +9058,10 @@
       </p:sp>
       <p:sp>
         <p:nvSpPr>
-          <p:cNvPr id="148" name="Google Shape;148;p12"/>
-          <p:cNvSpPr txBox="1">
-            <a:spLocks noGrp="1"/>
-          </p:cNvSpPr>
+          <p:cNvPr id="142" name="Google Shape;142;p12"/>
+          <p:cNvSpPr txBox="1"/>
           <p:nvPr>
-            <p:ph type="body" idx="1"/>
+            <p:ph idx="1" type="body"/>
           </p:nvPr>
         </p:nvSpPr>
         <p:spPr>
@@ -9021,12 +9078,12 @@
           </a:ln>
         </p:spPr>
         <p:txBody>
-          <a:bodyPr spcFirstLastPara="1" wrap="square" lIns="91425" tIns="45700" rIns="91425" bIns="45700" anchor="t" anchorCtr="0">
+          <a:bodyPr anchorCtr="0" anchor="t" bIns="45700" lIns="91425" spcFirstLastPara="1" rIns="91425" wrap="square" tIns="45700">
             <a:normAutofit/>
           </a:bodyPr>
           <a:lstStyle/>
           <a:p>
-            <a:pPr marL="342900" lvl="0" indent="-342900" algn="l" rtl="0">
+            <a:pPr indent="-342900" lvl="0" marL="342900" rtl="0" algn="l">
               <a:spcBef>
                 <a:spcPts val="0"/>
               </a:spcBef>
@@ -9043,7 +9100,7 @@
             <a:endParaRPr/>
           </a:p>
           <a:p>
-            <a:pPr marL="342900" lvl="0" indent="-342900" algn="l" rtl="0">
+            <a:pPr indent="-342900" lvl="0" marL="342900" rtl="0" algn="l">
               <a:spcBef>
                 <a:spcPts val="1000"/>
               </a:spcBef>
@@ -9060,7 +9117,7 @@
             <a:endParaRPr/>
           </a:p>
           <a:p>
-            <a:pPr marL="342900" lvl="0" indent="-342900" algn="l" rtl="0">
+            <a:pPr indent="-342900" lvl="0" marL="342900" rtl="0" algn="l">
               <a:spcBef>
                 <a:spcPts val="1000"/>
               </a:spcBef>
@@ -9087,11 +9144,11 @@
 </file>
 
 <file path=ppt/slides/slide15.xml><?xml version="1.0" encoding="utf-8"?>
-<p:sld xmlns:a="http://schemas.openxmlformats.org/drawingml/2006/main" xmlns:r="http://schemas.openxmlformats.org/officeDocument/2006/relationships" xmlns:p="http://schemas.openxmlformats.org/presentationml/2006/main">
+<p:sld xmlns:a="http://schemas.openxmlformats.org/drawingml/2006/main" xmlns:r="http://schemas.openxmlformats.org/officeDocument/2006/relationships" xmlns:mc="http://schemas.openxmlformats.org/markup-compatibility/2006" xmlns:mv="urn:schemas-microsoft-com:mac:vml" xmlns:p="http://schemas.openxmlformats.org/presentationml/2006/main" xmlns:c="http://schemas.openxmlformats.org/drawingml/2006/chart" xmlns:dgm="http://schemas.openxmlformats.org/drawingml/2006/diagram" xmlns:o="urn:schemas-microsoft-com:office:office" xmlns:v="urn:schemas-microsoft-com:vml" xmlns:pvml="urn:schemas-microsoft-com:office:powerpoint" xmlns:com="http://schemas.openxmlformats.org/drawingml/2006/compatibility" xmlns:p14="http://schemas.microsoft.com/office/powerpoint/2010/main" xmlns:p15="http://schemas.microsoft.com/office/powerpoint/2012/main" xmlns:ahyp="http://schemas.microsoft.com/office/drawing/2018/hyperlinkcolor">
   <p:cSld>
     <p:spTree>
       <p:nvGrpSpPr>
-        <p:cNvPr id="1" name="Shape 152"/>
+        <p:cNvPr id="146" name="Shape 146"/>
         <p:cNvGrpSpPr/>
         <p:nvPr/>
       </p:nvGrpSpPr>
@@ -9105,10 +9162,8 @@
       </p:grpSpPr>
       <p:sp>
         <p:nvSpPr>
-          <p:cNvPr id="153" name="Google Shape;153;p13"/>
-          <p:cNvSpPr txBox="1">
-            <a:spLocks noGrp="1"/>
-          </p:cNvSpPr>
+          <p:cNvPr id="147" name="Google Shape;147;p13"/>
+          <p:cNvSpPr txBox="1"/>
           <p:nvPr>
             <p:ph type="title"/>
           </p:nvPr>
@@ -9127,12 +9182,12 @@
           </a:ln>
         </p:spPr>
         <p:txBody>
-          <a:bodyPr spcFirstLastPara="1" wrap="square" lIns="91425" tIns="45700" rIns="91425" bIns="45700" anchor="t" anchorCtr="0">
+          <a:bodyPr anchorCtr="0" anchor="t" bIns="45700" lIns="91425" spcFirstLastPara="1" rIns="91425" wrap="square" tIns="45700">
             <a:noAutofit/>
           </a:bodyPr>
           <a:lstStyle/>
           <a:p>
-            <a:pPr marL="0" lvl="0" indent="0" algn="l" rtl="0">
+            <a:pPr indent="0" lvl="0" marL="0" rtl="0" algn="l">
               <a:spcBef>
                 <a:spcPts val="0"/>
               </a:spcBef>
@@ -9156,12 +9211,10 @@
       </p:sp>
       <p:sp>
         <p:nvSpPr>
-          <p:cNvPr id="154" name="Google Shape;154;p13"/>
-          <p:cNvSpPr txBox="1">
-            <a:spLocks noGrp="1"/>
-          </p:cNvSpPr>
+          <p:cNvPr id="148" name="Google Shape;148;p13"/>
+          <p:cNvSpPr txBox="1"/>
           <p:nvPr>
-            <p:ph type="body" idx="1"/>
+            <p:ph idx="1" type="body"/>
           </p:nvPr>
         </p:nvSpPr>
         <p:spPr>
@@ -9178,12 +9231,12 @@
           </a:ln>
         </p:spPr>
         <p:txBody>
-          <a:bodyPr spcFirstLastPara="1" wrap="square" lIns="91425" tIns="45700" rIns="91425" bIns="45700" anchor="t" anchorCtr="0">
+          <a:bodyPr anchorCtr="0" anchor="t" bIns="45700" lIns="91425" spcFirstLastPara="1" rIns="91425" wrap="square" tIns="45700">
             <a:normAutofit/>
           </a:bodyPr>
           <a:lstStyle/>
           <a:p>
-            <a:pPr marL="342900" lvl="0" indent="-342900" algn="l" rtl="0">
+            <a:pPr indent="-342900" lvl="0" marL="342900" rtl="0" algn="l">
               <a:spcBef>
                 <a:spcPts val="0"/>
               </a:spcBef>
@@ -9200,7 +9253,7 @@
             <a:endParaRPr/>
           </a:p>
           <a:p>
-            <a:pPr marL="342900" lvl="0" indent="-342900" algn="l" rtl="0">
+            <a:pPr indent="-342900" lvl="0" marL="342900" rtl="0" algn="l">
               <a:spcBef>
                 <a:spcPts val="1000"/>
               </a:spcBef>
@@ -9217,7 +9270,7 @@
             <a:endParaRPr/>
           </a:p>
           <a:p>
-            <a:pPr marL="342900" lvl="0" indent="-342900" algn="l" rtl="0">
+            <a:pPr indent="-342900" lvl="0" marL="342900" rtl="0" algn="l">
               <a:spcBef>
                 <a:spcPts val="1000"/>
               </a:spcBef>
@@ -9244,11 +9297,11 @@
 </file>
 
 <file path=ppt/slides/slide16.xml><?xml version="1.0" encoding="utf-8"?>
-<p:sld xmlns:a="http://schemas.openxmlformats.org/drawingml/2006/main" xmlns:r="http://schemas.openxmlformats.org/officeDocument/2006/relationships" xmlns:p="http://schemas.openxmlformats.org/presentationml/2006/main">
+<p:sld xmlns:a="http://schemas.openxmlformats.org/drawingml/2006/main" xmlns:r="http://schemas.openxmlformats.org/officeDocument/2006/relationships" xmlns:mc="http://schemas.openxmlformats.org/markup-compatibility/2006" xmlns:mv="urn:schemas-microsoft-com:mac:vml" xmlns:p="http://schemas.openxmlformats.org/presentationml/2006/main" xmlns:c="http://schemas.openxmlformats.org/drawingml/2006/chart" xmlns:dgm="http://schemas.openxmlformats.org/drawingml/2006/diagram" xmlns:o="urn:schemas-microsoft-com:office:office" xmlns:v="urn:schemas-microsoft-com:vml" xmlns:pvml="urn:schemas-microsoft-com:office:powerpoint" xmlns:com="http://schemas.openxmlformats.org/drawingml/2006/compatibility" xmlns:p14="http://schemas.microsoft.com/office/powerpoint/2010/main" xmlns:p15="http://schemas.microsoft.com/office/powerpoint/2012/main" xmlns:ahyp="http://schemas.microsoft.com/office/drawing/2018/hyperlinkcolor">
   <p:cSld>
     <p:spTree>
       <p:nvGrpSpPr>
-        <p:cNvPr id="1" name="Shape 158"/>
+        <p:cNvPr id="152" name="Shape 152"/>
         <p:cNvGrpSpPr/>
         <p:nvPr/>
       </p:nvGrpSpPr>
@@ -9262,10 +9315,8 @@
       </p:grpSpPr>
       <p:sp>
         <p:nvSpPr>
-          <p:cNvPr id="159" name="Google Shape;159;p14"/>
-          <p:cNvSpPr txBox="1">
-            <a:spLocks noGrp="1"/>
-          </p:cNvSpPr>
+          <p:cNvPr id="153" name="Google Shape;153;p14"/>
+          <p:cNvSpPr txBox="1"/>
           <p:nvPr>
             <p:ph type="title"/>
           </p:nvPr>
@@ -9284,12 +9335,12 @@
           </a:ln>
         </p:spPr>
         <p:txBody>
-          <a:bodyPr spcFirstLastPara="1" wrap="square" lIns="91425" tIns="45700" rIns="91425" bIns="45700" anchor="t" anchorCtr="0">
+          <a:bodyPr anchorCtr="0" anchor="t" bIns="45700" lIns="91425" spcFirstLastPara="1" rIns="91425" wrap="square" tIns="45700">
             <a:noAutofit/>
           </a:bodyPr>
           <a:lstStyle/>
           <a:p>
-            <a:pPr marL="0" lvl="0" indent="0" algn="l" rtl="0">
+            <a:pPr indent="0" lvl="0" marL="0" rtl="0" algn="l">
               <a:spcBef>
                 <a:spcPts val="0"/>
               </a:spcBef>
@@ -9304,21 +9355,19 @@
               <a:buNone/>
             </a:pPr>
             <a:r>
-              <a:rPr lang="en-US" dirty="0"/>
+              <a:rPr lang="en-US"/>
               <a:t>Project Plan &amp; Task Distribution</a:t>
             </a:r>
-            <a:endParaRPr dirty="0"/>
+            <a:endParaRPr/>
           </a:p>
         </p:txBody>
       </p:sp>
       <p:sp>
         <p:nvSpPr>
-          <p:cNvPr id="160" name="Google Shape;160;p14"/>
-          <p:cNvSpPr txBox="1">
-            <a:spLocks noGrp="1"/>
-          </p:cNvSpPr>
+          <p:cNvPr id="154" name="Google Shape;154;p14"/>
+          <p:cNvSpPr txBox="1"/>
           <p:nvPr>
-            <p:ph type="body" idx="1"/>
+            <p:ph idx="1" type="body"/>
           </p:nvPr>
         </p:nvSpPr>
         <p:spPr>
@@ -9335,12 +9384,12 @@
           </a:ln>
         </p:spPr>
         <p:txBody>
-          <a:bodyPr spcFirstLastPara="1" wrap="square" lIns="91425" tIns="45700" rIns="91425" bIns="45700" anchor="t" anchorCtr="0">
+          <a:bodyPr anchorCtr="0" anchor="t" bIns="45700" lIns="91425" spcFirstLastPara="1" rIns="91425" wrap="square" tIns="45700">
             <a:normAutofit/>
           </a:bodyPr>
           <a:lstStyle/>
           <a:p>
-            <a:pPr marL="342900" lvl="0" indent="-349250" algn="l" rtl="0">
+            <a:pPr indent="-349250" lvl="0" marL="342900" rtl="0" algn="l">
               <a:spcBef>
                 <a:spcPts val="0"/>
               </a:spcBef>
@@ -9351,21 +9400,13 @@
               <a:buChar char="●"/>
             </a:pPr>
             <a:r>
-              <a:rPr lang="en-US" sz="2500" dirty="0"/>
-              <a:t>Vivek </a:t>
-            </a:r>
-            <a:r>
-              <a:rPr lang="en-US" sz="2500" dirty="0" err="1"/>
-              <a:t>Ponnala</a:t>
-            </a:r>
-            <a:r>
-              <a:rPr lang="en-US" sz="2500" dirty="0"/>
-              <a:t>: Data preprocessing, feature engineering.</a:t>
-            </a:r>
-            <a:endParaRPr sz="2500" dirty="0"/>
-          </a:p>
-          <a:p>
-            <a:pPr marL="342900" lvl="0" indent="-349250" algn="l" rtl="0">
+              <a:rPr lang="en-US" sz="2500"/>
+              <a:t>Vivek Ponnala: Setting up github, CI and all the branches, responsible for implementing Random Forest Classifier</a:t>
+            </a:r>
+            <a:endParaRPr sz="2500"/>
+          </a:p>
+          <a:p>
+            <a:pPr indent="-349250" lvl="0" marL="342900" rtl="0" algn="l">
               <a:spcBef>
                 <a:spcPts val="1000"/>
               </a:spcBef>
@@ -9376,13 +9417,21 @@
               <a:buChar char="●"/>
             </a:pPr>
             <a:r>
-              <a:rPr lang="en-US" sz="2500" dirty="0"/>
-              <a:t>Maggie Qin: Model training, parameter tuning, K-Nearest Neighbors Classifier</a:t>
-            </a:r>
-            <a:endParaRPr sz="2500" dirty="0"/>
-          </a:p>
-          <a:p>
-            <a:pPr marL="342900" lvl="0" indent="-349250" algn="l" rtl="0">
+              <a:rPr lang="en-US" sz="2500"/>
+              <a:t>Maggie Qin: Model training, parameter tuning, </a:t>
+            </a:r>
+            <a:r>
+              <a:rPr lang="en-US" sz="2500">
+                <a:solidFill>
+                  <a:srgbClr val="CACACA"/>
+                </a:solidFill>
+              </a:rPr>
+              <a:t>K-Nearest Neighbors Classifier</a:t>
+            </a:r>
+            <a:endParaRPr sz="2500"/>
+          </a:p>
+          <a:p>
+            <a:pPr indent="-349250" lvl="0" marL="342900" rtl="0" algn="l">
               <a:spcBef>
                 <a:spcPts val="1000"/>
               </a:spcBef>
@@ -9393,10 +9442,10 @@
               <a:buChar char="●"/>
             </a:pPr>
             <a:r>
-              <a:rPr lang="en-US" sz="2500" dirty="0"/>
+              <a:rPr lang="en-US" sz="2500"/>
               <a:t>Hoai An Nguyen: Dataset extraction and preprocessing, Decision Tree Classifier</a:t>
             </a:r>
-            <a:endParaRPr sz="2500" dirty="0"/>
+            <a:endParaRPr sz="2500"/>
           </a:p>
         </p:txBody>
       </p:sp>
@@ -9409,11 +9458,11 @@
 </file>
 
 <file path=ppt/slides/slide17.xml><?xml version="1.0" encoding="utf-8"?>
-<p:sld xmlns:a="http://schemas.openxmlformats.org/drawingml/2006/main" xmlns:r="http://schemas.openxmlformats.org/officeDocument/2006/relationships" xmlns:p="http://schemas.openxmlformats.org/presentationml/2006/main">
+<p:sld xmlns:a="http://schemas.openxmlformats.org/drawingml/2006/main" xmlns:r="http://schemas.openxmlformats.org/officeDocument/2006/relationships" xmlns:mc="http://schemas.openxmlformats.org/markup-compatibility/2006" xmlns:mv="urn:schemas-microsoft-com:mac:vml" xmlns:p="http://schemas.openxmlformats.org/presentationml/2006/main" xmlns:c="http://schemas.openxmlformats.org/drawingml/2006/chart" xmlns:dgm="http://schemas.openxmlformats.org/drawingml/2006/diagram" xmlns:o="urn:schemas-microsoft-com:office:office" xmlns:v="urn:schemas-microsoft-com:vml" xmlns:pvml="urn:schemas-microsoft-com:office:powerpoint" xmlns:com="http://schemas.openxmlformats.org/drawingml/2006/compatibility" xmlns:p14="http://schemas.microsoft.com/office/powerpoint/2010/main" xmlns:p15="http://schemas.microsoft.com/office/powerpoint/2012/main" xmlns:ahyp="http://schemas.microsoft.com/office/drawing/2018/hyperlinkcolor">
   <p:cSld>
     <p:spTree>
       <p:nvGrpSpPr>
-        <p:cNvPr id="1" name="Shape 164"/>
+        <p:cNvPr id="158" name="Shape 158"/>
         <p:cNvGrpSpPr/>
         <p:nvPr/>
       </p:nvGrpSpPr>
@@ -9427,10 +9476,8 @@
       </p:grpSpPr>
       <p:sp>
         <p:nvSpPr>
-          <p:cNvPr id="165" name="Google Shape;165;p15"/>
-          <p:cNvSpPr txBox="1">
-            <a:spLocks noGrp="1"/>
-          </p:cNvSpPr>
+          <p:cNvPr id="159" name="Google Shape;159;p15"/>
+          <p:cNvSpPr txBox="1"/>
           <p:nvPr>
             <p:ph type="title"/>
           </p:nvPr>
@@ -9449,12 +9496,12 @@
           </a:ln>
         </p:spPr>
         <p:txBody>
-          <a:bodyPr spcFirstLastPara="1" wrap="square" lIns="91425" tIns="45700" rIns="91425" bIns="45700" anchor="t" anchorCtr="0">
+          <a:bodyPr anchorCtr="0" anchor="t" bIns="45700" lIns="91425" spcFirstLastPara="1" rIns="91425" wrap="square" tIns="45700">
             <a:noAutofit/>
           </a:bodyPr>
           <a:lstStyle/>
           <a:p>
-            <a:pPr marL="0" lvl="0" indent="0" algn="l" rtl="0">
+            <a:pPr indent="0" lvl="0" marL="0" rtl="0" algn="l">
               <a:spcBef>
                 <a:spcPts val="0"/>
               </a:spcBef>
@@ -9478,12 +9525,10 @@
       </p:sp>
       <p:sp>
         <p:nvSpPr>
-          <p:cNvPr id="166" name="Google Shape;166;p15"/>
-          <p:cNvSpPr txBox="1">
-            <a:spLocks noGrp="1"/>
-          </p:cNvSpPr>
+          <p:cNvPr id="160" name="Google Shape;160;p15"/>
+          <p:cNvSpPr txBox="1"/>
           <p:nvPr>
-            <p:ph type="body" idx="1"/>
+            <p:ph idx="1" type="body"/>
           </p:nvPr>
         </p:nvSpPr>
         <p:spPr>
@@ -9500,12 +9545,12 @@
           </a:ln>
         </p:spPr>
         <p:txBody>
-          <a:bodyPr spcFirstLastPara="1" wrap="square" lIns="91425" tIns="45700" rIns="91425" bIns="45700" anchor="t" anchorCtr="0">
+          <a:bodyPr anchorCtr="0" anchor="t" bIns="45700" lIns="91425" spcFirstLastPara="1" rIns="91425" wrap="square" tIns="45700">
             <a:normAutofit/>
           </a:bodyPr>
           <a:lstStyle/>
           <a:p>
-            <a:pPr marL="342900" lvl="0" indent="-342900" algn="l" rtl="0">
+            <a:pPr indent="-342900" lvl="0" marL="342900" rtl="0" algn="l">
               <a:spcBef>
                 <a:spcPts val="0"/>
               </a:spcBef>
@@ -9522,7 +9567,7 @@
             <a:endParaRPr/>
           </a:p>
           <a:p>
-            <a:pPr marL="342900" lvl="0" indent="-342900" algn="l" rtl="0">
+            <a:pPr indent="-342900" lvl="0" marL="342900" rtl="0" algn="l">
               <a:spcBef>
                 <a:spcPts val="1000"/>
               </a:spcBef>
@@ -9539,7 +9584,7 @@
             <a:endParaRPr/>
           </a:p>
           <a:p>
-            <a:pPr marL="342900" lvl="0" indent="-342900" algn="l" rtl="0">
+            <a:pPr indent="-342900" lvl="0" marL="342900" rtl="0" algn="l">
               <a:spcBef>
                 <a:spcPts val="1000"/>
               </a:spcBef>
@@ -9566,11 +9611,11 @@
 </file>
 
 <file path=ppt/slides/slide2.xml><?xml version="1.0" encoding="utf-8"?>
-<p:sld xmlns:a="http://schemas.openxmlformats.org/drawingml/2006/main" xmlns:r="http://schemas.openxmlformats.org/officeDocument/2006/relationships" xmlns:p="http://schemas.openxmlformats.org/presentationml/2006/main">
+<p:sld xmlns:a="http://schemas.openxmlformats.org/drawingml/2006/main" xmlns:r="http://schemas.openxmlformats.org/officeDocument/2006/relationships" xmlns:mc="http://schemas.openxmlformats.org/markup-compatibility/2006" xmlns:mv="urn:schemas-microsoft-com:mac:vml" xmlns:p="http://schemas.openxmlformats.org/presentationml/2006/main" xmlns:c="http://schemas.openxmlformats.org/drawingml/2006/chart" xmlns:dgm="http://schemas.openxmlformats.org/drawingml/2006/diagram" xmlns:o="urn:schemas-microsoft-com:office:office" xmlns:v="urn:schemas-microsoft-com:vml" xmlns:pvml="urn:schemas-microsoft-com:office:powerpoint" xmlns:com="http://schemas.openxmlformats.org/drawingml/2006/compatibility" xmlns:p14="http://schemas.microsoft.com/office/powerpoint/2010/main" xmlns:p15="http://schemas.microsoft.com/office/powerpoint/2012/main" xmlns:ahyp="http://schemas.microsoft.com/office/drawing/2018/hyperlinkcolor">
   <p:cSld>
     <p:spTree>
       <p:nvGrpSpPr>
-        <p:cNvPr id="1" name="Shape 65"/>
+        <p:cNvPr id="65" name="Shape 65"/>
         <p:cNvGrpSpPr/>
         <p:nvPr/>
       </p:nvGrpSpPr>
@@ -9585,9 +9630,7 @@
       <p:sp>
         <p:nvSpPr>
           <p:cNvPr id="66" name="Google Shape;66;p2"/>
-          <p:cNvSpPr txBox="1">
-            <a:spLocks noGrp="1"/>
-          </p:cNvSpPr>
+          <p:cNvSpPr txBox="1"/>
           <p:nvPr>
             <p:ph type="title"/>
           </p:nvPr>
@@ -9606,12 +9649,12 @@
           </a:ln>
         </p:spPr>
         <p:txBody>
-          <a:bodyPr spcFirstLastPara="1" wrap="square" lIns="91425" tIns="45700" rIns="91425" bIns="45700" anchor="t" anchorCtr="0">
+          <a:bodyPr anchorCtr="0" anchor="t" bIns="45700" lIns="91425" spcFirstLastPara="1" rIns="91425" wrap="square" tIns="45700">
             <a:noAutofit/>
           </a:bodyPr>
           <a:lstStyle/>
           <a:p>
-            <a:pPr marL="0" lvl="0" indent="0" algn="l" rtl="0">
+            <a:pPr indent="0" lvl="0" marL="0" rtl="0" algn="l">
               <a:spcBef>
                 <a:spcPts val="0"/>
               </a:spcBef>
@@ -9636,11 +9679,9 @@
       <p:sp>
         <p:nvSpPr>
           <p:cNvPr id="67" name="Google Shape;67;p2"/>
-          <p:cNvSpPr txBox="1">
-            <a:spLocks noGrp="1"/>
-          </p:cNvSpPr>
+          <p:cNvSpPr txBox="1"/>
           <p:nvPr>
-            <p:ph type="body" idx="1"/>
+            <p:ph idx="1" type="body"/>
           </p:nvPr>
         </p:nvSpPr>
         <p:spPr>
@@ -9657,12 +9698,12 @@
           </a:ln>
         </p:spPr>
         <p:txBody>
-          <a:bodyPr spcFirstLastPara="1" wrap="square" lIns="91425" tIns="45700" rIns="91425" bIns="45700" anchor="t" anchorCtr="0">
+          <a:bodyPr anchorCtr="0" anchor="t" bIns="45700" lIns="91425" spcFirstLastPara="1" rIns="91425" wrap="square" tIns="45700">
             <a:normAutofit/>
           </a:bodyPr>
           <a:lstStyle/>
           <a:p>
-            <a:pPr marL="457200" lvl="0" indent="-381000" algn="l" rtl="0">
+            <a:pPr indent="-381000" lvl="0" marL="457200" rtl="0" algn="l">
               <a:lnSpc>
                 <a:spcPct val="150000"/>
               </a:lnSpc>
@@ -9718,7 +9759,7 @@
             <a:endParaRPr/>
           </a:p>
           <a:p>
-            <a:pPr marL="457200" lvl="0" indent="-381000" algn="l" rtl="0">
+            <a:pPr indent="-381000" lvl="0" marL="457200" rtl="0" algn="l">
               <a:lnSpc>
                 <a:spcPct val="150000"/>
               </a:lnSpc>
@@ -9738,7 +9779,7 @@
             <a:endParaRPr/>
           </a:p>
           <a:p>
-            <a:pPr marL="457200" lvl="0" indent="-381000" algn="l" rtl="0">
+            <a:pPr indent="-381000" lvl="0" marL="457200" rtl="0" algn="l">
               <a:lnSpc>
                 <a:spcPct val="150000"/>
               </a:lnSpc>
@@ -9768,11 +9809,11 @@
 </file>
 
 <file path=ppt/slides/slide3.xml><?xml version="1.0" encoding="utf-8"?>
-<p:sld xmlns:a="http://schemas.openxmlformats.org/drawingml/2006/main" xmlns:r="http://schemas.openxmlformats.org/officeDocument/2006/relationships" xmlns:p="http://schemas.openxmlformats.org/presentationml/2006/main">
+<p:sld xmlns:a="http://schemas.openxmlformats.org/drawingml/2006/main" xmlns:r="http://schemas.openxmlformats.org/officeDocument/2006/relationships" xmlns:mc="http://schemas.openxmlformats.org/markup-compatibility/2006" xmlns:mv="urn:schemas-microsoft-com:mac:vml" xmlns:p="http://schemas.openxmlformats.org/presentationml/2006/main" xmlns:c="http://schemas.openxmlformats.org/drawingml/2006/chart" xmlns:dgm="http://schemas.openxmlformats.org/drawingml/2006/diagram" xmlns:o="urn:schemas-microsoft-com:office:office" xmlns:v="urn:schemas-microsoft-com:vml" xmlns:pvml="urn:schemas-microsoft-com:office:powerpoint" xmlns:com="http://schemas.openxmlformats.org/drawingml/2006/compatibility" xmlns:p14="http://schemas.microsoft.com/office/powerpoint/2010/main" xmlns:p15="http://schemas.microsoft.com/office/powerpoint/2012/main" xmlns:ahyp="http://schemas.microsoft.com/office/drawing/2018/hyperlinkcolor">
   <p:cSld>
     <p:spTree>
       <p:nvGrpSpPr>
-        <p:cNvPr id="1" name="Shape 71"/>
+        <p:cNvPr id="71" name="Shape 71"/>
         <p:cNvGrpSpPr/>
         <p:nvPr/>
       </p:nvGrpSpPr>
@@ -9787,9 +9828,7 @@
       <p:sp>
         <p:nvSpPr>
           <p:cNvPr id="72" name="Google Shape;72;p5"/>
-          <p:cNvSpPr txBox="1">
-            <a:spLocks noGrp="1"/>
-          </p:cNvSpPr>
+          <p:cNvSpPr txBox="1"/>
           <p:nvPr>
             <p:ph type="title"/>
           </p:nvPr>
@@ -9808,12 +9847,12 @@
           </a:ln>
         </p:spPr>
         <p:txBody>
-          <a:bodyPr spcFirstLastPara="1" wrap="square" lIns="91425" tIns="45700" rIns="91425" bIns="45700" anchor="t" anchorCtr="0">
+          <a:bodyPr anchorCtr="0" anchor="t" bIns="45700" lIns="91425" spcFirstLastPara="1" rIns="91425" wrap="square" tIns="45700">
             <a:noAutofit/>
           </a:bodyPr>
           <a:lstStyle/>
           <a:p>
-            <a:pPr marL="0" lvl="0" indent="0" algn="l" rtl="0">
+            <a:pPr indent="0" lvl="0" marL="0" rtl="0" algn="l">
               <a:spcBef>
                 <a:spcPts val="0"/>
               </a:spcBef>
@@ -9838,11 +9877,9 @@
       <p:sp>
         <p:nvSpPr>
           <p:cNvPr id="73" name="Google Shape;73;p5"/>
-          <p:cNvSpPr txBox="1">
-            <a:spLocks noGrp="1"/>
-          </p:cNvSpPr>
+          <p:cNvSpPr txBox="1"/>
           <p:nvPr>
-            <p:ph type="body" idx="1"/>
+            <p:ph idx="1" type="body"/>
           </p:nvPr>
         </p:nvSpPr>
         <p:spPr>
@@ -9859,12 +9896,12 @@
           </a:ln>
         </p:spPr>
         <p:txBody>
-          <a:bodyPr spcFirstLastPara="1" wrap="square" lIns="91425" tIns="45700" rIns="91425" bIns="45700" anchor="t" anchorCtr="0">
+          <a:bodyPr anchorCtr="0" anchor="t" bIns="45700" lIns="91425" spcFirstLastPara="1" rIns="91425" wrap="square" tIns="45700">
             <a:normAutofit/>
           </a:bodyPr>
           <a:lstStyle/>
           <a:p>
-            <a:pPr marL="342900" lvl="0" indent="-342900" algn="l" rtl="0">
+            <a:pPr indent="-342900" lvl="0" marL="342900" rtl="0" algn="l">
               <a:spcBef>
                 <a:spcPts val="0"/>
               </a:spcBef>
@@ -9881,7 +9918,7 @@
             <a:endParaRPr/>
           </a:p>
           <a:p>
-            <a:pPr marL="342900" lvl="0" indent="-342900" algn="l" rtl="0">
+            <a:pPr indent="-342900" lvl="0" marL="342900" rtl="0" algn="l">
               <a:spcBef>
                 <a:spcPts val="1000"/>
               </a:spcBef>
@@ -9898,7 +9935,7 @@
             <a:endParaRPr/>
           </a:p>
           <a:p>
-            <a:pPr marL="342900" lvl="0" indent="-342900" algn="l" rtl="0">
+            <a:pPr indent="-342900" lvl="0" marL="342900" rtl="0" algn="l">
               <a:spcBef>
                 <a:spcPts val="1000"/>
               </a:spcBef>
@@ -9925,11 +9962,11 @@
 </file>
 
 <file path=ppt/slides/slide4.xml><?xml version="1.0" encoding="utf-8"?>
-<p:sld xmlns:a="http://schemas.openxmlformats.org/drawingml/2006/main" xmlns:r="http://schemas.openxmlformats.org/officeDocument/2006/relationships" xmlns:p="http://schemas.openxmlformats.org/presentationml/2006/main">
+<p:sld xmlns:a="http://schemas.openxmlformats.org/drawingml/2006/main" xmlns:r="http://schemas.openxmlformats.org/officeDocument/2006/relationships" xmlns:mc="http://schemas.openxmlformats.org/markup-compatibility/2006" xmlns:mv="urn:schemas-microsoft-com:mac:vml" xmlns:p="http://schemas.openxmlformats.org/presentationml/2006/main" xmlns:c="http://schemas.openxmlformats.org/drawingml/2006/chart" xmlns:dgm="http://schemas.openxmlformats.org/drawingml/2006/diagram" xmlns:o="urn:schemas-microsoft-com:office:office" xmlns:v="urn:schemas-microsoft-com:vml" xmlns:pvml="urn:schemas-microsoft-com:office:powerpoint" xmlns:com="http://schemas.openxmlformats.org/drawingml/2006/compatibility" xmlns:p14="http://schemas.microsoft.com/office/powerpoint/2010/main" xmlns:p15="http://schemas.microsoft.com/office/powerpoint/2012/main" xmlns:ahyp="http://schemas.microsoft.com/office/drawing/2018/hyperlinkcolor">
   <p:cSld>
     <p:spTree>
       <p:nvGrpSpPr>
-        <p:cNvPr id="1" name="Shape 77"/>
+        <p:cNvPr id="77" name="Shape 77"/>
         <p:cNvGrpSpPr/>
         <p:nvPr/>
       </p:nvGrpSpPr>
@@ -9944,9 +9981,7 @@
       <p:sp>
         <p:nvSpPr>
           <p:cNvPr id="78" name="Google Shape;78;p3"/>
-          <p:cNvSpPr txBox="1">
-            <a:spLocks noGrp="1"/>
-          </p:cNvSpPr>
+          <p:cNvSpPr txBox="1"/>
           <p:nvPr>
             <p:ph type="title"/>
           </p:nvPr>
@@ -9965,12 +10000,12 @@
           </a:ln>
         </p:spPr>
         <p:txBody>
-          <a:bodyPr spcFirstLastPara="1" wrap="square" lIns="91425" tIns="45700" rIns="91425" bIns="45700" anchor="t" anchorCtr="0">
+          <a:bodyPr anchorCtr="0" anchor="t" bIns="45700" lIns="91425" spcFirstLastPara="1" rIns="91425" wrap="square" tIns="45700">
             <a:noAutofit/>
           </a:bodyPr>
           <a:lstStyle/>
           <a:p>
-            <a:pPr marL="0" lvl="0" indent="0" algn="l" rtl="0">
+            <a:pPr indent="0" lvl="0" marL="0" rtl="0" algn="l">
               <a:spcBef>
                 <a:spcPts val="0"/>
               </a:spcBef>
@@ -9995,11 +10030,9 @@
       <p:sp>
         <p:nvSpPr>
           <p:cNvPr id="79" name="Google Shape;79;p3"/>
-          <p:cNvSpPr txBox="1">
-            <a:spLocks noGrp="1"/>
-          </p:cNvSpPr>
+          <p:cNvSpPr txBox="1"/>
           <p:nvPr>
-            <p:ph type="body" idx="1"/>
+            <p:ph idx="1" type="body"/>
           </p:nvPr>
         </p:nvSpPr>
         <p:spPr>
@@ -10016,12 +10049,12 @@
           </a:ln>
         </p:spPr>
         <p:txBody>
-          <a:bodyPr spcFirstLastPara="1" wrap="square" lIns="91425" tIns="45700" rIns="91425" bIns="45700" anchor="t" anchorCtr="0">
+          <a:bodyPr anchorCtr="0" anchor="t" bIns="45700" lIns="91425" spcFirstLastPara="1" rIns="91425" wrap="square" tIns="45700">
             <a:normAutofit/>
           </a:bodyPr>
           <a:lstStyle/>
           <a:p>
-            <a:pPr marL="342900" lvl="0" indent="-342900" algn="l" rtl="0">
+            <a:pPr indent="-342900" lvl="0" marL="342900" rtl="0" algn="l">
               <a:spcBef>
                 <a:spcPts val="0"/>
               </a:spcBef>
@@ -10038,7 +10071,7 @@
             <a:endParaRPr/>
           </a:p>
           <a:p>
-            <a:pPr marL="342900" lvl="0" indent="-342900" algn="l" rtl="0">
+            <a:pPr indent="-342900" lvl="0" marL="342900" rtl="0" algn="l">
               <a:spcBef>
                 <a:spcPts val="1000"/>
               </a:spcBef>
@@ -10065,11 +10098,11 @@
 </file>
 
 <file path=ppt/slides/slide5.xml><?xml version="1.0" encoding="utf-8"?>
-<p:sld xmlns:a="http://schemas.openxmlformats.org/drawingml/2006/main" xmlns:r="http://schemas.openxmlformats.org/officeDocument/2006/relationships" xmlns:p="http://schemas.openxmlformats.org/presentationml/2006/main">
+<p:sld xmlns:a="http://schemas.openxmlformats.org/drawingml/2006/main" xmlns:r="http://schemas.openxmlformats.org/officeDocument/2006/relationships" xmlns:mc="http://schemas.openxmlformats.org/markup-compatibility/2006" xmlns:mv="urn:schemas-microsoft-com:mac:vml" xmlns:p="http://schemas.openxmlformats.org/presentationml/2006/main" xmlns:c="http://schemas.openxmlformats.org/drawingml/2006/chart" xmlns:dgm="http://schemas.openxmlformats.org/drawingml/2006/diagram" xmlns:o="urn:schemas-microsoft-com:office:office" xmlns:v="urn:schemas-microsoft-com:vml" xmlns:pvml="urn:schemas-microsoft-com:office:powerpoint" xmlns:com="http://schemas.openxmlformats.org/drawingml/2006/compatibility" xmlns:p14="http://schemas.microsoft.com/office/powerpoint/2010/main" xmlns:p15="http://schemas.microsoft.com/office/powerpoint/2012/main" xmlns:ahyp="http://schemas.microsoft.com/office/drawing/2018/hyperlinkcolor">
   <p:cSld>
     <p:spTree>
       <p:nvGrpSpPr>
-        <p:cNvPr id="1" name="Shape 83"/>
+        <p:cNvPr id="83" name="Shape 83"/>
         <p:cNvGrpSpPr/>
         <p:nvPr/>
       </p:nvGrpSpPr>
@@ -10084,9 +10117,7 @@
       <p:sp>
         <p:nvSpPr>
           <p:cNvPr id="84" name="Google Shape;84;p4"/>
-          <p:cNvSpPr txBox="1">
-            <a:spLocks noGrp="1"/>
-          </p:cNvSpPr>
+          <p:cNvSpPr txBox="1"/>
           <p:nvPr>
             <p:ph type="title"/>
           </p:nvPr>
@@ -10105,12 +10136,12 @@
           </a:ln>
         </p:spPr>
         <p:txBody>
-          <a:bodyPr spcFirstLastPara="1" wrap="square" lIns="91425" tIns="45700" rIns="91425" bIns="45700" anchor="t" anchorCtr="0">
+          <a:bodyPr anchorCtr="0" anchor="t" bIns="45700" lIns="91425" spcFirstLastPara="1" rIns="91425" wrap="square" tIns="45700">
             <a:noAutofit/>
           </a:bodyPr>
           <a:lstStyle/>
           <a:p>
-            <a:pPr marL="0" lvl="0" indent="0" algn="l" rtl="0">
+            <a:pPr indent="0" lvl="0" marL="0" rtl="0" algn="l">
               <a:spcBef>
                 <a:spcPts val="0"/>
               </a:spcBef>
@@ -10135,11 +10166,9 @@
       <p:sp>
         <p:nvSpPr>
           <p:cNvPr id="85" name="Google Shape;85;p4"/>
-          <p:cNvSpPr txBox="1">
-            <a:spLocks noGrp="1"/>
-          </p:cNvSpPr>
+          <p:cNvSpPr txBox="1"/>
           <p:nvPr>
-            <p:ph type="body" idx="1"/>
+            <p:ph idx="1" type="body"/>
           </p:nvPr>
         </p:nvSpPr>
         <p:spPr>
@@ -10156,12 +10185,12 @@
           </a:ln>
         </p:spPr>
         <p:txBody>
-          <a:bodyPr spcFirstLastPara="1" wrap="square" lIns="91425" tIns="45700" rIns="91425" bIns="45700" anchor="t" anchorCtr="0">
+          <a:bodyPr anchorCtr="0" anchor="t" bIns="45700" lIns="91425" spcFirstLastPara="1" rIns="91425" wrap="square" tIns="45700">
             <a:normAutofit/>
           </a:bodyPr>
           <a:lstStyle/>
           <a:p>
-            <a:pPr marL="342900" lvl="0" indent="-342900" algn="l" rtl="0">
+            <a:pPr indent="-342900" lvl="0" marL="342900" rtl="0" algn="l">
               <a:spcBef>
                 <a:spcPts val="0"/>
               </a:spcBef>
@@ -10178,7 +10207,7 @@
             <a:endParaRPr/>
           </a:p>
           <a:p>
-            <a:pPr marL="342900" lvl="0" indent="-393700" algn="l" rtl="0">
+            <a:pPr indent="-393700" lvl="0" marL="342900" rtl="0" algn="l">
               <a:spcBef>
                 <a:spcPts val="0"/>
               </a:spcBef>
@@ -10222,7 +10251,7 @@
           <a:blip r:embed="rId4">
             <a:alphaModFix/>
           </a:blip>
-          <a:srcRect l="8933" t="5474" r="4336" b="4774"/>
+          <a:srcRect b="4774" l="8933" r="4336" t="5474"/>
           <a:stretch/>
         </p:blipFill>
         <p:spPr>
@@ -10248,11 +10277,11 @@
 </file>
 
 <file path=ppt/slides/slide6.xml><?xml version="1.0" encoding="utf-8"?>
-<p:sld xmlns:a="http://schemas.openxmlformats.org/drawingml/2006/main" xmlns:r="http://schemas.openxmlformats.org/officeDocument/2006/relationships" xmlns:p="http://schemas.openxmlformats.org/presentationml/2006/main">
+<p:sld xmlns:a="http://schemas.openxmlformats.org/drawingml/2006/main" xmlns:r="http://schemas.openxmlformats.org/officeDocument/2006/relationships" xmlns:mc="http://schemas.openxmlformats.org/markup-compatibility/2006" xmlns:mv="urn:schemas-microsoft-com:mac:vml" xmlns:p="http://schemas.openxmlformats.org/presentationml/2006/main" xmlns:c="http://schemas.openxmlformats.org/drawingml/2006/chart" xmlns:dgm="http://schemas.openxmlformats.org/drawingml/2006/diagram" xmlns:o="urn:schemas-microsoft-com:office:office" xmlns:v="urn:schemas-microsoft-com:vml" xmlns:pvml="urn:schemas-microsoft-com:office:powerpoint" xmlns:com="http://schemas.openxmlformats.org/drawingml/2006/compatibility" xmlns:p14="http://schemas.microsoft.com/office/powerpoint/2010/main" xmlns:p15="http://schemas.microsoft.com/office/powerpoint/2012/main" xmlns:ahyp="http://schemas.microsoft.com/office/drawing/2018/hyperlinkcolor">
   <p:cSld>
     <p:spTree>
       <p:nvGrpSpPr>
-        <p:cNvPr id="1" name="Shape 90"/>
+        <p:cNvPr id="90" name="Shape 90"/>
         <p:cNvGrpSpPr/>
         <p:nvPr/>
       </p:nvGrpSpPr>
@@ -10267,9 +10296,7 @@
       <p:sp>
         <p:nvSpPr>
           <p:cNvPr id="91" name="Google Shape;91;p8"/>
-          <p:cNvSpPr txBox="1">
-            <a:spLocks noGrp="1"/>
-          </p:cNvSpPr>
+          <p:cNvSpPr txBox="1"/>
           <p:nvPr>
             <p:ph type="title"/>
           </p:nvPr>
@@ -10288,12 +10315,12 @@
           </a:ln>
         </p:spPr>
         <p:txBody>
-          <a:bodyPr spcFirstLastPara="1" wrap="square" lIns="91425" tIns="45700" rIns="91425" bIns="45700" anchor="t" anchorCtr="0">
+          <a:bodyPr anchorCtr="0" anchor="t" bIns="45700" lIns="91425" spcFirstLastPara="1" rIns="91425" wrap="square" tIns="45700">
             <a:noAutofit/>
           </a:bodyPr>
           <a:lstStyle/>
           <a:p>
-            <a:pPr marL="0" lvl="0" indent="0" algn="l" rtl="0">
+            <a:pPr indent="0" lvl="0" marL="0" rtl="0" algn="l">
               <a:spcBef>
                 <a:spcPts val="0"/>
               </a:spcBef>
@@ -10318,11 +10345,9 @@
       <p:sp>
         <p:nvSpPr>
           <p:cNvPr id="92" name="Google Shape;92;p8"/>
-          <p:cNvSpPr txBox="1">
-            <a:spLocks noGrp="1"/>
-          </p:cNvSpPr>
+          <p:cNvSpPr txBox="1"/>
           <p:nvPr>
-            <p:ph type="body" idx="1"/>
+            <p:ph idx="1" type="body"/>
           </p:nvPr>
         </p:nvSpPr>
         <p:spPr>
@@ -10339,12 +10364,12 @@
           </a:ln>
         </p:spPr>
         <p:txBody>
-          <a:bodyPr spcFirstLastPara="1" wrap="square" lIns="91425" tIns="45700" rIns="91425" bIns="45700" anchor="t" anchorCtr="0">
+          <a:bodyPr anchorCtr="0" anchor="t" bIns="45700" lIns="91425" spcFirstLastPara="1" rIns="91425" wrap="square" tIns="45700">
             <a:normAutofit/>
           </a:bodyPr>
           <a:lstStyle/>
           <a:p>
-            <a:pPr marL="342900" lvl="0" indent="-342900" algn="l" rtl="0">
+            <a:pPr indent="-342900" lvl="0" marL="342900" rtl="0" algn="l">
               <a:spcBef>
                 <a:spcPts val="0"/>
               </a:spcBef>
@@ -10361,7 +10386,7 @@
             <a:endParaRPr/>
           </a:p>
           <a:p>
-            <a:pPr marL="342900" lvl="0" indent="-342900" algn="l" rtl="0">
+            <a:pPr indent="-342900" lvl="0" marL="342900" rtl="0" algn="l">
               <a:spcBef>
                 <a:spcPts val="1000"/>
               </a:spcBef>
@@ -10378,7 +10403,7 @@
             <a:endParaRPr/>
           </a:p>
           <a:p>
-            <a:pPr marL="342900" lvl="0" indent="-342900" algn="l" rtl="0">
+            <a:pPr indent="-342900" lvl="0" marL="342900" rtl="0" algn="l">
               <a:spcBef>
                 <a:spcPts val="1000"/>
               </a:spcBef>
@@ -10395,7 +10420,7 @@
             <a:endParaRPr/>
           </a:p>
           <a:p>
-            <a:pPr marL="342900" lvl="0" indent="-342900" algn="l" rtl="0">
+            <a:pPr indent="-342900" lvl="0" marL="342900" rtl="0" algn="l">
               <a:spcBef>
                 <a:spcPts val="1000"/>
               </a:spcBef>
@@ -10422,11 +10447,11 @@
 </file>
 
 <file path=ppt/slides/slide7.xml><?xml version="1.0" encoding="utf-8"?>
-<p:sld xmlns:a="http://schemas.openxmlformats.org/drawingml/2006/main" xmlns:r="http://schemas.openxmlformats.org/officeDocument/2006/relationships" xmlns:p="http://schemas.openxmlformats.org/presentationml/2006/main">
+<p:sld xmlns:a="http://schemas.openxmlformats.org/drawingml/2006/main" xmlns:r="http://schemas.openxmlformats.org/officeDocument/2006/relationships" xmlns:mc="http://schemas.openxmlformats.org/markup-compatibility/2006" xmlns:mv="urn:schemas-microsoft-com:mac:vml" xmlns:p="http://schemas.openxmlformats.org/presentationml/2006/main" xmlns:c="http://schemas.openxmlformats.org/drawingml/2006/chart" xmlns:dgm="http://schemas.openxmlformats.org/drawingml/2006/diagram" xmlns:o="urn:schemas-microsoft-com:office:office" xmlns:v="urn:schemas-microsoft-com:vml" xmlns:pvml="urn:schemas-microsoft-com:office:powerpoint" xmlns:com="http://schemas.openxmlformats.org/drawingml/2006/compatibility" xmlns:p14="http://schemas.microsoft.com/office/powerpoint/2010/main" xmlns:p15="http://schemas.microsoft.com/office/powerpoint/2012/main" xmlns:ahyp="http://schemas.microsoft.com/office/drawing/2018/hyperlinkcolor">
   <p:cSld>
     <p:spTree>
       <p:nvGrpSpPr>
-        <p:cNvPr id="1" name="Shape 96"/>
+        <p:cNvPr id="96" name="Shape 96"/>
         <p:cNvGrpSpPr/>
         <p:nvPr/>
       </p:nvGrpSpPr>
@@ -10441,9 +10466,7 @@
       <p:sp>
         <p:nvSpPr>
           <p:cNvPr id="97" name="Google Shape;97;p6"/>
-          <p:cNvSpPr txBox="1">
-            <a:spLocks noGrp="1"/>
-          </p:cNvSpPr>
+          <p:cNvSpPr txBox="1"/>
           <p:nvPr>
             <p:ph type="title"/>
           </p:nvPr>
@@ -10462,12 +10485,12 @@
           </a:ln>
         </p:spPr>
         <p:txBody>
-          <a:bodyPr spcFirstLastPara="1" wrap="square" lIns="91425" tIns="45700" rIns="91425" bIns="45700" anchor="t" anchorCtr="0">
+          <a:bodyPr anchorCtr="0" anchor="t" bIns="45700" lIns="91425" spcFirstLastPara="1" rIns="91425" wrap="square" tIns="45700">
             <a:noAutofit/>
           </a:bodyPr>
           <a:lstStyle/>
           <a:p>
-            <a:pPr marL="0" lvl="0" indent="0" algn="l" rtl="0">
+            <a:pPr indent="0" lvl="0" marL="0" rtl="0" algn="l">
               <a:spcBef>
                 <a:spcPts val="0"/>
               </a:spcBef>
@@ -10492,11 +10515,9 @@
       <p:sp>
         <p:nvSpPr>
           <p:cNvPr id="98" name="Google Shape;98;p6"/>
-          <p:cNvSpPr txBox="1">
-            <a:spLocks noGrp="1"/>
-          </p:cNvSpPr>
+          <p:cNvSpPr txBox="1"/>
           <p:nvPr>
-            <p:ph type="body" idx="1"/>
+            <p:ph idx="1" type="body"/>
           </p:nvPr>
         </p:nvSpPr>
         <p:spPr>
@@ -10513,12 +10534,12 @@
           </a:ln>
         </p:spPr>
         <p:txBody>
-          <a:bodyPr spcFirstLastPara="1" wrap="square" lIns="91425" tIns="45700" rIns="91425" bIns="45700" anchor="t" anchorCtr="0">
+          <a:bodyPr anchorCtr="0" anchor="t" bIns="45700" lIns="91425" spcFirstLastPara="1" rIns="91425" wrap="square" tIns="45700">
             <a:normAutofit/>
           </a:bodyPr>
           <a:lstStyle/>
           <a:p>
-            <a:pPr marL="342900" lvl="0" indent="-342900" algn="l" rtl="0">
+            <a:pPr indent="-342900" lvl="0" marL="342900" rtl="0" algn="l">
               <a:spcBef>
                 <a:spcPts val="0"/>
               </a:spcBef>
@@ -10535,7 +10556,7 @@
             <a:endParaRPr/>
           </a:p>
           <a:p>
-            <a:pPr marL="342900" lvl="0" indent="-342900" algn="l" rtl="0">
+            <a:pPr indent="-342900" lvl="0" marL="342900" rtl="0" algn="l">
               <a:spcBef>
                 <a:spcPts val="1000"/>
               </a:spcBef>
@@ -10562,11 +10583,11 @@
 </file>
 
 <file path=ppt/slides/slide8.xml><?xml version="1.0" encoding="utf-8"?>
-<p:sld xmlns:a="http://schemas.openxmlformats.org/drawingml/2006/main" xmlns:r="http://schemas.openxmlformats.org/officeDocument/2006/relationships" xmlns:p="http://schemas.openxmlformats.org/presentationml/2006/main">
+<p:sld xmlns:a="http://schemas.openxmlformats.org/drawingml/2006/main" xmlns:r="http://schemas.openxmlformats.org/officeDocument/2006/relationships" xmlns:mc="http://schemas.openxmlformats.org/markup-compatibility/2006" xmlns:mv="urn:schemas-microsoft-com:mac:vml" xmlns:p="http://schemas.openxmlformats.org/presentationml/2006/main" xmlns:c="http://schemas.openxmlformats.org/drawingml/2006/chart" xmlns:dgm="http://schemas.openxmlformats.org/drawingml/2006/diagram" xmlns:o="urn:schemas-microsoft-com:office:office" xmlns:v="urn:schemas-microsoft-com:vml" xmlns:pvml="urn:schemas-microsoft-com:office:powerpoint" xmlns:com="http://schemas.openxmlformats.org/drawingml/2006/compatibility" xmlns:p14="http://schemas.microsoft.com/office/powerpoint/2010/main" xmlns:p15="http://schemas.microsoft.com/office/powerpoint/2012/main" xmlns:ahyp="http://schemas.microsoft.com/office/drawing/2018/hyperlinkcolor">
   <p:cSld>
     <p:spTree>
       <p:nvGrpSpPr>
-        <p:cNvPr id="1" name="Shape 102"/>
+        <p:cNvPr id="102" name="Shape 102"/>
         <p:cNvGrpSpPr/>
         <p:nvPr/>
       </p:nvGrpSpPr>
@@ -10581,9 +10602,7 @@
       <p:sp>
         <p:nvSpPr>
           <p:cNvPr id="103" name="Google Shape;103;g313f73036cb_0_166"/>
-          <p:cNvSpPr txBox="1">
-            <a:spLocks noGrp="1"/>
-          </p:cNvSpPr>
+          <p:cNvSpPr txBox="1"/>
           <p:nvPr>
             <p:ph type="title"/>
           </p:nvPr>
@@ -10598,12 +10617,12 @@
           </a:prstGeom>
         </p:spPr>
         <p:txBody>
-          <a:bodyPr spcFirstLastPara="1" wrap="square" lIns="121900" tIns="121900" rIns="121900" bIns="121900" anchor="t" anchorCtr="0">
+          <a:bodyPr anchorCtr="0" anchor="t" bIns="121900" lIns="121900" spcFirstLastPara="1" rIns="121900" wrap="square" tIns="121900">
             <a:normAutofit fontScale="90000"/>
           </a:bodyPr>
           <a:lstStyle/>
           <a:p>
-            <a:pPr marL="0" lvl="0" indent="0" algn="l" rtl="0">
+            <a:pPr indent="0" lvl="0" marL="0" rtl="0" algn="l">
               <a:spcBef>
                 <a:spcPts val="0"/>
               </a:spcBef>
@@ -10614,7 +10633,11 @@
             </a:pPr>
             <a:r>
               <a:rPr lang="en-US"/>
-              <a:t>Model Selection: Decision Tree Classifier</a:t>
+              <a:t>Model Selection: </a:t>
+            </a:r>
+            <a:r>
+              <a:rPr lang="en-US"/>
+              <a:t>Decision Tree Classifier</a:t>
             </a:r>
             <a:endParaRPr/>
           </a:p>
@@ -10623,11 +10646,9 @@
       <p:sp>
         <p:nvSpPr>
           <p:cNvPr id="104" name="Google Shape;104;g313f73036cb_0_166"/>
-          <p:cNvSpPr txBox="1">
-            <a:spLocks noGrp="1"/>
-          </p:cNvSpPr>
+          <p:cNvSpPr txBox="1"/>
           <p:nvPr>
-            <p:ph type="body" idx="1"/>
+            <p:ph idx="1" type="body"/>
           </p:nvPr>
         </p:nvSpPr>
         <p:spPr>
@@ -10640,12 +10661,12 @@
           </a:prstGeom>
         </p:spPr>
         <p:txBody>
-          <a:bodyPr spcFirstLastPara="1" wrap="square" lIns="121900" tIns="121900" rIns="121900" bIns="121900" anchor="t" anchorCtr="0">
+          <a:bodyPr anchorCtr="0" anchor="t" bIns="121900" lIns="121900" spcFirstLastPara="1" rIns="121900" wrap="square" tIns="121900">
             <a:normAutofit lnSpcReduction="20000"/>
           </a:bodyPr>
           <a:lstStyle/>
           <a:p>
-            <a:pPr marL="457200" lvl="0" indent="-381000" algn="l" rtl="0">
+            <a:pPr indent="-381000" lvl="0" marL="457200" rtl="0" algn="l">
               <a:spcBef>
                 <a:spcPts val="0"/>
               </a:spcBef>
@@ -10662,7 +10683,7 @@
             <a:endParaRPr/>
           </a:p>
           <a:p>
-            <a:pPr marL="457200" lvl="0" indent="-381000" algn="l" rtl="0">
+            <a:pPr indent="-381000" lvl="0" marL="457200" rtl="0" algn="l">
               <a:spcBef>
                 <a:spcPts val="1000"/>
               </a:spcBef>
@@ -10679,7 +10700,7 @@
             <a:endParaRPr/>
           </a:p>
           <a:p>
-            <a:pPr marL="457200" lvl="0" indent="-381000" algn="l" rtl="0">
+            <a:pPr indent="-381000" lvl="0" marL="457200" rtl="0" algn="l">
               <a:spcBef>
                 <a:spcPts val="1000"/>
               </a:spcBef>
@@ -10696,7 +10717,7 @@
             <a:endParaRPr/>
           </a:p>
           <a:p>
-            <a:pPr marL="457200" lvl="0" indent="-381000" algn="l" rtl="0">
+            <a:pPr indent="-381000" lvl="0" marL="457200" rtl="0" algn="l">
               <a:spcBef>
                 <a:spcPts val="1000"/>
               </a:spcBef>
@@ -10713,7 +10734,7 @@
             <a:endParaRPr/>
           </a:p>
           <a:p>
-            <a:pPr marL="457200" lvl="0" indent="-381000" algn="l" rtl="0">
+            <a:pPr indent="-381000" lvl="0" marL="457200" rtl="0" algn="l">
               <a:spcBef>
                 <a:spcPts val="1000"/>
               </a:spcBef>
@@ -10730,7 +10751,7 @@
             <a:endParaRPr/>
           </a:p>
           <a:p>
-            <a:pPr marL="457200" lvl="0" indent="-381000" algn="l" rtl="0">
+            <a:pPr indent="-381000" lvl="0" marL="457200" rtl="0" algn="l">
               <a:spcBef>
                 <a:spcPts val="1000"/>
               </a:spcBef>
@@ -10747,7 +10768,7 @@
             <a:endParaRPr/>
           </a:p>
           <a:p>
-            <a:pPr marL="0" lvl="0" indent="0" algn="l" rtl="0">
+            <a:pPr indent="0" lvl="0" marL="0" rtl="0" algn="l">
               <a:spcBef>
                 <a:spcPts val="1000"/>
               </a:spcBef>
@@ -10756,10 +10777,13 @@
               </a:spcAft>
               <a:buNone/>
             </a:pPr>
+            <a:r>
+              <a:t/>
+            </a:r>
             <a:endParaRPr/>
           </a:p>
           <a:p>
-            <a:pPr marL="0" lvl="0" indent="0" algn="l" rtl="0">
+            <a:pPr indent="0" lvl="0" marL="0" rtl="0" algn="l">
               <a:spcBef>
                 <a:spcPts val="1000"/>
               </a:spcBef>
@@ -10785,11 +10809,11 @@
 </file>
 
 <file path=ppt/slides/slide9.xml><?xml version="1.0" encoding="utf-8"?>
-<p:sld xmlns:a="http://schemas.openxmlformats.org/drawingml/2006/main" xmlns:r="http://schemas.openxmlformats.org/officeDocument/2006/relationships" xmlns:p="http://schemas.openxmlformats.org/presentationml/2006/main">
+<p:sld xmlns:a="http://schemas.openxmlformats.org/drawingml/2006/main" xmlns:r="http://schemas.openxmlformats.org/officeDocument/2006/relationships" xmlns:mc="http://schemas.openxmlformats.org/markup-compatibility/2006" xmlns:mv="urn:schemas-microsoft-com:mac:vml" xmlns:p="http://schemas.openxmlformats.org/presentationml/2006/main" xmlns:c="http://schemas.openxmlformats.org/drawingml/2006/chart" xmlns:dgm="http://schemas.openxmlformats.org/drawingml/2006/diagram" xmlns:o="urn:schemas-microsoft-com:office:office" xmlns:v="urn:schemas-microsoft-com:vml" xmlns:pvml="urn:schemas-microsoft-com:office:powerpoint" xmlns:com="http://schemas.openxmlformats.org/drawingml/2006/compatibility" xmlns:p14="http://schemas.microsoft.com/office/powerpoint/2010/main" xmlns:p15="http://schemas.microsoft.com/office/powerpoint/2012/main" xmlns:ahyp="http://schemas.microsoft.com/office/drawing/2018/hyperlinkcolor">
   <p:cSld>
     <p:spTree>
       <p:nvGrpSpPr>
-        <p:cNvPr id="1" name="Shape 108"/>
+        <p:cNvPr id="108" name="Shape 108"/>
         <p:cNvGrpSpPr/>
         <p:nvPr/>
       </p:nvGrpSpPr>
@@ -10804,9 +10828,7 @@
       <p:sp>
         <p:nvSpPr>
           <p:cNvPr id="109" name="Google Shape;109;g313f73036cb_0_183"/>
-          <p:cNvSpPr txBox="1">
-            <a:spLocks noGrp="1"/>
-          </p:cNvSpPr>
+          <p:cNvSpPr txBox="1"/>
           <p:nvPr>
             <p:ph type="title"/>
           </p:nvPr>
@@ -10821,36 +10843,42 @@
           </a:prstGeom>
         </p:spPr>
         <p:txBody>
-          <a:bodyPr spcFirstLastPara="1" wrap="square" lIns="121900" tIns="121900" rIns="121900" bIns="121900" anchor="t" anchorCtr="0">
+          <a:bodyPr anchorCtr="0" anchor="t" bIns="121900" lIns="121900" spcFirstLastPara="1" rIns="121900" wrap="square" tIns="121900">
             <a:normAutofit fontScale="90000"/>
           </a:bodyPr>
           <a:lstStyle/>
           <a:p>
-            <a:pPr marL="0" lvl="0" indent="0" algn="l" rtl="0">
-              <a:spcBef>
-                <a:spcPts val="0"/>
-              </a:spcBef>
-              <a:spcAft>
-                <a:spcPts val="0"/>
-              </a:spcAft>
-              <a:buNone/>
-            </a:pPr>
-            <a:r>
-              <a:rPr lang="en-US" dirty="0"/>
-              <a:t>Model Selection: Random Forests Classifier</a:t>
-            </a:r>
-            <a:endParaRPr dirty="0"/>
+            <a:pPr indent="0" lvl="0" marL="0" rtl="0" algn="l">
+              <a:spcBef>
+                <a:spcPts val="0"/>
+              </a:spcBef>
+              <a:spcAft>
+                <a:spcPts val="0"/>
+              </a:spcAft>
+              <a:buNone/>
+            </a:pPr>
+            <a:r>
+              <a:rPr lang="en-US"/>
+              <a:t>Model Selection: </a:t>
+            </a:r>
+            <a:r>
+              <a:rPr lang="en-US"/>
+              <a:t>Random Forests</a:t>
+            </a:r>
+            <a:r>
+              <a:rPr lang="en-US"/>
+              <a:t> Classifier</a:t>
+            </a:r>
+            <a:endParaRPr/>
           </a:p>
         </p:txBody>
       </p:sp>
       <p:sp>
         <p:nvSpPr>
           <p:cNvPr id="110" name="Google Shape;110;g313f73036cb_0_183"/>
-          <p:cNvSpPr txBox="1">
-            <a:spLocks noGrp="1"/>
-          </p:cNvSpPr>
+          <p:cNvSpPr txBox="1"/>
           <p:nvPr>
-            <p:ph type="body" idx="1"/>
+            <p:ph idx="1" type="body"/>
           </p:nvPr>
         </p:nvSpPr>
         <p:spPr>
@@ -10863,12 +10891,12 @@
           </a:prstGeom>
         </p:spPr>
         <p:txBody>
-          <a:bodyPr spcFirstLastPara="1" wrap="square" lIns="121900" tIns="121900" rIns="121900" bIns="121900" anchor="t" anchorCtr="0">
+          <a:bodyPr anchorCtr="0" anchor="t" bIns="121900" lIns="121900" spcFirstLastPara="1" rIns="121900" wrap="square" tIns="121900">
             <a:normAutofit/>
           </a:bodyPr>
           <a:lstStyle/>
           <a:p>
-            <a:pPr marL="457200" lvl="0" indent="-381000" algn="l" rtl="0">
+            <a:pPr indent="-381000" lvl="0" marL="457200" rtl="0" algn="l">
               <a:spcBef>
                 <a:spcPts val="0"/>
               </a:spcBef>
@@ -10879,13 +10907,13 @@
               <a:buChar char="●"/>
             </a:pPr>
             <a:r>
-              <a:rPr lang="en-US" dirty="0"/>
+              <a:rPr lang="en-US"/>
               <a:t>Interpretability similarly to Decision Tree Classifier </a:t>
             </a:r>
-            <a:endParaRPr dirty="0"/>
-          </a:p>
-          <a:p>
-            <a:pPr marL="457200" lvl="0" indent="-381000" algn="l" rtl="0">
+            <a:endParaRPr/>
+          </a:p>
+          <a:p>
+            <a:pPr indent="-381000" lvl="0" marL="457200" rtl="0" algn="l">
               <a:spcBef>
                 <a:spcPts val="1000"/>
               </a:spcBef>
@@ -10896,13 +10924,17 @@
               <a:buChar char="●"/>
             </a:pPr>
             <a:r>
-              <a:rPr lang="en-US" dirty="0"/>
-              <a:t>Typically has better accuracy on test data</a:t>
-            </a:r>
-            <a:endParaRPr dirty="0"/>
-          </a:p>
-          <a:p>
-            <a:pPr marL="457200" lvl="0" indent="-381000" algn="l" rtl="0">
+              <a:rPr lang="en-US"/>
+              <a:t>Typically</a:t>
+            </a:r>
+            <a:r>
+              <a:rPr lang="en-US"/>
+              <a:t> has better accuracy on test data</a:t>
+            </a:r>
+            <a:endParaRPr/>
+          </a:p>
+          <a:p>
+            <a:pPr indent="-381000" lvl="0" marL="457200" rtl="0" algn="l">
               <a:spcBef>
                 <a:spcPts val="1000"/>
               </a:spcBef>
@@ -10913,13 +10945,17 @@
               <a:buChar char="●"/>
             </a:pPr>
             <a:r>
-              <a:rPr lang="en-US" dirty="0"/>
-              <a:t>Suited for capturing complex, non-linear patterns</a:t>
-            </a:r>
-            <a:endParaRPr dirty="0"/>
-          </a:p>
-          <a:p>
-            <a:pPr marL="457200" lvl="0" indent="-381000" algn="l" rtl="0">
+              <a:rPr lang="en-US"/>
+              <a:t>S</a:t>
+            </a:r>
+            <a:r>
+              <a:rPr lang="en-US"/>
+              <a:t>uited for capturing complex, non-linear patterns</a:t>
+            </a:r>
+            <a:endParaRPr/>
+          </a:p>
+          <a:p>
+            <a:pPr indent="-381000" lvl="0" marL="457200" rtl="0" algn="l">
               <a:spcBef>
                 <a:spcPts val="1000"/>
               </a:spcBef>
@@ -10930,13 +10966,17 @@
               <a:buChar char="●"/>
             </a:pPr>
             <a:r>
-              <a:rPr lang="en-US" dirty="0"/>
-              <a:t>Resilient to noisy or irrelevant features</a:t>
-            </a:r>
-            <a:endParaRPr dirty="0"/>
-          </a:p>
-          <a:p>
-            <a:pPr marL="457200" lvl="0" indent="-381000" algn="l" rtl="0">
+              <a:rPr lang="en-US"/>
+              <a:t>R</a:t>
+            </a:r>
+            <a:r>
+              <a:rPr lang="en-US"/>
+              <a:t>esilient to noisy or irrelevant features</a:t>
+            </a:r>
+            <a:endParaRPr/>
+          </a:p>
+          <a:p>
+            <a:pPr indent="-381000" lvl="0" marL="457200" rtl="0" algn="l">
               <a:spcBef>
                 <a:spcPts val="1000"/>
               </a:spcBef>
@@ -10947,13 +10987,17 @@
               <a:buChar char="●"/>
             </a:pPr>
             <a:r>
-              <a:rPr lang="en-US" dirty="0"/>
-              <a:t>Faster and more resource-efficient for larger datasets</a:t>
-            </a:r>
-            <a:endParaRPr dirty="0"/>
-          </a:p>
-          <a:p>
-            <a:pPr marL="457200" lvl="0" indent="-381000" algn="l" rtl="0">
+              <a:rPr lang="en-US"/>
+              <a:t>F</a:t>
+            </a:r>
+            <a:r>
+              <a:rPr lang="en-US"/>
+              <a:t>aster and more resource-efficient for larger datasets</a:t>
+            </a:r>
+            <a:endParaRPr/>
+          </a:p>
+          <a:p>
+            <a:pPr indent="-381000" lvl="0" marL="457200" rtl="0" algn="l">
               <a:spcBef>
                 <a:spcPts val="1000"/>
               </a:spcBef>
@@ -10964,13 +11008,13 @@
               <a:buChar char="●"/>
             </a:pPr>
             <a:r>
-              <a:rPr lang="en-US" dirty="0"/>
+              <a:rPr lang="en-US"/>
               <a:t>Reduces Overfitting</a:t>
             </a:r>
-            <a:endParaRPr dirty="0"/>
-          </a:p>
-          <a:p>
-            <a:pPr marL="0" lvl="0" indent="0" algn="l" rtl="0">
+            <a:endParaRPr/>
+          </a:p>
+          <a:p>
+            <a:pPr indent="0" lvl="0" marL="0" rtl="0" algn="l">
               <a:spcBef>
                 <a:spcPts val="1000"/>
               </a:spcBef>
@@ -10979,10 +11023,13 @@
               </a:spcAft>
               <a:buNone/>
             </a:pPr>
-            <a:endParaRPr dirty="0"/>
-          </a:p>
-          <a:p>
-            <a:pPr marL="0" lvl="0" indent="0" algn="l" rtl="0">
+            <a:r>
+              <a:t/>
+            </a:r>
+            <a:endParaRPr/>
+          </a:p>
+          <a:p>
+            <a:pPr indent="0" lvl="0" marL="0" rtl="0" algn="l">
               <a:spcBef>
                 <a:spcPts val="1000"/>
               </a:spcBef>
@@ -10992,10 +11039,14 @@
               <a:buNone/>
             </a:pPr>
             <a:r>
-              <a:rPr lang="en-US" dirty="0"/>
-              <a:t> But requires more computational resources</a:t>
-            </a:r>
-            <a:endParaRPr dirty="0"/>
+              <a:rPr lang="en-US"/>
+              <a:t> But requires </a:t>
+            </a:r>
+            <a:r>
+              <a:rPr lang="en-US"/>
+              <a:t>more computational resources</a:t>
+            </a:r>
+            <a:endParaRPr/>
           </a:p>
         </p:txBody>
       </p:sp>
@@ -11008,7 +11059,7 @@
 </file>
 
 <file path=ppt/theme/theme1.xml><?xml version="1.0" encoding="utf-8"?>
-<a:theme xmlns:a="http://schemas.openxmlformats.org/drawingml/2006/main" name="Slate">
+<a:theme xmlns:a="http://schemas.openxmlformats.org/drawingml/2006/main" xmlns:r="http://schemas.openxmlformats.org/officeDocument/2006/relationships" name="Slate">
   <a:themeElements>
     <a:clrScheme name="Slate">
       <a:dk1>
@@ -11283,13 +11334,11 @@
       </a:bgFillStyleLst>
     </a:fmtScheme>
   </a:themeElements>
-  <a:objectDefaults/>
-  <a:extraClrSchemeLst/>
 </a:theme>
 </file>
 
 <file path=ppt/theme/theme2.xml><?xml version="1.0" encoding="utf-8"?>
-<a:theme xmlns:a="http://schemas.openxmlformats.org/drawingml/2006/main">
+<a:theme xmlns:a="http://schemas.openxmlformats.org/drawingml/2006/main" xmlns:r="http://schemas.openxmlformats.org/officeDocument/2006/relationships">
   <a:themeElements>
     <a:clrScheme name="Default">
       <a:dk1>
@@ -11564,7 +11613,5 @@
       </a:bgFillStyleLst>
     </a:fmtScheme>
   </a:themeElements>
-  <a:objectDefaults/>
-  <a:extraClrSchemeLst/>
 </a:theme>
 </file>
--- a/Final_presentation.pptx
+++ b/Final_presentation.pptx
@@ -25,18 +25,19 @@
     <p:sldId id="270" r:id="rId19"/>
     <p:sldId id="271" r:id="rId20"/>
     <p:sldId id="272" r:id="rId21"/>
+    <p:sldId id="273" r:id="rId22"/>
   </p:sldIdLst>
   <p:sldSz cy="6858000" cx="12192000"/>
   <p:notesSz cx="6858000" cy="9144000"/>
   <p:embeddedFontLst>
     <p:embeddedFont>
       <p:font typeface="Average"/>
-      <p:regular r:id="rId22"/>
+      <p:regular r:id="rId23"/>
     </p:embeddedFont>
     <p:embeddedFont>
       <p:font typeface="Oswald"/>
-      <p:regular r:id="rId23"/>
-      <p:bold r:id="rId24"/>
+      <p:regular r:id="rId24"/>
+      <p:bold r:id="rId25"/>
     </p:embeddedFont>
   </p:embeddedFontLst>
   <p:defaultTextStyle>
@@ -270,7 +271,7 @@
   </p:defaultTextStyle>
   <p:extLst>
     <p:ext uri="GoogleSlidesCustomDataVersion2">
-      <go:slidesCustomData xmlns:go="http://customooxmlschemas.google.com/" r:id="rId25" roundtripDataSignature="AMtx7mg7phfvladNbl9iDbXfwE+PmDzSxg=="/>
+      <go:slidesCustomData xmlns:go="http://customooxmlschemas.google.com/" r:id="rId26" roundtripDataSignature="AMtx7mgL+AwZctpjecM9J1G1429GZA5YKg=="/>
     </p:ext>
   </p:extLst>
 </p:presentation>
@@ -806,7 +807,7 @@
   <p:cSld>
     <p:spTree>
       <p:nvGrpSpPr>
-        <p:cNvPr id="111" name="Shape 111"/>
+        <p:cNvPr id="112" name="Shape 112"/>
         <p:cNvGrpSpPr/>
         <p:nvPr/>
       </p:nvGrpSpPr>
@@ -820,42 +821,7 @@
       </p:grpSpPr>
       <p:sp>
         <p:nvSpPr>
-          <p:cNvPr id="112" name="Google Shape;112;g313f73036cb_0_201:notes"/>
-          <p:cNvSpPr/>
-          <p:nvPr>
-            <p:ph idx="2" type="sldImg"/>
-          </p:nvPr>
-        </p:nvSpPr>
-        <p:spPr>
-          <a:xfrm>
-            <a:off x="1143225" y="685800"/>
-            <a:ext cx="4572300" cy="3429000"/>
-          </a:xfrm>
-          <a:custGeom>
-            <a:rect b="b" l="l" r="r" t="t"/>
-            <a:pathLst>
-              <a:path extrusionOk="0" h="120000" w="120000">
-                <a:moveTo>
-                  <a:pt x="0" y="0"/>
-                </a:moveTo>
-                <a:lnTo>
-                  <a:pt x="120000" y="0"/>
-                </a:lnTo>
-                <a:lnTo>
-                  <a:pt x="120000" y="120000"/>
-                </a:lnTo>
-                <a:lnTo>
-                  <a:pt x="0" y="120000"/>
-                </a:lnTo>
-                <a:close/>
-              </a:path>
-            </a:pathLst>
-          </a:custGeom>
-        </p:spPr>
-      </p:sp>
-      <p:sp>
-        <p:nvSpPr>
-          <p:cNvPr id="113" name="Google Shape;113;g313f73036cb_0_201:notes"/>
+          <p:cNvPr id="113" name="Google Shape;113;p9:notes"/>
           <p:cNvSpPr txBox="1"/>
           <p:nvPr>
             <p:ph idx="1" type="body"/>
@@ -892,73 +858,9 @@
           </a:p>
         </p:txBody>
       </p:sp>
-    </p:spTree>
-  </p:cSld>
-  <p:clrMapOvr>
-    <a:masterClrMapping/>
-  </p:clrMapOvr>
-</p:notes>
-</file>
-
-<file path=ppt/notesSlides/notesSlide11.xml><?xml version="1.0" encoding="utf-8"?>
-<p:notes xmlns:a="http://schemas.openxmlformats.org/drawingml/2006/main" xmlns:r="http://schemas.openxmlformats.org/officeDocument/2006/relationships" xmlns:mc="http://schemas.openxmlformats.org/markup-compatibility/2006" xmlns:mv="urn:schemas-microsoft-com:mac:vml" xmlns:p="http://schemas.openxmlformats.org/presentationml/2006/main" xmlns:c="http://schemas.openxmlformats.org/drawingml/2006/chart" xmlns:dgm="http://schemas.openxmlformats.org/drawingml/2006/diagram" xmlns:o="urn:schemas-microsoft-com:office:office" xmlns:v="urn:schemas-microsoft-com:vml" xmlns:pvml="urn:schemas-microsoft-com:office:powerpoint" xmlns:com="http://schemas.openxmlformats.org/drawingml/2006/compatibility" xmlns:p14="http://schemas.microsoft.com/office/powerpoint/2010/main" xmlns:p15="http://schemas.microsoft.com/office/powerpoint/2012/main" xmlns:ahyp="http://schemas.microsoft.com/office/drawing/2018/hyperlinkcolor" showMasterPhAnim="0" showMasterSp="0">
-  <p:cSld>
-    <p:spTree>
-      <p:nvGrpSpPr>
-        <p:cNvPr id="117" name="Shape 117"/>
-        <p:cNvGrpSpPr/>
-        <p:nvPr/>
-      </p:nvGrpSpPr>
-      <p:grpSpPr>
-        <a:xfrm>
-          <a:off x="0" y="0"/>
-          <a:ext cx="0" cy="0"/>
-          <a:chOff x="0" y="0"/>
-          <a:chExt cx="0" cy="0"/>
-        </a:xfrm>
-      </p:grpSpPr>
       <p:sp>
         <p:nvSpPr>
-          <p:cNvPr id="118" name="Google Shape;118;p9:notes"/>
-          <p:cNvSpPr txBox="1"/>
-          <p:nvPr>
-            <p:ph idx="1" type="body"/>
-          </p:nvPr>
-        </p:nvSpPr>
-        <p:spPr>
-          <a:xfrm>
-            <a:off x="685800" y="4343400"/>
-            <a:ext cx="5486400" cy="4114800"/>
-          </a:xfrm>
-          <a:prstGeom prst="rect">
-            <a:avLst/>
-          </a:prstGeom>
-        </p:spPr>
-        <p:txBody>
-          <a:bodyPr anchorCtr="0" anchor="t" bIns="91425" lIns="91425" spcFirstLastPara="1" rIns="91425" wrap="square" tIns="91425">
-            <a:noAutofit/>
-          </a:bodyPr>
-          <a:lstStyle/>
-          <a:p>
-            <a:pPr indent="0" lvl="0" marL="0" rtl="0" algn="l">
-              <a:spcBef>
-                <a:spcPts val="0"/>
-              </a:spcBef>
-              <a:spcAft>
-                <a:spcPts val="0"/>
-              </a:spcAft>
-              <a:buNone/>
-            </a:pPr>
-            <a:r>
-              <a:t/>
-            </a:r>
-            <a:endParaRPr/>
-          </a:p>
-        </p:txBody>
-      </p:sp>
-      <p:sp>
-        <p:nvSpPr>
-          <p:cNvPr id="119" name="Google Shape;119;p9:notes"/>
+          <p:cNvPr id="114" name="Google Shape;114;p9:notes"/>
           <p:cNvSpPr/>
           <p:nvPr>
             <p:ph idx="2" type="sldImg"/>
@@ -999,12 +901,12 @@
 </p:notes>
 </file>
 
-<file path=ppt/notesSlides/notesSlide12.xml><?xml version="1.0" encoding="utf-8"?>
+<file path=ppt/notesSlides/notesSlide11.xml><?xml version="1.0" encoding="utf-8"?>
 <p:notes xmlns:a="http://schemas.openxmlformats.org/drawingml/2006/main" xmlns:r="http://schemas.openxmlformats.org/officeDocument/2006/relationships" xmlns:mc="http://schemas.openxmlformats.org/markup-compatibility/2006" xmlns:mv="urn:schemas-microsoft-com:mac:vml" xmlns:p="http://schemas.openxmlformats.org/presentationml/2006/main" xmlns:c="http://schemas.openxmlformats.org/drawingml/2006/chart" xmlns:dgm="http://schemas.openxmlformats.org/drawingml/2006/diagram" xmlns:o="urn:schemas-microsoft-com:office:office" xmlns:v="urn:schemas-microsoft-com:vml" xmlns:pvml="urn:schemas-microsoft-com:office:powerpoint" xmlns:com="http://schemas.openxmlformats.org/drawingml/2006/compatibility" xmlns:p14="http://schemas.microsoft.com/office/powerpoint/2010/main" xmlns:p15="http://schemas.microsoft.com/office/powerpoint/2012/main" xmlns:ahyp="http://schemas.microsoft.com/office/drawing/2018/hyperlinkcolor" showMasterPhAnim="0" showMasterSp="0">
   <p:cSld>
     <p:spTree>
       <p:nvGrpSpPr>
-        <p:cNvPr id="123" name="Shape 123"/>
+        <p:cNvPr id="118" name="Shape 118"/>
         <p:cNvGrpSpPr/>
         <p:nvPr/>
       </p:nvGrpSpPr>
@@ -1018,7 +920,7 @@
       </p:grpSpPr>
       <p:sp>
         <p:nvSpPr>
-          <p:cNvPr id="124" name="Google Shape;124;g313f73036cb_0_208:notes"/>
+          <p:cNvPr id="119" name="Google Shape;119;g313f73036cb_0_208:notes"/>
           <p:cNvSpPr/>
           <p:nvPr>
             <p:ph idx="2" type="sldImg"/>
@@ -1053,7 +955,7 @@
       </p:sp>
       <p:sp>
         <p:nvSpPr>
-          <p:cNvPr id="125" name="Google Shape;125;g313f73036cb_0_208:notes"/>
+          <p:cNvPr id="120" name="Google Shape;120;g313f73036cb_0_208:notes"/>
           <p:cNvSpPr txBox="1"/>
           <p:nvPr>
             <p:ph idx="1" type="body"/>
@@ -1098,12 +1000,12 @@
 </p:notes>
 </file>
 
-<file path=ppt/notesSlides/notesSlide13.xml><?xml version="1.0" encoding="utf-8"?>
+<file path=ppt/notesSlides/notesSlide12.xml><?xml version="1.0" encoding="utf-8"?>
 <p:notes xmlns:a="http://schemas.openxmlformats.org/drawingml/2006/main" xmlns:r="http://schemas.openxmlformats.org/officeDocument/2006/relationships" xmlns:mc="http://schemas.openxmlformats.org/markup-compatibility/2006" xmlns:mv="urn:schemas-microsoft-com:mac:vml" xmlns:p="http://schemas.openxmlformats.org/presentationml/2006/main" xmlns:c="http://schemas.openxmlformats.org/drawingml/2006/chart" xmlns:dgm="http://schemas.openxmlformats.org/drawingml/2006/diagram" xmlns:o="urn:schemas-microsoft-com:office:office" xmlns:v="urn:schemas-microsoft-com:vml" xmlns:pvml="urn:schemas-microsoft-com:office:powerpoint" xmlns:com="http://schemas.openxmlformats.org/drawingml/2006/compatibility" xmlns:p14="http://schemas.microsoft.com/office/powerpoint/2010/main" xmlns:p15="http://schemas.microsoft.com/office/powerpoint/2012/main" xmlns:ahyp="http://schemas.microsoft.com/office/drawing/2018/hyperlinkcolor" showMasterPhAnim="0" showMasterSp="0">
   <p:cSld>
     <p:spTree>
       <p:nvGrpSpPr>
-        <p:cNvPr id="131" name="Shape 131"/>
+        <p:cNvPr id="126" name="Shape 126"/>
         <p:cNvGrpSpPr/>
         <p:nvPr/>
       </p:nvGrpSpPr>
@@ -1117,7 +1019,7 @@
       </p:grpSpPr>
       <p:sp>
         <p:nvSpPr>
-          <p:cNvPr id="132" name="Google Shape;132;p11:notes"/>
+          <p:cNvPr id="127" name="Google Shape;127;p11:notes"/>
           <p:cNvSpPr txBox="1"/>
           <p:nvPr>
             <p:ph idx="1" type="body"/>
@@ -1156,7 +1058,7 @@
       </p:sp>
       <p:sp>
         <p:nvSpPr>
-          <p:cNvPr id="133" name="Google Shape;133;p11:notes"/>
+          <p:cNvPr id="128" name="Google Shape;128;p11:notes"/>
           <p:cNvSpPr/>
           <p:nvPr>
             <p:ph idx="2" type="sldImg"/>
@@ -1197,12 +1099,12 @@
 </p:notes>
 </file>
 
-<file path=ppt/notesSlides/notesSlide14.xml><?xml version="1.0" encoding="utf-8"?>
+<file path=ppt/notesSlides/notesSlide13.xml><?xml version="1.0" encoding="utf-8"?>
 <p:notes xmlns:a="http://schemas.openxmlformats.org/drawingml/2006/main" xmlns:r="http://schemas.openxmlformats.org/officeDocument/2006/relationships" xmlns:mc="http://schemas.openxmlformats.org/markup-compatibility/2006" xmlns:mv="urn:schemas-microsoft-com:mac:vml" xmlns:p="http://schemas.openxmlformats.org/presentationml/2006/main" xmlns:c="http://schemas.openxmlformats.org/drawingml/2006/chart" xmlns:dgm="http://schemas.openxmlformats.org/drawingml/2006/diagram" xmlns:o="urn:schemas-microsoft-com:office:office" xmlns:v="urn:schemas-microsoft-com:vml" xmlns:pvml="urn:schemas-microsoft-com:office:powerpoint" xmlns:com="http://schemas.openxmlformats.org/drawingml/2006/compatibility" xmlns:p14="http://schemas.microsoft.com/office/powerpoint/2010/main" xmlns:p15="http://schemas.microsoft.com/office/powerpoint/2012/main" xmlns:ahyp="http://schemas.microsoft.com/office/drawing/2018/hyperlinkcolor" showMasterPhAnim="0" showMasterSp="0">
   <p:cSld>
     <p:spTree>
       <p:nvGrpSpPr>
-        <p:cNvPr id="137" name="Shape 137"/>
+        <p:cNvPr id="136" name="Shape 136"/>
         <p:cNvGrpSpPr/>
         <p:nvPr/>
       </p:nvGrpSpPr>
@@ -1216,7 +1118,7 @@
       </p:grpSpPr>
       <p:sp>
         <p:nvSpPr>
-          <p:cNvPr id="138" name="Google Shape;138;p12:notes"/>
+          <p:cNvPr id="137" name="Google Shape;137;g31898b522ba_2_4:notes"/>
           <p:cNvSpPr txBox="1"/>
           <p:nvPr>
             <p:ph idx="1" type="body"/>
@@ -1255,7 +1157,7 @@
       </p:sp>
       <p:sp>
         <p:nvSpPr>
-          <p:cNvPr id="139" name="Google Shape;139;p12:notes"/>
+          <p:cNvPr id="138" name="Google Shape;138;g31898b522ba_2_4:notes"/>
           <p:cNvSpPr/>
           <p:nvPr>
             <p:ph idx="2" type="sldImg"/>
@@ -1264,7 +1166,106 @@
         <p:spPr>
           <a:xfrm>
             <a:off x="1143225" y="685800"/>
-            <a:ext cx="4572225" cy="3429000"/>
+            <a:ext cx="4572300" cy="3429000"/>
+          </a:xfrm>
+          <a:custGeom>
+            <a:rect b="b" l="l" r="r" t="t"/>
+            <a:pathLst>
+              <a:path extrusionOk="0" h="120000" w="120000">
+                <a:moveTo>
+                  <a:pt x="0" y="0"/>
+                </a:moveTo>
+                <a:lnTo>
+                  <a:pt x="120000" y="0"/>
+                </a:lnTo>
+                <a:lnTo>
+                  <a:pt x="120000" y="120000"/>
+                </a:lnTo>
+                <a:lnTo>
+                  <a:pt x="0" y="120000"/>
+                </a:lnTo>
+                <a:close/>
+              </a:path>
+            </a:pathLst>
+          </a:custGeom>
+        </p:spPr>
+      </p:sp>
+    </p:spTree>
+  </p:cSld>
+  <p:clrMapOvr>
+    <a:masterClrMapping/>
+  </p:clrMapOvr>
+</p:notes>
+</file>
+
+<file path=ppt/notesSlides/notesSlide14.xml><?xml version="1.0" encoding="utf-8"?>
+<p:notes xmlns:a="http://schemas.openxmlformats.org/drawingml/2006/main" xmlns:r="http://schemas.openxmlformats.org/officeDocument/2006/relationships" xmlns:mc="http://schemas.openxmlformats.org/markup-compatibility/2006" xmlns:mv="urn:schemas-microsoft-com:mac:vml" xmlns:p="http://schemas.openxmlformats.org/presentationml/2006/main" xmlns:c="http://schemas.openxmlformats.org/drawingml/2006/chart" xmlns:dgm="http://schemas.openxmlformats.org/drawingml/2006/diagram" xmlns:o="urn:schemas-microsoft-com:office:office" xmlns:v="urn:schemas-microsoft-com:vml" xmlns:pvml="urn:schemas-microsoft-com:office:powerpoint" xmlns:com="http://schemas.openxmlformats.org/drawingml/2006/compatibility" xmlns:p14="http://schemas.microsoft.com/office/powerpoint/2010/main" xmlns:p15="http://schemas.microsoft.com/office/powerpoint/2012/main" xmlns:ahyp="http://schemas.microsoft.com/office/drawing/2018/hyperlinkcolor" showMasterPhAnim="0" showMasterSp="0">
+  <p:cSld>
+    <p:spTree>
+      <p:nvGrpSpPr>
+        <p:cNvPr id="142" name="Shape 142"/>
+        <p:cNvGrpSpPr/>
+        <p:nvPr/>
+      </p:nvGrpSpPr>
+      <p:grpSpPr>
+        <a:xfrm>
+          <a:off x="0" y="0"/>
+          <a:ext cx="0" cy="0"/>
+          <a:chOff x="0" y="0"/>
+          <a:chExt cx="0" cy="0"/>
+        </a:xfrm>
+      </p:grpSpPr>
+      <p:sp>
+        <p:nvSpPr>
+          <p:cNvPr id="143" name="Google Shape;143;g31898b522ba_2_9:notes"/>
+          <p:cNvSpPr txBox="1"/>
+          <p:nvPr>
+            <p:ph idx="1" type="body"/>
+          </p:nvPr>
+        </p:nvSpPr>
+        <p:spPr>
+          <a:xfrm>
+            <a:off x="685800" y="4343400"/>
+            <a:ext cx="5486400" cy="4114800"/>
+          </a:xfrm>
+          <a:prstGeom prst="rect">
+            <a:avLst/>
+          </a:prstGeom>
+        </p:spPr>
+        <p:txBody>
+          <a:bodyPr anchorCtr="0" anchor="t" bIns="91425" lIns="91425" spcFirstLastPara="1" rIns="91425" wrap="square" tIns="91425">
+            <a:noAutofit/>
+          </a:bodyPr>
+          <a:lstStyle/>
+          <a:p>
+            <a:pPr indent="0" lvl="0" marL="0" rtl="0" algn="l">
+              <a:spcBef>
+                <a:spcPts val="0"/>
+              </a:spcBef>
+              <a:spcAft>
+                <a:spcPts val="0"/>
+              </a:spcAft>
+              <a:buNone/>
+            </a:pPr>
+            <a:r>
+              <a:t/>
+            </a:r>
+            <a:endParaRPr/>
+          </a:p>
+        </p:txBody>
+      </p:sp>
+      <p:sp>
+        <p:nvSpPr>
+          <p:cNvPr id="144" name="Google Shape;144;g31898b522ba_2_9:notes"/>
+          <p:cNvSpPr/>
+          <p:nvPr>
+            <p:ph idx="2" type="sldImg"/>
+          </p:nvPr>
+        </p:nvSpPr>
+        <p:spPr>
+          <a:xfrm>
+            <a:off x="1143225" y="685800"/>
+            <a:ext cx="4572300" cy="3429000"/>
           </a:xfrm>
           <a:custGeom>
             <a:rect b="b" l="l" r="r" t="t"/>
@@ -1301,7 +1302,7 @@
   <p:cSld>
     <p:spTree>
       <p:nvGrpSpPr>
-        <p:cNvPr id="143" name="Shape 143"/>
+        <p:cNvPr id="148" name="Shape 148"/>
         <p:cNvGrpSpPr/>
         <p:nvPr/>
       </p:nvGrpSpPr>
@@ -1315,7 +1316,7 @@
       </p:grpSpPr>
       <p:sp>
         <p:nvSpPr>
-          <p:cNvPr id="144" name="Google Shape;144;p13:notes"/>
+          <p:cNvPr id="149" name="Google Shape;149;p12:notes"/>
           <p:cNvSpPr txBox="1"/>
           <p:nvPr>
             <p:ph idx="1" type="body"/>
@@ -1354,7 +1355,7 @@
       </p:sp>
       <p:sp>
         <p:nvSpPr>
-          <p:cNvPr id="145" name="Google Shape;145;p13:notes"/>
+          <p:cNvPr id="150" name="Google Shape;150;p12:notes"/>
           <p:cNvSpPr/>
           <p:nvPr>
             <p:ph idx="2" type="sldImg"/>
@@ -1400,7 +1401,7 @@
   <p:cSld>
     <p:spTree>
       <p:nvGrpSpPr>
-        <p:cNvPr id="149" name="Shape 149"/>
+        <p:cNvPr id="154" name="Shape 154"/>
         <p:cNvGrpSpPr/>
         <p:nvPr/>
       </p:nvGrpSpPr>
@@ -1414,7 +1415,7 @@
       </p:grpSpPr>
       <p:sp>
         <p:nvSpPr>
-          <p:cNvPr id="150" name="Google Shape;150;p14:notes"/>
+          <p:cNvPr id="155" name="Google Shape;155;p13:notes"/>
           <p:cNvSpPr txBox="1"/>
           <p:nvPr>
             <p:ph idx="1" type="body"/>
@@ -1453,7 +1454,7 @@
       </p:sp>
       <p:sp>
         <p:nvSpPr>
-          <p:cNvPr id="151" name="Google Shape;151;p14:notes"/>
+          <p:cNvPr id="156" name="Google Shape;156;p13:notes"/>
           <p:cNvSpPr/>
           <p:nvPr>
             <p:ph idx="2" type="sldImg"/>
@@ -1499,7 +1500,7 @@
   <p:cSld>
     <p:spTree>
       <p:nvGrpSpPr>
-        <p:cNvPr id="155" name="Shape 155"/>
+        <p:cNvPr id="160" name="Shape 160"/>
         <p:cNvGrpSpPr/>
         <p:nvPr/>
       </p:nvGrpSpPr>
@@ -1513,7 +1514,7 @@
       </p:grpSpPr>
       <p:sp>
         <p:nvSpPr>
-          <p:cNvPr id="156" name="Google Shape;156;p15:notes"/>
+          <p:cNvPr id="161" name="Google Shape;161;p14:notes"/>
           <p:cNvSpPr txBox="1"/>
           <p:nvPr>
             <p:ph idx="1" type="body"/>
@@ -1552,7 +1553,106 @@
       </p:sp>
       <p:sp>
         <p:nvSpPr>
-          <p:cNvPr id="157" name="Google Shape;157;p15:notes"/>
+          <p:cNvPr id="162" name="Google Shape;162;p14:notes"/>
+          <p:cNvSpPr/>
+          <p:nvPr>
+            <p:ph idx="2" type="sldImg"/>
+          </p:nvPr>
+        </p:nvSpPr>
+        <p:spPr>
+          <a:xfrm>
+            <a:off x="1143225" y="685800"/>
+            <a:ext cx="4572225" cy="3429000"/>
+          </a:xfrm>
+          <a:custGeom>
+            <a:rect b="b" l="l" r="r" t="t"/>
+            <a:pathLst>
+              <a:path extrusionOk="0" h="120000" w="120000">
+                <a:moveTo>
+                  <a:pt x="0" y="0"/>
+                </a:moveTo>
+                <a:lnTo>
+                  <a:pt x="120000" y="0"/>
+                </a:lnTo>
+                <a:lnTo>
+                  <a:pt x="120000" y="120000"/>
+                </a:lnTo>
+                <a:lnTo>
+                  <a:pt x="0" y="120000"/>
+                </a:lnTo>
+                <a:close/>
+              </a:path>
+            </a:pathLst>
+          </a:custGeom>
+        </p:spPr>
+      </p:sp>
+    </p:spTree>
+  </p:cSld>
+  <p:clrMapOvr>
+    <a:masterClrMapping/>
+  </p:clrMapOvr>
+</p:notes>
+</file>
+
+<file path=ppt/notesSlides/notesSlide18.xml><?xml version="1.0" encoding="utf-8"?>
+<p:notes xmlns:a="http://schemas.openxmlformats.org/drawingml/2006/main" xmlns:r="http://schemas.openxmlformats.org/officeDocument/2006/relationships" xmlns:mc="http://schemas.openxmlformats.org/markup-compatibility/2006" xmlns:mv="urn:schemas-microsoft-com:mac:vml" xmlns:p="http://schemas.openxmlformats.org/presentationml/2006/main" xmlns:c="http://schemas.openxmlformats.org/drawingml/2006/chart" xmlns:dgm="http://schemas.openxmlformats.org/drawingml/2006/diagram" xmlns:o="urn:schemas-microsoft-com:office:office" xmlns:v="urn:schemas-microsoft-com:vml" xmlns:pvml="urn:schemas-microsoft-com:office:powerpoint" xmlns:com="http://schemas.openxmlformats.org/drawingml/2006/compatibility" xmlns:p14="http://schemas.microsoft.com/office/powerpoint/2010/main" xmlns:p15="http://schemas.microsoft.com/office/powerpoint/2012/main" xmlns:ahyp="http://schemas.microsoft.com/office/drawing/2018/hyperlinkcolor" showMasterPhAnim="0" showMasterSp="0">
+  <p:cSld>
+    <p:spTree>
+      <p:nvGrpSpPr>
+        <p:cNvPr id="166" name="Shape 166"/>
+        <p:cNvGrpSpPr/>
+        <p:nvPr/>
+      </p:nvGrpSpPr>
+      <p:grpSpPr>
+        <a:xfrm>
+          <a:off x="0" y="0"/>
+          <a:ext cx="0" cy="0"/>
+          <a:chOff x="0" y="0"/>
+          <a:chExt cx="0" cy="0"/>
+        </a:xfrm>
+      </p:grpSpPr>
+      <p:sp>
+        <p:nvSpPr>
+          <p:cNvPr id="167" name="Google Shape;167;p15:notes"/>
+          <p:cNvSpPr txBox="1"/>
+          <p:nvPr>
+            <p:ph idx="1" type="body"/>
+          </p:nvPr>
+        </p:nvSpPr>
+        <p:spPr>
+          <a:xfrm>
+            <a:off x="685800" y="4343400"/>
+            <a:ext cx="5486400" cy="4114800"/>
+          </a:xfrm>
+          <a:prstGeom prst="rect">
+            <a:avLst/>
+          </a:prstGeom>
+        </p:spPr>
+        <p:txBody>
+          <a:bodyPr anchorCtr="0" anchor="t" bIns="91425" lIns="91425" spcFirstLastPara="1" rIns="91425" wrap="square" tIns="91425">
+            <a:noAutofit/>
+          </a:bodyPr>
+          <a:lstStyle/>
+          <a:p>
+            <a:pPr indent="0" lvl="0" marL="0" rtl="0" algn="l">
+              <a:spcBef>
+                <a:spcPts val="0"/>
+              </a:spcBef>
+              <a:spcAft>
+                <a:spcPts val="0"/>
+              </a:spcAft>
+              <a:buNone/>
+            </a:pPr>
+            <a:r>
+              <a:t/>
+            </a:r>
+            <a:endParaRPr/>
+          </a:p>
+        </p:txBody>
+      </p:sp>
+      <p:sp>
+        <p:nvSpPr>
+          <p:cNvPr id="168" name="Google Shape;168;p15:notes"/>
           <p:cNvSpPr/>
           <p:nvPr>
             <p:ph idx="2" type="sldImg"/>
@@ -1994,7 +2094,7 @@
   <p:cSld>
     <p:spTree>
       <p:nvGrpSpPr>
-        <p:cNvPr id="87" name="Shape 87"/>
+        <p:cNvPr id="88" name="Shape 88"/>
         <p:cNvGrpSpPr/>
         <p:nvPr/>
       </p:nvGrpSpPr>
@@ -2008,7 +2108,7 @@
       </p:grpSpPr>
       <p:sp>
         <p:nvSpPr>
-          <p:cNvPr id="88" name="Google Shape;88;p8:notes"/>
+          <p:cNvPr id="89" name="Google Shape;89;p8:notes"/>
           <p:cNvSpPr txBox="1"/>
           <p:nvPr>
             <p:ph idx="1" type="body"/>
@@ -2047,7 +2147,7 @@
       </p:sp>
       <p:sp>
         <p:nvSpPr>
-          <p:cNvPr id="89" name="Google Shape;89;p8:notes"/>
+          <p:cNvPr id="90" name="Google Shape;90;p8:notes"/>
           <p:cNvSpPr/>
           <p:nvPr>
             <p:ph idx="2" type="sldImg"/>
@@ -2093,7 +2193,7 @@
   <p:cSld>
     <p:spTree>
       <p:nvGrpSpPr>
-        <p:cNvPr id="93" name="Shape 93"/>
+        <p:cNvPr id="94" name="Shape 94"/>
         <p:cNvGrpSpPr/>
         <p:nvPr/>
       </p:nvGrpSpPr>
@@ -2107,106 +2207,7 @@
       </p:grpSpPr>
       <p:sp>
         <p:nvSpPr>
-          <p:cNvPr id="94" name="Google Shape;94;p6:notes"/>
-          <p:cNvSpPr txBox="1"/>
-          <p:nvPr>
-            <p:ph idx="1" type="body"/>
-          </p:nvPr>
-        </p:nvSpPr>
-        <p:spPr>
-          <a:xfrm>
-            <a:off x="685800" y="4343400"/>
-            <a:ext cx="5486400" cy="4114800"/>
-          </a:xfrm>
-          <a:prstGeom prst="rect">
-            <a:avLst/>
-          </a:prstGeom>
-        </p:spPr>
-        <p:txBody>
-          <a:bodyPr anchorCtr="0" anchor="t" bIns="91425" lIns="91425" spcFirstLastPara="1" rIns="91425" wrap="square" tIns="91425">
-            <a:noAutofit/>
-          </a:bodyPr>
-          <a:lstStyle/>
-          <a:p>
-            <a:pPr indent="0" lvl="0" marL="0" rtl="0" algn="l">
-              <a:spcBef>
-                <a:spcPts val="0"/>
-              </a:spcBef>
-              <a:spcAft>
-                <a:spcPts val="0"/>
-              </a:spcAft>
-              <a:buNone/>
-            </a:pPr>
-            <a:r>
-              <a:t/>
-            </a:r>
-            <a:endParaRPr/>
-          </a:p>
-        </p:txBody>
-      </p:sp>
-      <p:sp>
-        <p:nvSpPr>
-          <p:cNvPr id="95" name="Google Shape;95;p6:notes"/>
-          <p:cNvSpPr/>
-          <p:nvPr>
-            <p:ph idx="2" type="sldImg"/>
-          </p:nvPr>
-        </p:nvSpPr>
-        <p:spPr>
-          <a:xfrm>
-            <a:off x="1143225" y="685800"/>
-            <a:ext cx="4572225" cy="3429000"/>
-          </a:xfrm>
-          <a:custGeom>
-            <a:rect b="b" l="l" r="r" t="t"/>
-            <a:pathLst>
-              <a:path extrusionOk="0" h="120000" w="120000">
-                <a:moveTo>
-                  <a:pt x="0" y="0"/>
-                </a:moveTo>
-                <a:lnTo>
-                  <a:pt x="120000" y="0"/>
-                </a:lnTo>
-                <a:lnTo>
-                  <a:pt x="120000" y="120000"/>
-                </a:lnTo>
-                <a:lnTo>
-                  <a:pt x="0" y="120000"/>
-                </a:lnTo>
-                <a:close/>
-              </a:path>
-            </a:pathLst>
-          </a:custGeom>
-        </p:spPr>
-      </p:sp>
-    </p:spTree>
-  </p:cSld>
-  <p:clrMapOvr>
-    <a:masterClrMapping/>
-  </p:clrMapOvr>
-</p:notes>
-</file>
-
-<file path=ppt/notesSlides/notesSlide8.xml><?xml version="1.0" encoding="utf-8"?>
-<p:notes xmlns:a="http://schemas.openxmlformats.org/drawingml/2006/main" xmlns:r="http://schemas.openxmlformats.org/officeDocument/2006/relationships" xmlns:mc="http://schemas.openxmlformats.org/markup-compatibility/2006" xmlns:mv="urn:schemas-microsoft-com:mac:vml" xmlns:p="http://schemas.openxmlformats.org/presentationml/2006/main" xmlns:c="http://schemas.openxmlformats.org/drawingml/2006/chart" xmlns:dgm="http://schemas.openxmlformats.org/drawingml/2006/diagram" xmlns:o="urn:schemas-microsoft-com:office:office" xmlns:v="urn:schemas-microsoft-com:vml" xmlns:pvml="urn:schemas-microsoft-com:office:powerpoint" xmlns:com="http://schemas.openxmlformats.org/drawingml/2006/compatibility" xmlns:p14="http://schemas.microsoft.com/office/powerpoint/2010/main" xmlns:p15="http://schemas.microsoft.com/office/powerpoint/2012/main" xmlns:ahyp="http://schemas.microsoft.com/office/drawing/2018/hyperlinkcolor" showMasterPhAnim="0" showMasterSp="0">
-  <p:cSld>
-    <p:spTree>
-      <p:nvGrpSpPr>
-        <p:cNvPr id="99" name="Shape 99"/>
-        <p:cNvGrpSpPr/>
-        <p:nvPr/>
-      </p:nvGrpSpPr>
-      <p:grpSpPr>
-        <a:xfrm>
-          <a:off x="0" y="0"/>
-          <a:ext cx="0" cy="0"/>
-          <a:chOff x="0" y="0"/>
-          <a:chExt cx="0" cy="0"/>
-        </a:xfrm>
-      </p:grpSpPr>
-      <p:sp>
-        <p:nvSpPr>
-          <p:cNvPr id="100" name="Google Shape;100;g313f73036cb_0_166:notes"/>
+          <p:cNvPr id="95" name="Google Shape;95;g313f73036cb_0_166:notes"/>
           <p:cNvSpPr/>
           <p:nvPr>
             <p:ph idx="2" type="sldImg"/>
@@ -2241,7 +2242,7 @@
       </p:sp>
       <p:sp>
         <p:nvSpPr>
-          <p:cNvPr id="101" name="Google Shape;101;g313f73036cb_0_166:notes"/>
+          <p:cNvPr id="96" name="Google Shape;96;g313f73036cb_0_166:notes"/>
           <p:cNvSpPr txBox="1"/>
           <p:nvPr>
             <p:ph idx="1" type="body"/>
@@ -2286,12 +2287,12 @@
 </p:notes>
 </file>
 
-<file path=ppt/notesSlides/notesSlide9.xml><?xml version="1.0" encoding="utf-8"?>
+<file path=ppt/notesSlides/notesSlide8.xml><?xml version="1.0" encoding="utf-8"?>
 <p:notes xmlns:a="http://schemas.openxmlformats.org/drawingml/2006/main" xmlns:r="http://schemas.openxmlformats.org/officeDocument/2006/relationships" xmlns:mc="http://schemas.openxmlformats.org/markup-compatibility/2006" xmlns:mv="urn:schemas-microsoft-com:mac:vml" xmlns:p="http://schemas.openxmlformats.org/presentationml/2006/main" xmlns:c="http://schemas.openxmlformats.org/drawingml/2006/chart" xmlns:dgm="http://schemas.openxmlformats.org/drawingml/2006/diagram" xmlns:o="urn:schemas-microsoft-com:office:office" xmlns:v="urn:schemas-microsoft-com:vml" xmlns:pvml="urn:schemas-microsoft-com:office:powerpoint" xmlns:com="http://schemas.openxmlformats.org/drawingml/2006/compatibility" xmlns:p14="http://schemas.microsoft.com/office/powerpoint/2010/main" xmlns:p15="http://schemas.microsoft.com/office/powerpoint/2012/main" xmlns:ahyp="http://schemas.microsoft.com/office/drawing/2018/hyperlinkcolor" showMasterPhAnim="0" showMasterSp="0">
   <p:cSld>
     <p:spTree>
       <p:nvGrpSpPr>
-        <p:cNvPr id="105" name="Shape 105"/>
+        <p:cNvPr id="100" name="Shape 100"/>
         <p:cNvGrpSpPr/>
         <p:nvPr/>
       </p:nvGrpSpPr>
@@ -2305,7 +2306,7 @@
       </p:grpSpPr>
       <p:sp>
         <p:nvSpPr>
-          <p:cNvPr id="106" name="Google Shape;106;g313f73036cb_0_183:notes"/>
+          <p:cNvPr id="101" name="Google Shape;101;g313f73036cb_0_183:notes"/>
           <p:cNvSpPr/>
           <p:nvPr>
             <p:ph idx="2" type="sldImg"/>
@@ -2340,7 +2341,106 @@
       </p:sp>
       <p:sp>
         <p:nvSpPr>
-          <p:cNvPr id="107" name="Google Shape;107;g313f73036cb_0_183:notes"/>
+          <p:cNvPr id="102" name="Google Shape;102;g313f73036cb_0_183:notes"/>
+          <p:cNvSpPr txBox="1"/>
+          <p:nvPr>
+            <p:ph idx="1" type="body"/>
+          </p:nvPr>
+        </p:nvSpPr>
+        <p:spPr>
+          <a:xfrm>
+            <a:off x="685800" y="4343400"/>
+            <a:ext cx="5486400" cy="4114800"/>
+          </a:xfrm>
+          <a:prstGeom prst="rect">
+            <a:avLst/>
+          </a:prstGeom>
+        </p:spPr>
+        <p:txBody>
+          <a:bodyPr anchorCtr="0" anchor="t" bIns="91425" lIns="91425" spcFirstLastPara="1" rIns="91425" wrap="square" tIns="91425">
+            <a:noAutofit/>
+          </a:bodyPr>
+          <a:lstStyle/>
+          <a:p>
+            <a:pPr indent="0" lvl="0" marL="0" rtl="0" algn="l">
+              <a:spcBef>
+                <a:spcPts val="0"/>
+              </a:spcBef>
+              <a:spcAft>
+                <a:spcPts val="0"/>
+              </a:spcAft>
+              <a:buNone/>
+            </a:pPr>
+            <a:r>
+              <a:t/>
+            </a:r>
+            <a:endParaRPr/>
+          </a:p>
+        </p:txBody>
+      </p:sp>
+    </p:spTree>
+  </p:cSld>
+  <p:clrMapOvr>
+    <a:masterClrMapping/>
+  </p:clrMapOvr>
+</p:notes>
+</file>
+
+<file path=ppt/notesSlides/notesSlide9.xml><?xml version="1.0" encoding="utf-8"?>
+<p:notes xmlns:a="http://schemas.openxmlformats.org/drawingml/2006/main" xmlns:r="http://schemas.openxmlformats.org/officeDocument/2006/relationships" xmlns:mc="http://schemas.openxmlformats.org/markup-compatibility/2006" xmlns:mv="urn:schemas-microsoft-com:mac:vml" xmlns:p="http://schemas.openxmlformats.org/presentationml/2006/main" xmlns:c="http://schemas.openxmlformats.org/drawingml/2006/chart" xmlns:dgm="http://schemas.openxmlformats.org/drawingml/2006/diagram" xmlns:o="urn:schemas-microsoft-com:office:office" xmlns:v="urn:schemas-microsoft-com:vml" xmlns:pvml="urn:schemas-microsoft-com:office:powerpoint" xmlns:com="http://schemas.openxmlformats.org/drawingml/2006/compatibility" xmlns:p14="http://schemas.microsoft.com/office/powerpoint/2010/main" xmlns:p15="http://schemas.microsoft.com/office/powerpoint/2012/main" xmlns:ahyp="http://schemas.microsoft.com/office/drawing/2018/hyperlinkcolor" showMasterPhAnim="0" showMasterSp="0">
+  <p:cSld>
+    <p:spTree>
+      <p:nvGrpSpPr>
+        <p:cNvPr id="106" name="Shape 106"/>
+        <p:cNvGrpSpPr/>
+        <p:nvPr/>
+      </p:nvGrpSpPr>
+      <p:grpSpPr>
+        <a:xfrm>
+          <a:off x="0" y="0"/>
+          <a:ext cx="0" cy="0"/>
+          <a:chOff x="0" y="0"/>
+          <a:chExt cx="0" cy="0"/>
+        </a:xfrm>
+      </p:grpSpPr>
+      <p:sp>
+        <p:nvSpPr>
+          <p:cNvPr id="107" name="Google Shape;107;g313f73036cb_0_201:notes"/>
+          <p:cNvSpPr/>
+          <p:nvPr>
+            <p:ph idx="2" type="sldImg"/>
+          </p:nvPr>
+        </p:nvSpPr>
+        <p:spPr>
+          <a:xfrm>
+            <a:off x="1143225" y="685800"/>
+            <a:ext cx="4572300" cy="3429000"/>
+          </a:xfrm>
+          <a:custGeom>
+            <a:rect b="b" l="l" r="r" t="t"/>
+            <a:pathLst>
+              <a:path extrusionOk="0" h="120000" w="120000">
+                <a:moveTo>
+                  <a:pt x="0" y="0"/>
+                </a:moveTo>
+                <a:lnTo>
+                  <a:pt x="120000" y="0"/>
+                </a:lnTo>
+                <a:lnTo>
+                  <a:pt x="120000" y="120000"/>
+                </a:lnTo>
+                <a:lnTo>
+                  <a:pt x="0" y="120000"/>
+                </a:lnTo>
+                <a:close/>
+              </a:path>
+            </a:pathLst>
+          </a:custGeom>
+        </p:spPr>
+      </p:sp>
+      <p:sp>
+        <p:nvSpPr>
+          <p:cNvPr id="108" name="Google Shape;108;g313f73036cb_0_201:notes"/>
           <p:cNvSpPr txBox="1"/>
           <p:nvPr>
             <p:ph idx="1" type="body"/>
@@ -7799,7 +7899,7 @@
   <p:cSld>
     <p:spTree>
       <p:nvGrpSpPr>
-        <p:cNvPr id="114" name="Shape 114"/>
+        <p:cNvPr id="115" name="Shape 115"/>
         <p:cNvGrpSpPr/>
         <p:nvPr/>
       </p:nvGrpSpPr>
@@ -7813,340 +7913,7 @@
       </p:grpSpPr>
       <p:sp>
         <p:nvSpPr>
-          <p:cNvPr id="115" name="Google Shape;115;g313f73036cb_0_201"/>
-          <p:cNvSpPr txBox="1"/>
-          <p:nvPr>
-            <p:ph type="title"/>
-          </p:nvPr>
-        </p:nvSpPr>
-        <p:spPr>
-          <a:xfrm>
-            <a:off x="415600" y="593367"/>
-            <a:ext cx="11360700" cy="763500"/>
-          </a:xfrm>
-          <a:prstGeom prst="rect">
-            <a:avLst/>
-          </a:prstGeom>
-        </p:spPr>
-        <p:txBody>
-          <a:bodyPr anchorCtr="0" anchor="t" bIns="121900" lIns="121900" spcFirstLastPara="1" rIns="121900" wrap="square" tIns="121900">
-            <a:normAutofit fontScale="90000"/>
-          </a:bodyPr>
-          <a:lstStyle/>
-          <a:p>
-            <a:pPr indent="0" lvl="0" marL="0" rtl="0" algn="l">
-              <a:spcBef>
-                <a:spcPts val="0"/>
-              </a:spcBef>
-              <a:spcAft>
-                <a:spcPts val="0"/>
-              </a:spcAft>
-              <a:buNone/>
-            </a:pPr>
-            <a:r>
-              <a:rPr lang="en-US"/>
-              <a:t>Model Selection: </a:t>
-            </a:r>
-            <a:r>
-              <a:rPr lang="en-US" sz="3600">
-                <a:solidFill>
-                  <a:srgbClr val="FFFFFF"/>
-                </a:solidFill>
-              </a:rPr>
-              <a:t>K-Nearest Neighbors</a:t>
-            </a:r>
-            <a:endParaRPr/>
-          </a:p>
-        </p:txBody>
-      </p:sp>
-      <p:sp>
-        <p:nvSpPr>
-          <p:cNvPr id="116" name="Google Shape;116;g313f73036cb_0_201"/>
-          <p:cNvSpPr txBox="1"/>
-          <p:nvPr>
-            <p:ph idx="1" type="body"/>
-          </p:nvPr>
-        </p:nvSpPr>
-        <p:spPr>
-          <a:xfrm>
-            <a:off x="415600" y="1536633"/>
-            <a:ext cx="11360700" cy="4555200"/>
-          </a:xfrm>
-          <a:prstGeom prst="rect">
-            <a:avLst/>
-          </a:prstGeom>
-        </p:spPr>
-        <p:txBody>
-          <a:bodyPr anchorCtr="0" anchor="t" bIns="121900" lIns="121900" spcFirstLastPara="1" rIns="121900" wrap="square" tIns="121900">
-            <a:normAutofit/>
-          </a:bodyPr>
-          <a:lstStyle/>
-          <a:p>
-            <a:pPr indent="-381000" lvl="0" marL="457200" rtl="0" algn="l">
-              <a:lnSpc>
-                <a:spcPct val="115000"/>
-              </a:lnSpc>
-              <a:spcBef>
-                <a:spcPts val="0"/>
-              </a:spcBef>
-              <a:spcAft>
-                <a:spcPts val="0"/>
-              </a:spcAft>
-              <a:buSzPts val="2400"/>
-              <a:buChar char="●"/>
-            </a:pPr>
-            <a:r>
-              <a:rPr lang="en-US">
-                <a:solidFill>
-                  <a:srgbClr val="CACACA"/>
-                </a:solidFill>
-              </a:rPr>
-              <a:t>Interpretable and simple to understand, based on data point similarity</a:t>
-            </a:r>
-            <a:endParaRPr>
-              <a:solidFill>
-                <a:srgbClr val="CACACA"/>
-              </a:solidFill>
-            </a:endParaRPr>
-          </a:p>
-          <a:p>
-            <a:pPr indent="-381000" lvl="0" marL="457200" rtl="0" algn="l">
-              <a:lnSpc>
-                <a:spcPct val="115000"/>
-              </a:lnSpc>
-              <a:spcBef>
-                <a:spcPts val="0"/>
-              </a:spcBef>
-              <a:spcAft>
-                <a:spcPts val="0"/>
-              </a:spcAft>
-              <a:buSzPts val="2400"/>
-              <a:buChar char="●"/>
-            </a:pPr>
-            <a:r>
-              <a:rPr lang="en-US">
-                <a:solidFill>
-                  <a:srgbClr val="CACACA"/>
-                </a:solidFill>
-              </a:rPr>
-              <a:t>Works without assumptions about data distribution</a:t>
-            </a:r>
-            <a:endParaRPr>
-              <a:solidFill>
-                <a:srgbClr val="CACACA"/>
-              </a:solidFill>
-            </a:endParaRPr>
-          </a:p>
-          <a:p>
-            <a:pPr indent="-381000" lvl="0" marL="457200" rtl="0" algn="l">
-              <a:lnSpc>
-                <a:spcPct val="115000"/>
-              </a:lnSpc>
-              <a:spcBef>
-                <a:spcPts val="0"/>
-              </a:spcBef>
-              <a:spcAft>
-                <a:spcPts val="0"/>
-              </a:spcAft>
-              <a:buSzPts val="2400"/>
-              <a:buChar char="●"/>
-            </a:pPr>
-            <a:r>
-              <a:rPr lang="en-US">
-                <a:solidFill>
-                  <a:srgbClr val="CACACA"/>
-                </a:solidFill>
-              </a:rPr>
-              <a:t>Effective at capturing local patterns in data</a:t>
-            </a:r>
-            <a:endParaRPr>
-              <a:solidFill>
-                <a:srgbClr val="CACACA"/>
-              </a:solidFill>
-            </a:endParaRPr>
-          </a:p>
-          <a:p>
-            <a:pPr indent="-381000" lvl="0" marL="457200" rtl="0" algn="l">
-              <a:lnSpc>
-                <a:spcPct val="115000"/>
-              </a:lnSpc>
-              <a:spcBef>
-                <a:spcPts val="0"/>
-              </a:spcBef>
-              <a:spcAft>
-                <a:spcPts val="0"/>
-              </a:spcAft>
-              <a:buSzPts val="2400"/>
-              <a:buChar char="●"/>
-            </a:pPr>
-            <a:r>
-              <a:rPr lang="en-US">
-                <a:solidFill>
-                  <a:srgbClr val="CACACA"/>
-                </a:solidFill>
-              </a:rPr>
-              <a:t>Requires feature scaling due to sensitivity to distance</a:t>
-            </a:r>
-            <a:endParaRPr>
-              <a:solidFill>
-                <a:srgbClr val="CACACA"/>
-              </a:solidFill>
-            </a:endParaRPr>
-          </a:p>
-          <a:p>
-            <a:pPr indent="-381000" lvl="0" marL="457200" rtl="0" algn="l">
-              <a:lnSpc>
-                <a:spcPct val="115000"/>
-              </a:lnSpc>
-              <a:spcBef>
-                <a:spcPts val="0"/>
-              </a:spcBef>
-              <a:spcAft>
-                <a:spcPts val="0"/>
-              </a:spcAft>
-              <a:buSzPts val="2400"/>
-              <a:buChar char="●"/>
-            </a:pPr>
-            <a:r>
-              <a:rPr lang="en-US">
-                <a:solidFill>
-                  <a:srgbClr val="CACACA"/>
-                </a:solidFill>
-              </a:rPr>
-              <a:t>Depends heavily on the choice of K, often optimized through cross-validation</a:t>
-            </a:r>
-            <a:endParaRPr>
-              <a:solidFill>
-                <a:srgbClr val="CACACA"/>
-              </a:solidFill>
-            </a:endParaRPr>
-          </a:p>
-          <a:p>
-            <a:pPr indent="-381000" lvl="0" marL="457200" rtl="0" algn="l">
-              <a:lnSpc>
-                <a:spcPct val="115000"/>
-              </a:lnSpc>
-              <a:spcBef>
-                <a:spcPts val="0"/>
-              </a:spcBef>
-              <a:spcAft>
-                <a:spcPts val="0"/>
-              </a:spcAft>
-              <a:buSzPts val="2400"/>
-              <a:buChar char="●"/>
-            </a:pPr>
-            <a:r>
-              <a:rPr lang="en-US">
-                <a:solidFill>
-                  <a:srgbClr val="CACACA"/>
-                </a:solidFill>
-              </a:rPr>
-              <a:t>Computationally intensive for larger datasets</a:t>
-            </a:r>
-            <a:endParaRPr>
-              <a:solidFill>
-                <a:srgbClr val="CACACA"/>
-              </a:solidFill>
-            </a:endParaRPr>
-          </a:p>
-          <a:p>
-            <a:pPr indent="0" lvl="0" marL="0" rtl="0" algn="l">
-              <a:lnSpc>
-                <a:spcPct val="115000"/>
-              </a:lnSpc>
-              <a:spcBef>
-                <a:spcPts val="0"/>
-              </a:spcBef>
-              <a:spcAft>
-                <a:spcPts val="0"/>
-              </a:spcAft>
-              <a:buNone/>
-            </a:pPr>
-            <a:r>
-              <a:t/>
-            </a:r>
-            <a:endParaRPr>
-              <a:solidFill>
-                <a:srgbClr val="CACACA"/>
-              </a:solidFill>
-              <a:latin typeface="Arial"/>
-              <a:ea typeface="Arial"/>
-              <a:cs typeface="Arial"/>
-              <a:sym typeface="Arial"/>
-            </a:endParaRPr>
-          </a:p>
-          <a:p>
-            <a:pPr indent="0" lvl="0" marL="0" rtl="0" algn="l">
-              <a:lnSpc>
-                <a:spcPct val="115000"/>
-              </a:lnSpc>
-              <a:spcBef>
-                <a:spcPts val="0"/>
-              </a:spcBef>
-              <a:spcAft>
-                <a:spcPts val="0"/>
-              </a:spcAft>
-              <a:buNone/>
-            </a:pPr>
-            <a:r>
-              <a:rPr lang="en-US">
-                <a:solidFill>
-                  <a:srgbClr val="CACACA"/>
-                </a:solidFill>
-              </a:rPr>
-              <a:t>But computationally expensive for calculating distances and fine-tuning the optimal K</a:t>
-            </a:r>
-            <a:endParaRPr>
-              <a:solidFill>
-                <a:srgbClr val="CACACA"/>
-              </a:solidFill>
-            </a:endParaRPr>
-          </a:p>
-          <a:p>
-            <a:pPr indent="0" lvl="0" marL="0" rtl="0" algn="l">
-              <a:spcBef>
-                <a:spcPts val="0"/>
-              </a:spcBef>
-              <a:spcAft>
-                <a:spcPts val="1000"/>
-              </a:spcAft>
-              <a:buNone/>
-            </a:pPr>
-            <a:r>
-              <a:t/>
-            </a:r>
-            <a:endParaRPr/>
-          </a:p>
-        </p:txBody>
-      </p:sp>
-    </p:spTree>
-  </p:cSld>
-  <p:clrMapOvr>
-    <a:masterClrMapping/>
-  </p:clrMapOvr>
-</p:sld>
-</file>
-
-<file path=ppt/slides/slide11.xml><?xml version="1.0" encoding="utf-8"?>
-<p:sld xmlns:a="http://schemas.openxmlformats.org/drawingml/2006/main" xmlns:r="http://schemas.openxmlformats.org/officeDocument/2006/relationships" xmlns:mc="http://schemas.openxmlformats.org/markup-compatibility/2006" xmlns:mv="urn:schemas-microsoft-com:mac:vml" xmlns:p="http://schemas.openxmlformats.org/presentationml/2006/main" xmlns:c="http://schemas.openxmlformats.org/drawingml/2006/chart" xmlns:dgm="http://schemas.openxmlformats.org/drawingml/2006/diagram" xmlns:o="urn:schemas-microsoft-com:office:office" xmlns:v="urn:schemas-microsoft-com:vml" xmlns:pvml="urn:schemas-microsoft-com:office:powerpoint" xmlns:com="http://schemas.openxmlformats.org/drawingml/2006/compatibility" xmlns:p14="http://schemas.microsoft.com/office/powerpoint/2010/main" xmlns:p15="http://schemas.microsoft.com/office/powerpoint/2012/main" xmlns:ahyp="http://schemas.microsoft.com/office/drawing/2018/hyperlinkcolor">
-  <p:cSld>
-    <p:spTree>
-      <p:nvGrpSpPr>
-        <p:cNvPr id="120" name="Shape 120"/>
-        <p:cNvGrpSpPr/>
-        <p:nvPr/>
-      </p:nvGrpSpPr>
-      <p:grpSpPr>
-        <a:xfrm>
-          <a:off x="0" y="0"/>
-          <a:ext cx="0" cy="0"/>
-          <a:chOff x="0" y="0"/>
-          <a:chExt cx="0" cy="0"/>
-        </a:xfrm>
-      </p:grpSpPr>
-      <p:sp>
-        <p:nvSpPr>
-          <p:cNvPr id="121" name="Google Shape;121;p9"/>
+          <p:cNvPr id="116" name="Google Shape;116;p9"/>
           <p:cNvSpPr txBox="1"/>
           <p:nvPr>
             <p:ph type="title"/>
@@ -8195,7 +7962,7 @@
       </p:sp>
       <p:sp>
         <p:nvSpPr>
-          <p:cNvPr id="122" name="Google Shape;122;p9"/>
+          <p:cNvPr id="117" name="Google Shape;117;p9"/>
           <p:cNvSpPr txBox="1"/>
           <p:nvPr>
             <p:ph idx="1" type="body"/>
@@ -8280,12 +8047,12 @@
 </p:sld>
 </file>
 
-<file path=ppt/slides/slide12.xml><?xml version="1.0" encoding="utf-8"?>
+<file path=ppt/slides/slide11.xml><?xml version="1.0" encoding="utf-8"?>
 <p:sld xmlns:a="http://schemas.openxmlformats.org/drawingml/2006/main" xmlns:r="http://schemas.openxmlformats.org/officeDocument/2006/relationships" xmlns:mc="http://schemas.openxmlformats.org/markup-compatibility/2006" xmlns:mv="urn:schemas-microsoft-com:mac:vml" xmlns:p="http://schemas.openxmlformats.org/presentationml/2006/main" xmlns:c="http://schemas.openxmlformats.org/drawingml/2006/chart" xmlns:dgm="http://schemas.openxmlformats.org/drawingml/2006/diagram" xmlns:o="urn:schemas-microsoft-com:office:office" xmlns:v="urn:schemas-microsoft-com:vml" xmlns:pvml="urn:schemas-microsoft-com:office:powerpoint" xmlns:com="http://schemas.openxmlformats.org/drawingml/2006/compatibility" xmlns:p14="http://schemas.microsoft.com/office/powerpoint/2010/main" xmlns:p15="http://schemas.microsoft.com/office/powerpoint/2012/main" xmlns:ahyp="http://schemas.microsoft.com/office/drawing/2018/hyperlinkcolor">
   <p:cSld>
     <p:spTree>
       <p:nvGrpSpPr>
-        <p:cNvPr id="126" name="Shape 126"/>
+        <p:cNvPr id="121" name="Shape 121"/>
         <p:cNvGrpSpPr/>
         <p:nvPr/>
       </p:nvGrpSpPr>
@@ -8299,7 +8066,7 @@
       </p:grpSpPr>
       <p:sp>
         <p:nvSpPr>
-          <p:cNvPr id="127" name="Google Shape;127;g313f73036cb_0_208"/>
+          <p:cNvPr id="122" name="Google Shape;122;g313f73036cb_0_208"/>
           <p:cNvSpPr txBox="1"/>
           <p:nvPr>
             <p:ph type="title"/>
@@ -8344,7 +8111,7 @@
       </p:sp>
       <p:sp>
         <p:nvSpPr>
-          <p:cNvPr id="128" name="Google Shape;128;g313f73036cb_0_208"/>
+          <p:cNvPr id="123" name="Google Shape;123;g313f73036cb_0_208"/>
           <p:cNvSpPr txBox="1"/>
           <p:nvPr>
             <p:ph idx="1" type="body"/>
@@ -8380,7 +8147,7 @@
             </a:r>
             <a:r>
               <a:rPr lang="en-US" sz="2400"/>
-              <a:t> Decision Trees</a:t>
+              <a:t> Decision Tree</a:t>
             </a:r>
             <a:endParaRPr sz="1900"/>
           </a:p>
@@ -8397,7 +8164,7 @@
             </a:pPr>
             <a:r>
               <a:rPr lang="en-US" sz="2400"/>
-              <a:t>Accuracy (70%)</a:t>
+              <a:t>Accuracy (73%)</a:t>
             </a:r>
             <a:endParaRPr sz="2400"/>
           </a:p>
@@ -8414,7 +8181,7 @@
             </a:pPr>
             <a:r>
               <a:rPr lang="en-US" sz="2400"/>
-              <a:t>Precision (70%)</a:t>
+              <a:t>Precision (73%)</a:t>
             </a:r>
             <a:endParaRPr sz="2400"/>
           </a:p>
@@ -8431,7 +8198,7 @@
             </a:pPr>
             <a:r>
               <a:rPr lang="en-US" sz="2400"/>
-              <a:t>Recall (70%)</a:t>
+              <a:t>Recall (73%)</a:t>
             </a:r>
             <a:endParaRPr sz="2400"/>
           </a:p>
@@ -8448,7 +8215,7 @@
             </a:pPr>
             <a:r>
               <a:rPr lang="en-US" sz="2400"/>
-              <a:t>F1 Score (70%).</a:t>
+              <a:t>F1 Score (73%).</a:t>
             </a:r>
             <a:endParaRPr sz="2400"/>
           </a:p>
@@ -8486,7 +8253,7 @@
       </p:sp>
       <p:sp>
         <p:nvSpPr>
-          <p:cNvPr id="129" name="Google Shape;129;g313f73036cb_0_208"/>
+          <p:cNvPr id="124" name="Google Shape;124;g313f73036cb_0_208"/>
           <p:cNvSpPr txBox="1"/>
           <p:nvPr>
             <p:ph idx="1" type="body"/>
@@ -8539,7 +8306,7 @@
             </a:pPr>
             <a:r>
               <a:rPr lang="en-US" sz="2400"/>
-              <a:t>Accuracy (63%)</a:t>
+              <a:t>Accuracy (66%)</a:t>
             </a:r>
             <a:endParaRPr sz="2400"/>
           </a:p>
@@ -8556,7 +8323,7 @@
             </a:pPr>
             <a:r>
               <a:rPr lang="en-US" sz="2400"/>
-              <a:t>Precision (62%)</a:t>
+              <a:t>Precision (66%)</a:t>
             </a:r>
             <a:endParaRPr sz="2400"/>
           </a:p>
@@ -8573,7 +8340,7 @@
             </a:pPr>
             <a:r>
               <a:rPr lang="en-US" sz="2400"/>
-              <a:t>Recall (63%)</a:t>
+              <a:t>Recall (66%)</a:t>
             </a:r>
             <a:endParaRPr sz="2400"/>
           </a:p>
@@ -8590,7 +8357,7 @@
             </a:pPr>
             <a:r>
               <a:rPr lang="en-US" sz="2400"/>
-              <a:t>F1 Score (63%).</a:t>
+              <a:t>F1 Score (66%).</a:t>
             </a:r>
             <a:endParaRPr sz="2400"/>
           </a:p>
@@ -8613,7 +8380,7 @@
       </p:sp>
       <p:sp>
         <p:nvSpPr>
-          <p:cNvPr id="130" name="Google Shape;130;g313f73036cb_0_208"/>
+          <p:cNvPr id="125" name="Google Shape;125;g313f73036cb_0_208"/>
           <p:cNvSpPr txBox="1"/>
           <p:nvPr>
             <p:ph idx="1" type="body"/>
@@ -8676,7 +8443,7 @@
                   <a:srgbClr val="CACACA"/>
                 </a:solidFill>
               </a:rPr>
-              <a:t>●</a:t>
+              <a:t>● </a:t>
             </a:r>
             <a:r>
               <a:rPr lang="en-US" sz="2400">
@@ -8684,7 +8451,7 @@
                   <a:srgbClr val="CACACA"/>
                 </a:solidFill>
               </a:rPr>
-              <a:t>Accuracy (62%)</a:t>
+              <a:t>Accuracy (65%)</a:t>
             </a:r>
             <a:endParaRPr sz="2400">
               <a:solidFill>
@@ -8711,7 +8478,7 @@
                   <a:srgbClr val="CACACA"/>
                 </a:solidFill>
               </a:rPr>
-              <a:t>●</a:t>
+              <a:t>● </a:t>
             </a:r>
             <a:r>
               <a:rPr lang="en-US" sz="2400">
@@ -8719,7 +8486,7 @@
                   <a:srgbClr val="CACACA"/>
                 </a:solidFill>
               </a:rPr>
-              <a:t>Precision (61%)</a:t>
+              <a:t>Precision (65%)</a:t>
             </a:r>
             <a:endParaRPr sz="2400">
               <a:solidFill>
@@ -8746,7 +8513,7 @@
                   <a:srgbClr val="CACACA"/>
                 </a:solidFill>
               </a:rPr>
-              <a:t>●</a:t>
+              <a:t>● </a:t>
             </a:r>
             <a:r>
               <a:rPr lang="en-US" sz="2400">
@@ -8754,7 +8521,7 @@
                   <a:srgbClr val="CACACA"/>
                 </a:solidFill>
               </a:rPr>
-              <a:t>Recall (62%)</a:t>
+              <a:t>Recall (65%)</a:t>
             </a:r>
             <a:endParaRPr sz="2400">
               <a:solidFill>
@@ -8781,7 +8548,7 @@
                   <a:srgbClr val="CACACA"/>
                 </a:solidFill>
               </a:rPr>
-              <a:t>●</a:t>
+              <a:t>● </a:t>
             </a:r>
             <a:r>
               <a:rPr lang="en-US" sz="2400">
@@ -8789,7 +8556,7 @@
                   <a:srgbClr val="CACACA"/>
                 </a:solidFill>
               </a:rPr>
-              <a:t>F1 Score (61%).</a:t>
+              <a:t>F1 Score (65%).</a:t>
             </a:r>
             <a:endParaRPr sz="2400">
               <a:solidFill>
@@ -8837,12 +8604,12 @@
 </p:sld>
 </file>
 
-<file path=ppt/slides/slide13.xml><?xml version="1.0" encoding="utf-8"?>
+<file path=ppt/slides/slide12.xml><?xml version="1.0" encoding="utf-8"?>
 <p:sld xmlns:a="http://schemas.openxmlformats.org/drawingml/2006/main" xmlns:r="http://schemas.openxmlformats.org/officeDocument/2006/relationships" xmlns:mc="http://schemas.openxmlformats.org/markup-compatibility/2006" xmlns:mv="urn:schemas-microsoft-com:mac:vml" xmlns:p="http://schemas.openxmlformats.org/presentationml/2006/main" xmlns:c="http://schemas.openxmlformats.org/drawingml/2006/chart" xmlns:dgm="http://schemas.openxmlformats.org/drawingml/2006/diagram" xmlns:o="urn:schemas-microsoft-com:office:office" xmlns:v="urn:schemas-microsoft-com:vml" xmlns:pvml="urn:schemas-microsoft-com:office:powerpoint" xmlns:com="http://schemas.openxmlformats.org/drawingml/2006/compatibility" xmlns:p14="http://schemas.microsoft.com/office/powerpoint/2010/main" xmlns:p15="http://schemas.microsoft.com/office/powerpoint/2012/main" xmlns:ahyp="http://schemas.microsoft.com/office/drawing/2018/hyperlinkcolor">
   <p:cSld>
     <p:spTree>
       <p:nvGrpSpPr>
-        <p:cNvPr id="134" name="Shape 134"/>
+        <p:cNvPr id="129" name="Shape 129"/>
         <p:cNvGrpSpPr/>
         <p:nvPr/>
       </p:nvGrpSpPr>
@@ -8856,7 +8623,7 @@
       </p:grpSpPr>
       <p:sp>
         <p:nvSpPr>
-          <p:cNvPr id="135" name="Google Shape;135;p11"/>
+          <p:cNvPr id="130" name="Google Shape;130;p11"/>
           <p:cNvSpPr txBox="1"/>
           <p:nvPr>
             <p:ph type="title"/>
@@ -8897,7 +8664,7 @@
             </a:pPr>
             <a:r>
               <a:rPr lang="en-US"/>
-              <a:t>Results</a:t>
+              <a:t>Results I: Decision Tree </a:t>
             </a:r>
             <a:endParaRPr/>
           </a:p>
@@ -8905,7 +8672,7 @@
       </p:sp>
       <p:sp>
         <p:nvSpPr>
-          <p:cNvPr id="136" name="Google Shape;136;p11"/>
+          <p:cNvPr id="131" name="Google Shape;131;p11"/>
           <p:cNvSpPr txBox="1"/>
           <p:nvPr>
             <p:ph idx="1" type="body"/>
@@ -8942,7 +8709,7 @@
             </a:pPr>
             <a:r>
               <a:rPr lang="en-US"/>
-              <a:t>Feature Importance: seatsRemaining, totalTravelDistance.</a:t>
+              <a:t>Feature Importance: totalTravelDistance, daysBeforeFlight</a:t>
             </a:r>
             <a:endParaRPr/>
           </a:p>
@@ -8959,26 +8726,180 @@
             </a:pPr>
             <a:r>
               <a:rPr lang="en-US"/>
-              <a:t>Confusion Matrix: Performance across price categories.</a:t>
+              <a:t>Confusion Matrix: Performance across different price categories.</a:t>
             </a:r>
             <a:endParaRPr/>
           </a:p>
-          <a:p>
-            <a:pPr indent="-393700" lvl="0" marL="342900" rtl="0" algn="l">
-              <a:spcBef>
-                <a:spcPts val="1000"/>
-              </a:spcBef>
-              <a:spcAft>
-                <a:spcPts val="0"/>
-              </a:spcAft>
-              <a:buSzPts val="2400"/>
-              <a:buChar char="●"/>
-            </a:pPr>
-            <a:r>
-              <a:rPr lang="en-US"/>
-              <a:t>Comparing the results of three models, Decision Tree provides the best results</a:t>
-            </a:r>
-            <a:endParaRPr/>
+        </p:txBody>
+      </p:sp>
+      <p:pic>
+        <p:nvPicPr>
+          <p:cNvPr id="132" name="Google Shape;132;p11"/>
+          <p:cNvPicPr preferRelativeResize="0"/>
+          <p:nvPr/>
+        </p:nvPicPr>
+        <p:blipFill rotWithShape="1">
+          <a:blip r:embed="rId3">
+            <a:alphaModFix/>
+          </a:blip>
+          <a:srcRect b="0" l="0" r="3688" t="0"/>
+          <a:stretch/>
+        </p:blipFill>
+        <p:spPr>
+          <a:xfrm>
+            <a:off x="1357250" y="3097826"/>
+            <a:ext cx="4265892" cy="2750225"/>
+          </a:xfrm>
+          <a:prstGeom prst="rect">
+            <a:avLst/>
+          </a:prstGeom>
+          <a:noFill/>
+          <a:ln>
+            <a:noFill/>
+          </a:ln>
+        </p:spPr>
+      </p:pic>
+      <p:pic>
+        <p:nvPicPr>
+          <p:cNvPr id="133" name="Google Shape;133;p11"/>
+          <p:cNvPicPr preferRelativeResize="0"/>
+          <p:nvPr/>
+        </p:nvPicPr>
+        <p:blipFill>
+          <a:blip r:embed="rId4">
+            <a:alphaModFix/>
+          </a:blip>
+          <a:stretch>
+            <a:fillRect/>
+          </a:stretch>
+        </p:blipFill>
+        <p:spPr>
+          <a:xfrm>
+            <a:off x="7101175" y="2969212"/>
+            <a:ext cx="3948225" cy="2955038"/>
+          </a:xfrm>
+          <a:prstGeom prst="rect">
+            <a:avLst/>
+          </a:prstGeom>
+          <a:noFill/>
+          <a:ln>
+            <a:noFill/>
+          </a:ln>
+        </p:spPr>
+      </p:pic>
+      <p:sp>
+        <p:nvSpPr>
+          <p:cNvPr id="134" name="Google Shape;134;p11"/>
+          <p:cNvSpPr txBox="1"/>
+          <p:nvPr/>
+        </p:nvSpPr>
+        <p:spPr>
+          <a:xfrm>
+            <a:off x="7443288" y="6009925"/>
+            <a:ext cx="3264000" cy="393600"/>
+          </a:xfrm>
+          <a:prstGeom prst="rect">
+            <a:avLst/>
+          </a:prstGeom>
+          <a:noFill/>
+          <a:ln>
+            <a:noFill/>
+          </a:ln>
+        </p:spPr>
+        <p:txBody>
+          <a:bodyPr anchorCtr="0" anchor="t" bIns="91425" lIns="91425" spcFirstLastPara="1" rIns="91425" wrap="square" tIns="91425">
+            <a:noAutofit/>
+          </a:bodyPr>
+          <a:lstStyle/>
+          <a:p>
+            <a:pPr indent="0" lvl="0" marL="0" rtl="0" algn="ctr">
+              <a:spcBef>
+                <a:spcPts val="0"/>
+              </a:spcBef>
+              <a:spcAft>
+                <a:spcPts val="0"/>
+              </a:spcAft>
+              <a:buNone/>
+            </a:pPr>
+            <a:r>
+              <a:rPr lang="en-US" sz="1600">
+                <a:solidFill>
+                  <a:schemeClr val="accent3"/>
+                </a:solidFill>
+                <a:latin typeface="Average"/>
+                <a:ea typeface="Average"/>
+                <a:cs typeface="Average"/>
+                <a:sym typeface="Average"/>
+              </a:rPr>
+              <a:t>Fig. 3 Architecture Diagram</a:t>
+            </a:r>
+            <a:endParaRPr sz="1600">
+              <a:solidFill>
+                <a:schemeClr val="accent3"/>
+              </a:solidFill>
+              <a:latin typeface="Average"/>
+              <a:ea typeface="Average"/>
+              <a:cs typeface="Average"/>
+              <a:sym typeface="Average"/>
+            </a:endParaRPr>
+          </a:p>
+        </p:txBody>
+      </p:sp>
+      <p:sp>
+        <p:nvSpPr>
+          <p:cNvPr id="135" name="Google Shape;135;p11"/>
+          <p:cNvSpPr txBox="1"/>
+          <p:nvPr/>
+        </p:nvSpPr>
+        <p:spPr>
+          <a:xfrm>
+            <a:off x="1858188" y="6009925"/>
+            <a:ext cx="3264000" cy="393600"/>
+          </a:xfrm>
+          <a:prstGeom prst="rect">
+            <a:avLst/>
+          </a:prstGeom>
+          <a:noFill/>
+          <a:ln>
+            <a:noFill/>
+          </a:ln>
+        </p:spPr>
+        <p:txBody>
+          <a:bodyPr anchorCtr="0" anchor="t" bIns="91425" lIns="91425" spcFirstLastPara="1" rIns="91425" wrap="square" tIns="91425">
+            <a:noAutofit/>
+          </a:bodyPr>
+          <a:lstStyle/>
+          <a:p>
+            <a:pPr indent="0" lvl="0" marL="0" rtl="0" algn="ctr">
+              <a:spcBef>
+                <a:spcPts val="0"/>
+              </a:spcBef>
+              <a:spcAft>
+                <a:spcPts val="0"/>
+              </a:spcAft>
+              <a:buNone/>
+            </a:pPr>
+            <a:r>
+              <a:rPr lang="en-US" sz="1600">
+                <a:solidFill>
+                  <a:schemeClr val="accent3"/>
+                </a:solidFill>
+                <a:latin typeface="Average"/>
+                <a:ea typeface="Average"/>
+                <a:cs typeface="Average"/>
+                <a:sym typeface="Average"/>
+              </a:rPr>
+              <a:t>Fig. 2 Architecture Diagram</a:t>
+            </a:r>
+            <a:endParaRPr sz="1600">
+              <a:solidFill>
+                <a:schemeClr val="accent3"/>
+              </a:solidFill>
+              <a:latin typeface="Average"/>
+              <a:ea typeface="Average"/>
+              <a:cs typeface="Average"/>
+              <a:sym typeface="Average"/>
+            </a:endParaRPr>
           </a:p>
         </p:txBody>
       </p:sp>
@@ -8990,12 +8911,12 @@
 </p:sld>
 </file>
 
-<file path=ppt/slides/slide14.xml><?xml version="1.0" encoding="utf-8"?>
+<file path=ppt/slides/slide13.xml><?xml version="1.0" encoding="utf-8"?>
 <p:sld xmlns:a="http://schemas.openxmlformats.org/drawingml/2006/main" xmlns:r="http://schemas.openxmlformats.org/officeDocument/2006/relationships" xmlns:mc="http://schemas.openxmlformats.org/markup-compatibility/2006" xmlns:mv="urn:schemas-microsoft-com:mac:vml" xmlns:p="http://schemas.openxmlformats.org/presentationml/2006/main" xmlns:c="http://schemas.openxmlformats.org/drawingml/2006/chart" xmlns:dgm="http://schemas.openxmlformats.org/drawingml/2006/diagram" xmlns:o="urn:schemas-microsoft-com:office:office" xmlns:v="urn:schemas-microsoft-com:vml" xmlns:pvml="urn:schemas-microsoft-com:office:powerpoint" xmlns:com="http://schemas.openxmlformats.org/drawingml/2006/compatibility" xmlns:p14="http://schemas.microsoft.com/office/powerpoint/2010/main" xmlns:p15="http://schemas.microsoft.com/office/powerpoint/2012/main" xmlns:ahyp="http://schemas.microsoft.com/office/drawing/2018/hyperlinkcolor">
   <p:cSld>
     <p:spTree>
       <p:nvGrpSpPr>
-        <p:cNvPr id="140" name="Shape 140"/>
+        <p:cNvPr id="139" name="Shape 139"/>
         <p:cNvGrpSpPr/>
         <p:nvPr/>
       </p:nvGrpSpPr>
@@ -9009,7 +8930,7 @@
       </p:grpSpPr>
       <p:sp>
         <p:nvSpPr>
-          <p:cNvPr id="141" name="Google Shape;141;p12"/>
+          <p:cNvPr id="140" name="Google Shape;140;g31898b522ba_2_4"/>
           <p:cNvSpPr txBox="1"/>
           <p:nvPr>
             <p:ph type="title"/>
@@ -9050,7 +8971,7 @@
             </a:pPr>
             <a:r>
               <a:rPr lang="en-US"/>
-              <a:t>Discussion</a:t>
+              <a:t>Results II: Random Forest</a:t>
             </a:r>
             <a:endParaRPr/>
           </a:p>
@@ -9058,7 +8979,7 @@
       </p:sp>
       <p:sp>
         <p:nvSpPr>
-          <p:cNvPr id="142" name="Google Shape;142;p12"/>
+          <p:cNvPr id="141" name="Google Shape;141;g31898b522ba_2_4"/>
           <p:cNvSpPr txBox="1"/>
           <p:nvPr>
             <p:ph idx="1" type="body"/>
@@ -9095,7 +9016,7 @@
             </a:pPr>
             <a:r>
               <a:rPr lang="en-US"/>
-              <a:t>Insights: Key features influencing flight prices.</a:t>
+              <a:t>Feature Importance: seatsRemaining, totalTravelDistance.</a:t>
             </a:r>
             <a:endParaRPr/>
           </a:p>
@@ -9112,24 +9033,24 @@
             </a:pPr>
             <a:r>
               <a:rPr lang="en-US"/>
-              <a:t>Challenges: Balancing class distributions, tuning model parameters.</a:t>
+              <a:t>Confusion Matrix: Performance across price categories.</a:t>
             </a:r>
             <a:endParaRPr/>
           </a:p>
           <a:p>
-            <a:pPr indent="-342900" lvl="0" marL="342900" rtl="0" algn="l">
+            <a:pPr indent="-393700" lvl="0" marL="342900" rtl="0" algn="l">
               <a:spcBef>
                 <a:spcPts val="1000"/>
               </a:spcBef>
               <a:spcAft>
                 <a:spcPts val="0"/>
               </a:spcAft>
-              <a:buSzPts val="1600"/>
+              <a:buSzPts val="2400"/>
               <a:buChar char="●"/>
             </a:pPr>
             <a:r>
               <a:rPr lang="en-US"/>
-              <a:t>Future Improvements: Additional features, ensemble techniques.</a:t>
+              <a:t>Comparing the results of three models, Decision Tree provides the best results</a:t>
             </a:r>
             <a:endParaRPr/>
           </a:p>
@@ -9143,12 +9064,12 @@
 </p:sld>
 </file>
 
-<file path=ppt/slides/slide15.xml><?xml version="1.0" encoding="utf-8"?>
+<file path=ppt/slides/slide14.xml><?xml version="1.0" encoding="utf-8"?>
 <p:sld xmlns:a="http://schemas.openxmlformats.org/drawingml/2006/main" xmlns:r="http://schemas.openxmlformats.org/officeDocument/2006/relationships" xmlns:mc="http://schemas.openxmlformats.org/markup-compatibility/2006" xmlns:mv="urn:schemas-microsoft-com:mac:vml" xmlns:p="http://schemas.openxmlformats.org/presentationml/2006/main" xmlns:c="http://schemas.openxmlformats.org/drawingml/2006/chart" xmlns:dgm="http://schemas.openxmlformats.org/drawingml/2006/diagram" xmlns:o="urn:schemas-microsoft-com:office:office" xmlns:v="urn:schemas-microsoft-com:vml" xmlns:pvml="urn:schemas-microsoft-com:office:powerpoint" xmlns:com="http://schemas.openxmlformats.org/drawingml/2006/compatibility" xmlns:p14="http://schemas.microsoft.com/office/powerpoint/2010/main" xmlns:p15="http://schemas.microsoft.com/office/powerpoint/2012/main" xmlns:ahyp="http://schemas.microsoft.com/office/drawing/2018/hyperlinkcolor">
   <p:cSld>
     <p:spTree>
       <p:nvGrpSpPr>
-        <p:cNvPr id="146" name="Shape 146"/>
+        <p:cNvPr id="145" name="Shape 145"/>
         <p:cNvGrpSpPr/>
         <p:nvPr/>
       </p:nvGrpSpPr>
@@ -9162,7 +9083,7 @@
       </p:grpSpPr>
       <p:sp>
         <p:nvSpPr>
-          <p:cNvPr id="147" name="Google Shape;147;p13"/>
+          <p:cNvPr id="146" name="Google Shape;146;g31898b522ba_2_9"/>
           <p:cNvSpPr txBox="1"/>
           <p:nvPr>
             <p:ph type="title"/>
@@ -9203,7 +9124,7 @@
             </a:pPr>
             <a:r>
               <a:rPr lang="en-US"/>
-              <a:t>Conclusion</a:t>
+              <a:t>Results III: K-Nearest Neighbors </a:t>
             </a:r>
             <a:endParaRPr/>
           </a:p>
@@ -9211,7 +9132,7 @@
       </p:sp>
       <p:sp>
         <p:nvSpPr>
-          <p:cNvPr id="148" name="Google Shape;148;p13"/>
+          <p:cNvPr id="147" name="Google Shape;147;g31898b522ba_2_9"/>
           <p:cNvSpPr txBox="1"/>
           <p:nvPr>
             <p:ph idx="1" type="body"/>
@@ -9248,7 +9169,7 @@
             </a:pPr>
             <a:r>
               <a:rPr lang="en-US"/>
-              <a:t>Summary: Effective classification of flight prices into ranges.</a:t>
+              <a:t>Feature Importance: seatsRemaining, totalTravelDistance.</a:t>
             </a:r>
             <a:endParaRPr/>
           </a:p>
@@ -9265,24 +9186,24 @@
             </a:pPr>
             <a:r>
               <a:rPr lang="en-US"/>
-              <a:t>Impact: Insights for travelers and industry.</a:t>
+              <a:t>Confusion Matrix: Performance across price categories.</a:t>
             </a:r>
             <a:endParaRPr/>
           </a:p>
           <a:p>
-            <a:pPr indent="-342900" lvl="0" marL="342900" rtl="0" algn="l">
+            <a:pPr indent="-393700" lvl="0" marL="342900" rtl="0" algn="l">
               <a:spcBef>
                 <a:spcPts val="1000"/>
               </a:spcBef>
               <a:spcAft>
                 <a:spcPts val="0"/>
               </a:spcAft>
-              <a:buSzPts val="1600"/>
+              <a:buSzPts val="2400"/>
               <a:buChar char="●"/>
             </a:pPr>
             <a:r>
               <a:rPr lang="en-US"/>
-              <a:t>Future Scope: Real-time predictions, advanced models.</a:t>
+              <a:t>Comparing the results of three models, Decision Tree provides the best results</a:t>
             </a:r>
             <a:endParaRPr/>
           </a:p>
@@ -9296,12 +9217,12 @@
 </p:sld>
 </file>
 
-<file path=ppt/slides/slide16.xml><?xml version="1.0" encoding="utf-8"?>
+<file path=ppt/slides/slide15.xml><?xml version="1.0" encoding="utf-8"?>
 <p:sld xmlns:a="http://schemas.openxmlformats.org/drawingml/2006/main" xmlns:r="http://schemas.openxmlformats.org/officeDocument/2006/relationships" xmlns:mc="http://schemas.openxmlformats.org/markup-compatibility/2006" xmlns:mv="urn:schemas-microsoft-com:mac:vml" xmlns:p="http://schemas.openxmlformats.org/presentationml/2006/main" xmlns:c="http://schemas.openxmlformats.org/drawingml/2006/chart" xmlns:dgm="http://schemas.openxmlformats.org/drawingml/2006/diagram" xmlns:o="urn:schemas-microsoft-com:office:office" xmlns:v="urn:schemas-microsoft-com:vml" xmlns:pvml="urn:schemas-microsoft-com:office:powerpoint" xmlns:com="http://schemas.openxmlformats.org/drawingml/2006/compatibility" xmlns:p14="http://schemas.microsoft.com/office/powerpoint/2010/main" xmlns:p15="http://schemas.microsoft.com/office/powerpoint/2012/main" xmlns:ahyp="http://schemas.microsoft.com/office/drawing/2018/hyperlinkcolor">
   <p:cSld>
     <p:spTree>
       <p:nvGrpSpPr>
-        <p:cNvPr id="152" name="Shape 152"/>
+        <p:cNvPr id="151" name="Shape 151"/>
         <p:cNvGrpSpPr/>
         <p:nvPr/>
       </p:nvGrpSpPr>
@@ -9315,7 +9236,7 @@
       </p:grpSpPr>
       <p:sp>
         <p:nvSpPr>
-          <p:cNvPr id="153" name="Google Shape;153;p14"/>
+          <p:cNvPr id="152" name="Google Shape;152;p12"/>
           <p:cNvSpPr txBox="1"/>
           <p:nvPr>
             <p:ph type="title"/>
@@ -9356,7 +9277,7 @@
             </a:pPr>
             <a:r>
               <a:rPr lang="en-US"/>
-              <a:t>Project Plan &amp; Task Distribution</a:t>
+              <a:t>Discussion</a:t>
             </a:r>
             <a:endParaRPr/>
           </a:p>
@@ -9364,7 +9285,321 @@
       </p:sp>
       <p:sp>
         <p:nvSpPr>
-          <p:cNvPr id="154" name="Google Shape;154;p14"/>
+          <p:cNvPr id="153" name="Google Shape;153;p12"/>
+          <p:cNvSpPr txBox="1"/>
+          <p:nvPr>
+            <p:ph idx="1" type="body"/>
+          </p:nvPr>
+        </p:nvSpPr>
+        <p:spPr>
+          <a:xfrm>
+            <a:off x="415600" y="1536633"/>
+            <a:ext cx="11360700" cy="4555200"/>
+          </a:xfrm>
+          <a:prstGeom prst="rect">
+            <a:avLst/>
+          </a:prstGeom>
+          <a:noFill/>
+          <a:ln>
+            <a:noFill/>
+          </a:ln>
+        </p:spPr>
+        <p:txBody>
+          <a:bodyPr anchorCtr="0" anchor="t" bIns="45700" lIns="91425" spcFirstLastPara="1" rIns="91425" wrap="square" tIns="45700">
+            <a:normAutofit/>
+          </a:bodyPr>
+          <a:lstStyle/>
+          <a:p>
+            <a:pPr indent="-342900" lvl="0" marL="342900" rtl="0" algn="l">
+              <a:spcBef>
+                <a:spcPts val="0"/>
+              </a:spcBef>
+              <a:spcAft>
+                <a:spcPts val="0"/>
+              </a:spcAft>
+              <a:buSzPts val="1600"/>
+              <a:buChar char="●"/>
+            </a:pPr>
+            <a:r>
+              <a:rPr lang="en-US"/>
+              <a:t>Insights: Key features influencing flight prices are total travel </a:t>
+            </a:r>
+            <a:r>
+              <a:rPr lang="en-US"/>
+              <a:t>distance</a:t>
+            </a:r>
+            <a:r>
+              <a:rPr lang="en-US"/>
+              <a:t>, days before the flight, and is basic economy</a:t>
+            </a:r>
+            <a:endParaRPr/>
+          </a:p>
+          <a:p>
+            <a:pPr indent="-342900" lvl="0" marL="342900" rtl="0" algn="l">
+              <a:spcBef>
+                <a:spcPts val="1000"/>
+              </a:spcBef>
+              <a:spcAft>
+                <a:spcPts val="0"/>
+              </a:spcAft>
+              <a:buSzPts val="1600"/>
+              <a:buChar char="●"/>
+            </a:pPr>
+            <a:r>
+              <a:rPr lang="en-US"/>
+              <a:t>Challenges: Balancing class distributions, tuning model parameters.</a:t>
+            </a:r>
+            <a:endParaRPr/>
+          </a:p>
+          <a:p>
+            <a:pPr indent="-342900" lvl="0" marL="342900" rtl="0" algn="l">
+              <a:spcBef>
+                <a:spcPts val="1000"/>
+              </a:spcBef>
+              <a:spcAft>
+                <a:spcPts val="0"/>
+              </a:spcAft>
+              <a:buSzPts val="1600"/>
+              <a:buChar char="●"/>
+            </a:pPr>
+            <a:r>
+              <a:rPr lang="en-US"/>
+              <a:t>Future Improvements: Additional features, ensemble techniques.</a:t>
+            </a:r>
+            <a:endParaRPr/>
+          </a:p>
+        </p:txBody>
+      </p:sp>
+    </p:spTree>
+  </p:cSld>
+  <p:clrMapOvr>
+    <a:masterClrMapping/>
+  </p:clrMapOvr>
+</p:sld>
+</file>
+
+<file path=ppt/slides/slide16.xml><?xml version="1.0" encoding="utf-8"?>
+<p:sld xmlns:a="http://schemas.openxmlformats.org/drawingml/2006/main" xmlns:r="http://schemas.openxmlformats.org/officeDocument/2006/relationships" xmlns:mc="http://schemas.openxmlformats.org/markup-compatibility/2006" xmlns:mv="urn:schemas-microsoft-com:mac:vml" xmlns:p="http://schemas.openxmlformats.org/presentationml/2006/main" xmlns:c="http://schemas.openxmlformats.org/drawingml/2006/chart" xmlns:dgm="http://schemas.openxmlformats.org/drawingml/2006/diagram" xmlns:o="urn:schemas-microsoft-com:office:office" xmlns:v="urn:schemas-microsoft-com:vml" xmlns:pvml="urn:schemas-microsoft-com:office:powerpoint" xmlns:com="http://schemas.openxmlformats.org/drawingml/2006/compatibility" xmlns:p14="http://schemas.microsoft.com/office/powerpoint/2010/main" xmlns:p15="http://schemas.microsoft.com/office/powerpoint/2012/main" xmlns:ahyp="http://schemas.microsoft.com/office/drawing/2018/hyperlinkcolor">
+  <p:cSld>
+    <p:spTree>
+      <p:nvGrpSpPr>
+        <p:cNvPr id="157" name="Shape 157"/>
+        <p:cNvGrpSpPr/>
+        <p:nvPr/>
+      </p:nvGrpSpPr>
+      <p:grpSpPr>
+        <a:xfrm>
+          <a:off x="0" y="0"/>
+          <a:ext cx="0" cy="0"/>
+          <a:chOff x="0" y="0"/>
+          <a:chExt cx="0" cy="0"/>
+        </a:xfrm>
+      </p:grpSpPr>
+      <p:sp>
+        <p:nvSpPr>
+          <p:cNvPr id="158" name="Google Shape;158;p13"/>
+          <p:cNvSpPr txBox="1"/>
+          <p:nvPr>
+            <p:ph type="title"/>
+          </p:nvPr>
+        </p:nvSpPr>
+        <p:spPr>
+          <a:xfrm>
+            <a:off x="415600" y="593367"/>
+            <a:ext cx="11360700" cy="763500"/>
+          </a:xfrm>
+          <a:prstGeom prst="rect">
+            <a:avLst/>
+          </a:prstGeom>
+          <a:noFill/>
+          <a:ln>
+            <a:noFill/>
+          </a:ln>
+        </p:spPr>
+        <p:txBody>
+          <a:bodyPr anchorCtr="0" anchor="t" bIns="45700" lIns="91425" spcFirstLastPara="1" rIns="91425" wrap="square" tIns="45700">
+            <a:noAutofit/>
+          </a:bodyPr>
+          <a:lstStyle/>
+          <a:p>
+            <a:pPr indent="0" lvl="0" marL="0" rtl="0" algn="l">
+              <a:spcBef>
+                <a:spcPts val="0"/>
+              </a:spcBef>
+              <a:spcAft>
+                <a:spcPts val="0"/>
+              </a:spcAft>
+              <a:buClr>
+                <a:schemeClr val="lt2"/>
+              </a:buClr>
+              <a:buSzPts val="4200"/>
+              <a:buFont typeface="Century Gothic"/>
+              <a:buNone/>
+            </a:pPr>
+            <a:r>
+              <a:rPr lang="en-US"/>
+              <a:t>Conclusion</a:t>
+            </a:r>
+            <a:endParaRPr/>
+          </a:p>
+        </p:txBody>
+      </p:sp>
+      <p:sp>
+        <p:nvSpPr>
+          <p:cNvPr id="159" name="Google Shape;159;p13"/>
+          <p:cNvSpPr txBox="1"/>
+          <p:nvPr>
+            <p:ph idx="1" type="body"/>
+          </p:nvPr>
+        </p:nvSpPr>
+        <p:spPr>
+          <a:xfrm>
+            <a:off x="415600" y="1536633"/>
+            <a:ext cx="11360700" cy="4555200"/>
+          </a:xfrm>
+          <a:prstGeom prst="rect">
+            <a:avLst/>
+          </a:prstGeom>
+          <a:noFill/>
+          <a:ln>
+            <a:noFill/>
+          </a:ln>
+        </p:spPr>
+        <p:txBody>
+          <a:bodyPr anchorCtr="0" anchor="t" bIns="45700" lIns="91425" spcFirstLastPara="1" rIns="91425" wrap="square" tIns="45700">
+            <a:normAutofit/>
+          </a:bodyPr>
+          <a:lstStyle/>
+          <a:p>
+            <a:pPr indent="-342900" lvl="0" marL="342900" rtl="0" algn="l">
+              <a:spcBef>
+                <a:spcPts val="0"/>
+              </a:spcBef>
+              <a:spcAft>
+                <a:spcPts val="0"/>
+              </a:spcAft>
+              <a:buSzPts val="1600"/>
+              <a:buChar char="●"/>
+            </a:pPr>
+            <a:r>
+              <a:rPr lang="en-US"/>
+              <a:t>Summary: Effective classification of flight prices into ranges.</a:t>
+            </a:r>
+            <a:endParaRPr/>
+          </a:p>
+          <a:p>
+            <a:pPr indent="-342900" lvl="0" marL="342900" rtl="0" algn="l">
+              <a:spcBef>
+                <a:spcPts val="1000"/>
+              </a:spcBef>
+              <a:spcAft>
+                <a:spcPts val="0"/>
+              </a:spcAft>
+              <a:buSzPts val="1600"/>
+              <a:buChar char="●"/>
+            </a:pPr>
+            <a:r>
+              <a:rPr lang="en-US"/>
+              <a:t>Impact: Insights for travelers and industry.</a:t>
+            </a:r>
+            <a:endParaRPr/>
+          </a:p>
+          <a:p>
+            <a:pPr indent="-342900" lvl="0" marL="342900" rtl="0" algn="l">
+              <a:spcBef>
+                <a:spcPts val="1000"/>
+              </a:spcBef>
+              <a:spcAft>
+                <a:spcPts val="0"/>
+              </a:spcAft>
+              <a:buSzPts val="1600"/>
+              <a:buChar char="●"/>
+            </a:pPr>
+            <a:r>
+              <a:rPr lang="en-US"/>
+              <a:t>Future Scope: Real-time predictions, advanced models.</a:t>
+            </a:r>
+            <a:endParaRPr/>
+          </a:p>
+        </p:txBody>
+      </p:sp>
+    </p:spTree>
+  </p:cSld>
+  <p:clrMapOvr>
+    <a:masterClrMapping/>
+  </p:clrMapOvr>
+</p:sld>
+</file>
+
+<file path=ppt/slides/slide17.xml><?xml version="1.0" encoding="utf-8"?>
+<p:sld xmlns:a="http://schemas.openxmlformats.org/drawingml/2006/main" xmlns:r="http://schemas.openxmlformats.org/officeDocument/2006/relationships" xmlns:mc="http://schemas.openxmlformats.org/markup-compatibility/2006" xmlns:mv="urn:schemas-microsoft-com:mac:vml" xmlns:p="http://schemas.openxmlformats.org/presentationml/2006/main" xmlns:c="http://schemas.openxmlformats.org/drawingml/2006/chart" xmlns:dgm="http://schemas.openxmlformats.org/drawingml/2006/diagram" xmlns:o="urn:schemas-microsoft-com:office:office" xmlns:v="urn:schemas-microsoft-com:vml" xmlns:pvml="urn:schemas-microsoft-com:office:powerpoint" xmlns:com="http://schemas.openxmlformats.org/drawingml/2006/compatibility" xmlns:p14="http://schemas.microsoft.com/office/powerpoint/2010/main" xmlns:p15="http://schemas.microsoft.com/office/powerpoint/2012/main" xmlns:ahyp="http://schemas.microsoft.com/office/drawing/2018/hyperlinkcolor">
+  <p:cSld>
+    <p:spTree>
+      <p:nvGrpSpPr>
+        <p:cNvPr id="163" name="Shape 163"/>
+        <p:cNvGrpSpPr/>
+        <p:nvPr/>
+      </p:nvGrpSpPr>
+      <p:grpSpPr>
+        <a:xfrm>
+          <a:off x="0" y="0"/>
+          <a:ext cx="0" cy="0"/>
+          <a:chOff x="0" y="0"/>
+          <a:chExt cx="0" cy="0"/>
+        </a:xfrm>
+      </p:grpSpPr>
+      <p:sp>
+        <p:nvSpPr>
+          <p:cNvPr id="164" name="Google Shape;164;p14"/>
+          <p:cNvSpPr txBox="1"/>
+          <p:nvPr>
+            <p:ph type="title"/>
+          </p:nvPr>
+        </p:nvSpPr>
+        <p:spPr>
+          <a:xfrm>
+            <a:off x="415600" y="593367"/>
+            <a:ext cx="11360700" cy="763500"/>
+          </a:xfrm>
+          <a:prstGeom prst="rect">
+            <a:avLst/>
+          </a:prstGeom>
+          <a:noFill/>
+          <a:ln>
+            <a:noFill/>
+          </a:ln>
+        </p:spPr>
+        <p:txBody>
+          <a:bodyPr anchorCtr="0" anchor="t" bIns="45700" lIns="91425" spcFirstLastPara="1" rIns="91425" wrap="square" tIns="45700">
+            <a:noAutofit/>
+          </a:bodyPr>
+          <a:lstStyle/>
+          <a:p>
+            <a:pPr indent="0" lvl="0" marL="0" rtl="0" algn="l">
+              <a:spcBef>
+                <a:spcPts val="0"/>
+              </a:spcBef>
+              <a:spcAft>
+                <a:spcPts val="0"/>
+              </a:spcAft>
+              <a:buClr>
+                <a:schemeClr val="lt2"/>
+              </a:buClr>
+              <a:buSzPts val="4200"/>
+              <a:buFont typeface="Century Gothic"/>
+              <a:buNone/>
+            </a:pPr>
+            <a:r>
+              <a:rPr lang="en-US"/>
+              <a:t>Project Plan &amp; Task Distribution</a:t>
+            </a:r>
+            <a:endParaRPr/>
+          </a:p>
+        </p:txBody>
+      </p:sp>
+      <p:sp>
+        <p:nvSpPr>
+          <p:cNvPr id="165" name="Google Shape;165;p14"/>
           <p:cNvSpPr txBox="1"/>
           <p:nvPr>
             <p:ph idx="1" type="body"/>
@@ -9389,9 +9624,40 @@
           </a:bodyPr>
           <a:lstStyle/>
           <a:p>
+            <a:pPr indent="0" lvl="0" marL="0" rtl="0" algn="l">
+              <a:spcBef>
+                <a:spcPts val="0"/>
+              </a:spcBef>
+              <a:spcAft>
+                <a:spcPts val="0"/>
+              </a:spcAft>
+              <a:buNone/>
+            </a:pPr>
+            <a:r>
+              <a:rPr lang="en-US" sz="2500"/>
+              <a:t>We all worked on: data cleaning, feature engineering, data visualization,  evaluation metrics, report documentation, presentation preparation</a:t>
+            </a:r>
+            <a:endParaRPr sz="2500"/>
+          </a:p>
+          <a:p>
+            <a:pPr indent="0" lvl="0" marL="0" rtl="0" algn="l">
+              <a:spcBef>
+                <a:spcPts val="1000"/>
+              </a:spcBef>
+              <a:spcAft>
+                <a:spcPts val="0"/>
+              </a:spcAft>
+              <a:buNone/>
+            </a:pPr>
+            <a:r>
+              <a:t/>
+            </a:r>
+            <a:endParaRPr sz="2500"/>
+          </a:p>
+          <a:p>
             <a:pPr indent="-349250" lvl="0" marL="342900" rtl="0" algn="l">
               <a:spcBef>
-                <a:spcPts val="0"/>
+                <a:spcPts val="1000"/>
               </a:spcBef>
               <a:spcAft>
                 <a:spcPts val="0"/>
@@ -9401,7 +9667,7 @@
             </a:pPr>
             <a:r>
               <a:rPr lang="en-US" sz="2500"/>
-              <a:t>Vivek Ponnala: Setting up github, CI and all the branches, responsible for implementing Random Forest Classifier</a:t>
+              <a:t>Vivek Ponnala: Setting up github, CI and all the branches, implementing Random Forest Classifier</a:t>
             </a:r>
             <a:endParaRPr sz="2500"/>
           </a:p>
@@ -9418,7 +9684,7 @@
             </a:pPr>
             <a:r>
               <a:rPr lang="en-US" sz="2500"/>
-              <a:t>Maggie Qin: Model training, parameter tuning, </a:t>
+              <a:t>Maggie Qin: </a:t>
             </a:r>
             <a:r>
               <a:rPr lang="en-US" sz="2500">
@@ -9443,7 +9709,7 @@
             </a:pPr>
             <a:r>
               <a:rPr lang="en-US" sz="2500"/>
-              <a:t>Hoai An Nguyen: Dataset extraction and preprocessing, Decision Tree Classifier</a:t>
+              <a:t>Hoai An Nguyen: Decision Tree Classifier</a:t>
             </a:r>
             <a:endParaRPr sz="2500"/>
           </a:p>
@@ -9457,12 +9723,12 @@
 </p:sld>
 </file>
 
-<file path=ppt/slides/slide17.xml><?xml version="1.0" encoding="utf-8"?>
+<file path=ppt/slides/slide18.xml><?xml version="1.0" encoding="utf-8"?>
 <p:sld xmlns:a="http://schemas.openxmlformats.org/drawingml/2006/main" xmlns:r="http://schemas.openxmlformats.org/officeDocument/2006/relationships" xmlns:mc="http://schemas.openxmlformats.org/markup-compatibility/2006" xmlns:mv="urn:schemas-microsoft-com:mac:vml" xmlns:p="http://schemas.openxmlformats.org/presentationml/2006/main" xmlns:c="http://schemas.openxmlformats.org/drawingml/2006/chart" xmlns:dgm="http://schemas.openxmlformats.org/drawingml/2006/diagram" xmlns:o="urn:schemas-microsoft-com:office:office" xmlns:v="urn:schemas-microsoft-com:vml" xmlns:pvml="urn:schemas-microsoft-com:office:powerpoint" xmlns:com="http://schemas.openxmlformats.org/drawingml/2006/compatibility" xmlns:p14="http://schemas.microsoft.com/office/powerpoint/2010/main" xmlns:p15="http://schemas.microsoft.com/office/powerpoint/2012/main" xmlns:ahyp="http://schemas.microsoft.com/office/drawing/2018/hyperlinkcolor">
   <p:cSld>
     <p:spTree>
       <p:nvGrpSpPr>
-        <p:cNvPr id="158" name="Shape 158"/>
+        <p:cNvPr id="169" name="Shape 169"/>
         <p:cNvGrpSpPr/>
         <p:nvPr/>
       </p:nvGrpSpPr>
@@ -9476,7 +9742,7 @@
       </p:grpSpPr>
       <p:sp>
         <p:nvSpPr>
-          <p:cNvPr id="159" name="Google Shape;159;p15"/>
+          <p:cNvPr id="170" name="Google Shape;170;p15"/>
           <p:cNvSpPr txBox="1"/>
           <p:nvPr>
             <p:ph type="title"/>
@@ -9525,7 +9791,7 @@
       </p:sp>
       <p:sp>
         <p:nvSpPr>
-          <p:cNvPr id="160" name="Google Shape;160;p15"/>
+          <p:cNvPr id="171" name="Google Shape;171;p15"/>
           <p:cNvSpPr txBox="1"/>
           <p:nvPr>
             <p:ph idx="1" type="body"/>
@@ -9718,6 +9984,26 @@
             </a:pPr>
             <a:r>
               <a:rPr lang="en-US"/>
+              <a:t>Motivation: To help travelers make informed booking decisions by understanding factors influencing flight prices.</a:t>
+            </a:r>
+            <a:endParaRPr/>
+          </a:p>
+          <a:p>
+            <a:pPr indent="-381000" lvl="0" marL="457200" rtl="0" algn="l">
+              <a:lnSpc>
+                <a:spcPct val="150000"/>
+              </a:lnSpc>
+              <a:spcBef>
+                <a:spcPts val="1000"/>
+              </a:spcBef>
+              <a:spcAft>
+                <a:spcPts val="0"/>
+              </a:spcAft>
+              <a:buSzPts val="2400"/>
+              <a:buChar char="●"/>
+            </a:pPr>
+            <a:r>
+              <a:rPr lang="en-US"/>
               <a:t>Objective: Classify flight prices into three ranges (</a:t>
             </a:r>
             <a:r>
@@ -9755,26 +10041,6 @@
             <a:r>
               <a:rPr lang="en-US"/>
               <a:t>).</a:t>
-            </a:r>
-            <a:endParaRPr/>
-          </a:p>
-          <a:p>
-            <a:pPr indent="-381000" lvl="0" marL="457200" rtl="0" algn="l">
-              <a:lnSpc>
-                <a:spcPct val="150000"/>
-              </a:lnSpc>
-              <a:spcBef>
-                <a:spcPts val="1000"/>
-              </a:spcBef>
-              <a:spcAft>
-                <a:spcPts val="0"/>
-              </a:spcAft>
-              <a:buSzPts val="2400"/>
-              <a:buChar char="●"/>
-            </a:pPr>
-            <a:r>
-              <a:rPr lang="en-US"/>
-              <a:t>Motivation: To help travelers make informed booking decisions by understanding factors influencing flight prices.</a:t>
             </a:r>
             <a:endParaRPr/>
           </a:p>
@@ -9930,7 +10196,23 @@
             </a:pPr>
             <a:r>
               <a:rPr lang="en-US"/>
-              <a:t>Subset: Flights from SFO in May 2022 (~250,000 records).</a:t>
+              <a:t>Subset: Nonstop flights from </a:t>
+            </a:r>
+            <a:r>
+              <a:rPr lang="en-US"/>
+              <a:t>different</a:t>
+            </a:r>
+            <a:r>
+              <a:rPr lang="en-US"/>
+              <a:t> cities in the US from </a:t>
+            </a:r>
+            <a:r>
+              <a:rPr lang="en-US"/>
+              <a:t>April to October 2022</a:t>
+            </a:r>
+            <a:r>
+              <a:rPr lang="en-US"/>
+              <a:t> (~207,000 records).</a:t>
             </a:r>
             <a:endParaRPr/>
           </a:p>
@@ -9947,7 +10229,7 @@
             </a:pPr>
             <a:r>
               <a:rPr lang="en-US"/>
-              <a:t>Features: search date, destination, non-stop status, remaining seats, and travel distance.</a:t>
+              <a:t>Features: search date, is basic economy, non-stop status, remaining seats, and travel distance.</a:t>
             </a:r>
             <a:endParaRPr/>
           </a:p>
@@ -10083,7 +10365,7 @@
             </a:pPr>
             <a:r>
               <a:rPr lang="en-US"/>
-              <a:t>Justification: Decision Tree, Random Forest, and X chosen for its interpretability and robustness with structured data.</a:t>
+              <a:t>Justification: Decision Tree, Random Forest, and KNN chosen for its interpretability and robustness with structured data.</a:t>
             </a:r>
             <a:endParaRPr/>
           </a:p>
@@ -10207,35 +10489,17 @@
             <a:endParaRPr/>
           </a:p>
           <a:p>
-            <a:pPr indent="-393700" lvl="0" marL="342900" rtl="0" algn="l">
-              <a:spcBef>
-                <a:spcPts val="0"/>
-              </a:spcBef>
-              <a:spcAft>
-                <a:spcPts val="0"/>
-              </a:spcAft>
-              <a:buSzPts val="2400"/>
-              <a:buChar char="●"/>
-            </a:pPr>
-            <a:r>
-              <a:rPr lang="en-US"/>
-              <a:t>Link to the chart:</a:t>
-            </a:r>
-            <a:br>
-              <a:rPr lang="en-US"/>
-            </a:br>
-            <a:r>
-              <a:rPr lang="en-US" u="sng">
-                <a:solidFill>
-                  <a:schemeClr val="hlink"/>
-                </a:solidFill>
-                <a:hlinkClick r:id="rId3"/>
-              </a:rPr>
-              <a:t>https://lucid.app/lucidchart/d42f76b8-181d-4aba-82cc-961d9210cbe3/edit?view_items=cgsqposmEN_K%2Cogsqnaz~Gupz%2C_lsqkk_tTvWs%2Cmmsq-xj5_1F8%2C5msqFYQqlyFn%2CSnsqiLxLoKj_%2CUnsq5sv3jzqS%2C6osq_6wIIg2i%2CjqsqWu3TLe0y%2CwqsqS-am0IrO%2CFqsq1~LpQ8fU%2CarsqrCE2D5E8%2Corsq2WW1hkj0%2CyrsqcLAsxAh0%2CDrsqzIJ13m-4%2CKrsqMqMkDI-r%2CMrsqcY7ApKbp%2Cissqi7TDxeXC%2C3ssqQTFsm-kQ%2C6ssq_R6UJwJp&amp;invitationId=inv_a5ee1f3d-43e3-4231-95df-15c867c6668d</a:t>
-            </a:r>
-            <a:r>
-              <a:rPr lang="en-US"/>
-              <a:t> </a:t>
+            <a:pPr indent="0" lvl="0" marL="0" rtl="0" algn="l">
+              <a:spcBef>
+                <a:spcPts val="0"/>
+              </a:spcBef>
+              <a:spcAft>
+                <a:spcPts val="0"/>
+              </a:spcAft>
+              <a:buNone/>
+            </a:pPr>
+            <a:r>
+              <a:t/>
             </a:r>
             <a:endParaRPr/>
           </a:p>
@@ -10248,7 +10512,7 @@
           <p:nvPr/>
         </p:nvPicPr>
         <p:blipFill rotWithShape="1">
-          <a:blip r:embed="rId4">
+          <a:blip r:embed="rId3">
             <a:alphaModFix/>
           </a:blip>
           <a:srcRect b="4774" l="8933" r="4336" t="5474"/>
@@ -10256,8 +10520,8 @@
         </p:blipFill>
         <p:spPr>
           <a:xfrm>
-            <a:off x="6742250" y="2109150"/>
-            <a:ext cx="4720974" cy="4327526"/>
+            <a:off x="6907350" y="2241150"/>
+            <a:ext cx="4270050" cy="3914176"/>
           </a:xfrm>
           <a:prstGeom prst="rect">
             <a:avLst/>
@@ -10268,6 +10532,64 @@
           </a:ln>
         </p:spPr>
       </p:pic>
+      <p:sp>
+        <p:nvSpPr>
+          <p:cNvPr id="87" name="Google Shape;87;p4"/>
+          <p:cNvSpPr txBox="1"/>
+          <p:nvPr/>
+        </p:nvSpPr>
+        <p:spPr>
+          <a:xfrm>
+            <a:off x="7342000" y="6200425"/>
+            <a:ext cx="3264000" cy="393600"/>
+          </a:xfrm>
+          <a:prstGeom prst="rect">
+            <a:avLst/>
+          </a:prstGeom>
+          <a:noFill/>
+          <a:ln>
+            <a:noFill/>
+          </a:ln>
+        </p:spPr>
+        <p:txBody>
+          <a:bodyPr anchorCtr="0" anchor="t" bIns="91425" lIns="91425" spcFirstLastPara="1" rIns="91425" wrap="square" tIns="91425">
+            <a:noAutofit/>
+          </a:bodyPr>
+          <a:lstStyle/>
+          <a:p>
+            <a:pPr indent="0" lvl="0" marL="0" rtl="0" algn="ctr">
+              <a:spcBef>
+                <a:spcPts val="0"/>
+              </a:spcBef>
+              <a:spcAft>
+                <a:spcPts val="0"/>
+              </a:spcAft>
+              <a:buNone/>
+            </a:pPr>
+            <a:r>
+              <a:rPr lang="en-US" sz="1600">
+                <a:solidFill>
+                  <a:schemeClr val="accent3"/>
+                </a:solidFill>
+                <a:latin typeface="Average"/>
+                <a:ea typeface="Average"/>
+                <a:cs typeface="Average"/>
+                <a:sym typeface="Average"/>
+              </a:rPr>
+              <a:t>Fig. 1 Architecture Diagram</a:t>
+            </a:r>
+            <a:endParaRPr sz="1600">
+              <a:solidFill>
+                <a:schemeClr val="accent3"/>
+              </a:solidFill>
+              <a:latin typeface="Average"/>
+              <a:ea typeface="Average"/>
+              <a:cs typeface="Average"/>
+              <a:sym typeface="Average"/>
+            </a:endParaRPr>
+          </a:p>
+        </p:txBody>
+      </p:sp>
     </p:spTree>
   </p:cSld>
   <p:clrMapOvr>
@@ -10281,7 +10603,7 @@
   <p:cSld>
     <p:spTree>
       <p:nvGrpSpPr>
-        <p:cNvPr id="90" name="Shape 90"/>
+        <p:cNvPr id="91" name="Shape 91"/>
         <p:cNvGrpSpPr/>
         <p:nvPr/>
       </p:nvGrpSpPr>
@@ -10295,7 +10617,7 @@
       </p:grpSpPr>
       <p:sp>
         <p:nvSpPr>
-          <p:cNvPr id="91" name="Google Shape;91;p8"/>
+          <p:cNvPr id="92" name="Google Shape;92;p8"/>
           <p:cNvSpPr txBox="1"/>
           <p:nvPr>
             <p:ph type="title"/>
@@ -10344,7 +10666,7 @@
       </p:sp>
       <p:sp>
         <p:nvSpPr>
-          <p:cNvPr id="92" name="Google Shape;92;p8"/>
+          <p:cNvPr id="93" name="Google Shape;93;p8"/>
           <p:cNvSpPr txBox="1"/>
           <p:nvPr>
             <p:ph idx="1" type="body"/>
@@ -10365,76 +10687,173 @@
         </p:spPr>
         <p:txBody>
           <a:bodyPr anchorCtr="0" anchor="t" bIns="45700" lIns="91425" spcFirstLastPara="1" rIns="91425" wrap="square" tIns="45700">
-            <a:normAutofit/>
+            <a:noAutofit/>
           </a:bodyPr>
           <a:lstStyle/>
           <a:p>
-            <a:pPr indent="-342900" lvl="0" marL="342900" rtl="0" algn="l">
-              <a:spcBef>
-                <a:spcPts val="0"/>
-              </a:spcBef>
-              <a:spcAft>
-                <a:spcPts val="0"/>
-              </a:spcAft>
-              <a:buSzPts val="1600"/>
+            <a:pPr indent="-349250" lvl="0" marL="342900" rtl="0" algn="l">
+              <a:spcBef>
+                <a:spcPts val="0"/>
+              </a:spcBef>
+              <a:spcAft>
+                <a:spcPts val="0"/>
+              </a:spcAft>
+              <a:buSzPts val="1700"/>
               <a:buChar char="●"/>
             </a:pPr>
             <a:r>
-              <a:rPr lang="en-US"/>
-              <a:t>Data filtering and selection.</a:t>
-            </a:r>
-            <a:endParaRPr/>
-          </a:p>
-          <a:p>
-            <a:pPr indent="-342900" lvl="0" marL="342900" rtl="0" algn="l">
+              <a:rPr lang="en-US" sz="1700"/>
+              <a:t>Data filtering</a:t>
+            </a:r>
+            <a:endParaRPr sz="1700"/>
+          </a:p>
+          <a:p>
+            <a:pPr indent="-349250" lvl="0" marL="342900" rtl="0" algn="l">
               <a:spcBef>
                 <a:spcPts val="1000"/>
               </a:spcBef>
               <a:spcAft>
                 <a:spcPts val="0"/>
               </a:spcAft>
-              <a:buSzPts val="1600"/>
+              <a:buSzPts val="1700"/>
               <a:buChar char="●"/>
             </a:pPr>
             <a:r>
-              <a:rPr lang="en-US"/>
-              <a:t>Handling missing values by imputation.</a:t>
-            </a:r>
-            <a:endParaRPr/>
-          </a:p>
-          <a:p>
-            <a:pPr indent="-342900" lvl="0" marL="342900" rtl="0" algn="l">
+              <a:rPr lang="en-US" sz="1700"/>
+              <a:t>Feature selection</a:t>
+            </a:r>
+            <a:endParaRPr sz="1700"/>
+          </a:p>
+          <a:p>
+            <a:pPr indent="-412750" lvl="1" marL="1219200" rtl="0" algn="l">
               <a:spcBef>
                 <a:spcPts val="1000"/>
               </a:spcBef>
               <a:spcAft>
                 <a:spcPts val="0"/>
               </a:spcAft>
-              <a:buSzPts val="1600"/>
+              <a:buSzPts val="1700"/>
+              <a:buChar char="○"/>
+            </a:pPr>
+            <a:r>
+              <a:rPr lang="en-US" sz="1700"/>
+              <a:t>seatsRemaining: Represents the number of seats left, highlighting supply-demand trends.</a:t>
+            </a:r>
+            <a:endParaRPr sz="1700"/>
+          </a:p>
+          <a:p>
+            <a:pPr indent="-412750" lvl="1" marL="1219200" rtl="0" algn="l">
+              <a:spcBef>
+                <a:spcPts val="1000"/>
+              </a:spcBef>
+              <a:spcAft>
+                <a:spcPts val="0"/>
+              </a:spcAft>
+              <a:buSzPts val="1700"/>
+              <a:buChar char="○"/>
+            </a:pPr>
+            <a:r>
+              <a:rPr lang="en-US" sz="1700"/>
+              <a:t>searchDate: The date of the search, which can influence price based on seasonality.</a:t>
+            </a:r>
+            <a:endParaRPr sz="1700"/>
+          </a:p>
+          <a:p>
+            <a:pPr indent="-412750" lvl="1" marL="1219200" rtl="0" algn="l">
+              <a:spcBef>
+                <a:spcPts val="1000"/>
+              </a:spcBef>
+              <a:spcAft>
+                <a:spcPts val="0"/>
+              </a:spcAft>
+              <a:buSzPts val="1700"/>
+              <a:buChar char="○"/>
+            </a:pPr>
+            <a:r>
+              <a:rPr lang="en-US" sz="1700"/>
+              <a:t>totalTravelDistance: Total distance of the flight, directly correlated with ticket prices.</a:t>
+            </a:r>
+            <a:endParaRPr sz="1700"/>
+          </a:p>
+          <a:p>
+            <a:pPr indent="-412750" lvl="1" marL="1219200" rtl="0" algn="l">
+              <a:spcBef>
+                <a:spcPts val="1000"/>
+              </a:spcBef>
+              <a:spcAft>
+                <a:spcPts val="0"/>
+              </a:spcAft>
+              <a:buSzPts val="1700"/>
+              <a:buChar char="○"/>
+            </a:pPr>
+            <a:r>
+              <a:rPr lang="en-US" sz="1700"/>
+              <a:t>isBasicEconomy: A binary variable indicating whether the flight is a basic economy fare, a factor known to impact pricing.</a:t>
+            </a:r>
+            <a:endParaRPr sz="1700"/>
+          </a:p>
+          <a:p>
+            <a:pPr indent="-349250" lvl="0" marL="342900" rtl="0" algn="l">
+              <a:spcBef>
+                <a:spcPts val="1000"/>
+              </a:spcBef>
+              <a:spcAft>
+                <a:spcPts val="0"/>
+              </a:spcAft>
+              <a:buSzPts val="1700"/>
               <a:buChar char="●"/>
             </a:pPr>
             <a:r>
-              <a:rPr lang="en-US"/>
-              <a:t>Date conversion and creation of weekend indicator.</a:t>
-            </a:r>
-            <a:endParaRPr/>
-          </a:p>
-          <a:p>
-            <a:pPr indent="-342900" lvl="0" marL="342900" rtl="0" algn="l">
+              <a:rPr lang="en-US" sz="1700"/>
+              <a:t>Feature </a:t>
+            </a:r>
+            <a:r>
+              <a:rPr lang="en-US" sz="1700"/>
+              <a:t>engineering</a:t>
+            </a:r>
+            <a:endParaRPr sz="1700"/>
+          </a:p>
+          <a:p>
+            <a:pPr indent="-412750" lvl="1" marL="1219200" rtl="0" algn="l">
               <a:spcBef>
                 <a:spcPts val="1000"/>
               </a:spcBef>
               <a:spcAft>
                 <a:spcPts val="0"/>
               </a:spcAft>
-              <a:buSzPts val="1600"/>
-              <a:buChar char="●"/>
-            </a:pPr>
-            <a:r>
-              <a:rPr lang="en-US"/>
-              <a:t>Creation of price categories for classification.</a:t>
-            </a:r>
-            <a:endParaRPr/>
+              <a:buSzPts val="1700"/>
+              <a:buChar char="○"/>
+            </a:pPr>
+            <a:r>
+              <a:rPr lang="en-US" sz="1700"/>
+              <a:t>searchDate (weekday vs. weekend, searchDayOfWeek, daysBeforeFlight)</a:t>
+            </a:r>
+            <a:endParaRPr sz="1700"/>
+          </a:p>
+          <a:p>
+            <a:pPr indent="-412750" lvl="1" marL="1219200" rtl="0" algn="l">
+              <a:spcBef>
+                <a:spcPts val="1000"/>
+              </a:spcBef>
+              <a:spcAft>
+                <a:spcPts val="0"/>
+              </a:spcAft>
+              <a:buSzPts val="1700"/>
+              <a:buChar char="○"/>
+            </a:pPr>
+            <a:r>
+              <a:rPr lang="en-US" sz="1700"/>
+              <a:t>Creation of price categories for classification </a:t>
+            </a:r>
+            <a:r>
+              <a:rPr lang="en-US" sz="1700"/>
+              <a:t>(low, medium, high)</a:t>
+            </a:r>
+            <a:r>
+              <a:rPr lang="en-US" sz="1700"/>
+              <a:t>.</a:t>
+            </a:r>
+            <a:endParaRPr sz="1700"/>
           </a:p>
         </p:txBody>
       </p:sp>
@@ -10451,7 +10870,7 @@
   <p:cSld>
     <p:spTree>
       <p:nvGrpSpPr>
-        <p:cNvPr id="96" name="Shape 96"/>
+        <p:cNvPr id="97" name="Shape 97"/>
         <p:cNvGrpSpPr/>
         <p:nvPr/>
       </p:nvGrpSpPr>
@@ -10465,143 +10884,7 @@
       </p:grpSpPr>
       <p:sp>
         <p:nvSpPr>
-          <p:cNvPr id="97" name="Google Shape;97;p6"/>
-          <p:cNvSpPr txBox="1"/>
-          <p:nvPr>
-            <p:ph type="title"/>
-          </p:nvPr>
-        </p:nvSpPr>
-        <p:spPr>
-          <a:xfrm>
-            <a:off x="415600" y="593367"/>
-            <a:ext cx="11360700" cy="763500"/>
-          </a:xfrm>
-          <a:prstGeom prst="rect">
-            <a:avLst/>
-          </a:prstGeom>
-          <a:noFill/>
-          <a:ln>
-            <a:noFill/>
-          </a:ln>
-        </p:spPr>
-        <p:txBody>
-          <a:bodyPr anchorCtr="0" anchor="t" bIns="45700" lIns="91425" spcFirstLastPara="1" rIns="91425" wrap="square" tIns="45700">
-            <a:noAutofit/>
-          </a:bodyPr>
-          <a:lstStyle/>
-          <a:p>
-            <a:pPr indent="0" lvl="0" marL="0" rtl="0" algn="l">
-              <a:spcBef>
-                <a:spcPts val="0"/>
-              </a:spcBef>
-              <a:spcAft>
-                <a:spcPts val="0"/>
-              </a:spcAft>
-              <a:buClr>
-                <a:schemeClr val="lt2"/>
-              </a:buClr>
-              <a:buSzPts val="4200"/>
-              <a:buFont typeface="Century Gothic"/>
-              <a:buNone/>
-            </a:pPr>
-            <a:r>
-              <a:rPr lang="en-US"/>
-              <a:t>Feature Engineering</a:t>
-            </a:r>
-            <a:endParaRPr/>
-          </a:p>
-        </p:txBody>
-      </p:sp>
-      <p:sp>
-        <p:nvSpPr>
-          <p:cNvPr id="98" name="Google Shape;98;p6"/>
-          <p:cNvSpPr txBox="1"/>
-          <p:nvPr>
-            <p:ph idx="1" type="body"/>
-          </p:nvPr>
-        </p:nvSpPr>
-        <p:spPr>
-          <a:xfrm>
-            <a:off x="415600" y="1536633"/>
-            <a:ext cx="11360700" cy="4555200"/>
-          </a:xfrm>
-          <a:prstGeom prst="rect">
-            <a:avLst/>
-          </a:prstGeom>
-          <a:noFill/>
-          <a:ln>
-            <a:noFill/>
-          </a:ln>
-        </p:spPr>
-        <p:txBody>
-          <a:bodyPr anchorCtr="0" anchor="t" bIns="45700" lIns="91425" spcFirstLastPara="1" rIns="91425" wrap="square" tIns="45700">
-            <a:normAutofit/>
-          </a:bodyPr>
-          <a:lstStyle/>
-          <a:p>
-            <a:pPr indent="-342900" lvl="0" marL="342900" rtl="0" algn="l">
-              <a:spcBef>
-                <a:spcPts val="0"/>
-              </a:spcBef>
-              <a:spcAft>
-                <a:spcPts val="0"/>
-              </a:spcAft>
-              <a:buSzPts val="1600"/>
-              <a:buChar char="●"/>
-            </a:pPr>
-            <a:r>
-              <a:rPr lang="en-US"/>
-              <a:t>Key Features: searchDate (weekday vs. weekend), destinationAirport, isNonStop, seatsRemaining, totalTravelDistance.</a:t>
-            </a:r>
-            <a:endParaRPr/>
-          </a:p>
-          <a:p>
-            <a:pPr indent="-342900" lvl="0" marL="342900" rtl="0" algn="l">
-              <a:spcBef>
-                <a:spcPts val="1000"/>
-              </a:spcBef>
-              <a:spcAft>
-                <a:spcPts val="0"/>
-              </a:spcAft>
-              <a:buSzPts val="1600"/>
-              <a:buChar char="●"/>
-            </a:pPr>
-            <a:r>
-              <a:rPr lang="en-US"/>
-              <a:t>Price Category: Grouped into quantiles (low, medium, high).</a:t>
-            </a:r>
-            <a:endParaRPr/>
-          </a:p>
-        </p:txBody>
-      </p:sp>
-    </p:spTree>
-  </p:cSld>
-  <p:clrMapOvr>
-    <a:masterClrMapping/>
-  </p:clrMapOvr>
-</p:sld>
-</file>
-
-<file path=ppt/slides/slide8.xml><?xml version="1.0" encoding="utf-8"?>
-<p:sld xmlns:a="http://schemas.openxmlformats.org/drawingml/2006/main" xmlns:r="http://schemas.openxmlformats.org/officeDocument/2006/relationships" xmlns:mc="http://schemas.openxmlformats.org/markup-compatibility/2006" xmlns:mv="urn:schemas-microsoft-com:mac:vml" xmlns:p="http://schemas.openxmlformats.org/presentationml/2006/main" xmlns:c="http://schemas.openxmlformats.org/drawingml/2006/chart" xmlns:dgm="http://schemas.openxmlformats.org/drawingml/2006/diagram" xmlns:o="urn:schemas-microsoft-com:office:office" xmlns:v="urn:schemas-microsoft-com:vml" xmlns:pvml="urn:schemas-microsoft-com:office:powerpoint" xmlns:com="http://schemas.openxmlformats.org/drawingml/2006/compatibility" xmlns:p14="http://schemas.microsoft.com/office/powerpoint/2010/main" xmlns:p15="http://schemas.microsoft.com/office/powerpoint/2012/main" xmlns:ahyp="http://schemas.microsoft.com/office/drawing/2018/hyperlinkcolor">
-  <p:cSld>
-    <p:spTree>
-      <p:nvGrpSpPr>
-        <p:cNvPr id="102" name="Shape 102"/>
-        <p:cNvGrpSpPr/>
-        <p:nvPr/>
-      </p:nvGrpSpPr>
-      <p:grpSpPr>
-        <a:xfrm>
-          <a:off x="0" y="0"/>
-          <a:ext cx="0" cy="0"/>
-          <a:chOff x="0" y="0"/>
-          <a:chExt cx="0" cy="0"/>
-        </a:xfrm>
-      </p:grpSpPr>
-      <p:sp>
-        <p:nvSpPr>
-          <p:cNvPr id="103" name="Google Shape;103;g313f73036cb_0_166"/>
+          <p:cNvPr id="98" name="Google Shape;98;g313f73036cb_0_166"/>
           <p:cNvSpPr txBox="1"/>
           <p:nvPr>
             <p:ph type="title"/>
@@ -10633,7 +10916,7 @@
             </a:pPr>
             <a:r>
               <a:rPr lang="en-US"/>
-              <a:t>Model Selection: </a:t>
+              <a:t>Model Selection I: </a:t>
             </a:r>
             <a:r>
               <a:rPr lang="en-US"/>
@@ -10645,7 +10928,7 @@
       </p:sp>
       <p:sp>
         <p:nvSpPr>
-          <p:cNvPr id="104" name="Google Shape;104;g313f73036cb_0_166"/>
+          <p:cNvPr id="99" name="Google Shape;99;g313f73036cb_0_166"/>
           <p:cNvSpPr txBox="1"/>
           <p:nvPr>
             <p:ph idx="1" type="body"/>
@@ -10808,12 +11091,12 @@
 </p:sld>
 </file>
 
-<file path=ppt/slides/slide9.xml><?xml version="1.0" encoding="utf-8"?>
+<file path=ppt/slides/slide8.xml><?xml version="1.0" encoding="utf-8"?>
 <p:sld xmlns:a="http://schemas.openxmlformats.org/drawingml/2006/main" xmlns:r="http://schemas.openxmlformats.org/officeDocument/2006/relationships" xmlns:mc="http://schemas.openxmlformats.org/markup-compatibility/2006" xmlns:mv="urn:schemas-microsoft-com:mac:vml" xmlns:p="http://schemas.openxmlformats.org/presentationml/2006/main" xmlns:c="http://schemas.openxmlformats.org/drawingml/2006/chart" xmlns:dgm="http://schemas.openxmlformats.org/drawingml/2006/diagram" xmlns:o="urn:schemas-microsoft-com:office:office" xmlns:v="urn:schemas-microsoft-com:vml" xmlns:pvml="urn:schemas-microsoft-com:office:powerpoint" xmlns:com="http://schemas.openxmlformats.org/drawingml/2006/compatibility" xmlns:p14="http://schemas.microsoft.com/office/powerpoint/2010/main" xmlns:p15="http://schemas.microsoft.com/office/powerpoint/2012/main" xmlns:ahyp="http://schemas.microsoft.com/office/drawing/2018/hyperlinkcolor">
   <p:cSld>
     <p:spTree>
       <p:nvGrpSpPr>
-        <p:cNvPr id="108" name="Shape 108"/>
+        <p:cNvPr id="103" name="Shape 103"/>
         <p:cNvGrpSpPr/>
         <p:nvPr/>
       </p:nvGrpSpPr>
@@ -10827,7 +11110,7 @@
       </p:grpSpPr>
       <p:sp>
         <p:nvSpPr>
-          <p:cNvPr id="109" name="Google Shape;109;g313f73036cb_0_183"/>
+          <p:cNvPr id="104" name="Google Shape;104;g313f73036cb_0_183"/>
           <p:cNvSpPr txBox="1"/>
           <p:nvPr>
             <p:ph type="title"/>
@@ -10859,7 +11142,7 @@
             </a:pPr>
             <a:r>
               <a:rPr lang="en-US"/>
-              <a:t>Model Selection: </a:t>
+              <a:t>Model Selection II: </a:t>
             </a:r>
             <a:r>
               <a:rPr lang="en-US"/>
@@ -10875,7 +11158,7 @@
       </p:sp>
       <p:sp>
         <p:nvSpPr>
-          <p:cNvPr id="110" name="Google Shape;110;g313f73036cb_0_183"/>
+          <p:cNvPr id="105" name="Google Shape;105;g313f73036cb_0_183"/>
           <p:cNvSpPr txBox="1"/>
           <p:nvPr>
             <p:ph idx="1" type="body"/>
@@ -11058,7 +11341,619 @@
 </p:sld>
 </file>
 
+<file path=ppt/slides/slide9.xml><?xml version="1.0" encoding="utf-8"?>
+<p:sld xmlns:a="http://schemas.openxmlformats.org/drawingml/2006/main" xmlns:r="http://schemas.openxmlformats.org/officeDocument/2006/relationships" xmlns:mc="http://schemas.openxmlformats.org/markup-compatibility/2006" xmlns:mv="urn:schemas-microsoft-com:mac:vml" xmlns:p="http://schemas.openxmlformats.org/presentationml/2006/main" xmlns:c="http://schemas.openxmlformats.org/drawingml/2006/chart" xmlns:dgm="http://schemas.openxmlformats.org/drawingml/2006/diagram" xmlns:o="urn:schemas-microsoft-com:office:office" xmlns:v="urn:schemas-microsoft-com:vml" xmlns:pvml="urn:schemas-microsoft-com:office:powerpoint" xmlns:com="http://schemas.openxmlformats.org/drawingml/2006/compatibility" xmlns:p14="http://schemas.microsoft.com/office/powerpoint/2010/main" xmlns:p15="http://schemas.microsoft.com/office/powerpoint/2012/main" xmlns:ahyp="http://schemas.microsoft.com/office/drawing/2018/hyperlinkcolor">
+  <p:cSld>
+    <p:spTree>
+      <p:nvGrpSpPr>
+        <p:cNvPr id="109" name="Shape 109"/>
+        <p:cNvGrpSpPr/>
+        <p:nvPr/>
+      </p:nvGrpSpPr>
+      <p:grpSpPr>
+        <a:xfrm>
+          <a:off x="0" y="0"/>
+          <a:ext cx="0" cy="0"/>
+          <a:chOff x="0" y="0"/>
+          <a:chExt cx="0" cy="0"/>
+        </a:xfrm>
+      </p:grpSpPr>
+      <p:sp>
+        <p:nvSpPr>
+          <p:cNvPr id="110" name="Google Shape;110;g313f73036cb_0_201"/>
+          <p:cNvSpPr txBox="1"/>
+          <p:nvPr>
+            <p:ph type="title"/>
+          </p:nvPr>
+        </p:nvSpPr>
+        <p:spPr>
+          <a:xfrm>
+            <a:off x="415600" y="593367"/>
+            <a:ext cx="11360700" cy="763500"/>
+          </a:xfrm>
+          <a:prstGeom prst="rect">
+            <a:avLst/>
+          </a:prstGeom>
+        </p:spPr>
+        <p:txBody>
+          <a:bodyPr anchorCtr="0" anchor="t" bIns="121900" lIns="121900" spcFirstLastPara="1" rIns="121900" wrap="square" tIns="121900">
+            <a:normAutofit fontScale="90000"/>
+          </a:bodyPr>
+          <a:lstStyle/>
+          <a:p>
+            <a:pPr indent="0" lvl="0" marL="0" rtl="0" algn="l">
+              <a:spcBef>
+                <a:spcPts val="0"/>
+              </a:spcBef>
+              <a:spcAft>
+                <a:spcPts val="0"/>
+              </a:spcAft>
+              <a:buNone/>
+            </a:pPr>
+            <a:r>
+              <a:rPr lang="en-US"/>
+              <a:t>Model Selection III: </a:t>
+            </a:r>
+            <a:r>
+              <a:rPr lang="en-US" sz="3600">
+                <a:solidFill>
+                  <a:srgbClr val="FFFFFF"/>
+                </a:solidFill>
+              </a:rPr>
+              <a:t>K-Nearest Neighbors</a:t>
+            </a:r>
+            <a:endParaRPr/>
+          </a:p>
+        </p:txBody>
+      </p:sp>
+      <p:sp>
+        <p:nvSpPr>
+          <p:cNvPr id="111" name="Google Shape;111;g313f73036cb_0_201"/>
+          <p:cNvSpPr txBox="1"/>
+          <p:nvPr>
+            <p:ph idx="1" type="body"/>
+          </p:nvPr>
+        </p:nvSpPr>
+        <p:spPr>
+          <a:xfrm>
+            <a:off x="415600" y="1536633"/>
+            <a:ext cx="11360700" cy="4555200"/>
+          </a:xfrm>
+          <a:prstGeom prst="rect">
+            <a:avLst/>
+          </a:prstGeom>
+        </p:spPr>
+        <p:txBody>
+          <a:bodyPr anchorCtr="0" anchor="t" bIns="121900" lIns="121900" spcFirstLastPara="1" rIns="121900" wrap="square" tIns="121900">
+            <a:normAutofit lnSpcReduction="10000"/>
+          </a:bodyPr>
+          <a:lstStyle/>
+          <a:p>
+            <a:pPr indent="-381000" lvl="0" marL="457200" rtl="0" algn="l">
+              <a:lnSpc>
+                <a:spcPct val="115000"/>
+              </a:lnSpc>
+              <a:spcBef>
+                <a:spcPts val="0"/>
+              </a:spcBef>
+              <a:spcAft>
+                <a:spcPts val="0"/>
+              </a:spcAft>
+              <a:buSzPts val="2400"/>
+              <a:buChar char="●"/>
+            </a:pPr>
+            <a:r>
+              <a:rPr lang="en-US">
+                <a:solidFill>
+                  <a:srgbClr val="CACACA"/>
+                </a:solidFill>
+              </a:rPr>
+              <a:t>Interpretable and simple to understand, based on data point similarity</a:t>
+            </a:r>
+            <a:endParaRPr>
+              <a:solidFill>
+                <a:srgbClr val="CACACA"/>
+              </a:solidFill>
+            </a:endParaRPr>
+          </a:p>
+          <a:p>
+            <a:pPr indent="-381000" lvl="0" marL="457200" rtl="0" algn="l">
+              <a:lnSpc>
+                <a:spcPct val="115000"/>
+              </a:lnSpc>
+              <a:spcBef>
+                <a:spcPts val="1000"/>
+              </a:spcBef>
+              <a:spcAft>
+                <a:spcPts val="0"/>
+              </a:spcAft>
+              <a:buSzPts val="2400"/>
+              <a:buChar char="●"/>
+            </a:pPr>
+            <a:r>
+              <a:rPr lang="en-US">
+                <a:solidFill>
+                  <a:srgbClr val="CACACA"/>
+                </a:solidFill>
+              </a:rPr>
+              <a:t>Works without assumptions about data distribution</a:t>
+            </a:r>
+            <a:endParaRPr>
+              <a:solidFill>
+                <a:srgbClr val="CACACA"/>
+              </a:solidFill>
+            </a:endParaRPr>
+          </a:p>
+          <a:p>
+            <a:pPr indent="-381000" lvl="0" marL="457200" rtl="0" algn="l">
+              <a:lnSpc>
+                <a:spcPct val="115000"/>
+              </a:lnSpc>
+              <a:spcBef>
+                <a:spcPts val="1000"/>
+              </a:spcBef>
+              <a:spcAft>
+                <a:spcPts val="0"/>
+              </a:spcAft>
+              <a:buSzPts val="2400"/>
+              <a:buChar char="●"/>
+            </a:pPr>
+            <a:r>
+              <a:rPr lang="en-US">
+                <a:solidFill>
+                  <a:srgbClr val="CACACA"/>
+                </a:solidFill>
+              </a:rPr>
+              <a:t>Effective at capturing local patterns in data</a:t>
+            </a:r>
+            <a:endParaRPr>
+              <a:solidFill>
+                <a:srgbClr val="CACACA"/>
+              </a:solidFill>
+            </a:endParaRPr>
+          </a:p>
+          <a:p>
+            <a:pPr indent="-381000" lvl="0" marL="457200" rtl="0" algn="l">
+              <a:lnSpc>
+                <a:spcPct val="115000"/>
+              </a:lnSpc>
+              <a:spcBef>
+                <a:spcPts val="1000"/>
+              </a:spcBef>
+              <a:spcAft>
+                <a:spcPts val="0"/>
+              </a:spcAft>
+              <a:buSzPts val="2400"/>
+              <a:buChar char="●"/>
+            </a:pPr>
+            <a:r>
+              <a:rPr lang="en-US">
+                <a:solidFill>
+                  <a:srgbClr val="CACACA"/>
+                </a:solidFill>
+              </a:rPr>
+              <a:t>Requires feature scaling due to sensitivity to distance</a:t>
+            </a:r>
+            <a:endParaRPr>
+              <a:solidFill>
+                <a:srgbClr val="CACACA"/>
+              </a:solidFill>
+            </a:endParaRPr>
+          </a:p>
+          <a:p>
+            <a:pPr indent="-381000" lvl="0" marL="457200" rtl="0" algn="l">
+              <a:lnSpc>
+                <a:spcPct val="115000"/>
+              </a:lnSpc>
+              <a:spcBef>
+                <a:spcPts val="1000"/>
+              </a:spcBef>
+              <a:spcAft>
+                <a:spcPts val="0"/>
+              </a:spcAft>
+              <a:buSzPts val="2400"/>
+              <a:buChar char="●"/>
+            </a:pPr>
+            <a:r>
+              <a:rPr lang="en-US">
+                <a:solidFill>
+                  <a:srgbClr val="CACACA"/>
+                </a:solidFill>
+              </a:rPr>
+              <a:t>Depends heavily on the choice of K, often optimized through cross-validation</a:t>
+            </a:r>
+            <a:endParaRPr>
+              <a:solidFill>
+                <a:srgbClr val="CACACA"/>
+              </a:solidFill>
+            </a:endParaRPr>
+          </a:p>
+          <a:p>
+            <a:pPr indent="-381000" lvl="0" marL="457200" rtl="0" algn="l">
+              <a:lnSpc>
+                <a:spcPct val="115000"/>
+              </a:lnSpc>
+              <a:spcBef>
+                <a:spcPts val="1000"/>
+              </a:spcBef>
+              <a:spcAft>
+                <a:spcPts val="0"/>
+              </a:spcAft>
+              <a:buSzPts val="2400"/>
+              <a:buChar char="●"/>
+            </a:pPr>
+            <a:r>
+              <a:rPr lang="en-US">
+                <a:solidFill>
+                  <a:srgbClr val="CACACA"/>
+                </a:solidFill>
+              </a:rPr>
+              <a:t>Computationally intensive for larger datasets</a:t>
+            </a:r>
+            <a:endParaRPr>
+              <a:solidFill>
+                <a:srgbClr val="CACACA"/>
+              </a:solidFill>
+            </a:endParaRPr>
+          </a:p>
+          <a:p>
+            <a:pPr indent="0" lvl="0" marL="0" rtl="0" algn="l">
+              <a:lnSpc>
+                <a:spcPct val="115000"/>
+              </a:lnSpc>
+              <a:spcBef>
+                <a:spcPts val="1000"/>
+              </a:spcBef>
+              <a:spcAft>
+                <a:spcPts val="0"/>
+              </a:spcAft>
+              <a:buNone/>
+            </a:pPr>
+            <a:r>
+              <a:t/>
+            </a:r>
+            <a:endParaRPr>
+              <a:solidFill>
+                <a:srgbClr val="CACACA"/>
+              </a:solidFill>
+              <a:latin typeface="Arial"/>
+              <a:ea typeface="Arial"/>
+              <a:cs typeface="Arial"/>
+              <a:sym typeface="Arial"/>
+            </a:endParaRPr>
+          </a:p>
+          <a:p>
+            <a:pPr indent="0" lvl="0" marL="0" rtl="0" algn="l">
+              <a:lnSpc>
+                <a:spcPct val="115000"/>
+              </a:lnSpc>
+              <a:spcBef>
+                <a:spcPts val="0"/>
+              </a:spcBef>
+              <a:spcAft>
+                <a:spcPts val="0"/>
+              </a:spcAft>
+              <a:buNone/>
+            </a:pPr>
+            <a:r>
+              <a:rPr lang="en-US">
+                <a:solidFill>
+                  <a:srgbClr val="CACACA"/>
+                </a:solidFill>
+              </a:rPr>
+              <a:t>But computationally expensive for calculating distances and fine-tuning the optimal K</a:t>
+            </a:r>
+            <a:endParaRPr>
+              <a:solidFill>
+                <a:srgbClr val="CACACA"/>
+              </a:solidFill>
+            </a:endParaRPr>
+          </a:p>
+          <a:p>
+            <a:pPr indent="0" lvl="0" marL="0" rtl="0" algn="l">
+              <a:spcBef>
+                <a:spcPts val="0"/>
+              </a:spcBef>
+              <a:spcAft>
+                <a:spcPts val="1000"/>
+              </a:spcAft>
+              <a:buNone/>
+            </a:pPr>
+            <a:r>
+              <a:t/>
+            </a:r>
+            <a:endParaRPr/>
+          </a:p>
+        </p:txBody>
+      </p:sp>
+    </p:spTree>
+  </p:cSld>
+  <p:clrMapOvr>
+    <a:masterClrMapping/>
+  </p:clrMapOvr>
+</p:sld>
+</file>
+
 <file path=ppt/theme/theme1.xml><?xml version="1.0" encoding="utf-8"?>
+<a:theme xmlns:a="http://schemas.openxmlformats.org/drawingml/2006/main" xmlns:r="http://schemas.openxmlformats.org/officeDocument/2006/relationships">
+  <a:themeElements>
+    <a:clrScheme name="Default">
+      <a:dk1>
+        <a:srgbClr val="000000"/>
+      </a:dk1>
+      <a:lt1>
+        <a:srgbClr val="FFFFFF"/>
+      </a:lt1>
+      <a:dk2>
+        <a:srgbClr val="158158"/>
+      </a:dk2>
+      <a:lt2>
+        <a:srgbClr val="F3F3F3"/>
+      </a:lt2>
+      <a:accent1>
+        <a:srgbClr val="058DC7"/>
+      </a:accent1>
+      <a:accent2>
+        <a:srgbClr val="50B432"/>
+      </a:accent2>
+      <a:accent3>
+        <a:srgbClr val="ED561B"/>
+      </a:accent3>
+      <a:accent4>
+        <a:srgbClr val="EDEF00"/>
+      </a:accent4>
+      <a:accent5>
+        <a:srgbClr val="24CBE5"/>
+      </a:accent5>
+      <a:accent6>
+        <a:srgbClr val="64E572"/>
+      </a:accent6>
+      <a:hlink>
+        <a:srgbClr val="2200CC"/>
+      </a:hlink>
+      <a:folHlink>
+        <a:srgbClr val="551A8B"/>
+      </a:folHlink>
+    </a:clrScheme>
+    <a:fontScheme name="Office">
+      <a:majorFont>
+        <a:latin typeface="Arial"/>
+        <a:ea typeface=""/>
+        <a:cs typeface=""/>
+        <a:font script="Jpan" typeface="ＭＳ Ｐゴシック"/>
+        <a:font script="Hang" typeface="맑은 고딕"/>
+        <a:font script="Hans" typeface="宋体"/>
+        <a:font script="Hant" typeface="新細明體"/>
+        <a:font script="Arab" typeface="Times New Roman"/>
+        <a:font script="Hebr" typeface="Times New Roman"/>
+        <a:font script="Thai" typeface="Angsana New"/>
+        <a:font script="Ethi" typeface="Nyala"/>
+        <a:font script="Beng" typeface="Vrinda"/>
+        <a:font script="Gujr" typeface="Shruti"/>
+        <a:font script="Khmr" typeface="MoolBoran"/>
+        <a:font script="Knda" typeface="Tunga"/>
+        <a:font script="Guru" typeface="Raavi"/>
+        <a:font script="Cans" typeface="Euphemia"/>
+        <a:font script="Cher" typeface="Plantagenet Cherokee"/>
+        <a:font script="Yiii" typeface="Microsoft Yi Baiti"/>
+        <a:font script="Tibt" typeface="Microsoft Himalaya"/>
+        <a:font script="Thaa" typeface="MV Boli"/>
+        <a:font script="Deva" typeface="Mangal"/>
+        <a:font script="Telu" typeface="Gautami"/>
+        <a:font script="Taml" typeface="Latha"/>
+        <a:font script="Syrc" typeface="Estrangelo Edessa"/>
+        <a:font script="Orya" typeface="Kalinga"/>
+        <a:font script="Mlym" typeface="Kartika"/>
+        <a:font script="Laoo" typeface="DokChampa"/>
+        <a:font script="Sinh" typeface="Iskoola Pota"/>
+        <a:font script="Mong" typeface="Mongolian Baiti"/>
+        <a:font script="Viet" typeface="Times New Roman"/>
+        <a:font script="Uigh" typeface="Microsoft Uighur"/>
+        <a:font script="Geor" typeface="Sylfaen"/>
+      </a:majorFont>
+      <a:minorFont>
+        <a:latin typeface="Arial"/>
+        <a:ea typeface=""/>
+        <a:cs typeface=""/>
+        <a:font script="Jpan" typeface="ＭＳ Ｐゴシック"/>
+        <a:font script="Hang" typeface="맑은 고딕"/>
+        <a:font script="Hans" typeface="宋体"/>
+        <a:font script="Hant" typeface="新細明體"/>
+        <a:font script="Arab" typeface="Arial"/>
+        <a:font script="Hebr" typeface="Arial"/>
+        <a:font script="Thai" typeface="Cordia New"/>
+        <a:font script="Ethi" typeface="Nyala"/>
+        <a:font script="Beng" typeface="Vrinda"/>
+        <a:font script="Gujr" typeface="Shruti"/>
+        <a:font script="Khmr" typeface="DaunPenh"/>
+        <a:font script="Knda" typeface="Tunga"/>
+        <a:font script="Guru" typeface="Raavi"/>
+        <a:font script="Cans" typeface="Euphemia"/>
+        <a:font script="Cher" typeface="Plantagenet Cherokee"/>
+        <a:font script="Yiii" typeface="Microsoft Yi Baiti"/>
+        <a:font script="Tibt" typeface="Microsoft Himalaya"/>
+        <a:font script="Thaa" typeface="MV Boli"/>
+        <a:font script="Deva" typeface="Mangal"/>
+        <a:font script="Telu" typeface="Gautami"/>
+        <a:font script="Taml" typeface="Latha"/>
+        <a:font script="Syrc" typeface="Estrangelo Edessa"/>
+        <a:font script="Orya" typeface="Kalinga"/>
+        <a:font script="Mlym" typeface="Kartika"/>
+        <a:font script="Laoo" typeface="DokChampa"/>
+        <a:font script="Sinh" typeface="Iskoola Pota"/>
+        <a:font script="Mong" typeface="Mongolian Baiti"/>
+        <a:font script="Viet" typeface="Arial"/>
+        <a:font script="Uigh" typeface="Microsoft Uighur"/>
+        <a:font script="Geor" typeface="Sylfaen"/>
+      </a:minorFont>
+    </a:fontScheme>
+    <a:fmtScheme name="Office">
+      <a:fillStyleLst>
+        <a:solidFill>
+          <a:schemeClr val="phClr"/>
+        </a:solidFill>
+        <a:gradFill rotWithShape="1">
+          <a:gsLst>
+            <a:gs pos="0">
+              <a:schemeClr val="phClr">
+                <a:tint val="50000"/>
+                <a:satMod val="300000"/>
+              </a:schemeClr>
+            </a:gs>
+            <a:gs pos="35000">
+              <a:schemeClr val="phClr">
+                <a:tint val="37000"/>
+                <a:satMod val="300000"/>
+              </a:schemeClr>
+            </a:gs>
+            <a:gs pos="100000">
+              <a:schemeClr val="phClr">
+                <a:tint val="15000"/>
+                <a:satMod val="350000"/>
+              </a:schemeClr>
+            </a:gs>
+          </a:gsLst>
+          <a:lin ang="16200000" scaled="1"/>
+        </a:gradFill>
+        <a:gradFill rotWithShape="1">
+          <a:gsLst>
+            <a:gs pos="0">
+              <a:schemeClr val="phClr">
+                <a:tint val="100000"/>
+                <a:shade val="100000"/>
+                <a:satMod val="130000"/>
+              </a:schemeClr>
+            </a:gs>
+            <a:gs pos="100000">
+              <a:schemeClr val="phClr">
+                <a:tint val="50000"/>
+                <a:shade val="100000"/>
+                <a:satMod val="350000"/>
+              </a:schemeClr>
+            </a:gs>
+          </a:gsLst>
+          <a:lin ang="16200000" scaled="0"/>
+        </a:gradFill>
+      </a:fillStyleLst>
+      <a:lnStyleLst>
+        <a:ln w="9525" cap="flat" cmpd="sng" algn="ctr">
+          <a:solidFill>
+            <a:schemeClr val="phClr">
+              <a:shade val="95000"/>
+              <a:satMod val="105000"/>
+            </a:schemeClr>
+          </a:solidFill>
+          <a:prstDash val="solid"/>
+        </a:ln>
+        <a:ln w="25400" cap="flat" cmpd="sng" algn="ctr">
+          <a:solidFill>
+            <a:schemeClr val="phClr"/>
+          </a:solidFill>
+          <a:prstDash val="solid"/>
+        </a:ln>
+        <a:ln w="38100" cap="flat" cmpd="sng" algn="ctr">
+          <a:solidFill>
+            <a:schemeClr val="phClr"/>
+          </a:solidFill>
+          <a:prstDash val="solid"/>
+        </a:ln>
+      </a:lnStyleLst>
+      <a:effectStyleLst>
+        <a:effectStyle>
+          <a:effectLst>
+            <a:outerShdw blurRad="40000" dist="20000" dir="5400000" rotWithShape="0">
+              <a:srgbClr val="000000">
+                <a:alpha val="38000"/>
+              </a:srgbClr>
+            </a:outerShdw>
+          </a:effectLst>
+        </a:effectStyle>
+        <a:effectStyle>
+          <a:effectLst>
+            <a:outerShdw blurRad="40000" dist="23000" dir="5400000" rotWithShape="0">
+              <a:srgbClr val="000000">
+                <a:alpha val="35000"/>
+              </a:srgbClr>
+            </a:outerShdw>
+          </a:effectLst>
+        </a:effectStyle>
+        <a:effectStyle>
+          <a:effectLst>
+            <a:outerShdw blurRad="40000" dist="23000" dir="5400000" rotWithShape="0">
+              <a:srgbClr val="000000">
+                <a:alpha val="35000"/>
+              </a:srgbClr>
+            </a:outerShdw>
+          </a:effectLst>
+          <a:scene3d>
+            <a:camera prst="orthographicFront">
+              <a:rot lat="0" lon="0" rev="0"/>
+            </a:camera>
+            <a:lightRig rig="threePt" dir="t">
+              <a:rot lat="0" lon="0" rev="1200000"/>
+            </a:lightRig>
+          </a:scene3d>
+          <a:sp3d>
+            <a:bevelT w="63500" h="25400"/>
+          </a:sp3d>
+        </a:effectStyle>
+      </a:effectStyleLst>
+      <a:bgFillStyleLst>
+        <a:solidFill>
+          <a:schemeClr val="phClr"/>
+        </a:solidFill>
+        <a:gradFill rotWithShape="1">
+          <a:gsLst>
+            <a:gs pos="0">
+              <a:schemeClr val="phClr">
+                <a:tint val="40000"/>
+                <a:satMod val="350000"/>
+              </a:schemeClr>
+            </a:gs>
+            <a:gs pos="40000">
+              <a:schemeClr val="phClr">
+                <a:tint val="45000"/>
+                <a:shade val="99000"/>
+                <a:satMod val="350000"/>
+              </a:schemeClr>
+            </a:gs>
+            <a:gs pos="100000">
+              <a:schemeClr val="phClr">
+                <a:shade val="20000"/>
+                <a:satMod val="255000"/>
+              </a:schemeClr>
+            </a:gs>
+          </a:gsLst>
+          <a:path path="circle">
+            <a:fillToRect l="50000" t="-80000" r="50000" b="180000"/>
+          </a:path>
+        </a:gradFill>
+        <a:gradFill rotWithShape="1">
+          <a:gsLst>
+            <a:gs pos="0">
+              <a:schemeClr val="phClr">
+                <a:tint val="80000"/>
+                <a:satMod val="300000"/>
+              </a:schemeClr>
+            </a:gs>
+            <a:gs pos="100000">
+              <a:schemeClr val="phClr">
+                <a:shade val="30000"/>
+                <a:satMod val="200000"/>
+              </a:schemeClr>
+            </a:gs>
+          </a:gsLst>
+          <a:path path="circle">
+            <a:fillToRect l="50000" t="50000" r="50000" b="50000"/>
+          </a:path>
+        </a:gradFill>
+      </a:bgFillStyleLst>
+    </a:fmtScheme>
+  </a:themeElements>
+</a:theme>
+</file>
+
+<file path=ppt/theme/theme2.xml><?xml version="1.0" encoding="utf-8"?>
 <a:theme xmlns:a="http://schemas.openxmlformats.org/drawingml/2006/main" xmlns:r="http://schemas.openxmlformats.org/officeDocument/2006/relationships" name="Slate">
   <a:themeElements>
     <a:clrScheme name="Slate">
@@ -11335,283 +12230,4 @@
     </a:fmtScheme>
   </a:themeElements>
 </a:theme>
-</file>
-
-<file path=ppt/theme/theme2.xml><?xml version="1.0" encoding="utf-8"?>
-<a:theme xmlns:a="http://schemas.openxmlformats.org/drawingml/2006/main" xmlns:r="http://schemas.openxmlformats.org/officeDocument/2006/relationships">
-  <a:themeElements>
-    <a:clrScheme name="Default">
-      <a:dk1>
-        <a:srgbClr val="000000"/>
-      </a:dk1>
-      <a:lt1>
-        <a:srgbClr val="FFFFFF"/>
-      </a:lt1>
-      <a:dk2>
-        <a:srgbClr val="158158"/>
-      </a:dk2>
-      <a:lt2>
-        <a:srgbClr val="F3F3F3"/>
-      </a:lt2>
-      <a:accent1>
-        <a:srgbClr val="058DC7"/>
-      </a:accent1>
-      <a:accent2>
-        <a:srgbClr val="50B432"/>
-      </a:accent2>
-      <a:accent3>
-        <a:srgbClr val="ED561B"/>
-      </a:accent3>
-      <a:accent4>
-        <a:srgbClr val="EDEF00"/>
-      </a:accent4>
-      <a:accent5>
-        <a:srgbClr val="24CBE5"/>
-      </a:accent5>
-      <a:accent6>
-        <a:srgbClr val="64E572"/>
-      </a:accent6>
-      <a:hlink>
-        <a:srgbClr val="2200CC"/>
-      </a:hlink>
-      <a:folHlink>
-        <a:srgbClr val="551A8B"/>
-      </a:folHlink>
-    </a:clrScheme>
-    <a:fontScheme name="Office">
-      <a:majorFont>
-        <a:latin typeface="Arial"/>
-        <a:ea typeface=""/>
-        <a:cs typeface=""/>
-        <a:font script="Jpan" typeface="ＭＳ Ｐゴシック"/>
-        <a:font script="Hang" typeface="맑은 고딕"/>
-        <a:font script="Hans" typeface="宋体"/>
-        <a:font script="Hant" typeface="新細明體"/>
-        <a:font script="Arab" typeface="Times New Roman"/>
-        <a:font script="Hebr" typeface="Times New Roman"/>
-        <a:font script="Thai" typeface="Angsana New"/>
-        <a:font script="Ethi" typeface="Nyala"/>
-        <a:font script="Beng" typeface="Vrinda"/>
-        <a:font script="Gujr" typeface="Shruti"/>
-        <a:font script="Khmr" typeface="MoolBoran"/>
-        <a:font script="Knda" typeface="Tunga"/>
-        <a:font script="Guru" typeface="Raavi"/>
-        <a:font script="Cans" typeface="Euphemia"/>
-        <a:font script="Cher" typeface="Plantagenet Cherokee"/>
-        <a:font script="Yiii" typeface="Microsoft Yi Baiti"/>
-        <a:font script="Tibt" typeface="Microsoft Himalaya"/>
-        <a:font script="Thaa" typeface="MV Boli"/>
-        <a:font script="Deva" typeface="Mangal"/>
-        <a:font script="Telu" typeface="Gautami"/>
-        <a:font script="Taml" typeface="Latha"/>
-        <a:font script="Syrc" typeface="Estrangelo Edessa"/>
-        <a:font script="Orya" typeface="Kalinga"/>
-        <a:font script="Mlym" typeface="Kartika"/>
-        <a:font script="Laoo" typeface="DokChampa"/>
-        <a:font script="Sinh" typeface="Iskoola Pota"/>
-        <a:font script="Mong" typeface="Mongolian Baiti"/>
-        <a:font script="Viet" typeface="Times New Roman"/>
-        <a:font script="Uigh" typeface="Microsoft Uighur"/>
-        <a:font script="Geor" typeface="Sylfaen"/>
-      </a:majorFont>
-      <a:minorFont>
-        <a:latin typeface="Arial"/>
-        <a:ea typeface=""/>
-        <a:cs typeface=""/>
-        <a:font script="Jpan" typeface="ＭＳ Ｐゴシック"/>
-        <a:font script="Hang" typeface="맑은 고딕"/>
-        <a:font script="Hans" typeface="宋体"/>
-        <a:font script="Hant" typeface="新細明體"/>
-        <a:font script="Arab" typeface="Arial"/>
-        <a:font script="Hebr" typeface="Arial"/>
-        <a:font script="Thai" typeface="Cordia New"/>
-        <a:font script="Ethi" typeface="Nyala"/>
-        <a:font script="Beng" typeface="Vrinda"/>
-        <a:font script="Gujr" typeface="Shruti"/>
-        <a:font script="Khmr" typeface="DaunPenh"/>
-        <a:font script="Knda" typeface="Tunga"/>
-        <a:font script="Guru" typeface="Raavi"/>
-        <a:font script="Cans" typeface="Euphemia"/>
-        <a:font script="Cher" typeface="Plantagenet Cherokee"/>
-        <a:font script="Yiii" typeface="Microsoft Yi Baiti"/>
-        <a:font script="Tibt" typeface="Microsoft Himalaya"/>
-        <a:font script="Thaa" typeface="MV Boli"/>
-        <a:font script="Deva" typeface="Mangal"/>
-        <a:font script="Telu" typeface="Gautami"/>
-        <a:font script="Taml" typeface="Latha"/>
-        <a:font script="Syrc" typeface="Estrangelo Edessa"/>
-        <a:font script="Orya" typeface="Kalinga"/>
-        <a:font script="Mlym" typeface="Kartika"/>
-        <a:font script="Laoo" typeface="DokChampa"/>
-        <a:font script="Sinh" typeface="Iskoola Pota"/>
-        <a:font script="Mong" typeface="Mongolian Baiti"/>
-        <a:font script="Viet" typeface="Arial"/>
-        <a:font script="Uigh" typeface="Microsoft Uighur"/>
-        <a:font script="Geor" typeface="Sylfaen"/>
-      </a:minorFont>
-    </a:fontScheme>
-    <a:fmtScheme name="Office">
-      <a:fillStyleLst>
-        <a:solidFill>
-          <a:schemeClr val="phClr"/>
-        </a:solidFill>
-        <a:gradFill rotWithShape="1">
-          <a:gsLst>
-            <a:gs pos="0">
-              <a:schemeClr val="phClr">
-                <a:tint val="50000"/>
-                <a:satMod val="300000"/>
-              </a:schemeClr>
-            </a:gs>
-            <a:gs pos="35000">
-              <a:schemeClr val="phClr">
-                <a:tint val="37000"/>
-                <a:satMod val="300000"/>
-              </a:schemeClr>
-            </a:gs>
-            <a:gs pos="100000">
-              <a:schemeClr val="phClr">
-                <a:tint val="15000"/>
-                <a:satMod val="350000"/>
-              </a:schemeClr>
-            </a:gs>
-          </a:gsLst>
-          <a:lin ang="16200000" scaled="1"/>
-        </a:gradFill>
-        <a:gradFill rotWithShape="1">
-          <a:gsLst>
-            <a:gs pos="0">
-              <a:schemeClr val="phClr">
-                <a:tint val="100000"/>
-                <a:shade val="100000"/>
-                <a:satMod val="130000"/>
-              </a:schemeClr>
-            </a:gs>
-            <a:gs pos="100000">
-              <a:schemeClr val="phClr">
-                <a:tint val="50000"/>
-                <a:shade val="100000"/>
-                <a:satMod val="350000"/>
-              </a:schemeClr>
-            </a:gs>
-          </a:gsLst>
-          <a:lin ang="16200000" scaled="0"/>
-        </a:gradFill>
-      </a:fillStyleLst>
-      <a:lnStyleLst>
-        <a:ln w="9525" cap="flat" cmpd="sng" algn="ctr">
-          <a:solidFill>
-            <a:schemeClr val="phClr">
-              <a:shade val="95000"/>
-              <a:satMod val="105000"/>
-            </a:schemeClr>
-          </a:solidFill>
-          <a:prstDash val="solid"/>
-        </a:ln>
-        <a:ln w="25400" cap="flat" cmpd="sng" algn="ctr">
-          <a:solidFill>
-            <a:schemeClr val="phClr"/>
-          </a:solidFill>
-          <a:prstDash val="solid"/>
-        </a:ln>
-        <a:ln w="38100" cap="flat" cmpd="sng" algn="ctr">
-          <a:solidFill>
-            <a:schemeClr val="phClr"/>
-          </a:solidFill>
-          <a:prstDash val="solid"/>
-        </a:ln>
-      </a:lnStyleLst>
-      <a:effectStyleLst>
-        <a:effectStyle>
-          <a:effectLst>
-            <a:outerShdw blurRad="40000" dist="20000" dir="5400000" rotWithShape="0">
-              <a:srgbClr val="000000">
-                <a:alpha val="38000"/>
-              </a:srgbClr>
-            </a:outerShdw>
-          </a:effectLst>
-        </a:effectStyle>
-        <a:effectStyle>
-          <a:effectLst>
-            <a:outerShdw blurRad="40000" dist="23000" dir="5400000" rotWithShape="0">
-              <a:srgbClr val="000000">
-                <a:alpha val="35000"/>
-              </a:srgbClr>
-            </a:outerShdw>
-          </a:effectLst>
-        </a:effectStyle>
-        <a:effectStyle>
-          <a:effectLst>
-            <a:outerShdw blurRad="40000" dist="23000" dir="5400000" rotWithShape="0">
-              <a:srgbClr val="000000">
-                <a:alpha val="35000"/>
-              </a:srgbClr>
-            </a:outerShdw>
-          </a:effectLst>
-          <a:scene3d>
-            <a:camera prst="orthographicFront">
-              <a:rot lat="0" lon="0" rev="0"/>
-            </a:camera>
-            <a:lightRig rig="threePt" dir="t">
-              <a:rot lat="0" lon="0" rev="1200000"/>
-            </a:lightRig>
-          </a:scene3d>
-          <a:sp3d>
-            <a:bevelT w="63500" h="25400"/>
-          </a:sp3d>
-        </a:effectStyle>
-      </a:effectStyleLst>
-      <a:bgFillStyleLst>
-        <a:solidFill>
-          <a:schemeClr val="phClr"/>
-        </a:solidFill>
-        <a:gradFill rotWithShape="1">
-          <a:gsLst>
-            <a:gs pos="0">
-              <a:schemeClr val="phClr">
-                <a:tint val="40000"/>
-                <a:satMod val="350000"/>
-              </a:schemeClr>
-            </a:gs>
-            <a:gs pos="40000">
-              <a:schemeClr val="phClr">
-                <a:tint val="45000"/>
-                <a:shade val="99000"/>
-                <a:satMod val="350000"/>
-              </a:schemeClr>
-            </a:gs>
-            <a:gs pos="100000">
-              <a:schemeClr val="phClr">
-                <a:shade val="20000"/>
-                <a:satMod val="255000"/>
-              </a:schemeClr>
-            </a:gs>
-          </a:gsLst>
-          <a:path path="circle">
-            <a:fillToRect l="50000" t="-80000" r="50000" b="180000"/>
-          </a:path>
-        </a:gradFill>
-        <a:gradFill rotWithShape="1">
-          <a:gsLst>
-            <a:gs pos="0">
-              <a:schemeClr val="phClr">
-                <a:tint val="80000"/>
-                <a:satMod val="300000"/>
-              </a:schemeClr>
-            </a:gs>
-            <a:gs pos="100000">
-              <a:schemeClr val="phClr">
-                <a:shade val="30000"/>
-                <a:satMod val="200000"/>
-              </a:schemeClr>
-            </a:gs>
-          </a:gsLst>
-          <a:path path="circle">
-            <a:fillToRect l="50000" t="50000" r="50000" b="50000"/>
-          </a:path>
-        </a:gradFill>
-      </a:bgFillStyleLst>
-    </a:fmtScheme>
-  </a:themeElements>
-</a:theme>
 </file>
--- a/Final_presentation.pptx
+++ b/Final_presentation.pptx
@@ -271,7 +271,7 @@
   </p:defaultTextStyle>
   <p:extLst>
     <p:ext uri="GoogleSlidesCustomDataVersion2">
-      <go:slidesCustomData xmlns:go="http://customooxmlschemas.google.com/" r:id="rId26" roundtripDataSignature="AMtx7mgL+AwZctpjecM9J1G1429GZA5YKg=="/>
+      <go:slidesCustomData xmlns:go="http://customooxmlschemas.google.com/" r:id="rId26" roundtripDataSignature="AMtx7mhN/C/ChzOeRB+CVuyYSsJs48fdWQ=="/>
     </p:ext>
   </p:extLst>
 </p:presentation>
@@ -1118,7 +1118,7 @@
       </p:grpSpPr>
       <p:sp>
         <p:nvSpPr>
-          <p:cNvPr id="137" name="Google Shape;137;g31898b522ba_2_4:notes"/>
+          <p:cNvPr id="137" name="Google Shape;137;g31898b522ba_2_9:notes"/>
           <p:cNvSpPr txBox="1"/>
           <p:nvPr>
             <p:ph idx="1" type="body"/>
@@ -1157,7 +1157,7 @@
       </p:sp>
       <p:sp>
         <p:nvSpPr>
-          <p:cNvPr id="138" name="Google Shape;138;g31898b522ba_2_4:notes"/>
+          <p:cNvPr id="138" name="Google Shape;138;g31898b522ba_2_9:notes"/>
           <p:cNvSpPr/>
           <p:nvPr>
             <p:ph idx="2" type="sldImg"/>
@@ -1217,7 +1217,7 @@
       </p:grpSpPr>
       <p:sp>
         <p:nvSpPr>
-          <p:cNvPr id="143" name="Google Shape;143;g31898b522ba_2_9:notes"/>
+          <p:cNvPr id="143" name="Google Shape;143;g31898b522ba_2_4:notes"/>
           <p:cNvSpPr txBox="1"/>
           <p:nvPr>
             <p:ph idx="1" type="body"/>
@@ -1256,7 +1256,7 @@
       </p:sp>
       <p:sp>
         <p:nvSpPr>
-          <p:cNvPr id="144" name="Google Shape;144;g31898b522ba_2_9:notes"/>
+          <p:cNvPr id="144" name="Google Shape;144;g31898b522ba_2_4:notes"/>
           <p:cNvSpPr/>
           <p:nvPr>
             <p:ph idx="2" type="sldImg"/>
@@ -1302,7 +1302,7 @@
   <p:cSld>
     <p:spTree>
       <p:nvGrpSpPr>
-        <p:cNvPr id="148" name="Shape 148"/>
+        <p:cNvPr id="152" name="Shape 152"/>
         <p:cNvGrpSpPr/>
         <p:nvPr/>
       </p:nvGrpSpPr>
@@ -1316,7 +1316,7 @@
       </p:grpSpPr>
       <p:sp>
         <p:nvSpPr>
-          <p:cNvPr id="149" name="Google Shape;149;p12:notes"/>
+          <p:cNvPr id="153" name="Google Shape;153;p12:notes"/>
           <p:cNvSpPr txBox="1"/>
           <p:nvPr>
             <p:ph idx="1" type="body"/>
@@ -1355,7 +1355,7 @@
       </p:sp>
       <p:sp>
         <p:nvSpPr>
-          <p:cNvPr id="150" name="Google Shape;150;p12:notes"/>
+          <p:cNvPr id="154" name="Google Shape;154;p12:notes"/>
           <p:cNvSpPr/>
           <p:nvPr>
             <p:ph idx="2" type="sldImg"/>
@@ -1401,7 +1401,7 @@
   <p:cSld>
     <p:spTree>
       <p:nvGrpSpPr>
-        <p:cNvPr id="154" name="Shape 154"/>
+        <p:cNvPr id="158" name="Shape 158"/>
         <p:cNvGrpSpPr/>
         <p:nvPr/>
       </p:nvGrpSpPr>
@@ -1415,7 +1415,7 @@
       </p:grpSpPr>
       <p:sp>
         <p:nvSpPr>
-          <p:cNvPr id="155" name="Google Shape;155;p13:notes"/>
+          <p:cNvPr id="159" name="Google Shape;159;p13:notes"/>
           <p:cNvSpPr txBox="1"/>
           <p:nvPr>
             <p:ph idx="1" type="body"/>
@@ -1454,7 +1454,7 @@
       </p:sp>
       <p:sp>
         <p:nvSpPr>
-          <p:cNvPr id="156" name="Google Shape;156;p13:notes"/>
+          <p:cNvPr id="160" name="Google Shape;160;p13:notes"/>
           <p:cNvSpPr/>
           <p:nvPr>
             <p:ph idx="2" type="sldImg"/>
@@ -1500,7 +1500,7 @@
   <p:cSld>
     <p:spTree>
       <p:nvGrpSpPr>
-        <p:cNvPr id="160" name="Shape 160"/>
+        <p:cNvPr id="164" name="Shape 164"/>
         <p:cNvGrpSpPr/>
         <p:nvPr/>
       </p:nvGrpSpPr>
@@ -1514,7 +1514,7 @@
       </p:grpSpPr>
       <p:sp>
         <p:nvSpPr>
-          <p:cNvPr id="161" name="Google Shape;161;p14:notes"/>
+          <p:cNvPr id="165" name="Google Shape;165;p14:notes"/>
           <p:cNvSpPr txBox="1"/>
           <p:nvPr>
             <p:ph idx="1" type="body"/>
@@ -1553,7 +1553,7 @@
       </p:sp>
       <p:sp>
         <p:nvSpPr>
-          <p:cNvPr id="162" name="Google Shape;162;p14:notes"/>
+          <p:cNvPr id="166" name="Google Shape;166;p14:notes"/>
           <p:cNvSpPr/>
           <p:nvPr>
             <p:ph idx="2" type="sldImg"/>
@@ -1599,7 +1599,7 @@
   <p:cSld>
     <p:spTree>
       <p:nvGrpSpPr>
-        <p:cNvPr id="166" name="Shape 166"/>
+        <p:cNvPr id="170" name="Shape 170"/>
         <p:cNvGrpSpPr/>
         <p:nvPr/>
       </p:nvGrpSpPr>
@@ -1613,7 +1613,7 @@
       </p:grpSpPr>
       <p:sp>
         <p:nvSpPr>
-          <p:cNvPr id="167" name="Google Shape;167;p15:notes"/>
+          <p:cNvPr id="171" name="Google Shape;171;p15:notes"/>
           <p:cNvSpPr txBox="1"/>
           <p:nvPr>
             <p:ph idx="1" type="body"/>
@@ -1652,7 +1652,7 @@
       </p:sp>
       <p:sp>
         <p:nvSpPr>
-          <p:cNvPr id="168" name="Google Shape;168;p15:notes"/>
+          <p:cNvPr id="172" name="Google Shape;172;p15:notes"/>
           <p:cNvSpPr/>
           <p:nvPr>
             <p:ph idx="2" type="sldImg"/>
@@ -8306,7 +8306,7 @@
             </a:pPr>
             <a:r>
               <a:rPr lang="en-US" sz="2400"/>
-              <a:t>Accuracy (66%)</a:t>
+              <a:t>Accuracy (74%)</a:t>
             </a:r>
             <a:endParaRPr sz="2400"/>
           </a:p>
@@ -8323,7 +8323,7 @@
             </a:pPr>
             <a:r>
               <a:rPr lang="en-US" sz="2400"/>
-              <a:t>Precision (66%)</a:t>
+              <a:t>Precision (74%)</a:t>
             </a:r>
             <a:endParaRPr sz="2400"/>
           </a:p>
@@ -8340,7 +8340,7 @@
             </a:pPr>
             <a:r>
               <a:rPr lang="en-US" sz="2400"/>
-              <a:t>Recall (66%)</a:t>
+              <a:t>Recall (74%)</a:t>
             </a:r>
             <a:endParaRPr sz="2400"/>
           </a:p>
@@ -8357,7 +8357,7 @@
             </a:pPr>
             <a:r>
               <a:rPr lang="en-US" sz="2400"/>
-              <a:t>F1 Score (66%).</a:t>
+              <a:t>F1 Score (74%).</a:t>
             </a:r>
             <a:endParaRPr sz="2400"/>
           </a:p>
@@ -8930,7 +8930,7 @@
       </p:grpSpPr>
       <p:sp>
         <p:nvSpPr>
-          <p:cNvPr id="140" name="Google Shape;140;g31898b522ba_2_4"/>
+          <p:cNvPr id="140" name="Google Shape;140;g31898b522ba_2_9"/>
           <p:cNvSpPr txBox="1"/>
           <p:nvPr>
             <p:ph type="title"/>
@@ -8971,7 +8971,7 @@
             </a:pPr>
             <a:r>
               <a:rPr lang="en-US"/>
-              <a:t>Results II: Random Forest</a:t>
+              <a:t>Results II: K-Nearest Neighbors </a:t>
             </a:r>
             <a:endParaRPr/>
           </a:p>
@@ -8979,7 +8979,7 @@
       </p:sp>
       <p:sp>
         <p:nvSpPr>
-          <p:cNvPr id="141" name="Google Shape;141;g31898b522ba_2_4"/>
+          <p:cNvPr id="141" name="Google Shape;141;g31898b522ba_2_9"/>
           <p:cNvSpPr txBox="1"/>
           <p:nvPr>
             <p:ph idx="1" type="body"/>
@@ -9083,7 +9083,7 @@
       </p:grpSpPr>
       <p:sp>
         <p:nvSpPr>
-          <p:cNvPr id="146" name="Google Shape;146;g31898b522ba_2_9"/>
+          <p:cNvPr id="146" name="Google Shape;146;g31898b522ba_2_4"/>
           <p:cNvSpPr txBox="1"/>
           <p:nvPr>
             <p:ph type="title"/>
@@ -9124,7 +9124,7 @@
             </a:pPr>
             <a:r>
               <a:rPr lang="en-US"/>
-              <a:t>Results III: K-Nearest Neighbors </a:t>
+              <a:t>Results III: Random Forest</a:t>
             </a:r>
             <a:endParaRPr/>
           </a:p>
@@ -9132,7 +9132,332 @@
       </p:sp>
       <p:sp>
         <p:nvSpPr>
-          <p:cNvPr id="147" name="Google Shape;147;g31898b522ba_2_9"/>
+          <p:cNvPr id="147" name="Google Shape;147;g31898b522ba_2_4"/>
+          <p:cNvSpPr txBox="1"/>
+          <p:nvPr>
+            <p:ph idx="1" type="body"/>
+          </p:nvPr>
+        </p:nvSpPr>
+        <p:spPr>
+          <a:xfrm>
+            <a:off x="415600" y="1550758"/>
+            <a:ext cx="11360700" cy="4555200"/>
+          </a:xfrm>
+          <a:prstGeom prst="rect">
+            <a:avLst/>
+          </a:prstGeom>
+          <a:noFill/>
+          <a:ln>
+            <a:noFill/>
+          </a:ln>
+        </p:spPr>
+        <p:txBody>
+          <a:bodyPr anchorCtr="0" anchor="t" bIns="45700" lIns="91425" spcFirstLastPara="1" rIns="91425" wrap="square" tIns="45700">
+            <a:normAutofit/>
+          </a:bodyPr>
+          <a:lstStyle/>
+          <a:p>
+            <a:pPr indent="-342900" lvl="0" marL="342900" rtl="0" algn="l">
+              <a:spcBef>
+                <a:spcPts val="0"/>
+              </a:spcBef>
+              <a:spcAft>
+                <a:spcPts val="0"/>
+              </a:spcAft>
+              <a:buSzPts val="1600"/>
+              <a:buChar char="●"/>
+            </a:pPr>
+            <a:r>
+              <a:rPr lang="en-US"/>
+              <a:t>Feature Importance: seatsRemaining, totalTravelDistance.</a:t>
+            </a:r>
+            <a:endParaRPr/>
+          </a:p>
+          <a:p>
+            <a:pPr indent="-342900" lvl="0" marL="342900" rtl="0" algn="l">
+              <a:spcBef>
+                <a:spcPts val="1000"/>
+              </a:spcBef>
+              <a:spcAft>
+                <a:spcPts val="0"/>
+              </a:spcAft>
+              <a:buSzPts val="1600"/>
+              <a:buChar char="●"/>
+            </a:pPr>
+            <a:r>
+              <a:rPr lang="en-US"/>
+              <a:t>Confusion Matrix: Performance across price categories.</a:t>
+            </a:r>
+            <a:endParaRPr/>
+          </a:p>
+          <a:p>
+            <a:pPr indent="-393700" lvl="0" marL="342900" rtl="0" algn="l">
+              <a:spcBef>
+                <a:spcPts val="1000"/>
+              </a:spcBef>
+              <a:spcAft>
+                <a:spcPts val="0"/>
+              </a:spcAft>
+              <a:buSzPts val="2400"/>
+              <a:buChar char="●"/>
+            </a:pPr>
+            <a:r>
+              <a:rPr lang="en-US"/>
+              <a:t>Comparing the results of three models, Decision Tree provides the best results</a:t>
+            </a:r>
+            <a:endParaRPr/>
+          </a:p>
+        </p:txBody>
+      </p:sp>
+      <p:sp>
+        <p:nvSpPr>
+          <p:cNvPr id="148" name="Google Shape;148;g31898b522ba_2_4"/>
+          <p:cNvSpPr txBox="1"/>
+          <p:nvPr/>
+        </p:nvSpPr>
+        <p:spPr>
+          <a:xfrm>
+            <a:off x="667425" y="6170775"/>
+            <a:ext cx="5361900" cy="353400"/>
+          </a:xfrm>
+          <a:prstGeom prst="rect">
+            <a:avLst/>
+          </a:prstGeom>
+          <a:noFill/>
+          <a:ln>
+            <a:noFill/>
+          </a:ln>
+        </p:spPr>
+        <p:txBody>
+          <a:bodyPr anchorCtr="0" anchor="t" bIns="91425" lIns="91425" spcFirstLastPara="1" rIns="91425" wrap="square" tIns="91425">
+            <a:noAutofit/>
+          </a:bodyPr>
+          <a:lstStyle/>
+          <a:p>
+            <a:pPr indent="0" lvl="0" marL="0" rtl="0" algn="l">
+              <a:spcBef>
+                <a:spcPts val="0"/>
+              </a:spcBef>
+              <a:spcAft>
+                <a:spcPts val="0"/>
+              </a:spcAft>
+              <a:buNone/>
+            </a:pPr>
+            <a:r>
+              <a:rPr lang="en-US" sz="2400">
+                <a:solidFill>
+                  <a:schemeClr val="accent3"/>
+                </a:solidFill>
+                <a:latin typeface="Average"/>
+                <a:ea typeface="Average"/>
+                <a:cs typeface="Average"/>
+                <a:sym typeface="Average"/>
+              </a:rPr>
+              <a:t>Figure 1: Feature Importance Diagram</a:t>
+            </a:r>
+            <a:endParaRPr sz="2400">
+              <a:solidFill>
+                <a:schemeClr val="accent3"/>
+              </a:solidFill>
+              <a:latin typeface="Average"/>
+              <a:ea typeface="Average"/>
+              <a:cs typeface="Average"/>
+              <a:sym typeface="Average"/>
+            </a:endParaRPr>
+          </a:p>
+        </p:txBody>
+      </p:sp>
+      <p:sp>
+        <p:nvSpPr>
+          <p:cNvPr id="149" name="Google Shape;149;g31898b522ba_2_4"/>
+          <p:cNvSpPr txBox="1"/>
+          <p:nvPr/>
+        </p:nvSpPr>
+        <p:spPr>
+          <a:xfrm>
+            <a:off x="6662875" y="6299825"/>
+            <a:ext cx="4892400" cy="554100"/>
+          </a:xfrm>
+          <a:prstGeom prst="rect">
+            <a:avLst/>
+          </a:prstGeom>
+          <a:noFill/>
+          <a:ln>
+            <a:noFill/>
+          </a:ln>
+        </p:spPr>
+        <p:txBody>
+          <a:bodyPr anchorCtr="0" anchor="t" bIns="91425" lIns="91425" spcFirstLastPara="1" rIns="91425" wrap="square" tIns="91425">
+            <a:spAutoFit/>
+          </a:bodyPr>
+          <a:lstStyle/>
+          <a:p>
+            <a:pPr indent="0" lvl="0" marL="0" rtl="0" algn="l">
+              <a:spcBef>
+                <a:spcPts val="0"/>
+              </a:spcBef>
+              <a:spcAft>
+                <a:spcPts val="0"/>
+              </a:spcAft>
+              <a:buNone/>
+            </a:pPr>
+            <a:r>
+              <a:rPr lang="en-US" sz="2400">
+                <a:solidFill>
+                  <a:schemeClr val="accent3"/>
+                </a:solidFill>
+                <a:latin typeface="Average"/>
+                <a:ea typeface="Average"/>
+                <a:cs typeface="Average"/>
+                <a:sym typeface="Average"/>
+              </a:rPr>
+              <a:t>Figure 2: Confusion Matrix Diagram</a:t>
+            </a:r>
+            <a:endParaRPr sz="2400">
+              <a:solidFill>
+                <a:schemeClr val="accent3"/>
+              </a:solidFill>
+              <a:latin typeface="Average"/>
+              <a:ea typeface="Average"/>
+              <a:cs typeface="Average"/>
+              <a:sym typeface="Average"/>
+            </a:endParaRPr>
+          </a:p>
+        </p:txBody>
+      </p:sp>
+      <p:pic>
+        <p:nvPicPr>
+          <p:cNvPr id="150" name="Google Shape;150;g31898b522ba_2_4"/>
+          <p:cNvPicPr preferRelativeResize="0"/>
+          <p:nvPr/>
+        </p:nvPicPr>
+        <p:blipFill>
+          <a:blip r:embed="rId3">
+            <a:alphaModFix/>
+          </a:blip>
+          <a:stretch>
+            <a:fillRect/>
+          </a:stretch>
+        </p:blipFill>
+        <p:spPr>
+          <a:xfrm>
+            <a:off x="376575" y="3242800"/>
+            <a:ext cx="6286299" cy="2927975"/>
+          </a:xfrm>
+          <a:prstGeom prst="rect">
+            <a:avLst/>
+          </a:prstGeom>
+          <a:noFill/>
+          <a:ln>
+            <a:noFill/>
+          </a:ln>
+        </p:spPr>
+      </p:pic>
+      <p:pic>
+        <p:nvPicPr>
+          <p:cNvPr id="151" name="Google Shape;151;g31898b522ba_2_4"/>
+          <p:cNvPicPr preferRelativeResize="0"/>
+          <p:nvPr/>
+        </p:nvPicPr>
+        <p:blipFill>
+          <a:blip r:embed="rId4">
+            <a:alphaModFix/>
+          </a:blip>
+          <a:stretch>
+            <a:fillRect/>
+          </a:stretch>
+        </p:blipFill>
+        <p:spPr>
+          <a:xfrm>
+            <a:off x="6774725" y="3117782"/>
+            <a:ext cx="4780550" cy="3182043"/>
+          </a:xfrm>
+          <a:prstGeom prst="rect">
+            <a:avLst/>
+          </a:prstGeom>
+          <a:noFill/>
+          <a:ln>
+            <a:noFill/>
+          </a:ln>
+        </p:spPr>
+      </p:pic>
+    </p:spTree>
+  </p:cSld>
+  <p:clrMapOvr>
+    <a:masterClrMapping/>
+  </p:clrMapOvr>
+</p:sld>
+</file>
+
+<file path=ppt/slides/slide15.xml><?xml version="1.0" encoding="utf-8"?>
+<p:sld xmlns:a="http://schemas.openxmlformats.org/drawingml/2006/main" xmlns:r="http://schemas.openxmlformats.org/officeDocument/2006/relationships" xmlns:mc="http://schemas.openxmlformats.org/markup-compatibility/2006" xmlns:mv="urn:schemas-microsoft-com:mac:vml" xmlns:p="http://schemas.openxmlformats.org/presentationml/2006/main" xmlns:c="http://schemas.openxmlformats.org/drawingml/2006/chart" xmlns:dgm="http://schemas.openxmlformats.org/drawingml/2006/diagram" xmlns:o="urn:schemas-microsoft-com:office:office" xmlns:v="urn:schemas-microsoft-com:vml" xmlns:pvml="urn:schemas-microsoft-com:office:powerpoint" xmlns:com="http://schemas.openxmlformats.org/drawingml/2006/compatibility" xmlns:p14="http://schemas.microsoft.com/office/powerpoint/2010/main" xmlns:p15="http://schemas.microsoft.com/office/powerpoint/2012/main" xmlns:ahyp="http://schemas.microsoft.com/office/drawing/2018/hyperlinkcolor">
+  <p:cSld>
+    <p:spTree>
+      <p:nvGrpSpPr>
+        <p:cNvPr id="155" name="Shape 155"/>
+        <p:cNvGrpSpPr/>
+        <p:nvPr/>
+      </p:nvGrpSpPr>
+      <p:grpSpPr>
+        <a:xfrm>
+          <a:off x="0" y="0"/>
+          <a:ext cx="0" cy="0"/>
+          <a:chOff x="0" y="0"/>
+          <a:chExt cx="0" cy="0"/>
+        </a:xfrm>
+      </p:grpSpPr>
+      <p:sp>
+        <p:nvSpPr>
+          <p:cNvPr id="156" name="Google Shape;156;p12"/>
+          <p:cNvSpPr txBox="1"/>
+          <p:nvPr>
+            <p:ph type="title"/>
+          </p:nvPr>
+        </p:nvSpPr>
+        <p:spPr>
+          <a:xfrm>
+            <a:off x="415600" y="593367"/>
+            <a:ext cx="11360700" cy="763500"/>
+          </a:xfrm>
+          <a:prstGeom prst="rect">
+            <a:avLst/>
+          </a:prstGeom>
+          <a:noFill/>
+          <a:ln>
+            <a:noFill/>
+          </a:ln>
+        </p:spPr>
+        <p:txBody>
+          <a:bodyPr anchorCtr="0" anchor="t" bIns="45700" lIns="91425" spcFirstLastPara="1" rIns="91425" wrap="square" tIns="45700">
+            <a:noAutofit/>
+          </a:bodyPr>
+          <a:lstStyle/>
+          <a:p>
+            <a:pPr indent="0" lvl="0" marL="0" rtl="0" algn="l">
+              <a:spcBef>
+                <a:spcPts val="0"/>
+              </a:spcBef>
+              <a:spcAft>
+                <a:spcPts val="0"/>
+              </a:spcAft>
+              <a:buClr>
+                <a:schemeClr val="lt2"/>
+              </a:buClr>
+              <a:buSzPts val="4200"/>
+              <a:buFont typeface="Century Gothic"/>
+              <a:buNone/>
+            </a:pPr>
+            <a:r>
+              <a:rPr lang="en-US"/>
+              <a:t>Discussion</a:t>
+            </a:r>
+            <a:endParaRPr/>
+          </a:p>
+        </p:txBody>
+      </p:sp>
+      <p:sp>
+        <p:nvSpPr>
+          <p:cNvPr id="157" name="Google Shape;157;p12"/>
           <p:cNvSpPr txBox="1"/>
           <p:nvPr>
             <p:ph idx="1" type="body"/>
@@ -9169,7 +9494,15 @@
             </a:pPr>
             <a:r>
               <a:rPr lang="en-US"/>
-              <a:t>Feature Importance: seatsRemaining, totalTravelDistance.</a:t>
+              <a:t>Insights: Key features influencing flight prices are total travel </a:t>
+            </a:r>
+            <a:r>
+              <a:rPr lang="en-US"/>
+              <a:t>distance</a:t>
+            </a:r>
+            <a:r>
+              <a:rPr lang="en-US"/>
+              <a:t>, days before the flight, and is basic economy</a:t>
             </a:r>
             <a:endParaRPr/>
           </a:p>
@@ -9186,24 +9519,24 @@
             </a:pPr>
             <a:r>
               <a:rPr lang="en-US"/>
-              <a:t>Confusion Matrix: Performance across price categories.</a:t>
+              <a:t>Challenges: Balancing class distributions, tuning model parameters.</a:t>
             </a:r>
             <a:endParaRPr/>
           </a:p>
           <a:p>
-            <a:pPr indent="-393700" lvl="0" marL="342900" rtl="0" algn="l">
+            <a:pPr indent="-342900" lvl="0" marL="342900" rtl="0" algn="l">
               <a:spcBef>
                 <a:spcPts val="1000"/>
               </a:spcBef>
               <a:spcAft>
                 <a:spcPts val="0"/>
               </a:spcAft>
-              <a:buSzPts val="2400"/>
+              <a:buSzPts val="1600"/>
               <a:buChar char="●"/>
             </a:pPr>
             <a:r>
               <a:rPr lang="en-US"/>
-              <a:t>Comparing the results of three models, Decision Tree provides the best results</a:t>
+              <a:t>Future Improvements: Additional features, ensemble techniques.</a:t>
             </a:r>
             <a:endParaRPr/>
           </a:p>
@@ -9217,12 +9550,12 @@
 </p:sld>
 </file>
 
-<file path=ppt/slides/slide15.xml><?xml version="1.0" encoding="utf-8"?>
+<file path=ppt/slides/slide16.xml><?xml version="1.0" encoding="utf-8"?>
 <p:sld xmlns:a="http://schemas.openxmlformats.org/drawingml/2006/main" xmlns:r="http://schemas.openxmlformats.org/officeDocument/2006/relationships" xmlns:mc="http://schemas.openxmlformats.org/markup-compatibility/2006" xmlns:mv="urn:schemas-microsoft-com:mac:vml" xmlns:p="http://schemas.openxmlformats.org/presentationml/2006/main" xmlns:c="http://schemas.openxmlformats.org/drawingml/2006/chart" xmlns:dgm="http://schemas.openxmlformats.org/drawingml/2006/diagram" xmlns:o="urn:schemas-microsoft-com:office:office" xmlns:v="urn:schemas-microsoft-com:vml" xmlns:pvml="urn:schemas-microsoft-com:office:powerpoint" xmlns:com="http://schemas.openxmlformats.org/drawingml/2006/compatibility" xmlns:p14="http://schemas.microsoft.com/office/powerpoint/2010/main" xmlns:p15="http://schemas.microsoft.com/office/powerpoint/2012/main" xmlns:ahyp="http://schemas.microsoft.com/office/drawing/2018/hyperlinkcolor">
   <p:cSld>
     <p:spTree>
       <p:nvGrpSpPr>
-        <p:cNvPr id="151" name="Shape 151"/>
+        <p:cNvPr id="161" name="Shape 161"/>
         <p:cNvGrpSpPr/>
         <p:nvPr/>
       </p:nvGrpSpPr>
@@ -9236,7 +9569,7 @@
       </p:grpSpPr>
       <p:sp>
         <p:nvSpPr>
-          <p:cNvPr id="152" name="Google Shape;152;p12"/>
+          <p:cNvPr id="162" name="Google Shape;162;p13"/>
           <p:cNvSpPr txBox="1"/>
           <p:nvPr>
             <p:ph type="title"/>
@@ -9277,7 +9610,7 @@
             </a:pPr>
             <a:r>
               <a:rPr lang="en-US"/>
-              <a:t>Discussion</a:t>
+              <a:t>Conclusion</a:t>
             </a:r>
             <a:endParaRPr/>
           </a:p>
@@ -9285,7 +9618,7 @@
       </p:sp>
       <p:sp>
         <p:nvSpPr>
-          <p:cNvPr id="153" name="Google Shape;153;p12"/>
+          <p:cNvPr id="163" name="Google Shape;163;p13"/>
           <p:cNvSpPr txBox="1"/>
           <p:nvPr>
             <p:ph idx="1" type="body"/>
@@ -9322,15 +9655,7 @@
             </a:pPr>
             <a:r>
               <a:rPr lang="en-US"/>
-              <a:t>Insights: Key features influencing flight prices are total travel </a:t>
-            </a:r>
-            <a:r>
-              <a:rPr lang="en-US"/>
-              <a:t>distance</a:t>
-            </a:r>
-            <a:r>
-              <a:rPr lang="en-US"/>
-              <a:t>, days before the flight, and is basic economy</a:t>
+              <a:t>Summary: Effective classification of flight prices into ranges.</a:t>
             </a:r>
             <a:endParaRPr/>
           </a:p>
@@ -9347,7 +9672,7 @@
             </a:pPr>
             <a:r>
               <a:rPr lang="en-US"/>
-              <a:t>Challenges: Balancing class distributions, tuning model parameters.</a:t>
+              <a:t>Impact: Insights for travelers and industry.</a:t>
             </a:r>
             <a:endParaRPr/>
           </a:p>
@@ -9364,7 +9689,7 @@
             </a:pPr>
             <a:r>
               <a:rPr lang="en-US"/>
-              <a:t>Future Improvements: Additional features, ensemble techniques.</a:t>
+              <a:t>Future Scope: Real-time predictions, advanced models.</a:t>
             </a:r>
             <a:endParaRPr/>
           </a:p>
@@ -9378,12 +9703,12 @@
 </p:sld>
 </file>
 
-<file path=ppt/slides/slide16.xml><?xml version="1.0" encoding="utf-8"?>
+<file path=ppt/slides/slide17.xml><?xml version="1.0" encoding="utf-8"?>
 <p:sld xmlns:a="http://schemas.openxmlformats.org/drawingml/2006/main" xmlns:r="http://schemas.openxmlformats.org/officeDocument/2006/relationships" xmlns:mc="http://schemas.openxmlformats.org/markup-compatibility/2006" xmlns:mv="urn:schemas-microsoft-com:mac:vml" xmlns:p="http://schemas.openxmlformats.org/presentationml/2006/main" xmlns:c="http://schemas.openxmlformats.org/drawingml/2006/chart" xmlns:dgm="http://schemas.openxmlformats.org/drawingml/2006/diagram" xmlns:o="urn:schemas-microsoft-com:office:office" xmlns:v="urn:schemas-microsoft-com:vml" xmlns:pvml="urn:schemas-microsoft-com:office:powerpoint" xmlns:com="http://schemas.openxmlformats.org/drawingml/2006/compatibility" xmlns:p14="http://schemas.microsoft.com/office/powerpoint/2010/main" xmlns:p15="http://schemas.microsoft.com/office/powerpoint/2012/main" xmlns:ahyp="http://schemas.microsoft.com/office/drawing/2018/hyperlinkcolor">
   <p:cSld>
     <p:spTree>
       <p:nvGrpSpPr>
-        <p:cNvPr id="157" name="Shape 157"/>
+        <p:cNvPr id="167" name="Shape 167"/>
         <p:cNvGrpSpPr/>
         <p:nvPr/>
       </p:nvGrpSpPr>
@@ -9397,7 +9722,7 @@
       </p:grpSpPr>
       <p:sp>
         <p:nvSpPr>
-          <p:cNvPr id="158" name="Google Shape;158;p13"/>
+          <p:cNvPr id="168" name="Google Shape;168;p14"/>
           <p:cNvSpPr txBox="1"/>
           <p:nvPr>
             <p:ph type="title"/>
@@ -9438,7 +9763,7 @@
             </a:pPr>
             <a:r>
               <a:rPr lang="en-US"/>
-              <a:t>Conclusion</a:t>
+              <a:t>Project Plan &amp; Task Distribution</a:t>
             </a:r>
             <a:endParaRPr/>
           </a:p>
@@ -9446,7 +9771,7 @@
       </p:sp>
       <p:sp>
         <p:nvSpPr>
-          <p:cNvPr id="159" name="Google Shape;159;p13"/>
+          <p:cNvPr id="169" name="Google Shape;169;p14"/>
           <p:cNvSpPr txBox="1"/>
           <p:nvPr>
             <p:ph idx="1" type="body"/>
@@ -9454,7 +9779,7 @@
         </p:nvSpPr>
         <p:spPr>
           <a:xfrm>
-            <a:off x="415600" y="1536633"/>
+            <a:off x="415600" y="1612833"/>
             <a:ext cx="11360700" cy="4555200"/>
           </a:xfrm>
           <a:prstGeom prst="rect">
@@ -9471,55 +9796,94 @@
           </a:bodyPr>
           <a:lstStyle/>
           <a:p>
-            <a:pPr indent="-342900" lvl="0" marL="342900" rtl="0" algn="l">
-              <a:spcBef>
-                <a:spcPts val="0"/>
-              </a:spcBef>
-              <a:spcAft>
-                <a:spcPts val="0"/>
-              </a:spcAft>
-              <a:buSzPts val="1600"/>
+            <a:pPr indent="0" lvl="0" marL="0" rtl="0" algn="l">
+              <a:spcBef>
+                <a:spcPts val="0"/>
+              </a:spcBef>
+              <a:spcAft>
+                <a:spcPts val="0"/>
+              </a:spcAft>
+              <a:buNone/>
+            </a:pPr>
+            <a:r>
+              <a:rPr lang="en-US" sz="2500"/>
+              <a:t>We all worked on: data cleaning, feature engineering, data visualization,  evaluation metrics, report documentation, presentation preparation</a:t>
+            </a:r>
+            <a:endParaRPr sz="2500"/>
+          </a:p>
+          <a:p>
+            <a:pPr indent="0" lvl="0" marL="0" rtl="0" algn="l">
+              <a:spcBef>
+                <a:spcPts val="1000"/>
+              </a:spcBef>
+              <a:spcAft>
+                <a:spcPts val="0"/>
+              </a:spcAft>
+              <a:buNone/>
+            </a:pPr>
+            <a:r>
+              <a:t/>
+            </a:r>
+            <a:endParaRPr sz="2500"/>
+          </a:p>
+          <a:p>
+            <a:pPr indent="-349250" lvl="0" marL="342900" rtl="0" algn="l">
+              <a:spcBef>
+                <a:spcPts val="1000"/>
+              </a:spcBef>
+              <a:spcAft>
+                <a:spcPts val="0"/>
+              </a:spcAft>
+              <a:buSzPts val="1700"/>
               <a:buChar char="●"/>
             </a:pPr>
             <a:r>
-              <a:rPr lang="en-US"/>
-              <a:t>Summary: Effective classification of flight prices into ranges.</a:t>
-            </a:r>
-            <a:endParaRPr/>
-          </a:p>
-          <a:p>
-            <a:pPr indent="-342900" lvl="0" marL="342900" rtl="0" algn="l">
+              <a:rPr lang="en-US" sz="2500"/>
+              <a:t>Vivek Ponnala: Setting up github, CI and all the branches, implementing Random Forest Classifier, Presentation and Report</a:t>
+            </a:r>
+            <a:endParaRPr sz="2500"/>
+          </a:p>
+          <a:p>
+            <a:pPr indent="-349250" lvl="0" marL="342900" rtl="0" algn="l">
               <a:spcBef>
                 <a:spcPts val="1000"/>
               </a:spcBef>
               <a:spcAft>
                 <a:spcPts val="0"/>
               </a:spcAft>
-              <a:buSzPts val="1600"/>
+              <a:buSzPts val="1700"/>
               <a:buChar char="●"/>
             </a:pPr>
             <a:r>
-              <a:rPr lang="en-US"/>
-              <a:t>Impact: Insights for travelers and industry.</a:t>
-            </a:r>
-            <a:endParaRPr/>
-          </a:p>
-          <a:p>
-            <a:pPr indent="-342900" lvl="0" marL="342900" rtl="0" algn="l">
+              <a:rPr lang="en-US" sz="2500"/>
+              <a:t>Maggie Qin: </a:t>
+            </a:r>
+            <a:r>
+              <a:rPr lang="en-US" sz="2500">
+                <a:solidFill>
+                  <a:srgbClr val="CACACA"/>
+                </a:solidFill>
+              </a:rPr>
+              <a:t>K-Nearest Neighbors Classifier, Presentation and Report</a:t>
+            </a:r>
+            <a:endParaRPr sz="2500"/>
+          </a:p>
+          <a:p>
+            <a:pPr indent="-349250" lvl="0" marL="342900" rtl="0" algn="l">
               <a:spcBef>
                 <a:spcPts val="1000"/>
               </a:spcBef>
               <a:spcAft>
-                <a:spcPts val="0"/>
-              </a:spcAft>
-              <a:buSzPts val="1600"/>
+                <a:spcPts val="1000"/>
+              </a:spcAft>
+              <a:buSzPts val="1700"/>
               <a:buChar char="●"/>
             </a:pPr>
             <a:r>
-              <a:rPr lang="en-US"/>
-              <a:t>Future Scope: Real-time predictions, advanced models.</a:t>
-            </a:r>
-            <a:endParaRPr/>
+              <a:rPr lang="en-US" sz="2500"/>
+              <a:t>Hoai An Nguyen: Decision Tree Classifier, Presentation and Report</a:t>
+            </a:r>
+            <a:endParaRPr sz="2500"/>
           </a:p>
         </p:txBody>
       </p:sp>
@@ -9531,12 +9895,12 @@
 </p:sld>
 </file>
 
-<file path=ppt/slides/slide17.xml><?xml version="1.0" encoding="utf-8"?>
+<file path=ppt/slides/slide18.xml><?xml version="1.0" encoding="utf-8"?>
 <p:sld xmlns:a="http://schemas.openxmlformats.org/drawingml/2006/main" xmlns:r="http://schemas.openxmlformats.org/officeDocument/2006/relationships" xmlns:mc="http://schemas.openxmlformats.org/markup-compatibility/2006" xmlns:mv="urn:schemas-microsoft-com:mac:vml" xmlns:p="http://schemas.openxmlformats.org/presentationml/2006/main" xmlns:c="http://schemas.openxmlformats.org/drawingml/2006/chart" xmlns:dgm="http://schemas.openxmlformats.org/drawingml/2006/diagram" xmlns:o="urn:schemas-microsoft-com:office:office" xmlns:v="urn:schemas-microsoft-com:vml" xmlns:pvml="urn:schemas-microsoft-com:office:powerpoint" xmlns:com="http://schemas.openxmlformats.org/drawingml/2006/compatibility" xmlns:p14="http://schemas.microsoft.com/office/powerpoint/2010/main" xmlns:p15="http://schemas.microsoft.com/office/powerpoint/2012/main" xmlns:ahyp="http://schemas.microsoft.com/office/drawing/2018/hyperlinkcolor">
   <p:cSld>
     <p:spTree>
       <p:nvGrpSpPr>
-        <p:cNvPr id="163" name="Shape 163"/>
+        <p:cNvPr id="173" name="Shape 173"/>
         <p:cNvGrpSpPr/>
         <p:nvPr/>
       </p:nvGrpSpPr>
@@ -9550,7 +9914,7 @@
       </p:grpSpPr>
       <p:sp>
         <p:nvSpPr>
-          <p:cNvPr id="164" name="Google Shape;164;p14"/>
+          <p:cNvPr id="174" name="Google Shape;174;p15"/>
           <p:cNvSpPr txBox="1"/>
           <p:nvPr>
             <p:ph type="title"/>
@@ -9591,7 +9955,7 @@
             </a:pPr>
             <a:r>
               <a:rPr lang="en-US"/>
-              <a:t>Project Plan &amp; Task Distribution</a:t>
+              <a:t>References and Acknowledgments</a:t>
             </a:r>
             <a:endParaRPr/>
           </a:p>
@@ -9599,199 +9963,7 @@
       </p:sp>
       <p:sp>
         <p:nvSpPr>
-          <p:cNvPr id="165" name="Google Shape;165;p14"/>
-          <p:cNvSpPr txBox="1"/>
-          <p:nvPr>
-            <p:ph idx="1" type="body"/>
-          </p:nvPr>
-        </p:nvSpPr>
-        <p:spPr>
-          <a:xfrm>
-            <a:off x="415600" y="1612833"/>
-            <a:ext cx="11360700" cy="4555200"/>
-          </a:xfrm>
-          <a:prstGeom prst="rect">
-            <a:avLst/>
-          </a:prstGeom>
-          <a:noFill/>
-          <a:ln>
-            <a:noFill/>
-          </a:ln>
-        </p:spPr>
-        <p:txBody>
-          <a:bodyPr anchorCtr="0" anchor="t" bIns="45700" lIns="91425" spcFirstLastPara="1" rIns="91425" wrap="square" tIns="45700">
-            <a:normAutofit/>
-          </a:bodyPr>
-          <a:lstStyle/>
-          <a:p>
-            <a:pPr indent="0" lvl="0" marL="0" rtl="0" algn="l">
-              <a:spcBef>
-                <a:spcPts val="0"/>
-              </a:spcBef>
-              <a:spcAft>
-                <a:spcPts val="0"/>
-              </a:spcAft>
-              <a:buNone/>
-            </a:pPr>
-            <a:r>
-              <a:rPr lang="en-US" sz="2500"/>
-              <a:t>We all worked on: data cleaning, feature engineering, data visualization,  evaluation metrics, report documentation, presentation preparation</a:t>
-            </a:r>
-            <a:endParaRPr sz="2500"/>
-          </a:p>
-          <a:p>
-            <a:pPr indent="0" lvl="0" marL="0" rtl="0" algn="l">
-              <a:spcBef>
-                <a:spcPts val="1000"/>
-              </a:spcBef>
-              <a:spcAft>
-                <a:spcPts val="0"/>
-              </a:spcAft>
-              <a:buNone/>
-            </a:pPr>
-            <a:r>
-              <a:t/>
-            </a:r>
-            <a:endParaRPr sz="2500"/>
-          </a:p>
-          <a:p>
-            <a:pPr indent="-349250" lvl="0" marL="342900" rtl="0" algn="l">
-              <a:spcBef>
-                <a:spcPts val="1000"/>
-              </a:spcBef>
-              <a:spcAft>
-                <a:spcPts val="0"/>
-              </a:spcAft>
-              <a:buSzPts val="1700"/>
-              <a:buChar char="●"/>
-            </a:pPr>
-            <a:r>
-              <a:rPr lang="en-US" sz="2500"/>
-              <a:t>Vivek Ponnala: Setting up github, CI and all the branches, implementing Random Forest Classifier</a:t>
-            </a:r>
-            <a:endParaRPr sz="2500"/>
-          </a:p>
-          <a:p>
-            <a:pPr indent="-349250" lvl="0" marL="342900" rtl="0" algn="l">
-              <a:spcBef>
-                <a:spcPts val="1000"/>
-              </a:spcBef>
-              <a:spcAft>
-                <a:spcPts val="0"/>
-              </a:spcAft>
-              <a:buSzPts val="1700"/>
-              <a:buChar char="●"/>
-            </a:pPr>
-            <a:r>
-              <a:rPr lang="en-US" sz="2500"/>
-              <a:t>Maggie Qin: </a:t>
-            </a:r>
-            <a:r>
-              <a:rPr lang="en-US" sz="2500">
-                <a:solidFill>
-                  <a:srgbClr val="CACACA"/>
-                </a:solidFill>
-              </a:rPr>
-              <a:t>K-Nearest Neighbors Classifier</a:t>
-            </a:r>
-            <a:endParaRPr sz="2500"/>
-          </a:p>
-          <a:p>
-            <a:pPr indent="-349250" lvl="0" marL="342900" rtl="0" algn="l">
-              <a:spcBef>
-                <a:spcPts val="1000"/>
-              </a:spcBef>
-              <a:spcAft>
-                <a:spcPts val="1000"/>
-              </a:spcAft>
-              <a:buSzPts val="1700"/>
-              <a:buChar char="●"/>
-            </a:pPr>
-            <a:r>
-              <a:rPr lang="en-US" sz="2500"/>
-              <a:t>Hoai An Nguyen: Decision Tree Classifier</a:t>
-            </a:r>
-            <a:endParaRPr sz="2500"/>
-          </a:p>
-        </p:txBody>
-      </p:sp>
-    </p:spTree>
-  </p:cSld>
-  <p:clrMapOvr>
-    <a:masterClrMapping/>
-  </p:clrMapOvr>
-</p:sld>
-</file>
-
-<file path=ppt/slides/slide18.xml><?xml version="1.0" encoding="utf-8"?>
-<p:sld xmlns:a="http://schemas.openxmlformats.org/drawingml/2006/main" xmlns:r="http://schemas.openxmlformats.org/officeDocument/2006/relationships" xmlns:mc="http://schemas.openxmlformats.org/markup-compatibility/2006" xmlns:mv="urn:schemas-microsoft-com:mac:vml" xmlns:p="http://schemas.openxmlformats.org/presentationml/2006/main" xmlns:c="http://schemas.openxmlformats.org/drawingml/2006/chart" xmlns:dgm="http://schemas.openxmlformats.org/drawingml/2006/diagram" xmlns:o="urn:schemas-microsoft-com:office:office" xmlns:v="urn:schemas-microsoft-com:vml" xmlns:pvml="urn:schemas-microsoft-com:office:powerpoint" xmlns:com="http://schemas.openxmlformats.org/drawingml/2006/compatibility" xmlns:p14="http://schemas.microsoft.com/office/powerpoint/2010/main" xmlns:p15="http://schemas.microsoft.com/office/powerpoint/2012/main" xmlns:ahyp="http://schemas.microsoft.com/office/drawing/2018/hyperlinkcolor">
-  <p:cSld>
-    <p:spTree>
-      <p:nvGrpSpPr>
-        <p:cNvPr id="169" name="Shape 169"/>
-        <p:cNvGrpSpPr/>
-        <p:nvPr/>
-      </p:nvGrpSpPr>
-      <p:grpSpPr>
-        <a:xfrm>
-          <a:off x="0" y="0"/>
-          <a:ext cx="0" cy="0"/>
-          <a:chOff x="0" y="0"/>
-          <a:chExt cx="0" cy="0"/>
-        </a:xfrm>
-      </p:grpSpPr>
-      <p:sp>
-        <p:nvSpPr>
-          <p:cNvPr id="170" name="Google Shape;170;p15"/>
-          <p:cNvSpPr txBox="1"/>
-          <p:nvPr>
-            <p:ph type="title"/>
-          </p:nvPr>
-        </p:nvSpPr>
-        <p:spPr>
-          <a:xfrm>
-            <a:off x="415600" y="593367"/>
-            <a:ext cx="11360700" cy="763500"/>
-          </a:xfrm>
-          <a:prstGeom prst="rect">
-            <a:avLst/>
-          </a:prstGeom>
-          <a:noFill/>
-          <a:ln>
-            <a:noFill/>
-          </a:ln>
-        </p:spPr>
-        <p:txBody>
-          <a:bodyPr anchorCtr="0" anchor="t" bIns="45700" lIns="91425" spcFirstLastPara="1" rIns="91425" wrap="square" tIns="45700">
-            <a:noAutofit/>
-          </a:bodyPr>
-          <a:lstStyle/>
-          <a:p>
-            <a:pPr indent="0" lvl="0" marL="0" rtl="0" algn="l">
-              <a:spcBef>
-                <a:spcPts val="0"/>
-              </a:spcBef>
-              <a:spcAft>
-                <a:spcPts val="0"/>
-              </a:spcAft>
-              <a:buClr>
-                <a:schemeClr val="lt2"/>
-              </a:buClr>
-              <a:buSzPts val="4200"/>
-              <a:buFont typeface="Century Gothic"/>
-              <a:buNone/>
-            </a:pPr>
-            <a:r>
-              <a:rPr lang="en-US"/>
-              <a:t>References and Acknowledgments</a:t>
-            </a:r>
-            <a:endParaRPr/>
-          </a:p>
-        </p:txBody>
-      </p:sp>
-      <p:sp>
-        <p:nvSpPr>
-          <p:cNvPr id="171" name="Google Shape;171;p15"/>
+          <p:cNvPr id="175" name="Google Shape;175;p15"/>
           <p:cNvSpPr txBox="1"/>
           <p:nvPr>
             <p:ph idx="1" type="body"/>
